--- a/1.Introduction_part2/Introduction.pptx
+++ b/1.Introduction_part2/Introduction.pptx
@@ -5,23 +5,25 @@
     <p:sldMasterId id="2147483648" r:id="rId1"/>
   </p:sldMasterIdLst>
   <p:notesMasterIdLst>
-    <p:notesMasterId r:id="rId16"/>
+    <p:notesMasterId r:id="rId18"/>
   </p:notesMasterIdLst>
   <p:sldIdLst>
     <p:sldId id="280" r:id="rId2"/>
     <p:sldId id="269" r:id="rId3"/>
     <p:sldId id="270" r:id="rId4"/>
-    <p:sldId id="293" r:id="rId5"/>
-    <p:sldId id="294" r:id="rId6"/>
-    <p:sldId id="295" r:id="rId7"/>
-    <p:sldId id="296" r:id="rId8"/>
-    <p:sldId id="279" r:id="rId9"/>
-    <p:sldId id="271" r:id="rId10"/>
-    <p:sldId id="268" r:id="rId11"/>
-    <p:sldId id="272" r:id="rId12"/>
-    <p:sldId id="287" r:id="rId13"/>
-    <p:sldId id="267" r:id="rId14"/>
-    <p:sldId id="278" r:id="rId15"/>
+    <p:sldId id="297" r:id="rId5"/>
+    <p:sldId id="298" r:id="rId6"/>
+    <p:sldId id="293" r:id="rId7"/>
+    <p:sldId id="294" r:id="rId8"/>
+    <p:sldId id="295" r:id="rId9"/>
+    <p:sldId id="296" r:id="rId10"/>
+    <p:sldId id="279" r:id="rId11"/>
+    <p:sldId id="271" r:id="rId12"/>
+    <p:sldId id="268" r:id="rId13"/>
+    <p:sldId id="272" r:id="rId14"/>
+    <p:sldId id="287" r:id="rId15"/>
+    <p:sldId id="267" r:id="rId16"/>
+    <p:sldId id="278" r:id="rId17"/>
   </p:sldIdLst>
   <p:sldSz cx="9144000" cy="6858000" type="screen4x3"/>
   <p:notesSz cx="6858000" cy="9144000"/>
@@ -221,7 +223,7 @@
           <a:p>
             <a:fld id="{7FCDCAFE-ED6D-40DE-BB2A-6C2FAE0E1B23}" type="datetimeFigureOut">
               <a:rPr lang="en-US" smtClean="0"/>
-              <a:t>1/23/2013</a:t>
+              <a:t>1/24/2013</a:t>
             </a:fld>
             <a:endParaRPr lang="en-US"/>
           </a:p>
@@ -671,7 +673,7 @@
             <a:fld id="{1D8BD707-D9CF-40AE-B4C6-C98DA3205C09}" type="datetimeFigureOut">
               <a:rPr lang="en-US" smtClean="0"/>
               <a:pPr/>
-              <a:t>1/23/2013</a:t>
+              <a:t>1/24/2013</a:t>
             </a:fld>
             <a:endParaRPr lang="en-US"/>
           </a:p>
@@ -838,7 +840,7 @@
             <a:fld id="{1D8BD707-D9CF-40AE-B4C6-C98DA3205C09}" type="datetimeFigureOut">
               <a:rPr lang="en-US" smtClean="0"/>
               <a:pPr/>
-              <a:t>1/23/2013</a:t>
+              <a:t>1/24/2013</a:t>
             </a:fld>
             <a:endParaRPr lang="en-US"/>
           </a:p>
@@ -1015,7 +1017,7 @@
             <a:fld id="{1D8BD707-D9CF-40AE-B4C6-C98DA3205C09}" type="datetimeFigureOut">
               <a:rPr lang="en-US" smtClean="0"/>
               <a:pPr/>
-              <a:t>1/23/2013</a:t>
+              <a:t>1/24/2013</a:t>
             </a:fld>
             <a:endParaRPr lang="en-US"/>
           </a:p>
@@ -1182,7 +1184,7 @@
             <a:fld id="{1D8BD707-D9CF-40AE-B4C6-C98DA3205C09}" type="datetimeFigureOut">
               <a:rPr lang="en-US" smtClean="0"/>
               <a:pPr/>
-              <a:t>1/23/2013</a:t>
+              <a:t>1/24/2013</a:t>
             </a:fld>
             <a:endParaRPr lang="en-US"/>
           </a:p>
@@ -1425,7 +1427,7 @@
             <a:fld id="{1D8BD707-D9CF-40AE-B4C6-C98DA3205C09}" type="datetimeFigureOut">
               <a:rPr lang="en-US" smtClean="0"/>
               <a:pPr/>
-              <a:t>1/23/2013</a:t>
+              <a:t>1/24/2013</a:t>
             </a:fld>
             <a:endParaRPr lang="en-US"/>
           </a:p>
@@ -1710,7 +1712,7 @@
             <a:fld id="{1D8BD707-D9CF-40AE-B4C6-C98DA3205C09}" type="datetimeFigureOut">
               <a:rPr lang="en-US" smtClean="0"/>
               <a:pPr/>
-              <a:t>1/23/2013</a:t>
+              <a:t>1/24/2013</a:t>
             </a:fld>
             <a:endParaRPr lang="en-US"/>
           </a:p>
@@ -2129,7 +2131,7 @@
             <a:fld id="{1D8BD707-D9CF-40AE-B4C6-C98DA3205C09}" type="datetimeFigureOut">
               <a:rPr lang="en-US" smtClean="0"/>
               <a:pPr/>
-              <a:t>1/23/2013</a:t>
+              <a:t>1/24/2013</a:t>
             </a:fld>
             <a:endParaRPr lang="en-US"/>
           </a:p>
@@ -2244,7 +2246,7 @@
             <a:fld id="{1D8BD707-D9CF-40AE-B4C6-C98DA3205C09}" type="datetimeFigureOut">
               <a:rPr lang="en-US" smtClean="0"/>
               <a:pPr/>
-              <a:t>1/23/2013</a:t>
+              <a:t>1/24/2013</a:t>
             </a:fld>
             <a:endParaRPr lang="en-US"/>
           </a:p>
@@ -2336,7 +2338,7 @@
             <a:fld id="{1D8BD707-D9CF-40AE-B4C6-C98DA3205C09}" type="datetimeFigureOut">
               <a:rPr lang="en-US" smtClean="0"/>
               <a:pPr/>
-              <a:t>1/23/2013</a:t>
+              <a:t>1/24/2013</a:t>
             </a:fld>
             <a:endParaRPr lang="en-US"/>
           </a:p>
@@ -2610,7 +2612,7 @@
             <a:fld id="{1D8BD707-D9CF-40AE-B4C6-C98DA3205C09}" type="datetimeFigureOut">
               <a:rPr lang="en-US" smtClean="0"/>
               <a:pPr/>
-              <a:t>1/23/2013</a:t>
+              <a:t>1/24/2013</a:t>
             </a:fld>
             <a:endParaRPr lang="en-US"/>
           </a:p>
@@ -2860,7 +2862,7 @@
             <a:fld id="{1D8BD707-D9CF-40AE-B4C6-C98DA3205C09}" type="datetimeFigureOut">
               <a:rPr lang="en-US" smtClean="0"/>
               <a:pPr/>
-              <a:t>1/23/2013</a:t>
+              <a:t>1/24/2013</a:t>
             </a:fld>
             <a:endParaRPr lang="en-US"/>
           </a:p>
@@ -3079,7 +3081,7 @@
             <a:fld id="{1D8BD707-D9CF-40AE-B4C6-C98DA3205C09}" type="datetimeFigureOut">
               <a:rPr lang="en-US" smtClean="0"/>
               <a:pPr/>
-              <a:t>1/23/2013</a:t>
+              <a:t>1/24/2013</a:t>
             </a:fld>
             <a:endParaRPr lang="en-US"/>
           </a:p>
@@ -3612,6 +3614,321 @@
         </p:nvSpPr>
         <p:spPr>
           <a:xfrm>
+            <a:off x="457200" y="533400"/>
+            <a:ext cx="3827330" cy="630942"/>
+          </a:xfrm>
+          <a:prstGeom prst="rect">
+            <a:avLst/>
+          </a:prstGeom>
+          <a:noFill/>
+        </p:spPr>
+        <p:txBody>
+          <a:bodyPr wrap="none" rtlCol="0">
+            <a:spAutoFit/>
+          </a:bodyPr>
+          <a:lstStyle/>
+          <a:p>
+            <a:r>
+              <a:rPr lang="en-US" sz="3500" dirty="0">
+                <a:solidFill>
+                  <a:schemeClr val="tx1">
+                    <a:lumMod val="65000"/>
+                    <a:lumOff val="35000"/>
+                  </a:schemeClr>
+                </a:solidFill>
+                <a:effectLst>
+                  <a:outerShdw blurRad="38100" dist="38100" dir="2700000" algn="tl">
+                    <a:srgbClr val="000000">
+                      <a:alpha val="43137"/>
+                    </a:srgbClr>
+                  </a:outerShdw>
+                </a:effectLst>
+              </a:rPr>
+              <a:t>Software Versioning</a:t>
+            </a:r>
+          </a:p>
+        </p:txBody>
+      </p:sp>
+      <p:pic>
+        <p:nvPicPr>
+          <p:cNvPr id="8194" name="Picture 2" descr="C:\Users\jkad\Desktop\Trainings\Testing\Screen-shot-2009-12-24-at-11.32.03.png"/>
+          <p:cNvPicPr>
+            <a:picLocks noChangeAspect="1" noChangeArrowheads="1"/>
+          </p:cNvPicPr>
+          <p:nvPr/>
+        </p:nvPicPr>
+        <p:blipFill>
+          <a:blip r:embed="rId2">
+            <a:extLst>
+              <a:ext uri="{28A0092B-C50C-407E-A947-70E740481C1C}">
+                <a14:useLocalDpi xmlns:a14="http://schemas.microsoft.com/office/drawing/2010/main" val="0"/>
+              </a:ext>
+            </a:extLst>
+          </a:blip>
+          <a:srcRect/>
+          <a:stretch>
+            <a:fillRect/>
+          </a:stretch>
+        </p:blipFill>
+        <p:spPr bwMode="auto">
+          <a:xfrm>
+            <a:off x="2798439" y="1371600"/>
+            <a:ext cx="3285729" cy="4382765"/>
+          </a:xfrm>
+          <a:prstGeom prst="rect">
+            <a:avLst/>
+          </a:prstGeom>
+          <a:noFill/>
+          <a:extLst>
+            <a:ext uri="{909E8E84-426E-40DD-AFC4-6F175D3DCCD1}">
+              <a14:hiddenFill xmlns:a14="http://schemas.microsoft.com/office/drawing/2010/main">
+                <a:solidFill>
+                  <a:srgbClr val="FFFFFF"/>
+                </a:solidFill>
+              </a14:hiddenFill>
+            </a:ext>
+          </a:extLst>
+        </p:spPr>
+      </p:pic>
+    </p:spTree>
+    <p:extLst>
+      <p:ext uri="{BB962C8B-B14F-4D97-AF65-F5344CB8AC3E}">
+        <p14:creationId xmlns:p14="http://schemas.microsoft.com/office/powerpoint/2010/main" val="301249091"/>
+      </p:ext>
+    </p:extLst>
+  </p:cSld>
+  <p:clrMapOvr>
+    <a:masterClrMapping/>
+  </p:clrMapOvr>
+  <p:transition/>
+  <p:timing>
+    <p:tnLst>
+      <p:par>
+        <p:cTn id="1" dur="indefinite" restart="never" nodeType="tmRoot"/>
+      </p:par>
+    </p:tnLst>
+  </p:timing>
+</p:sld>
+</file>
+
+<file path=ppt/slides/slide11.xml><?xml version="1.0" encoding="utf-8"?>
+<p:sld xmlns:a="http://schemas.openxmlformats.org/drawingml/2006/main" xmlns:r="http://schemas.openxmlformats.org/officeDocument/2006/relationships" xmlns:p="http://schemas.openxmlformats.org/presentationml/2006/main">
+  <p:cSld>
+    <p:spTree>
+      <p:nvGrpSpPr>
+        <p:cNvPr id="1" name=""/>
+        <p:cNvGrpSpPr/>
+        <p:nvPr/>
+      </p:nvGrpSpPr>
+      <p:grpSpPr>
+        <a:xfrm>
+          <a:off x="0" y="0"/>
+          <a:ext cx="0" cy="0"/>
+          <a:chOff x="0" y="0"/>
+          <a:chExt cx="0" cy="0"/>
+        </a:xfrm>
+      </p:grpSpPr>
+      <p:sp>
+        <p:nvSpPr>
+          <p:cNvPr id="4" name="TextBox 3"/>
+          <p:cNvSpPr txBox="1"/>
+          <p:nvPr/>
+        </p:nvSpPr>
+        <p:spPr>
+          <a:xfrm>
+            <a:off x="457200" y="404664"/>
+            <a:ext cx="1495922" cy="630942"/>
+          </a:xfrm>
+          <a:prstGeom prst="rect">
+            <a:avLst/>
+          </a:prstGeom>
+          <a:noFill/>
+        </p:spPr>
+        <p:txBody>
+          <a:bodyPr wrap="none" rtlCol="0">
+            <a:spAutoFit/>
+          </a:bodyPr>
+          <a:lstStyle/>
+          <a:p>
+            <a:r>
+              <a:rPr lang="en-US" sz="3500" dirty="0">
+                <a:solidFill>
+                  <a:schemeClr val="tx1">
+                    <a:lumMod val="65000"/>
+                    <a:lumOff val="35000"/>
+                  </a:schemeClr>
+                </a:solidFill>
+                <a:effectLst>
+                  <a:outerShdw blurRad="38100" dist="38100" dir="2700000" algn="tl">
+                    <a:srgbClr val="000000">
+                      <a:alpha val="43137"/>
+                    </a:srgbClr>
+                  </a:outerShdw>
+                </a:effectLst>
+              </a:rPr>
+              <a:t>Quality</a:t>
+            </a:r>
+          </a:p>
+        </p:txBody>
+      </p:sp>
+      <p:pic>
+        <p:nvPicPr>
+          <p:cNvPr id="1026" name="Picture 2" descr="C:\Users\jkad\Desktop\Trainings\Testing\architectural_criteria.jpg"/>
+          <p:cNvPicPr>
+            <a:picLocks noChangeAspect="1" noChangeArrowheads="1"/>
+          </p:cNvPicPr>
+          <p:nvPr/>
+        </p:nvPicPr>
+        <p:blipFill>
+          <a:blip r:embed="rId2">
+            <a:extLst>
+              <a:ext uri="{28A0092B-C50C-407E-A947-70E740481C1C}">
+                <a14:useLocalDpi xmlns:a14="http://schemas.microsoft.com/office/drawing/2010/main" val="0"/>
+              </a:ext>
+            </a:extLst>
+          </a:blip>
+          <a:srcRect/>
+          <a:stretch>
+            <a:fillRect/>
+          </a:stretch>
+        </p:blipFill>
+        <p:spPr bwMode="auto">
+          <a:xfrm>
+            <a:off x="1676400" y="1889602"/>
+            <a:ext cx="5386814" cy="4384829"/>
+          </a:xfrm>
+          <a:prstGeom prst="rect">
+            <a:avLst/>
+          </a:prstGeom>
+          <a:noFill/>
+          <a:extLst>
+            <a:ext uri="{909E8E84-426E-40DD-AFC4-6F175D3DCCD1}">
+              <a14:hiddenFill xmlns:a14="http://schemas.microsoft.com/office/drawing/2010/main">
+                <a:solidFill>
+                  <a:srgbClr val="FFFFFF"/>
+                </a:solidFill>
+              </a14:hiddenFill>
+            </a:ext>
+          </a:extLst>
+        </p:spPr>
+      </p:pic>
+      <p:sp>
+        <p:nvSpPr>
+          <p:cNvPr id="2" name="Rectangle 1"/>
+          <p:cNvSpPr/>
+          <p:nvPr/>
+        </p:nvSpPr>
+        <p:spPr>
+          <a:xfrm>
+            <a:off x="611560" y="1110056"/>
+            <a:ext cx="7920880" cy="754053"/>
+          </a:xfrm>
+          <a:prstGeom prst="rect">
+            <a:avLst/>
+          </a:prstGeom>
+        </p:spPr>
+        <p:txBody>
+          <a:bodyPr wrap="square">
+            <a:spAutoFit/>
+          </a:bodyPr>
+          <a:lstStyle/>
+          <a:p>
+            <a:r>
+              <a:rPr lang="en-US" sz="2500" dirty="0">
+                <a:solidFill>
+                  <a:schemeClr val="accent6">
+                    <a:lumMod val="75000"/>
+                  </a:schemeClr>
+                </a:solidFill>
+                <a:latin typeface="Aharoni" pitchFamily="2" charset="-79"/>
+                <a:cs typeface="Aharoni" pitchFamily="2" charset="-79"/>
+              </a:rPr>
+              <a:t>Definition:</a:t>
+            </a:r>
+            <a:r>
+              <a:rPr lang="en-US" b="1" dirty="0" smtClean="0"/>
+              <a:t> </a:t>
+            </a:r>
+            <a:r>
+              <a:rPr lang="en-US" dirty="0"/>
+              <a:t>t</a:t>
+            </a:r>
+            <a:r>
+              <a:rPr lang="en-US" dirty="0" smtClean="0"/>
+              <a:t>he </a:t>
+            </a:r>
+            <a:r>
+              <a:rPr lang="en-US" dirty="0"/>
+              <a:t>degree to which a component, system or process meets specified </a:t>
+            </a:r>
+            <a:r>
+              <a:rPr lang="en-US" dirty="0" smtClean="0"/>
+              <a:t>requirements and/or </a:t>
+            </a:r>
+            <a:r>
+              <a:rPr lang="en-US" dirty="0"/>
+              <a:t>user/customer needs and expectations. </a:t>
+            </a:r>
+            <a:r>
+              <a:rPr lang="en-US" sz="1400" dirty="0"/>
+              <a:t>[After IEEE 610]</a:t>
+            </a:r>
+          </a:p>
+        </p:txBody>
+      </p:sp>
+    </p:spTree>
+    <p:extLst>
+      <p:ext uri="{BB962C8B-B14F-4D97-AF65-F5344CB8AC3E}">
+        <p14:creationId xmlns:p14="http://schemas.microsoft.com/office/powerpoint/2010/main" val="932905381"/>
+      </p:ext>
+    </p:extLst>
+  </p:cSld>
+  <p:clrMapOvr>
+    <a:masterClrMapping/>
+  </p:clrMapOvr>
+  <mc:AlternateContent xmlns:mc="http://schemas.openxmlformats.org/markup-compatibility/2006" xmlns:p14="http://schemas.microsoft.com/office/powerpoint/2010/main">
+    <mc:Choice Requires="p14">
+      <p:transition spd="slow" p14:dur="2000"/>
+    </mc:Choice>
+    <mc:Fallback xmlns="">
+      <p:transition spd="slow"/>
+    </mc:Fallback>
+  </mc:AlternateContent>
+  <p:timing>
+    <p:tnLst>
+      <p:par>
+        <p:cTn id="1" dur="indefinite" restart="never" nodeType="tmRoot"/>
+      </p:par>
+    </p:tnLst>
+  </p:timing>
+</p:sld>
+</file>
+
+<file path=ppt/slides/slide12.xml><?xml version="1.0" encoding="utf-8"?>
+<p:sld xmlns:a="http://schemas.openxmlformats.org/drawingml/2006/main" xmlns:r="http://schemas.openxmlformats.org/officeDocument/2006/relationships" xmlns:p="http://schemas.openxmlformats.org/presentationml/2006/main">
+  <p:cSld>
+    <p:spTree>
+      <p:nvGrpSpPr>
+        <p:cNvPr id="1" name=""/>
+        <p:cNvGrpSpPr/>
+        <p:nvPr/>
+      </p:nvGrpSpPr>
+      <p:grpSpPr>
+        <a:xfrm>
+          <a:off x="0" y="0"/>
+          <a:ext cx="0" cy="0"/>
+          <a:chOff x="0" y="0"/>
+          <a:chExt cx="0" cy="0"/>
+        </a:xfrm>
+      </p:grpSpPr>
+      <p:sp>
+        <p:nvSpPr>
+          <p:cNvPr id="4" name="TextBox 3"/>
+          <p:cNvSpPr txBox="1"/>
+          <p:nvPr/>
+        </p:nvSpPr>
+        <p:spPr>
+          <a:xfrm>
             <a:off x="457200" y="457200"/>
             <a:ext cx="8397042" cy="553998"/>
           </a:xfrm>
@@ -4294,7 +4611,7 @@
 </p:sld>
 </file>
 
-<file path=ppt/slides/slide11.xml><?xml version="1.0" encoding="utf-8"?>
+<file path=ppt/slides/slide13.xml><?xml version="1.0" encoding="utf-8"?>
 <p:sld xmlns:a="http://schemas.openxmlformats.org/drawingml/2006/main" xmlns:r="http://schemas.openxmlformats.org/officeDocument/2006/relationships" xmlns:p="http://schemas.openxmlformats.org/presentationml/2006/main">
   <p:cSld>
     <p:spTree>
@@ -5238,7 +5555,7 @@
 </p:sld>
 </file>
 
-<file path=ppt/slides/slide12.xml><?xml version="1.0" encoding="utf-8"?>
+<file path=ppt/slides/slide14.xml><?xml version="1.0" encoding="utf-8"?>
 <p:sld xmlns:a="http://schemas.openxmlformats.org/drawingml/2006/main" xmlns:r="http://schemas.openxmlformats.org/officeDocument/2006/relationships" xmlns:p="http://schemas.openxmlformats.org/presentationml/2006/main">
   <p:cSld>
     <p:spTree>
@@ -6000,7 +6317,7 @@
 </p:sld>
 </file>
 
-<file path=ppt/slides/slide13.xml><?xml version="1.0" encoding="utf-8"?>
+<file path=ppt/slides/slide15.xml><?xml version="1.0" encoding="utf-8"?>
 <p:sld xmlns:a="http://schemas.openxmlformats.org/drawingml/2006/main" xmlns:r="http://schemas.openxmlformats.org/officeDocument/2006/relationships" xmlns:p="http://schemas.openxmlformats.org/presentationml/2006/main">
   <p:cSld>
     <p:spTree>
@@ -7309,7 +7626,7 @@
 </p:sld>
 </file>
 
-<file path=ppt/slides/slide14.xml><?xml version="1.0" encoding="utf-8"?>
+<file path=ppt/slides/slide16.xml><?xml version="1.0" encoding="utf-8"?>
 <p:sld xmlns:a="http://schemas.openxmlformats.org/drawingml/2006/main" xmlns:r="http://schemas.openxmlformats.org/officeDocument/2006/relationships" xmlns:p="http://schemas.openxmlformats.org/presentationml/2006/main">
   <p:cSld>
     <p:spTree>
@@ -7709,11 +8026,7 @@
           <a:p>
             <a:r>
               <a:rPr lang="en-US" b="1" dirty="0" smtClean="0"/>
-              <a:t>10. </a:t>
-            </a:r>
-            <a:r>
-              <a:rPr lang="en-US" b="1" dirty="0" smtClean="0"/>
-              <a:t>True </a:t>
+              <a:t>10. True </a:t>
             </a:r>
             <a:r>
               <a:rPr lang="en-US" b="1" dirty="0"/>
@@ -9083,7 +9396,7 @@
         <p:spPr>
           <a:xfrm>
             <a:off x="457200" y="533400"/>
-            <a:ext cx="1332416" cy="630942"/>
+            <a:ext cx="3701654" cy="630942"/>
           </a:xfrm>
           <a:prstGeom prst="rect">
             <a:avLst/>
@@ -9112,8 +9425,23 @@
                   </a:outerShdw>
                 </a:effectLst>
               </a:rPr>
-              <a:t>Inputs</a:t>
-            </a:r>
+              <a:t>Inputs and Outputs</a:t>
+            </a:r>
+            <a:endParaRPr lang="en-US" sz="3500" dirty="0">
+              <a:solidFill>
+                <a:schemeClr val="tx1">
+                  <a:lumMod val="65000"/>
+                  <a:lumOff val="35000"/>
+                </a:schemeClr>
+              </a:solidFill>
+              <a:effectLst>
+                <a:outerShdw blurRad="38100" dist="38100" dir="2700000" algn="tl">
+                  <a:srgbClr val="000000">
+                    <a:alpha val="43137"/>
+                  </a:srgbClr>
+                </a:outerShdw>
+              </a:effectLst>
+            </a:endParaRPr>
           </a:p>
         </p:txBody>
       </p:sp>
@@ -9775,6 +10103,1425 @@
         <p:spPr>
           <a:xfrm>
             <a:off x="457200" y="533400"/>
+            <a:ext cx="5788829" cy="630942"/>
+          </a:xfrm>
+          <a:prstGeom prst="rect">
+            <a:avLst/>
+          </a:prstGeom>
+          <a:noFill/>
+        </p:spPr>
+        <p:txBody>
+          <a:bodyPr wrap="none" rtlCol="0">
+            <a:spAutoFit/>
+          </a:bodyPr>
+          <a:lstStyle/>
+          <a:p>
+            <a:r>
+              <a:rPr lang="en-US" sz="3500" dirty="0" smtClean="0">
+                <a:solidFill>
+                  <a:schemeClr val="tx1">
+                    <a:lumMod val="65000"/>
+                    <a:lumOff val="35000"/>
+                  </a:schemeClr>
+                </a:solidFill>
+                <a:effectLst>
+                  <a:outerShdw blurRad="38100" dist="38100" dir="2700000" algn="tl">
+                    <a:srgbClr val="000000">
+                      <a:alpha val="43137"/>
+                    </a:srgbClr>
+                  </a:outerShdw>
+                </a:effectLst>
+              </a:rPr>
+              <a:t>What kind of OS do you know?</a:t>
+            </a:r>
+            <a:endParaRPr lang="en-US" sz="3500" dirty="0">
+              <a:solidFill>
+                <a:schemeClr val="tx1">
+                  <a:lumMod val="65000"/>
+                  <a:lumOff val="35000"/>
+                </a:schemeClr>
+              </a:solidFill>
+              <a:effectLst>
+                <a:outerShdw blurRad="38100" dist="38100" dir="2700000" algn="tl">
+                  <a:srgbClr val="000000">
+                    <a:alpha val="43137"/>
+                  </a:srgbClr>
+                </a:outerShdw>
+              </a:effectLst>
+            </a:endParaRPr>
+          </a:p>
+        </p:txBody>
+      </p:sp>
+      <p:sp>
+        <p:nvSpPr>
+          <p:cNvPr id="11" name="Content Placeholder 2"/>
+          <p:cNvSpPr txBox="1">
+            <a:spLocks/>
+          </p:cNvSpPr>
+          <p:nvPr/>
+        </p:nvSpPr>
+        <p:spPr>
+          <a:xfrm>
+            <a:off x="1681753" y="3789040"/>
+            <a:ext cx="4419600" cy="1944216"/>
+          </a:xfrm>
+          <a:prstGeom prst="rect">
+            <a:avLst/>
+          </a:prstGeom>
+        </p:spPr>
+        <p:txBody>
+          <a:bodyPr vert="horz" lIns="91440" tIns="45720" rIns="91440" bIns="45720" rtlCol="0">
+            <a:normAutofit fontScale="62500" lnSpcReduction="20000"/>
+          </a:bodyPr>
+          <a:lstStyle>
+            <a:lvl1pPr marL="0" indent="0" algn="ctr" defTabSz="914400" rtl="0" eaLnBrk="1" latinLnBrk="0" hangingPunct="1">
+              <a:spcBef>
+                <a:spcPct val="20000"/>
+              </a:spcBef>
+              <a:buFont typeface="Arial" pitchFamily="34" charset="0"/>
+              <a:buNone/>
+              <a:defRPr sz="3200" kern="1200">
+                <a:solidFill>
+                  <a:schemeClr val="tx1">
+                    <a:tint val="75000"/>
+                  </a:schemeClr>
+                </a:solidFill>
+                <a:latin typeface="+mn-lt"/>
+                <a:ea typeface="+mn-ea"/>
+                <a:cs typeface="+mn-cs"/>
+              </a:defRPr>
+            </a:lvl1pPr>
+            <a:lvl2pPr marL="457200" indent="0" algn="ctr" defTabSz="914400" rtl="0" eaLnBrk="1" latinLnBrk="0" hangingPunct="1">
+              <a:spcBef>
+                <a:spcPct val="20000"/>
+              </a:spcBef>
+              <a:buFont typeface="Arial" pitchFamily="34" charset="0"/>
+              <a:buNone/>
+              <a:defRPr sz="2800" kern="1200">
+                <a:solidFill>
+                  <a:schemeClr val="tx1">
+                    <a:tint val="75000"/>
+                  </a:schemeClr>
+                </a:solidFill>
+                <a:latin typeface="+mn-lt"/>
+                <a:ea typeface="+mn-ea"/>
+                <a:cs typeface="+mn-cs"/>
+              </a:defRPr>
+            </a:lvl2pPr>
+            <a:lvl3pPr marL="914400" indent="0" algn="ctr" defTabSz="914400" rtl="0" eaLnBrk="1" latinLnBrk="0" hangingPunct="1">
+              <a:spcBef>
+                <a:spcPct val="20000"/>
+              </a:spcBef>
+              <a:buFont typeface="Arial" pitchFamily="34" charset="0"/>
+              <a:buNone/>
+              <a:defRPr sz="2400" kern="1200">
+                <a:solidFill>
+                  <a:schemeClr val="tx1">
+                    <a:tint val="75000"/>
+                  </a:schemeClr>
+                </a:solidFill>
+                <a:latin typeface="+mn-lt"/>
+                <a:ea typeface="+mn-ea"/>
+                <a:cs typeface="+mn-cs"/>
+              </a:defRPr>
+            </a:lvl3pPr>
+            <a:lvl4pPr marL="1371600" indent="0" algn="ctr" defTabSz="914400" rtl="0" eaLnBrk="1" latinLnBrk="0" hangingPunct="1">
+              <a:spcBef>
+                <a:spcPct val="20000"/>
+              </a:spcBef>
+              <a:buFont typeface="Arial" pitchFamily="34" charset="0"/>
+              <a:buNone/>
+              <a:defRPr sz="2000" kern="1200">
+                <a:solidFill>
+                  <a:schemeClr val="tx1">
+                    <a:tint val="75000"/>
+                  </a:schemeClr>
+                </a:solidFill>
+                <a:latin typeface="+mn-lt"/>
+                <a:ea typeface="+mn-ea"/>
+                <a:cs typeface="+mn-cs"/>
+              </a:defRPr>
+            </a:lvl4pPr>
+            <a:lvl5pPr marL="1828800" indent="0" algn="ctr" defTabSz="914400" rtl="0" eaLnBrk="1" latinLnBrk="0" hangingPunct="1">
+              <a:spcBef>
+                <a:spcPct val="20000"/>
+              </a:spcBef>
+              <a:buFont typeface="Arial" pitchFamily="34" charset="0"/>
+              <a:buNone/>
+              <a:defRPr sz="2000" kern="1200">
+                <a:solidFill>
+                  <a:schemeClr val="tx1">
+                    <a:tint val="75000"/>
+                  </a:schemeClr>
+                </a:solidFill>
+                <a:latin typeface="+mn-lt"/>
+                <a:ea typeface="+mn-ea"/>
+                <a:cs typeface="+mn-cs"/>
+              </a:defRPr>
+            </a:lvl5pPr>
+            <a:lvl6pPr marL="2286000" indent="0" algn="ctr" defTabSz="914400" rtl="0" eaLnBrk="1" latinLnBrk="0" hangingPunct="1">
+              <a:spcBef>
+                <a:spcPct val="20000"/>
+              </a:spcBef>
+              <a:buFont typeface="Arial" pitchFamily="34" charset="0"/>
+              <a:buNone/>
+              <a:defRPr sz="2000" kern="1200">
+                <a:solidFill>
+                  <a:schemeClr val="tx1">
+                    <a:tint val="75000"/>
+                  </a:schemeClr>
+                </a:solidFill>
+                <a:latin typeface="+mn-lt"/>
+                <a:ea typeface="+mn-ea"/>
+                <a:cs typeface="+mn-cs"/>
+              </a:defRPr>
+            </a:lvl6pPr>
+            <a:lvl7pPr marL="2743200" indent="0" algn="ctr" defTabSz="914400" rtl="0" eaLnBrk="1" latinLnBrk="0" hangingPunct="1">
+              <a:spcBef>
+                <a:spcPct val="20000"/>
+              </a:spcBef>
+              <a:buFont typeface="Arial" pitchFamily="34" charset="0"/>
+              <a:buNone/>
+              <a:defRPr sz="2000" kern="1200">
+                <a:solidFill>
+                  <a:schemeClr val="tx1">
+                    <a:tint val="75000"/>
+                  </a:schemeClr>
+                </a:solidFill>
+                <a:latin typeface="+mn-lt"/>
+                <a:ea typeface="+mn-ea"/>
+                <a:cs typeface="+mn-cs"/>
+              </a:defRPr>
+            </a:lvl7pPr>
+            <a:lvl8pPr marL="3200400" indent="0" algn="ctr" defTabSz="914400" rtl="0" eaLnBrk="1" latinLnBrk="0" hangingPunct="1">
+              <a:spcBef>
+                <a:spcPct val="20000"/>
+              </a:spcBef>
+              <a:buFont typeface="Arial" pitchFamily="34" charset="0"/>
+              <a:buNone/>
+              <a:defRPr sz="2000" kern="1200">
+                <a:solidFill>
+                  <a:schemeClr val="tx1">
+                    <a:tint val="75000"/>
+                  </a:schemeClr>
+                </a:solidFill>
+                <a:latin typeface="+mn-lt"/>
+                <a:ea typeface="+mn-ea"/>
+                <a:cs typeface="+mn-cs"/>
+              </a:defRPr>
+            </a:lvl8pPr>
+            <a:lvl9pPr marL="3657600" indent="0" algn="ctr" defTabSz="914400" rtl="0" eaLnBrk="1" latinLnBrk="0" hangingPunct="1">
+              <a:spcBef>
+                <a:spcPct val="20000"/>
+              </a:spcBef>
+              <a:buFont typeface="Arial" pitchFamily="34" charset="0"/>
+              <a:buNone/>
+              <a:defRPr sz="2000" kern="1200">
+                <a:solidFill>
+                  <a:schemeClr val="tx1">
+                    <a:tint val="75000"/>
+                  </a:schemeClr>
+                </a:solidFill>
+                <a:latin typeface="+mn-lt"/>
+                <a:ea typeface="+mn-ea"/>
+                <a:cs typeface="+mn-cs"/>
+              </a:defRPr>
+            </a:lvl9pPr>
+          </a:lstStyle>
+          <a:p>
+            <a:pPr algn="l">
+              <a:lnSpc>
+                <a:spcPct val="150000"/>
+              </a:lnSpc>
+            </a:pPr>
+            <a:r>
+              <a:rPr lang="en-US" sz="2000" dirty="0" smtClean="0">
+                <a:solidFill>
+                  <a:schemeClr val="tx1">
+                    <a:lumMod val="95000"/>
+                    <a:lumOff val="5000"/>
+                  </a:schemeClr>
+                </a:solidFill>
+              </a:rPr>
+              <a:t>Windows / </a:t>
+            </a:r>
+            <a:r>
+              <a:rPr lang="en-US" sz="2000" dirty="0" err="1" smtClean="0">
+                <a:solidFill>
+                  <a:schemeClr val="tx1">
+                    <a:lumMod val="95000"/>
+                    <a:lumOff val="5000"/>
+                  </a:schemeClr>
+                </a:solidFill>
+              </a:rPr>
+              <a:t>MS-Dos</a:t>
+            </a:r>
+            <a:endParaRPr lang="en-US" sz="2000" dirty="0" smtClean="0">
+              <a:solidFill>
+                <a:schemeClr val="tx1">
+                  <a:lumMod val="95000"/>
+                  <a:lumOff val="5000"/>
+                </a:schemeClr>
+              </a:solidFill>
+            </a:endParaRPr>
+          </a:p>
+          <a:p>
+            <a:pPr algn="l">
+              <a:lnSpc>
+                <a:spcPct val="150000"/>
+              </a:lnSpc>
+            </a:pPr>
+            <a:r>
+              <a:rPr lang="en-US" sz="2000" dirty="0" smtClean="0">
+                <a:solidFill>
+                  <a:schemeClr val="tx1">
+                    <a:lumMod val="95000"/>
+                    <a:lumOff val="5000"/>
+                  </a:schemeClr>
+                </a:solidFill>
+              </a:rPr>
+              <a:t>Unix</a:t>
+            </a:r>
+          </a:p>
+          <a:p>
+            <a:pPr algn="l">
+              <a:lnSpc>
+                <a:spcPct val="150000"/>
+              </a:lnSpc>
+            </a:pPr>
+            <a:r>
+              <a:rPr lang="en-US" sz="2000" dirty="0" smtClean="0">
+                <a:solidFill>
+                  <a:schemeClr val="tx1">
+                    <a:lumMod val="95000"/>
+                    <a:lumOff val="5000"/>
+                  </a:schemeClr>
+                </a:solidFill>
+              </a:rPr>
+              <a:t>Linux</a:t>
+            </a:r>
+          </a:p>
+          <a:p>
+            <a:pPr algn="l">
+              <a:lnSpc>
+                <a:spcPct val="150000"/>
+              </a:lnSpc>
+            </a:pPr>
+            <a:r>
+              <a:rPr lang="en-US" sz="2000" dirty="0" smtClean="0">
+                <a:solidFill>
+                  <a:schemeClr val="tx1">
+                    <a:lumMod val="95000"/>
+                    <a:lumOff val="5000"/>
+                  </a:schemeClr>
+                </a:solidFill>
+              </a:rPr>
+              <a:t>Android</a:t>
+            </a:r>
+          </a:p>
+          <a:p>
+            <a:pPr algn="l">
+              <a:lnSpc>
+                <a:spcPct val="150000"/>
+              </a:lnSpc>
+            </a:pPr>
+            <a:r>
+              <a:rPr lang="en-US" sz="2000" dirty="0" err="1" smtClean="0">
+                <a:solidFill>
+                  <a:schemeClr val="tx1">
+                    <a:lumMod val="95000"/>
+                    <a:lumOff val="5000"/>
+                  </a:schemeClr>
+                </a:solidFill>
+              </a:rPr>
+              <a:t>iOS</a:t>
+            </a:r>
+            <a:endParaRPr lang="ru-RU" sz="2000" dirty="0" smtClean="0">
+              <a:solidFill>
+                <a:schemeClr val="tx1">
+                  <a:lumMod val="95000"/>
+                  <a:lumOff val="5000"/>
+                </a:schemeClr>
+              </a:solidFill>
+            </a:endParaRPr>
+          </a:p>
+          <a:p>
+            <a:pPr algn="l">
+              <a:lnSpc>
+                <a:spcPct val="150000"/>
+              </a:lnSpc>
+            </a:pPr>
+            <a:r>
+              <a:rPr lang="en-US" sz="2000" dirty="0">
+                <a:solidFill>
+                  <a:schemeClr val="tx1">
+                    <a:lumMod val="95000"/>
+                    <a:lumOff val="5000"/>
+                  </a:schemeClr>
+                </a:solidFill>
+              </a:rPr>
+              <a:t>NetWare</a:t>
+            </a:r>
+            <a:endParaRPr lang="en-US" sz="2000" dirty="0" smtClean="0">
+              <a:solidFill>
+                <a:schemeClr val="tx1">
+                  <a:lumMod val="95000"/>
+                  <a:lumOff val="5000"/>
+                </a:schemeClr>
+              </a:solidFill>
+            </a:endParaRPr>
+          </a:p>
+          <a:p>
+            <a:pPr algn="l">
+              <a:lnSpc>
+                <a:spcPct val="150000"/>
+              </a:lnSpc>
+            </a:pPr>
+            <a:endParaRPr lang="ru-RU" sz="2000" dirty="0" smtClean="0">
+              <a:solidFill>
+                <a:schemeClr val="tx1">
+                  <a:lumMod val="95000"/>
+                  <a:lumOff val="5000"/>
+                </a:schemeClr>
+              </a:solidFill>
+            </a:endParaRPr>
+          </a:p>
+        </p:txBody>
+      </p:sp>
+      <p:sp>
+        <p:nvSpPr>
+          <p:cNvPr id="5" name="Chevron 4"/>
+          <p:cNvSpPr/>
+          <p:nvPr/>
+        </p:nvSpPr>
+        <p:spPr>
+          <a:xfrm>
+            <a:off x="1057990" y="1600200"/>
+            <a:ext cx="152400" cy="191037"/>
+          </a:xfrm>
+          <a:prstGeom prst="chevron">
+            <a:avLst/>
+          </a:prstGeom>
+        </p:spPr>
+        <p:style>
+          <a:lnRef idx="1">
+            <a:schemeClr val="accent6"/>
+          </a:lnRef>
+          <a:fillRef idx="3">
+            <a:schemeClr val="accent6"/>
+          </a:fillRef>
+          <a:effectRef idx="2">
+            <a:schemeClr val="accent6"/>
+          </a:effectRef>
+          <a:fontRef idx="minor">
+            <a:schemeClr val="lt1"/>
+          </a:fontRef>
+        </p:style>
+        <p:txBody>
+          <a:bodyPr rtlCol="0" anchor="ctr"/>
+          <a:lstStyle/>
+          <a:p>
+            <a:pPr algn="ctr"/>
+            <a:endParaRPr lang="en-US">
+              <a:solidFill>
+                <a:schemeClr val="tx1"/>
+              </a:solidFill>
+            </a:endParaRPr>
+          </a:p>
+        </p:txBody>
+      </p:sp>
+      <p:sp>
+        <p:nvSpPr>
+          <p:cNvPr id="6" name="Chevron 5"/>
+          <p:cNvSpPr/>
+          <p:nvPr/>
+        </p:nvSpPr>
+        <p:spPr>
+          <a:xfrm>
+            <a:off x="1057990" y="2080590"/>
+            <a:ext cx="152400" cy="191037"/>
+          </a:xfrm>
+          <a:prstGeom prst="chevron">
+            <a:avLst/>
+          </a:prstGeom>
+        </p:spPr>
+        <p:style>
+          <a:lnRef idx="1">
+            <a:schemeClr val="accent6"/>
+          </a:lnRef>
+          <a:fillRef idx="3">
+            <a:schemeClr val="accent6"/>
+          </a:fillRef>
+          <a:effectRef idx="2">
+            <a:schemeClr val="accent6"/>
+          </a:effectRef>
+          <a:fontRef idx="minor">
+            <a:schemeClr val="lt1"/>
+          </a:fontRef>
+        </p:style>
+        <p:txBody>
+          <a:bodyPr rtlCol="0" anchor="ctr"/>
+          <a:lstStyle/>
+          <a:p>
+            <a:pPr algn="ctr"/>
+            <a:endParaRPr lang="en-US">
+              <a:solidFill>
+                <a:schemeClr val="tx1"/>
+              </a:solidFill>
+            </a:endParaRPr>
+          </a:p>
+        </p:txBody>
+      </p:sp>
+      <p:sp>
+        <p:nvSpPr>
+          <p:cNvPr id="7" name="Chevron 6"/>
+          <p:cNvSpPr/>
+          <p:nvPr/>
+        </p:nvSpPr>
+        <p:spPr>
+          <a:xfrm>
+            <a:off x="1057990" y="2590800"/>
+            <a:ext cx="152400" cy="191037"/>
+          </a:xfrm>
+          <a:prstGeom prst="chevron">
+            <a:avLst/>
+          </a:prstGeom>
+        </p:spPr>
+        <p:style>
+          <a:lnRef idx="1">
+            <a:schemeClr val="accent6"/>
+          </a:lnRef>
+          <a:fillRef idx="3">
+            <a:schemeClr val="accent6"/>
+          </a:fillRef>
+          <a:effectRef idx="2">
+            <a:schemeClr val="accent6"/>
+          </a:effectRef>
+          <a:fontRef idx="minor">
+            <a:schemeClr val="lt1"/>
+          </a:fontRef>
+        </p:style>
+        <p:txBody>
+          <a:bodyPr rtlCol="0" anchor="ctr"/>
+          <a:lstStyle/>
+          <a:p>
+            <a:pPr algn="ctr"/>
+            <a:endParaRPr lang="en-US">
+              <a:solidFill>
+                <a:schemeClr val="tx1"/>
+              </a:solidFill>
+            </a:endParaRPr>
+          </a:p>
+        </p:txBody>
+      </p:sp>
+      <p:sp>
+        <p:nvSpPr>
+          <p:cNvPr id="8" name="Chevron 7"/>
+          <p:cNvSpPr/>
+          <p:nvPr/>
+        </p:nvSpPr>
+        <p:spPr>
+          <a:xfrm>
+            <a:off x="1057794" y="3124200"/>
+            <a:ext cx="152400" cy="191037"/>
+          </a:xfrm>
+          <a:prstGeom prst="chevron">
+            <a:avLst/>
+          </a:prstGeom>
+        </p:spPr>
+        <p:style>
+          <a:lnRef idx="1">
+            <a:schemeClr val="accent6"/>
+          </a:lnRef>
+          <a:fillRef idx="3">
+            <a:schemeClr val="accent6"/>
+          </a:fillRef>
+          <a:effectRef idx="2">
+            <a:schemeClr val="accent6"/>
+          </a:effectRef>
+          <a:fontRef idx="minor">
+            <a:schemeClr val="lt1"/>
+          </a:fontRef>
+        </p:style>
+        <p:txBody>
+          <a:bodyPr rtlCol="0" anchor="ctr"/>
+          <a:lstStyle/>
+          <a:p>
+            <a:pPr algn="ctr"/>
+            <a:endParaRPr lang="en-US">
+              <a:solidFill>
+                <a:schemeClr val="tx1"/>
+              </a:solidFill>
+            </a:endParaRPr>
+          </a:p>
+        </p:txBody>
+      </p:sp>
+      <p:sp>
+        <p:nvSpPr>
+          <p:cNvPr id="9" name="Chevron 8"/>
+          <p:cNvSpPr/>
+          <p:nvPr/>
+        </p:nvSpPr>
+        <p:spPr>
+          <a:xfrm>
+            <a:off x="1057794" y="3680128"/>
+            <a:ext cx="152400" cy="191037"/>
+          </a:xfrm>
+          <a:prstGeom prst="chevron">
+            <a:avLst/>
+          </a:prstGeom>
+        </p:spPr>
+        <p:style>
+          <a:lnRef idx="1">
+            <a:schemeClr val="accent6"/>
+          </a:lnRef>
+          <a:fillRef idx="3">
+            <a:schemeClr val="accent6"/>
+          </a:fillRef>
+          <a:effectRef idx="2">
+            <a:schemeClr val="accent6"/>
+          </a:effectRef>
+          <a:fontRef idx="minor">
+            <a:schemeClr val="lt1"/>
+          </a:fontRef>
+        </p:style>
+        <p:txBody>
+          <a:bodyPr rtlCol="0" anchor="ctr"/>
+          <a:lstStyle/>
+          <a:p>
+            <a:pPr algn="ctr"/>
+            <a:endParaRPr lang="en-US">
+              <a:solidFill>
+                <a:schemeClr val="tx1"/>
+              </a:solidFill>
+            </a:endParaRPr>
+          </a:p>
+        </p:txBody>
+      </p:sp>
+      <p:sp>
+        <p:nvSpPr>
+          <p:cNvPr id="10" name="Chevron 9"/>
+          <p:cNvSpPr/>
+          <p:nvPr/>
+        </p:nvSpPr>
+        <p:spPr>
+          <a:xfrm>
+            <a:off x="1057794" y="4158736"/>
+            <a:ext cx="152400" cy="191037"/>
+          </a:xfrm>
+          <a:prstGeom prst="chevron">
+            <a:avLst/>
+          </a:prstGeom>
+        </p:spPr>
+        <p:style>
+          <a:lnRef idx="1">
+            <a:schemeClr val="accent6"/>
+          </a:lnRef>
+          <a:fillRef idx="3">
+            <a:schemeClr val="accent6"/>
+          </a:fillRef>
+          <a:effectRef idx="2">
+            <a:schemeClr val="accent6"/>
+          </a:effectRef>
+          <a:fontRef idx="minor">
+            <a:schemeClr val="lt1"/>
+          </a:fontRef>
+        </p:style>
+        <p:txBody>
+          <a:bodyPr rtlCol="0" anchor="ctr"/>
+          <a:lstStyle/>
+          <a:p>
+            <a:pPr algn="ctr"/>
+            <a:endParaRPr lang="en-US">
+              <a:solidFill>
+                <a:schemeClr val="tx1"/>
+              </a:solidFill>
+            </a:endParaRPr>
+          </a:p>
+        </p:txBody>
+      </p:sp>
+      <p:sp>
+        <p:nvSpPr>
+          <p:cNvPr id="2" name="TextBox 1"/>
+          <p:cNvSpPr txBox="1"/>
+          <p:nvPr/>
+        </p:nvSpPr>
+        <p:spPr>
+          <a:xfrm>
+            <a:off x="1681753" y="1304509"/>
+            <a:ext cx="7208705" cy="2031325"/>
+          </a:xfrm>
+          <a:prstGeom prst="rect">
+            <a:avLst/>
+          </a:prstGeom>
+          <a:noFill/>
+        </p:spPr>
+        <p:txBody>
+          <a:bodyPr wrap="none" rtlCol="0">
+            <a:spAutoFit/>
+          </a:bodyPr>
+          <a:lstStyle/>
+          <a:p>
+            <a:r>
+              <a:rPr lang="ru-RU" dirty="0" smtClean="0"/>
+              <a:t>Однозадачные</a:t>
+            </a:r>
+            <a:r>
+              <a:rPr lang="en-US" dirty="0" smtClean="0"/>
+              <a:t> - </a:t>
+            </a:r>
+            <a:r>
+              <a:rPr lang="ru-RU" dirty="0" smtClean="0"/>
+              <a:t>Многозадачные</a:t>
+            </a:r>
+            <a:endParaRPr lang="en-US" dirty="0" smtClean="0"/>
+          </a:p>
+          <a:p>
+            <a:r>
+              <a:rPr lang="ru-RU" dirty="0" smtClean="0"/>
+              <a:t>Пользовательские или Клиентские (имеющие </a:t>
+            </a:r>
+            <a:r>
+              <a:rPr lang="en-US" dirty="0" smtClean="0"/>
+              <a:t>UI</a:t>
+            </a:r>
+            <a:r>
+              <a:rPr lang="ru-RU" dirty="0" smtClean="0"/>
+              <a:t>) </a:t>
+            </a:r>
+          </a:p>
+          <a:p>
+            <a:r>
+              <a:rPr lang="ru-RU" dirty="0"/>
+              <a:t>	</a:t>
+            </a:r>
+            <a:r>
+              <a:rPr lang="ru-RU" dirty="0" smtClean="0"/>
+              <a:t>	(однопользовательские - многопользовательские) – </a:t>
+            </a:r>
+          </a:p>
+          <a:p>
+            <a:r>
+              <a:rPr lang="ru-RU" dirty="0"/>
+              <a:t>	</a:t>
+            </a:r>
+            <a:r>
+              <a:rPr lang="ru-RU" dirty="0" smtClean="0"/>
+              <a:t>Серверные или Командные</a:t>
+            </a:r>
+            <a:r>
+              <a:rPr lang="en-US" dirty="0" smtClean="0"/>
+              <a:t> (</a:t>
+            </a:r>
+            <a:r>
+              <a:rPr lang="ru-RU" dirty="0" smtClean="0"/>
+              <a:t>не имеющие </a:t>
+            </a:r>
+            <a:r>
+              <a:rPr lang="en-US" dirty="0" smtClean="0"/>
+              <a:t>UI)</a:t>
+            </a:r>
+            <a:endParaRPr lang="ru-RU" dirty="0" smtClean="0"/>
+          </a:p>
+          <a:p>
+            <a:r>
+              <a:rPr lang="ru-RU" dirty="0" smtClean="0"/>
+              <a:t>Открытые – Закрытые</a:t>
+            </a:r>
+          </a:p>
+          <a:p>
+            <a:r>
+              <a:rPr lang="ru-RU" dirty="0" smtClean="0"/>
+              <a:t>Платные – Бесплатные</a:t>
+            </a:r>
+          </a:p>
+          <a:p>
+            <a:r>
+              <a:rPr lang="ru-RU" dirty="0" smtClean="0"/>
+              <a:t>16-, 32-, 64- разрядные</a:t>
+            </a:r>
+          </a:p>
+        </p:txBody>
+      </p:sp>
+    </p:spTree>
+    <p:extLst>
+      <p:ext uri="{BB962C8B-B14F-4D97-AF65-F5344CB8AC3E}">
+        <p14:creationId xmlns:p14="http://schemas.microsoft.com/office/powerpoint/2010/main" val="3839620317"/>
+      </p:ext>
+    </p:extLst>
+  </p:cSld>
+  <p:clrMapOvr>
+    <a:masterClrMapping/>
+  </p:clrMapOvr>
+  <p:transition/>
+  <p:timing>
+    <p:tnLst>
+      <p:par>
+        <p:cTn id="1" dur="indefinite" restart="never" nodeType="tmRoot"/>
+      </p:par>
+    </p:tnLst>
+  </p:timing>
+</p:sld>
+</file>
+
+<file path=ppt/slides/slide5.xml><?xml version="1.0" encoding="utf-8"?>
+<p:sld xmlns:a="http://schemas.openxmlformats.org/drawingml/2006/main" xmlns:r="http://schemas.openxmlformats.org/officeDocument/2006/relationships" xmlns:p="http://schemas.openxmlformats.org/presentationml/2006/main">
+  <p:cSld>
+    <p:spTree>
+      <p:nvGrpSpPr>
+        <p:cNvPr id="1" name=""/>
+        <p:cNvGrpSpPr/>
+        <p:nvPr/>
+      </p:nvGrpSpPr>
+      <p:grpSpPr>
+        <a:xfrm>
+          <a:off x="0" y="0"/>
+          <a:ext cx="0" cy="0"/>
+          <a:chOff x="0" y="0"/>
+          <a:chExt cx="0" cy="0"/>
+        </a:xfrm>
+      </p:grpSpPr>
+      <p:sp>
+        <p:nvSpPr>
+          <p:cNvPr id="4" name="TextBox 3"/>
+          <p:cNvSpPr txBox="1"/>
+          <p:nvPr/>
+        </p:nvSpPr>
+        <p:spPr>
+          <a:xfrm>
+            <a:off x="457200" y="533400"/>
+            <a:ext cx="7931595" cy="630942"/>
+          </a:xfrm>
+          <a:prstGeom prst="rect">
+            <a:avLst/>
+          </a:prstGeom>
+          <a:noFill/>
+        </p:spPr>
+        <p:txBody>
+          <a:bodyPr wrap="none" rtlCol="0">
+            <a:spAutoFit/>
+          </a:bodyPr>
+          <a:lstStyle/>
+          <a:p>
+            <a:r>
+              <a:rPr lang="en-US" sz="3500" dirty="0" smtClean="0">
+                <a:solidFill>
+                  <a:schemeClr val="tx1">
+                    <a:lumMod val="65000"/>
+                    <a:lumOff val="35000"/>
+                  </a:schemeClr>
+                </a:solidFill>
+                <a:effectLst>
+                  <a:outerShdw blurRad="38100" dist="38100" dir="2700000" algn="tl">
+                    <a:srgbClr val="000000">
+                      <a:alpha val="43137"/>
+                    </a:srgbClr>
+                  </a:outerShdw>
+                </a:effectLst>
+              </a:rPr>
+              <a:t>What kind of program types do you know?</a:t>
+            </a:r>
+            <a:endParaRPr lang="en-US" sz="3500" dirty="0">
+              <a:solidFill>
+                <a:schemeClr val="tx1">
+                  <a:lumMod val="65000"/>
+                  <a:lumOff val="35000"/>
+                </a:schemeClr>
+              </a:solidFill>
+              <a:effectLst>
+                <a:outerShdw blurRad="38100" dist="38100" dir="2700000" algn="tl">
+                  <a:srgbClr val="000000">
+                    <a:alpha val="43137"/>
+                  </a:srgbClr>
+                </a:outerShdw>
+              </a:effectLst>
+            </a:endParaRPr>
+          </a:p>
+        </p:txBody>
+      </p:sp>
+      <p:sp>
+        <p:nvSpPr>
+          <p:cNvPr id="11" name="Content Placeholder 2"/>
+          <p:cNvSpPr txBox="1">
+            <a:spLocks/>
+          </p:cNvSpPr>
+          <p:nvPr/>
+        </p:nvSpPr>
+        <p:spPr>
+          <a:xfrm>
+            <a:off x="1232256" y="1371600"/>
+            <a:ext cx="4779904" cy="3505200"/>
+          </a:xfrm>
+          <a:prstGeom prst="rect">
+            <a:avLst/>
+          </a:prstGeom>
+        </p:spPr>
+        <p:txBody>
+          <a:bodyPr vert="horz" lIns="91440" tIns="45720" rIns="91440" bIns="45720" rtlCol="0">
+            <a:normAutofit/>
+          </a:bodyPr>
+          <a:lstStyle>
+            <a:lvl1pPr marL="0" indent="0" algn="ctr" defTabSz="914400" rtl="0" eaLnBrk="1" latinLnBrk="0" hangingPunct="1">
+              <a:spcBef>
+                <a:spcPct val="20000"/>
+              </a:spcBef>
+              <a:buFont typeface="Arial" pitchFamily="34" charset="0"/>
+              <a:buNone/>
+              <a:defRPr sz="3200" kern="1200">
+                <a:solidFill>
+                  <a:schemeClr val="tx1">
+                    <a:tint val="75000"/>
+                  </a:schemeClr>
+                </a:solidFill>
+                <a:latin typeface="+mn-lt"/>
+                <a:ea typeface="+mn-ea"/>
+                <a:cs typeface="+mn-cs"/>
+              </a:defRPr>
+            </a:lvl1pPr>
+            <a:lvl2pPr marL="457200" indent="0" algn="ctr" defTabSz="914400" rtl="0" eaLnBrk="1" latinLnBrk="0" hangingPunct="1">
+              <a:spcBef>
+                <a:spcPct val="20000"/>
+              </a:spcBef>
+              <a:buFont typeface="Arial" pitchFamily="34" charset="0"/>
+              <a:buNone/>
+              <a:defRPr sz="2800" kern="1200">
+                <a:solidFill>
+                  <a:schemeClr val="tx1">
+                    <a:tint val="75000"/>
+                  </a:schemeClr>
+                </a:solidFill>
+                <a:latin typeface="+mn-lt"/>
+                <a:ea typeface="+mn-ea"/>
+                <a:cs typeface="+mn-cs"/>
+              </a:defRPr>
+            </a:lvl2pPr>
+            <a:lvl3pPr marL="914400" indent="0" algn="ctr" defTabSz="914400" rtl="0" eaLnBrk="1" latinLnBrk="0" hangingPunct="1">
+              <a:spcBef>
+                <a:spcPct val="20000"/>
+              </a:spcBef>
+              <a:buFont typeface="Arial" pitchFamily="34" charset="0"/>
+              <a:buNone/>
+              <a:defRPr sz="2400" kern="1200">
+                <a:solidFill>
+                  <a:schemeClr val="tx1">
+                    <a:tint val="75000"/>
+                  </a:schemeClr>
+                </a:solidFill>
+                <a:latin typeface="+mn-lt"/>
+                <a:ea typeface="+mn-ea"/>
+                <a:cs typeface="+mn-cs"/>
+              </a:defRPr>
+            </a:lvl3pPr>
+            <a:lvl4pPr marL="1371600" indent="0" algn="ctr" defTabSz="914400" rtl="0" eaLnBrk="1" latinLnBrk="0" hangingPunct="1">
+              <a:spcBef>
+                <a:spcPct val="20000"/>
+              </a:spcBef>
+              <a:buFont typeface="Arial" pitchFamily="34" charset="0"/>
+              <a:buNone/>
+              <a:defRPr sz="2000" kern="1200">
+                <a:solidFill>
+                  <a:schemeClr val="tx1">
+                    <a:tint val="75000"/>
+                  </a:schemeClr>
+                </a:solidFill>
+                <a:latin typeface="+mn-lt"/>
+                <a:ea typeface="+mn-ea"/>
+                <a:cs typeface="+mn-cs"/>
+              </a:defRPr>
+            </a:lvl4pPr>
+            <a:lvl5pPr marL="1828800" indent="0" algn="ctr" defTabSz="914400" rtl="0" eaLnBrk="1" latinLnBrk="0" hangingPunct="1">
+              <a:spcBef>
+                <a:spcPct val="20000"/>
+              </a:spcBef>
+              <a:buFont typeface="Arial" pitchFamily="34" charset="0"/>
+              <a:buNone/>
+              <a:defRPr sz="2000" kern="1200">
+                <a:solidFill>
+                  <a:schemeClr val="tx1">
+                    <a:tint val="75000"/>
+                  </a:schemeClr>
+                </a:solidFill>
+                <a:latin typeface="+mn-lt"/>
+                <a:ea typeface="+mn-ea"/>
+                <a:cs typeface="+mn-cs"/>
+              </a:defRPr>
+            </a:lvl5pPr>
+            <a:lvl6pPr marL="2286000" indent="0" algn="ctr" defTabSz="914400" rtl="0" eaLnBrk="1" latinLnBrk="0" hangingPunct="1">
+              <a:spcBef>
+                <a:spcPct val="20000"/>
+              </a:spcBef>
+              <a:buFont typeface="Arial" pitchFamily="34" charset="0"/>
+              <a:buNone/>
+              <a:defRPr sz="2000" kern="1200">
+                <a:solidFill>
+                  <a:schemeClr val="tx1">
+                    <a:tint val="75000"/>
+                  </a:schemeClr>
+                </a:solidFill>
+                <a:latin typeface="+mn-lt"/>
+                <a:ea typeface="+mn-ea"/>
+                <a:cs typeface="+mn-cs"/>
+              </a:defRPr>
+            </a:lvl6pPr>
+            <a:lvl7pPr marL="2743200" indent="0" algn="ctr" defTabSz="914400" rtl="0" eaLnBrk="1" latinLnBrk="0" hangingPunct="1">
+              <a:spcBef>
+                <a:spcPct val="20000"/>
+              </a:spcBef>
+              <a:buFont typeface="Arial" pitchFamily="34" charset="0"/>
+              <a:buNone/>
+              <a:defRPr sz="2000" kern="1200">
+                <a:solidFill>
+                  <a:schemeClr val="tx1">
+                    <a:tint val="75000"/>
+                  </a:schemeClr>
+                </a:solidFill>
+                <a:latin typeface="+mn-lt"/>
+                <a:ea typeface="+mn-ea"/>
+                <a:cs typeface="+mn-cs"/>
+              </a:defRPr>
+            </a:lvl7pPr>
+            <a:lvl8pPr marL="3200400" indent="0" algn="ctr" defTabSz="914400" rtl="0" eaLnBrk="1" latinLnBrk="0" hangingPunct="1">
+              <a:spcBef>
+                <a:spcPct val="20000"/>
+              </a:spcBef>
+              <a:buFont typeface="Arial" pitchFamily="34" charset="0"/>
+              <a:buNone/>
+              <a:defRPr sz="2000" kern="1200">
+                <a:solidFill>
+                  <a:schemeClr val="tx1">
+                    <a:tint val="75000"/>
+                  </a:schemeClr>
+                </a:solidFill>
+                <a:latin typeface="+mn-lt"/>
+                <a:ea typeface="+mn-ea"/>
+                <a:cs typeface="+mn-cs"/>
+              </a:defRPr>
+            </a:lvl8pPr>
+            <a:lvl9pPr marL="3657600" indent="0" algn="ctr" defTabSz="914400" rtl="0" eaLnBrk="1" latinLnBrk="0" hangingPunct="1">
+              <a:spcBef>
+                <a:spcPct val="20000"/>
+              </a:spcBef>
+              <a:buFont typeface="Arial" pitchFamily="34" charset="0"/>
+              <a:buNone/>
+              <a:defRPr sz="2000" kern="1200">
+                <a:solidFill>
+                  <a:schemeClr val="tx1">
+                    <a:tint val="75000"/>
+                  </a:schemeClr>
+                </a:solidFill>
+                <a:latin typeface="+mn-lt"/>
+                <a:ea typeface="+mn-ea"/>
+                <a:cs typeface="+mn-cs"/>
+              </a:defRPr>
+            </a:lvl9pPr>
+          </a:lstStyle>
+          <a:p>
+            <a:pPr algn="l">
+              <a:lnSpc>
+                <a:spcPct val="150000"/>
+              </a:lnSpc>
+            </a:pPr>
+            <a:r>
+              <a:rPr lang="en-US" sz="2000" dirty="0" smtClean="0">
+                <a:solidFill>
+                  <a:schemeClr val="tx1">
+                    <a:lumMod val="95000"/>
+                    <a:lumOff val="5000"/>
+                  </a:schemeClr>
+                </a:solidFill>
+              </a:rPr>
+              <a:t>Desktop application &lt;-&gt; Mobile application</a:t>
+            </a:r>
+          </a:p>
+          <a:p>
+            <a:pPr algn="l">
+              <a:lnSpc>
+                <a:spcPct val="150000"/>
+              </a:lnSpc>
+            </a:pPr>
+            <a:r>
+              <a:rPr lang="en-US" sz="2000" dirty="0" smtClean="0">
+                <a:solidFill>
+                  <a:schemeClr val="tx1">
+                    <a:lumMod val="95000"/>
+                    <a:lumOff val="5000"/>
+                  </a:schemeClr>
+                </a:solidFill>
+              </a:rPr>
+              <a:t>Console application</a:t>
+            </a:r>
+            <a:endParaRPr lang="ru-RU" sz="2000" dirty="0" smtClean="0">
+              <a:solidFill>
+                <a:schemeClr val="tx1">
+                  <a:lumMod val="95000"/>
+                  <a:lumOff val="5000"/>
+                </a:schemeClr>
+              </a:solidFill>
+            </a:endParaRPr>
+          </a:p>
+          <a:p>
+            <a:pPr algn="l">
+              <a:lnSpc>
+                <a:spcPct val="150000"/>
+              </a:lnSpc>
+            </a:pPr>
+            <a:r>
+              <a:rPr lang="en-US" sz="2000" dirty="0" smtClean="0">
+                <a:solidFill>
+                  <a:schemeClr val="tx1">
+                    <a:lumMod val="95000"/>
+                    <a:lumOff val="5000"/>
+                  </a:schemeClr>
+                </a:solidFill>
+              </a:rPr>
+              <a:t>GUI (Window) application</a:t>
+            </a:r>
+          </a:p>
+          <a:p>
+            <a:pPr algn="l">
+              <a:lnSpc>
+                <a:spcPct val="150000"/>
+              </a:lnSpc>
+            </a:pPr>
+            <a:r>
+              <a:rPr lang="en-US" sz="2000" dirty="0" smtClean="0">
+                <a:solidFill>
+                  <a:schemeClr val="tx1">
+                    <a:lumMod val="95000"/>
+                    <a:lumOff val="5000"/>
+                  </a:schemeClr>
+                </a:solidFill>
+              </a:rPr>
+              <a:t>Web application</a:t>
+            </a:r>
+          </a:p>
+          <a:p>
+            <a:pPr algn="l">
+              <a:lnSpc>
+                <a:spcPct val="150000"/>
+              </a:lnSpc>
+            </a:pPr>
+            <a:r>
+              <a:rPr lang="en-US" sz="2000" dirty="0" smtClean="0">
+                <a:solidFill>
+                  <a:schemeClr val="tx1">
+                    <a:lumMod val="95000"/>
+                    <a:lumOff val="5000"/>
+                  </a:schemeClr>
+                </a:solidFill>
+              </a:rPr>
+              <a:t>Mobile application / Widget, etc.</a:t>
+            </a:r>
+            <a:endParaRPr lang="ru-RU" sz="2000" dirty="0" smtClean="0">
+              <a:solidFill>
+                <a:schemeClr val="tx1">
+                  <a:lumMod val="95000"/>
+                  <a:lumOff val="5000"/>
+                </a:schemeClr>
+              </a:solidFill>
+            </a:endParaRPr>
+          </a:p>
+        </p:txBody>
+      </p:sp>
+      <p:sp>
+        <p:nvSpPr>
+          <p:cNvPr id="5" name="Chevron 4"/>
+          <p:cNvSpPr/>
+          <p:nvPr/>
+        </p:nvSpPr>
+        <p:spPr>
+          <a:xfrm>
+            <a:off x="1057990" y="1600200"/>
+            <a:ext cx="152400" cy="191037"/>
+          </a:xfrm>
+          <a:prstGeom prst="chevron">
+            <a:avLst/>
+          </a:prstGeom>
+        </p:spPr>
+        <p:style>
+          <a:lnRef idx="1">
+            <a:schemeClr val="accent6"/>
+          </a:lnRef>
+          <a:fillRef idx="3">
+            <a:schemeClr val="accent6"/>
+          </a:fillRef>
+          <a:effectRef idx="2">
+            <a:schemeClr val="accent6"/>
+          </a:effectRef>
+          <a:fontRef idx="minor">
+            <a:schemeClr val="lt1"/>
+          </a:fontRef>
+        </p:style>
+        <p:txBody>
+          <a:bodyPr rtlCol="0" anchor="ctr"/>
+          <a:lstStyle/>
+          <a:p>
+            <a:pPr algn="ctr"/>
+            <a:endParaRPr lang="en-US">
+              <a:solidFill>
+                <a:schemeClr val="tx1"/>
+              </a:solidFill>
+            </a:endParaRPr>
+          </a:p>
+        </p:txBody>
+      </p:sp>
+      <p:sp>
+        <p:nvSpPr>
+          <p:cNvPr id="6" name="Chevron 5"/>
+          <p:cNvSpPr/>
+          <p:nvPr/>
+        </p:nvSpPr>
+        <p:spPr>
+          <a:xfrm>
+            <a:off x="1057990" y="2080590"/>
+            <a:ext cx="152400" cy="191037"/>
+          </a:xfrm>
+          <a:prstGeom prst="chevron">
+            <a:avLst/>
+          </a:prstGeom>
+        </p:spPr>
+        <p:style>
+          <a:lnRef idx="1">
+            <a:schemeClr val="accent6"/>
+          </a:lnRef>
+          <a:fillRef idx="3">
+            <a:schemeClr val="accent6"/>
+          </a:fillRef>
+          <a:effectRef idx="2">
+            <a:schemeClr val="accent6"/>
+          </a:effectRef>
+          <a:fontRef idx="minor">
+            <a:schemeClr val="lt1"/>
+          </a:fontRef>
+        </p:style>
+        <p:txBody>
+          <a:bodyPr rtlCol="0" anchor="ctr"/>
+          <a:lstStyle/>
+          <a:p>
+            <a:pPr algn="ctr"/>
+            <a:endParaRPr lang="en-US">
+              <a:solidFill>
+                <a:schemeClr val="tx1"/>
+              </a:solidFill>
+            </a:endParaRPr>
+          </a:p>
+        </p:txBody>
+      </p:sp>
+      <p:sp>
+        <p:nvSpPr>
+          <p:cNvPr id="7" name="Chevron 6"/>
+          <p:cNvSpPr/>
+          <p:nvPr/>
+        </p:nvSpPr>
+        <p:spPr>
+          <a:xfrm>
+            <a:off x="1057990" y="2590800"/>
+            <a:ext cx="152400" cy="191037"/>
+          </a:xfrm>
+          <a:prstGeom prst="chevron">
+            <a:avLst/>
+          </a:prstGeom>
+        </p:spPr>
+        <p:style>
+          <a:lnRef idx="1">
+            <a:schemeClr val="accent6"/>
+          </a:lnRef>
+          <a:fillRef idx="3">
+            <a:schemeClr val="accent6"/>
+          </a:fillRef>
+          <a:effectRef idx="2">
+            <a:schemeClr val="accent6"/>
+          </a:effectRef>
+          <a:fontRef idx="minor">
+            <a:schemeClr val="lt1"/>
+          </a:fontRef>
+        </p:style>
+        <p:txBody>
+          <a:bodyPr rtlCol="0" anchor="ctr"/>
+          <a:lstStyle/>
+          <a:p>
+            <a:pPr algn="ctr"/>
+            <a:endParaRPr lang="en-US">
+              <a:solidFill>
+                <a:schemeClr val="tx1"/>
+              </a:solidFill>
+            </a:endParaRPr>
+          </a:p>
+        </p:txBody>
+      </p:sp>
+      <p:sp>
+        <p:nvSpPr>
+          <p:cNvPr id="8" name="Chevron 7"/>
+          <p:cNvSpPr/>
+          <p:nvPr/>
+        </p:nvSpPr>
+        <p:spPr>
+          <a:xfrm>
+            <a:off x="1057794" y="3124200"/>
+            <a:ext cx="152400" cy="191037"/>
+          </a:xfrm>
+          <a:prstGeom prst="chevron">
+            <a:avLst/>
+          </a:prstGeom>
+        </p:spPr>
+        <p:style>
+          <a:lnRef idx="1">
+            <a:schemeClr val="accent6"/>
+          </a:lnRef>
+          <a:fillRef idx="3">
+            <a:schemeClr val="accent6"/>
+          </a:fillRef>
+          <a:effectRef idx="2">
+            <a:schemeClr val="accent6"/>
+          </a:effectRef>
+          <a:fontRef idx="minor">
+            <a:schemeClr val="lt1"/>
+          </a:fontRef>
+        </p:style>
+        <p:txBody>
+          <a:bodyPr rtlCol="0" anchor="ctr"/>
+          <a:lstStyle/>
+          <a:p>
+            <a:pPr algn="ctr"/>
+            <a:endParaRPr lang="en-US">
+              <a:solidFill>
+                <a:schemeClr val="tx1"/>
+              </a:solidFill>
+            </a:endParaRPr>
+          </a:p>
+        </p:txBody>
+      </p:sp>
+      <p:sp>
+        <p:nvSpPr>
+          <p:cNvPr id="9" name="Chevron 8"/>
+          <p:cNvSpPr/>
+          <p:nvPr/>
+        </p:nvSpPr>
+        <p:spPr>
+          <a:xfrm>
+            <a:off x="1057794" y="3680128"/>
+            <a:ext cx="152400" cy="191037"/>
+          </a:xfrm>
+          <a:prstGeom prst="chevron">
+            <a:avLst/>
+          </a:prstGeom>
+        </p:spPr>
+        <p:style>
+          <a:lnRef idx="1">
+            <a:schemeClr val="accent6"/>
+          </a:lnRef>
+          <a:fillRef idx="3">
+            <a:schemeClr val="accent6"/>
+          </a:fillRef>
+          <a:effectRef idx="2">
+            <a:schemeClr val="accent6"/>
+          </a:effectRef>
+          <a:fontRef idx="minor">
+            <a:schemeClr val="lt1"/>
+          </a:fontRef>
+        </p:style>
+        <p:txBody>
+          <a:bodyPr rtlCol="0" anchor="ctr"/>
+          <a:lstStyle/>
+          <a:p>
+            <a:pPr algn="ctr"/>
+            <a:endParaRPr lang="en-US">
+              <a:solidFill>
+                <a:schemeClr val="tx1"/>
+              </a:solidFill>
+            </a:endParaRPr>
+          </a:p>
+        </p:txBody>
+      </p:sp>
+      <p:sp>
+        <p:nvSpPr>
+          <p:cNvPr id="10" name="Chevron 9"/>
+          <p:cNvSpPr/>
+          <p:nvPr/>
+        </p:nvSpPr>
+        <p:spPr>
+          <a:xfrm>
+            <a:off x="1057794" y="4158736"/>
+            <a:ext cx="152400" cy="191037"/>
+          </a:xfrm>
+          <a:prstGeom prst="chevron">
+            <a:avLst/>
+          </a:prstGeom>
+        </p:spPr>
+        <p:style>
+          <a:lnRef idx="1">
+            <a:schemeClr val="accent6"/>
+          </a:lnRef>
+          <a:fillRef idx="3">
+            <a:schemeClr val="accent6"/>
+          </a:fillRef>
+          <a:effectRef idx="2">
+            <a:schemeClr val="accent6"/>
+          </a:effectRef>
+          <a:fontRef idx="minor">
+            <a:schemeClr val="lt1"/>
+          </a:fontRef>
+        </p:style>
+        <p:txBody>
+          <a:bodyPr rtlCol="0" anchor="ctr"/>
+          <a:lstStyle/>
+          <a:p>
+            <a:pPr algn="ctr"/>
+            <a:endParaRPr lang="en-US">
+              <a:solidFill>
+                <a:schemeClr val="tx1"/>
+              </a:solidFill>
+            </a:endParaRPr>
+          </a:p>
+        </p:txBody>
+      </p:sp>
+    </p:spTree>
+    <p:extLst>
+      <p:ext uri="{BB962C8B-B14F-4D97-AF65-F5344CB8AC3E}">
+        <p14:creationId xmlns:p14="http://schemas.microsoft.com/office/powerpoint/2010/main" val="1578457037"/>
+      </p:ext>
+    </p:extLst>
+  </p:cSld>
+  <p:clrMapOvr>
+    <a:masterClrMapping/>
+  </p:clrMapOvr>
+  <p:transition/>
+  <p:timing>
+    <p:tnLst>
+      <p:par>
+        <p:cTn id="1" dur="indefinite" restart="never" nodeType="tmRoot"/>
+      </p:par>
+    </p:tnLst>
+  </p:timing>
+</p:sld>
+</file>
+
+<file path=ppt/slides/slide6.xml><?xml version="1.0" encoding="utf-8"?>
+<p:sld xmlns:a="http://schemas.openxmlformats.org/drawingml/2006/main" xmlns:r="http://schemas.openxmlformats.org/officeDocument/2006/relationships" xmlns:p="http://schemas.openxmlformats.org/presentationml/2006/main">
+  <p:cSld>
+    <p:spTree>
+      <p:nvGrpSpPr>
+        <p:cNvPr id="1" name=""/>
+        <p:cNvGrpSpPr/>
+        <p:nvPr/>
+      </p:nvGrpSpPr>
+      <p:grpSpPr>
+        <a:xfrm>
+          <a:off x="0" y="0"/>
+          <a:ext cx="0" cy="0"/>
+          <a:chOff x="0" y="0"/>
+          <a:chExt cx="0" cy="0"/>
+        </a:xfrm>
+      </p:grpSpPr>
+      <p:sp>
+        <p:nvSpPr>
+          <p:cNvPr id="4" name="TextBox 3"/>
+          <p:cNvSpPr txBox="1"/>
+          <p:nvPr/>
+        </p:nvSpPr>
+        <p:spPr>
+          <a:xfrm>
+            <a:off x="457200" y="533400"/>
             <a:ext cx="4176721" cy="630942"/>
           </a:xfrm>
           <a:prstGeom prst="rect">
@@ -10281,7 +12028,7 @@
 </p:sld>
 </file>
 
-<file path=ppt/slides/slide5.xml><?xml version="1.0" encoding="utf-8"?>
+<file path=ppt/slides/slide7.xml><?xml version="1.0" encoding="utf-8"?>
 <p:sld xmlns:a="http://schemas.openxmlformats.org/drawingml/2006/main" xmlns:r="http://schemas.openxmlformats.org/officeDocument/2006/relationships" xmlns:p="http://schemas.openxmlformats.org/presentationml/2006/main">
   <p:cSld>
     <p:spTree>
@@ -10424,388 +12171,6 @@
     <p:extLst>
       <p:ext uri="{BB962C8B-B14F-4D97-AF65-F5344CB8AC3E}">
         <p14:creationId xmlns:p14="http://schemas.microsoft.com/office/powerpoint/2010/main" val="2008221659"/>
-      </p:ext>
-    </p:extLst>
-  </p:cSld>
-  <p:clrMapOvr>
-    <a:masterClrMapping/>
-  </p:clrMapOvr>
-  <p:timing>
-    <p:tnLst>
-      <p:par>
-        <p:cTn id="1" dur="indefinite" restart="never" nodeType="tmRoot"/>
-      </p:par>
-    </p:tnLst>
-  </p:timing>
-</p:sld>
-</file>
-
-<file path=ppt/slides/slide6.xml><?xml version="1.0" encoding="utf-8"?>
-<p:sld xmlns:a="http://schemas.openxmlformats.org/drawingml/2006/main" xmlns:r="http://schemas.openxmlformats.org/officeDocument/2006/relationships" xmlns:p="http://schemas.openxmlformats.org/presentationml/2006/main">
-  <p:cSld>
-    <p:spTree>
-      <p:nvGrpSpPr>
-        <p:cNvPr id="1" name=""/>
-        <p:cNvGrpSpPr/>
-        <p:nvPr/>
-      </p:nvGrpSpPr>
-      <p:grpSpPr>
-        <a:xfrm>
-          <a:off x="0" y="0"/>
-          <a:ext cx="0" cy="0"/>
-          <a:chOff x="0" y="0"/>
-          <a:chExt cx="0" cy="0"/>
-        </a:xfrm>
-      </p:grpSpPr>
-      <p:sp>
-        <p:nvSpPr>
-          <p:cNvPr id="4" name="TextBox 3"/>
-          <p:cNvSpPr txBox="1"/>
-          <p:nvPr/>
-        </p:nvSpPr>
-        <p:spPr>
-          <a:xfrm>
-            <a:off x="457200" y="533400"/>
-            <a:ext cx="6155852" cy="630942"/>
-          </a:xfrm>
-          <a:prstGeom prst="rect">
-            <a:avLst/>
-          </a:prstGeom>
-          <a:noFill/>
-        </p:spPr>
-        <p:txBody>
-          <a:bodyPr wrap="none" rtlCol="0">
-            <a:spAutoFit/>
-          </a:bodyPr>
-          <a:lstStyle/>
-          <a:p>
-            <a:r>
-              <a:rPr lang="en-US" sz="3500" dirty="0" smtClean="0">
-                <a:solidFill>
-                  <a:schemeClr val="tx1">
-                    <a:lumMod val="65000"/>
-                    <a:lumOff val="35000"/>
-                  </a:schemeClr>
-                </a:solidFill>
-                <a:effectLst>
-                  <a:outerShdw blurRad="38100" dist="38100" dir="2700000" algn="tl">
-                    <a:srgbClr val="000000">
-                      <a:alpha val="43137"/>
-                    </a:srgbClr>
-                  </a:outerShdw>
-                </a:effectLst>
-              </a:rPr>
-              <a:t>Software Architecture – Two Tier</a:t>
-            </a:r>
-            <a:endParaRPr lang="en-US" sz="3500" dirty="0">
-              <a:solidFill>
-                <a:schemeClr val="tx1">
-                  <a:lumMod val="65000"/>
-                  <a:lumOff val="35000"/>
-                </a:schemeClr>
-              </a:solidFill>
-              <a:effectLst>
-                <a:outerShdw blurRad="38100" dist="38100" dir="2700000" algn="tl">
-                  <a:srgbClr val="000000">
-                    <a:alpha val="43137"/>
-                  </a:srgbClr>
-                </a:outerShdw>
-              </a:effectLst>
-            </a:endParaRPr>
-          </a:p>
-        </p:txBody>
-      </p:sp>
-      <p:pic>
-        <p:nvPicPr>
-          <p:cNvPr id="5" name="Picture 3"/>
-          <p:cNvPicPr>
-            <a:picLocks noChangeAspect="1" noChangeArrowheads="1"/>
-          </p:cNvPicPr>
-          <p:nvPr/>
-        </p:nvPicPr>
-        <p:blipFill>
-          <a:blip r:embed="rId2" cstate="print">
-            <a:extLst>
-              <a:ext uri="{28A0092B-C50C-407E-A947-70E740481C1C}">
-                <a14:useLocalDpi xmlns:a14="http://schemas.microsoft.com/office/drawing/2010/main" val="0"/>
-              </a:ext>
-            </a:extLst>
-          </a:blip>
-          <a:srcRect/>
-          <a:stretch>
-            <a:fillRect/>
-          </a:stretch>
-        </p:blipFill>
-        <p:spPr bwMode="auto">
-          <a:xfrm>
-            <a:off x="3059113" y="1412875"/>
-            <a:ext cx="2905125" cy="2028825"/>
-          </a:xfrm>
-          <a:prstGeom prst="rect">
-            <a:avLst/>
-          </a:prstGeom>
-          <a:noFill/>
-          <a:ln>
-            <a:noFill/>
-          </a:ln>
-          <a:effectLst/>
-          <a:extLst>
-            <a:ext uri="{909E8E84-426E-40DD-AFC4-6F175D3DCCD1}">
-              <a14:hiddenFill xmlns:a14="http://schemas.microsoft.com/office/drawing/2010/main">
-                <a:solidFill>
-                  <a:schemeClr val="accent1"/>
-                </a:solidFill>
-              </a14:hiddenFill>
-            </a:ext>
-            <a:ext uri="{91240B29-F687-4F45-9708-019B960494DF}">
-              <a14:hiddenLine xmlns:a14="http://schemas.microsoft.com/office/drawing/2010/main" w="9525">
-                <a:solidFill>
-                  <a:schemeClr val="tx1"/>
-                </a:solidFill>
-                <a:miter lim="800000"/>
-                <a:headEnd/>
-                <a:tailEnd/>
-              </a14:hiddenLine>
-            </a:ext>
-            <a:ext uri="{AF507438-7753-43E0-B8FC-AC1667EBCBE1}">
-              <a14:hiddenEffects xmlns:a14="http://schemas.microsoft.com/office/drawing/2010/main">
-                <a:effectLst>
-                  <a:outerShdw dist="35921" dir="2700000" algn="ctr" rotWithShape="0">
-                    <a:schemeClr val="bg2"/>
-                  </a:outerShdw>
-                </a:effectLst>
-              </a14:hiddenEffects>
-            </a:ext>
-          </a:extLst>
-        </p:spPr>
-      </p:pic>
-      <p:pic>
-        <p:nvPicPr>
-          <p:cNvPr id="6" name="Picture 4"/>
-          <p:cNvPicPr>
-            <a:picLocks noChangeAspect="1" noChangeArrowheads="1"/>
-          </p:cNvPicPr>
-          <p:nvPr/>
-        </p:nvPicPr>
-        <p:blipFill>
-          <a:blip r:embed="rId3" cstate="print">
-            <a:extLst>
-              <a:ext uri="{28A0092B-C50C-407E-A947-70E740481C1C}">
-                <a14:useLocalDpi xmlns:a14="http://schemas.microsoft.com/office/drawing/2010/main" val="0"/>
-              </a:ext>
-            </a:extLst>
-          </a:blip>
-          <a:srcRect/>
-          <a:stretch>
-            <a:fillRect/>
-          </a:stretch>
-        </p:blipFill>
-        <p:spPr bwMode="auto">
-          <a:xfrm>
-            <a:off x="3038475" y="3789363"/>
-            <a:ext cx="2809875" cy="2038350"/>
-          </a:xfrm>
-          <a:prstGeom prst="rect">
-            <a:avLst/>
-          </a:prstGeom>
-          <a:noFill/>
-          <a:ln>
-            <a:noFill/>
-          </a:ln>
-          <a:effectLst/>
-          <a:extLst>
-            <a:ext uri="{909E8E84-426E-40DD-AFC4-6F175D3DCCD1}">
-              <a14:hiddenFill xmlns:a14="http://schemas.microsoft.com/office/drawing/2010/main">
-                <a:solidFill>
-                  <a:schemeClr val="accent1"/>
-                </a:solidFill>
-              </a14:hiddenFill>
-            </a:ext>
-            <a:ext uri="{91240B29-F687-4F45-9708-019B960494DF}">
-              <a14:hiddenLine xmlns:a14="http://schemas.microsoft.com/office/drawing/2010/main" w="9525">
-                <a:solidFill>
-                  <a:schemeClr val="tx1"/>
-                </a:solidFill>
-                <a:miter lim="800000"/>
-                <a:headEnd/>
-                <a:tailEnd/>
-              </a14:hiddenLine>
-            </a:ext>
-            <a:ext uri="{AF507438-7753-43E0-B8FC-AC1667EBCBE1}">
-              <a14:hiddenEffects xmlns:a14="http://schemas.microsoft.com/office/drawing/2010/main">
-                <a:effectLst>
-                  <a:outerShdw dist="35921" dir="2700000" algn="ctr" rotWithShape="0">
-                    <a:schemeClr val="bg2"/>
-                  </a:outerShdw>
-                </a:effectLst>
-              </a14:hiddenEffects>
-            </a:ext>
-          </a:extLst>
-        </p:spPr>
-      </p:pic>
-    </p:spTree>
-    <p:extLst>
-      <p:ext uri="{BB962C8B-B14F-4D97-AF65-F5344CB8AC3E}">
-        <p14:creationId xmlns:p14="http://schemas.microsoft.com/office/powerpoint/2010/main" val="2829754604"/>
-      </p:ext>
-    </p:extLst>
-  </p:cSld>
-  <p:clrMapOvr>
-    <a:masterClrMapping/>
-  </p:clrMapOvr>
-  <p:timing>
-    <p:tnLst>
-      <p:par>
-        <p:cTn id="1" dur="indefinite" restart="never" nodeType="tmRoot"/>
-      </p:par>
-    </p:tnLst>
-  </p:timing>
-</p:sld>
-</file>
-
-<file path=ppt/slides/slide7.xml><?xml version="1.0" encoding="utf-8"?>
-<p:sld xmlns:a="http://schemas.openxmlformats.org/drawingml/2006/main" xmlns:r="http://schemas.openxmlformats.org/officeDocument/2006/relationships" xmlns:p="http://schemas.openxmlformats.org/presentationml/2006/main">
-  <p:cSld>
-    <p:spTree>
-      <p:nvGrpSpPr>
-        <p:cNvPr id="1" name=""/>
-        <p:cNvGrpSpPr/>
-        <p:nvPr/>
-      </p:nvGrpSpPr>
-      <p:grpSpPr>
-        <a:xfrm>
-          <a:off x="0" y="0"/>
-          <a:ext cx="0" cy="0"/>
-          <a:chOff x="0" y="0"/>
-          <a:chExt cx="0" cy="0"/>
-        </a:xfrm>
-      </p:grpSpPr>
-      <p:sp>
-        <p:nvSpPr>
-          <p:cNvPr id="4" name="TextBox 3"/>
-          <p:cNvSpPr txBox="1"/>
-          <p:nvPr/>
-        </p:nvSpPr>
-        <p:spPr>
-          <a:xfrm>
-            <a:off x="457200" y="533400"/>
-            <a:ext cx="6453498" cy="630942"/>
-          </a:xfrm>
-          <a:prstGeom prst="rect">
-            <a:avLst/>
-          </a:prstGeom>
-          <a:noFill/>
-        </p:spPr>
-        <p:txBody>
-          <a:bodyPr wrap="none" rtlCol="0">
-            <a:spAutoFit/>
-          </a:bodyPr>
-          <a:lstStyle/>
-          <a:p>
-            <a:r>
-              <a:rPr lang="en-US" sz="3500" dirty="0" smtClean="0">
-                <a:solidFill>
-                  <a:schemeClr val="tx1">
-                    <a:lumMod val="65000"/>
-                    <a:lumOff val="35000"/>
-                  </a:schemeClr>
-                </a:solidFill>
-                <a:effectLst>
-                  <a:outerShdw blurRad="38100" dist="38100" dir="2700000" algn="tl">
-                    <a:srgbClr val="000000">
-                      <a:alpha val="43137"/>
-                    </a:srgbClr>
-                  </a:outerShdw>
-                </a:effectLst>
-              </a:rPr>
-              <a:t>Software Architecture – Three Tier</a:t>
-            </a:r>
-            <a:endParaRPr lang="en-US" sz="3500" dirty="0">
-              <a:solidFill>
-                <a:schemeClr val="tx1">
-                  <a:lumMod val="65000"/>
-                  <a:lumOff val="35000"/>
-                </a:schemeClr>
-              </a:solidFill>
-              <a:effectLst>
-                <a:outerShdw blurRad="38100" dist="38100" dir="2700000" algn="tl">
-                  <a:srgbClr val="000000">
-                    <a:alpha val="43137"/>
-                  </a:srgbClr>
-                </a:outerShdw>
-              </a:effectLst>
-            </a:endParaRPr>
-          </a:p>
-        </p:txBody>
-      </p:sp>
-      <p:pic>
-        <p:nvPicPr>
-          <p:cNvPr id="5" name="Picture 4"/>
-          <p:cNvPicPr>
-            <a:picLocks noChangeAspect="1" noChangeArrowheads="1"/>
-          </p:cNvPicPr>
-          <p:nvPr/>
-        </p:nvPicPr>
-        <p:blipFill>
-          <a:blip r:embed="rId2" cstate="print">
-            <a:extLst>
-              <a:ext uri="{28A0092B-C50C-407E-A947-70E740481C1C}">
-                <a14:useLocalDpi xmlns:a14="http://schemas.microsoft.com/office/drawing/2010/main" val="0"/>
-              </a:ext>
-            </a:extLst>
-          </a:blip>
-          <a:srcRect/>
-          <a:stretch>
-            <a:fillRect/>
-          </a:stretch>
-        </p:blipFill>
-        <p:spPr bwMode="auto">
-          <a:xfrm>
-            <a:off x="1835150" y="2132856"/>
-            <a:ext cx="5210175" cy="2047875"/>
-          </a:xfrm>
-          <a:prstGeom prst="rect">
-            <a:avLst/>
-          </a:prstGeom>
-          <a:noFill/>
-          <a:ln>
-            <a:noFill/>
-          </a:ln>
-          <a:effectLst/>
-          <a:extLst>
-            <a:ext uri="{909E8E84-426E-40DD-AFC4-6F175D3DCCD1}">
-              <a14:hiddenFill xmlns:a14="http://schemas.microsoft.com/office/drawing/2010/main">
-                <a:solidFill>
-                  <a:schemeClr val="accent1"/>
-                </a:solidFill>
-              </a14:hiddenFill>
-            </a:ext>
-            <a:ext uri="{91240B29-F687-4F45-9708-019B960494DF}">
-              <a14:hiddenLine xmlns:a14="http://schemas.microsoft.com/office/drawing/2010/main" w="9525">
-                <a:solidFill>
-                  <a:schemeClr val="tx1"/>
-                </a:solidFill>
-                <a:miter lim="800000"/>
-                <a:headEnd/>
-                <a:tailEnd/>
-              </a14:hiddenLine>
-            </a:ext>
-            <a:ext uri="{AF507438-7753-43E0-B8FC-AC1667EBCBE1}">
-              <a14:hiddenEffects xmlns:a14="http://schemas.microsoft.com/office/drawing/2010/main">
-                <a:effectLst>
-                  <a:outerShdw dist="35921" dir="2700000" algn="ctr" rotWithShape="0">
-                    <a:schemeClr val="bg2"/>
-                  </a:outerShdw>
-                </a:effectLst>
-              </a14:hiddenEffects>
-            </a:ext>
-          </a:extLst>
-        </p:spPr>
-      </p:pic>
-    </p:spTree>
-    <p:extLst>
-      <p:ext uri="{BB962C8B-B14F-4D97-AF65-F5344CB8AC3E}">
-        <p14:creationId xmlns:p14="http://schemas.microsoft.com/office/powerpoint/2010/main" val="2829754604"/>
       </p:ext>
     </p:extLst>
   </p:cSld>
@@ -10848,7 +12213,7 @@
         <p:spPr>
           <a:xfrm>
             <a:off x="457200" y="533400"/>
-            <a:ext cx="3827330" cy="630942"/>
+            <a:ext cx="6155852" cy="630942"/>
           </a:xfrm>
           <a:prstGeom prst="rect">
             <a:avLst/>
@@ -10862,7 +12227,7 @@
           <a:lstStyle/>
           <a:p>
             <a:r>
-              <a:rPr lang="en-US" sz="3500" dirty="0">
+              <a:rPr lang="en-US" sz="3500" dirty="0" smtClean="0">
                 <a:solidFill>
                   <a:schemeClr val="tx1">
                     <a:lumMod val="65000"/>
@@ -10877,21 +12242,36 @@
                   </a:outerShdw>
                 </a:effectLst>
               </a:rPr>
-              <a:t>Software Versioning</a:t>
-            </a:r>
+              <a:t>Software Architecture – Two Tier</a:t>
+            </a:r>
+            <a:endParaRPr lang="en-US" sz="3500" dirty="0">
+              <a:solidFill>
+                <a:schemeClr val="tx1">
+                  <a:lumMod val="65000"/>
+                  <a:lumOff val="35000"/>
+                </a:schemeClr>
+              </a:solidFill>
+              <a:effectLst>
+                <a:outerShdw blurRad="38100" dist="38100" dir="2700000" algn="tl">
+                  <a:srgbClr val="000000">
+                    <a:alpha val="43137"/>
+                  </a:srgbClr>
+                </a:outerShdw>
+              </a:effectLst>
+            </a:endParaRPr>
           </a:p>
         </p:txBody>
       </p:sp>
       <p:pic>
         <p:nvPicPr>
-          <p:cNvPr id="8194" name="Picture 2" descr="C:\Users\jkad\Desktop\Trainings\Testing\Screen-shot-2009-12-24-at-11.32.03.png"/>
+          <p:cNvPr id="5" name="Picture 3"/>
           <p:cNvPicPr>
             <a:picLocks noChangeAspect="1" noChangeArrowheads="1"/>
           </p:cNvPicPr>
           <p:nvPr/>
         </p:nvPicPr>
         <p:blipFill>
-          <a:blip r:embed="rId2">
+          <a:blip r:embed="rId2" cstate="print">
             <a:extLst>
               <a:ext uri="{28A0092B-C50C-407E-A947-70E740481C1C}">
                 <a14:useLocalDpi xmlns:a14="http://schemas.microsoft.com/office/drawing/2010/main" val="0"/>
@@ -10905,20 +12285,107 @@
         </p:blipFill>
         <p:spPr bwMode="auto">
           <a:xfrm>
-            <a:off x="2798439" y="1371600"/>
-            <a:ext cx="3285729" cy="4382765"/>
+            <a:off x="3059113" y="1412875"/>
+            <a:ext cx="2905125" cy="2028825"/>
           </a:xfrm>
           <a:prstGeom prst="rect">
             <a:avLst/>
           </a:prstGeom>
           <a:noFill/>
+          <a:ln>
+            <a:noFill/>
+          </a:ln>
+          <a:effectLst/>
           <a:extLst>
             <a:ext uri="{909E8E84-426E-40DD-AFC4-6F175D3DCCD1}">
               <a14:hiddenFill xmlns:a14="http://schemas.microsoft.com/office/drawing/2010/main">
                 <a:solidFill>
-                  <a:srgbClr val="FFFFFF"/>
+                  <a:schemeClr val="accent1"/>
                 </a:solidFill>
               </a14:hiddenFill>
+            </a:ext>
+            <a:ext uri="{91240B29-F687-4F45-9708-019B960494DF}">
+              <a14:hiddenLine xmlns:a14="http://schemas.microsoft.com/office/drawing/2010/main" w="9525">
+                <a:solidFill>
+                  <a:schemeClr val="tx1"/>
+                </a:solidFill>
+                <a:miter lim="800000"/>
+                <a:headEnd/>
+                <a:tailEnd/>
+              </a14:hiddenLine>
+            </a:ext>
+            <a:ext uri="{AF507438-7753-43E0-B8FC-AC1667EBCBE1}">
+              <a14:hiddenEffects xmlns:a14="http://schemas.microsoft.com/office/drawing/2010/main">
+                <a:effectLst>
+                  <a:outerShdw dist="35921" dir="2700000" algn="ctr" rotWithShape="0">
+                    <a:schemeClr val="bg2"/>
+                  </a:outerShdw>
+                </a:effectLst>
+              </a14:hiddenEffects>
+            </a:ext>
+          </a:extLst>
+        </p:spPr>
+      </p:pic>
+      <p:pic>
+        <p:nvPicPr>
+          <p:cNvPr id="6" name="Picture 4"/>
+          <p:cNvPicPr>
+            <a:picLocks noChangeAspect="1" noChangeArrowheads="1"/>
+          </p:cNvPicPr>
+          <p:nvPr/>
+        </p:nvPicPr>
+        <p:blipFill>
+          <a:blip r:embed="rId3" cstate="print">
+            <a:extLst>
+              <a:ext uri="{28A0092B-C50C-407E-A947-70E740481C1C}">
+                <a14:useLocalDpi xmlns:a14="http://schemas.microsoft.com/office/drawing/2010/main" val="0"/>
+              </a:ext>
+            </a:extLst>
+          </a:blip>
+          <a:srcRect/>
+          <a:stretch>
+            <a:fillRect/>
+          </a:stretch>
+        </p:blipFill>
+        <p:spPr bwMode="auto">
+          <a:xfrm>
+            <a:off x="3038475" y="3789363"/>
+            <a:ext cx="2809875" cy="2038350"/>
+          </a:xfrm>
+          <a:prstGeom prst="rect">
+            <a:avLst/>
+          </a:prstGeom>
+          <a:noFill/>
+          <a:ln>
+            <a:noFill/>
+          </a:ln>
+          <a:effectLst/>
+          <a:extLst>
+            <a:ext uri="{909E8E84-426E-40DD-AFC4-6F175D3DCCD1}">
+              <a14:hiddenFill xmlns:a14="http://schemas.microsoft.com/office/drawing/2010/main">
+                <a:solidFill>
+                  <a:schemeClr val="accent1"/>
+                </a:solidFill>
+              </a14:hiddenFill>
+            </a:ext>
+            <a:ext uri="{91240B29-F687-4F45-9708-019B960494DF}">
+              <a14:hiddenLine xmlns:a14="http://schemas.microsoft.com/office/drawing/2010/main" w="9525">
+                <a:solidFill>
+                  <a:schemeClr val="tx1"/>
+                </a:solidFill>
+                <a:miter lim="800000"/>
+                <a:headEnd/>
+                <a:tailEnd/>
+              </a14:hiddenLine>
+            </a:ext>
+            <a:ext uri="{AF507438-7753-43E0-B8FC-AC1667EBCBE1}">
+              <a14:hiddenEffects xmlns:a14="http://schemas.microsoft.com/office/drawing/2010/main">
+                <a:effectLst>
+                  <a:outerShdw dist="35921" dir="2700000" algn="ctr" rotWithShape="0">
+                    <a:schemeClr val="bg2"/>
+                  </a:outerShdw>
+                </a:effectLst>
+              </a14:hiddenEffects>
             </a:ext>
           </a:extLst>
         </p:spPr>
@@ -10926,14 +12393,13 @@
     </p:spTree>
     <p:extLst>
       <p:ext uri="{BB962C8B-B14F-4D97-AF65-F5344CB8AC3E}">
-        <p14:creationId xmlns:p14="http://schemas.microsoft.com/office/powerpoint/2010/main" val="301249091"/>
+        <p14:creationId xmlns:p14="http://schemas.microsoft.com/office/powerpoint/2010/main" val="2829754604"/>
       </p:ext>
     </p:extLst>
   </p:cSld>
   <p:clrMapOvr>
     <a:masterClrMapping/>
   </p:clrMapOvr>
-  <p:transition/>
   <p:timing>
     <p:tnLst>
       <p:par>
@@ -10969,8 +12435,8 @@
         </p:nvSpPr>
         <p:spPr>
           <a:xfrm>
-            <a:off x="457200" y="404664"/>
-            <a:ext cx="1495922" cy="630942"/>
+            <a:off x="457200" y="533400"/>
+            <a:ext cx="6453498" cy="630942"/>
           </a:xfrm>
           <a:prstGeom prst="rect">
             <a:avLst/>
@@ -10984,7 +12450,7 @@
           <a:lstStyle/>
           <a:p>
             <a:r>
-              <a:rPr lang="en-US" sz="3500" dirty="0">
+              <a:rPr lang="en-US" sz="3500" dirty="0" smtClean="0">
                 <a:solidFill>
                   <a:schemeClr val="tx1">
                     <a:lumMod val="65000"/>
@@ -10999,21 +12465,36 @@
                   </a:outerShdw>
                 </a:effectLst>
               </a:rPr>
-              <a:t>Quality</a:t>
-            </a:r>
+              <a:t>Software Architecture – Three Tier</a:t>
+            </a:r>
+            <a:endParaRPr lang="en-US" sz="3500" dirty="0">
+              <a:solidFill>
+                <a:schemeClr val="tx1">
+                  <a:lumMod val="65000"/>
+                  <a:lumOff val="35000"/>
+                </a:schemeClr>
+              </a:solidFill>
+              <a:effectLst>
+                <a:outerShdw blurRad="38100" dist="38100" dir="2700000" algn="tl">
+                  <a:srgbClr val="000000">
+                    <a:alpha val="43137"/>
+                  </a:srgbClr>
+                </a:outerShdw>
+              </a:effectLst>
+            </a:endParaRPr>
           </a:p>
         </p:txBody>
       </p:sp>
       <p:pic>
         <p:nvPicPr>
-          <p:cNvPr id="1026" name="Picture 2" descr="C:\Users\jkad\Desktop\Trainings\Testing\architectural_criteria.jpg"/>
+          <p:cNvPr id="5" name="Picture 4"/>
           <p:cNvPicPr>
             <a:picLocks noChangeAspect="1" noChangeArrowheads="1"/>
           </p:cNvPicPr>
           <p:nvPr/>
         </p:nvPicPr>
         <p:blipFill>
-          <a:blip r:embed="rId2">
+          <a:blip r:embed="rId2" cstate="print">
             <a:extLst>
               <a:ext uri="{28A0092B-C50C-407E-A947-70E740481C1C}">
                 <a14:useLocalDpi xmlns:a14="http://schemas.microsoft.com/office/drawing/2010/main" val="0"/>
@@ -11027,106 +12508,57 @@
         </p:blipFill>
         <p:spPr bwMode="auto">
           <a:xfrm>
-            <a:off x="1676400" y="1889602"/>
-            <a:ext cx="5386814" cy="4384829"/>
+            <a:off x="1835150" y="2132856"/>
+            <a:ext cx="5210175" cy="2047875"/>
           </a:xfrm>
           <a:prstGeom prst="rect">
             <a:avLst/>
           </a:prstGeom>
           <a:noFill/>
+          <a:ln>
+            <a:noFill/>
+          </a:ln>
+          <a:effectLst/>
           <a:extLst>
             <a:ext uri="{909E8E84-426E-40DD-AFC4-6F175D3DCCD1}">
               <a14:hiddenFill xmlns:a14="http://schemas.microsoft.com/office/drawing/2010/main">
                 <a:solidFill>
-                  <a:srgbClr val="FFFFFF"/>
+                  <a:schemeClr val="accent1"/>
                 </a:solidFill>
               </a14:hiddenFill>
             </a:ext>
+            <a:ext uri="{91240B29-F687-4F45-9708-019B960494DF}">
+              <a14:hiddenLine xmlns:a14="http://schemas.microsoft.com/office/drawing/2010/main" w="9525">
+                <a:solidFill>
+                  <a:schemeClr val="tx1"/>
+                </a:solidFill>
+                <a:miter lim="800000"/>
+                <a:headEnd/>
+                <a:tailEnd/>
+              </a14:hiddenLine>
+            </a:ext>
+            <a:ext uri="{AF507438-7753-43E0-B8FC-AC1667EBCBE1}">
+              <a14:hiddenEffects xmlns:a14="http://schemas.microsoft.com/office/drawing/2010/main">
+                <a:effectLst>
+                  <a:outerShdw dist="35921" dir="2700000" algn="ctr" rotWithShape="0">
+                    <a:schemeClr val="bg2"/>
+                  </a:outerShdw>
+                </a:effectLst>
+              </a14:hiddenEffects>
+            </a:ext>
           </a:extLst>
         </p:spPr>
       </p:pic>
-      <p:sp>
-        <p:nvSpPr>
-          <p:cNvPr id="2" name="Rectangle 1"/>
-          <p:cNvSpPr/>
-          <p:nvPr/>
-        </p:nvSpPr>
-        <p:spPr>
-          <a:xfrm>
-            <a:off x="611560" y="1110056"/>
-            <a:ext cx="7920880" cy="754053"/>
-          </a:xfrm>
-          <a:prstGeom prst="rect">
-            <a:avLst/>
-          </a:prstGeom>
-        </p:spPr>
-        <p:txBody>
-          <a:bodyPr wrap="square">
-            <a:spAutoFit/>
-          </a:bodyPr>
-          <a:lstStyle/>
-          <a:p>
-            <a:r>
-              <a:rPr lang="en-US" sz="2500" dirty="0">
-                <a:solidFill>
-                  <a:schemeClr val="accent6">
-                    <a:lumMod val="75000"/>
-                  </a:schemeClr>
-                </a:solidFill>
-                <a:latin typeface="Aharoni" pitchFamily="2" charset="-79"/>
-                <a:cs typeface="Aharoni" pitchFamily="2" charset="-79"/>
-              </a:rPr>
-              <a:t>Definition:</a:t>
-            </a:r>
-            <a:r>
-              <a:rPr lang="en-US" b="1" dirty="0" smtClean="0"/>
-              <a:t> </a:t>
-            </a:r>
-            <a:r>
-              <a:rPr lang="en-US" dirty="0"/>
-              <a:t>t</a:t>
-            </a:r>
-            <a:r>
-              <a:rPr lang="en-US" dirty="0" smtClean="0"/>
-              <a:t>he </a:t>
-            </a:r>
-            <a:r>
-              <a:rPr lang="en-US" dirty="0"/>
-              <a:t>degree to which a component, system or process meets specified </a:t>
-            </a:r>
-            <a:r>
-              <a:rPr lang="en-US" dirty="0" smtClean="0"/>
-              <a:t>requirements and/or </a:t>
-            </a:r>
-            <a:r>
-              <a:rPr lang="en-US" dirty="0"/>
-              <a:t>user/customer needs and expectations. </a:t>
-            </a:r>
-            <a:r>
-              <a:rPr lang="en-US" sz="1400" dirty="0"/>
-              <a:t>[After IEEE 610]</a:t>
-            </a:r>
-          </a:p>
-        </p:txBody>
-      </p:sp>
     </p:spTree>
     <p:extLst>
       <p:ext uri="{BB962C8B-B14F-4D97-AF65-F5344CB8AC3E}">
-        <p14:creationId xmlns:p14="http://schemas.microsoft.com/office/powerpoint/2010/main" val="932905381"/>
+        <p14:creationId xmlns:p14="http://schemas.microsoft.com/office/powerpoint/2010/main" val="2829754604"/>
       </p:ext>
     </p:extLst>
   </p:cSld>
   <p:clrMapOvr>
     <a:masterClrMapping/>
   </p:clrMapOvr>
-  <mc:AlternateContent xmlns:mc="http://schemas.openxmlformats.org/markup-compatibility/2006">
-    <mc:Choice xmlns:p14="http://schemas.microsoft.com/office/powerpoint/2010/main" Requires="p14">
-      <p:transition spd="slow" p14:dur="2000"/>
-    </mc:Choice>
-    <mc:Fallback>
-      <p:transition spd="slow"/>
-    </mc:Fallback>
-  </mc:AlternateContent>
   <p:timing>
     <p:tnLst>
       <p:par>

--- a/1.Introduction_part2/Introduction.pptx
+++ b/1.Introduction_part2/Introduction.pptx
@@ -5,25 +5,31 @@
     <p:sldMasterId id="2147483648" r:id="rId1"/>
   </p:sldMasterIdLst>
   <p:notesMasterIdLst>
-    <p:notesMasterId r:id="rId18"/>
+    <p:notesMasterId r:id="rId24"/>
   </p:notesMasterIdLst>
   <p:sldIdLst>
     <p:sldId id="280" r:id="rId2"/>
     <p:sldId id="269" r:id="rId3"/>
     <p:sldId id="270" r:id="rId4"/>
     <p:sldId id="297" r:id="rId5"/>
-    <p:sldId id="298" r:id="rId6"/>
-    <p:sldId id="293" r:id="rId7"/>
-    <p:sldId id="294" r:id="rId8"/>
-    <p:sldId id="295" r:id="rId9"/>
-    <p:sldId id="296" r:id="rId10"/>
-    <p:sldId id="279" r:id="rId11"/>
-    <p:sldId id="271" r:id="rId12"/>
-    <p:sldId id="268" r:id="rId13"/>
-    <p:sldId id="272" r:id="rId14"/>
-    <p:sldId id="287" r:id="rId15"/>
-    <p:sldId id="267" r:id="rId16"/>
-    <p:sldId id="278" r:id="rId17"/>
+    <p:sldId id="300" r:id="rId6"/>
+    <p:sldId id="299" r:id="rId7"/>
+    <p:sldId id="298" r:id="rId8"/>
+    <p:sldId id="301" r:id="rId9"/>
+    <p:sldId id="302" r:id="rId10"/>
+    <p:sldId id="303" r:id="rId11"/>
+    <p:sldId id="304" r:id="rId12"/>
+    <p:sldId id="293" r:id="rId13"/>
+    <p:sldId id="294" r:id="rId14"/>
+    <p:sldId id="295" r:id="rId15"/>
+    <p:sldId id="296" r:id="rId16"/>
+    <p:sldId id="279" r:id="rId17"/>
+    <p:sldId id="271" r:id="rId18"/>
+    <p:sldId id="268" r:id="rId19"/>
+    <p:sldId id="272" r:id="rId20"/>
+    <p:sldId id="287" r:id="rId21"/>
+    <p:sldId id="267" r:id="rId22"/>
+    <p:sldId id="278" r:id="rId23"/>
   </p:sldIdLst>
   <p:sldSz cx="9144000" cy="6858000" type="screen4x3"/>
   <p:notesSz cx="6858000" cy="9144000"/>
@@ -223,7 +229,7 @@
           <a:p>
             <a:fld id="{7FCDCAFE-ED6D-40DE-BB2A-6C2FAE0E1B23}" type="datetimeFigureOut">
               <a:rPr lang="en-US" smtClean="0"/>
-              <a:t>1/24/2013</a:t>
+              <a:t>1/25/2013</a:t>
             </a:fld>
             <a:endParaRPr lang="en-US"/>
           </a:p>
@@ -673,7 +679,7 @@
             <a:fld id="{1D8BD707-D9CF-40AE-B4C6-C98DA3205C09}" type="datetimeFigureOut">
               <a:rPr lang="en-US" smtClean="0"/>
               <a:pPr/>
-              <a:t>1/24/2013</a:t>
+              <a:t>1/25/2013</a:t>
             </a:fld>
             <a:endParaRPr lang="en-US"/>
           </a:p>
@@ -840,7 +846,7 @@
             <a:fld id="{1D8BD707-D9CF-40AE-B4C6-C98DA3205C09}" type="datetimeFigureOut">
               <a:rPr lang="en-US" smtClean="0"/>
               <a:pPr/>
-              <a:t>1/24/2013</a:t>
+              <a:t>1/25/2013</a:t>
             </a:fld>
             <a:endParaRPr lang="en-US"/>
           </a:p>
@@ -1017,7 +1023,7 @@
             <a:fld id="{1D8BD707-D9CF-40AE-B4C6-C98DA3205C09}" type="datetimeFigureOut">
               <a:rPr lang="en-US" smtClean="0"/>
               <a:pPr/>
-              <a:t>1/24/2013</a:t>
+              <a:t>1/25/2013</a:t>
             </a:fld>
             <a:endParaRPr lang="en-US"/>
           </a:p>
@@ -1184,7 +1190,7 @@
             <a:fld id="{1D8BD707-D9CF-40AE-B4C6-C98DA3205C09}" type="datetimeFigureOut">
               <a:rPr lang="en-US" smtClean="0"/>
               <a:pPr/>
-              <a:t>1/24/2013</a:t>
+              <a:t>1/25/2013</a:t>
             </a:fld>
             <a:endParaRPr lang="en-US"/>
           </a:p>
@@ -1427,7 +1433,7 @@
             <a:fld id="{1D8BD707-D9CF-40AE-B4C6-C98DA3205C09}" type="datetimeFigureOut">
               <a:rPr lang="en-US" smtClean="0"/>
               <a:pPr/>
-              <a:t>1/24/2013</a:t>
+              <a:t>1/25/2013</a:t>
             </a:fld>
             <a:endParaRPr lang="en-US"/>
           </a:p>
@@ -1712,7 +1718,7 @@
             <a:fld id="{1D8BD707-D9CF-40AE-B4C6-C98DA3205C09}" type="datetimeFigureOut">
               <a:rPr lang="en-US" smtClean="0"/>
               <a:pPr/>
-              <a:t>1/24/2013</a:t>
+              <a:t>1/25/2013</a:t>
             </a:fld>
             <a:endParaRPr lang="en-US"/>
           </a:p>
@@ -2131,7 +2137,7 @@
             <a:fld id="{1D8BD707-D9CF-40AE-B4C6-C98DA3205C09}" type="datetimeFigureOut">
               <a:rPr lang="en-US" smtClean="0"/>
               <a:pPr/>
-              <a:t>1/24/2013</a:t>
+              <a:t>1/25/2013</a:t>
             </a:fld>
             <a:endParaRPr lang="en-US"/>
           </a:p>
@@ -2246,7 +2252,7 @@
             <a:fld id="{1D8BD707-D9CF-40AE-B4C6-C98DA3205C09}" type="datetimeFigureOut">
               <a:rPr lang="en-US" smtClean="0"/>
               <a:pPr/>
-              <a:t>1/24/2013</a:t>
+              <a:t>1/25/2013</a:t>
             </a:fld>
             <a:endParaRPr lang="en-US"/>
           </a:p>
@@ -2338,7 +2344,7 @@
             <a:fld id="{1D8BD707-D9CF-40AE-B4C6-C98DA3205C09}" type="datetimeFigureOut">
               <a:rPr lang="en-US" smtClean="0"/>
               <a:pPr/>
-              <a:t>1/24/2013</a:t>
+              <a:t>1/25/2013</a:t>
             </a:fld>
             <a:endParaRPr lang="en-US"/>
           </a:p>
@@ -2612,7 +2618,7 @@
             <a:fld id="{1D8BD707-D9CF-40AE-B4C6-C98DA3205C09}" type="datetimeFigureOut">
               <a:rPr lang="en-US" smtClean="0"/>
               <a:pPr/>
-              <a:t>1/24/2013</a:t>
+              <a:t>1/25/2013</a:t>
             </a:fld>
             <a:endParaRPr lang="en-US"/>
           </a:p>
@@ -2862,7 +2868,7 @@
             <a:fld id="{1D8BD707-D9CF-40AE-B4C6-C98DA3205C09}" type="datetimeFigureOut">
               <a:rPr lang="en-US" smtClean="0"/>
               <a:pPr/>
-              <a:t>1/24/2013</a:t>
+              <a:t>1/25/2013</a:t>
             </a:fld>
             <a:endParaRPr lang="en-US"/>
           </a:p>
@@ -3081,7 +3087,7 @@
             <a:fld id="{1D8BD707-D9CF-40AE-B4C6-C98DA3205C09}" type="datetimeFigureOut">
               <a:rPr lang="en-US" smtClean="0"/>
               <a:pPr/>
-              <a:t>1/24/2013</a:t>
+              <a:t>1/25/2013</a:t>
             </a:fld>
             <a:endParaRPr lang="en-US"/>
           </a:p>
@@ -3615,7 +3621,7 @@
         <p:spPr>
           <a:xfrm>
             <a:off x="457200" y="533400"/>
-            <a:ext cx="3827330" cy="630942"/>
+            <a:ext cx="7931595" cy="630942"/>
           </a:xfrm>
           <a:prstGeom prst="rect">
             <a:avLst/>
@@ -3629,7 +3635,7 @@
           <a:lstStyle/>
           <a:p>
             <a:r>
-              <a:rPr lang="en-US" sz="3500" dirty="0">
+              <a:rPr lang="en-US" sz="3500" dirty="0" smtClean="0">
                 <a:solidFill>
                   <a:schemeClr val="tx1">
                     <a:lumMod val="65000"/>
@@ -3644,56 +3650,54 @@
                   </a:outerShdw>
                 </a:effectLst>
               </a:rPr>
-              <a:t>Software Versioning</a:t>
-            </a:r>
+              <a:t>What kind of program types do you know?</a:t>
+            </a:r>
+            <a:endParaRPr lang="en-US" sz="3500" dirty="0">
+              <a:solidFill>
+                <a:schemeClr val="tx1">
+                  <a:lumMod val="65000"/>
+                  <a:lumOff val="35000"/>
+                </a:schemeClr>
+              </a:solidFill>
+              <a:effectLst>
+                <a:outerShdw blurRad="38100" dist="38100" dir="2700000" algn="tl">
+                  <a:srgbClr val="000000">
+                    <a:alpha val="43137"/>
+                  </a:srgbClr>
+                </a:outerShdw>
+              </a:effectLst>
+            </a:endParaRPr>
           </a:p>
         </p:txBody>
       </p:sp>
       <p:pic>
         <p:nvPicPr>
-          <p:cNvPr id="8194" name="Picture 2" descr="C:\Users\jkad\Desktop\Trainings\Testing\Screen-shot-2009-12-24-at-11.32.03.png"/>
+          <p:cNvPr id="2" name="Picture 1"/>
           <p:cNvPicPr>
-            <a:picLocks noChangeAspect="1" noChangeArrowheads="1"/>
+            <a:picLocks noChangeAspect="1"/>
           </p:cNvPicPr>
           <p:nvPr/>
         </p:nvPicPr>
         <p:blipFill>
-          <a:blip r:embed="rId2">
-            <a:extLst>
-              <a:ext uri="{28A0092B-C50C-407E-A947-70E740481C1C}">
-                <a14:useLocalDpi xmlns:a14="http://schemas.microsoft.com/office/drawing/2010/main" val="0"/>
-              </a:ext>
-            </a:extLst>
-          </a:blip>
-          <a:srcRect/>
+          <a:blip r:embed="rId2"/>
           <a:stretch>
             <a:fillRect/>
           </a:stretch>
         </p:blipFill>
-        <p:spPr bwMode="auto">
-          <a:xfrm>
-            <a:off x="2798439" y="1371600"/>
-            <a:ext cx="3285729" cy="4382765"/>
+        <p:spPr>
+          <a:xfrm>
+            <a:off x="611560" y="1340768"/>
+            <a:ext cx="6696744" cy="4707084"/>
           </a:xfrm>
           <a:prstGeom prst="rect">
             <a:avLst/>
           </a:prstGeom>
-          <a:noFill/>
-          <a:extLst>
-            <a:ext uri="{909E8E84-426E-40DD-AFC4-6F175D3DCCD1}">
-              <a14:hiddenFill xmlns:a14="http://schemas.microsoft.com/office/drawing/2010/main">
-                <a:solidFill>
-                  <a:srgbClr val="FFFFFF"/>
-                </a:solidFill>
-              </a14:hiddenFill>
-            </a:ext>
-          </a:extLst>
         </p:spPr>
       </p:pic>
     </p:spTree>
     <p:extLst>
       <p:ext uri="{BB962C8B-B14F-4D97-AF65-F5344CB8AC3E}">
-        <p14:creationId xmlns:p14="http://schemas.microsoft.com/office/powerpoint/2010/main" val="301249091"/>
+        <p14:creationId xmlns:p14="http://schemas.microsoft.com/office/powerpoint/2010/main" val="1628546128"/>
       </p:ext>
     </p:extLst>
   </p:cSld>
@@ -3736,8 +3740,8 @@
         </p:nvSpPr>
         <p:spPr>
           <a:xfrm>
-            <a:off x="457200" y="404664"/>
-            <a:ext cx="1495922" cy="630942"/>
+            <a:off x="457200" y="533400"/>
+            <a:ext cx="7543412" cy="630942"/>
           </a:xfrm>
           <a:prstGeom prst="rect">
             <a:avLst/>
@@ -3751,7 +3755,7 @@
           <a:lstStyle/>
           <a:p>
             <a:r>
-              <a:rPr lang="en-US" sz="3500" dirty="0">
+              <a:rPr lang="en-US" sz="3500" dirty="0" smtClean="0">
                 <a:solidFill>
                   <a:schemeClr val="tx1">
                     <a:lumMod val="65000"/>
@@ -3766,140 +3770,1138 @@
                   </a:outerShdw>
                 </a:effectLst>
               </a:rPr>
-              <a:t>Quality</a:t>
-            </a:r>
+              <a:t>What kind of </a:t>
+            </a:r>
+            <a:r>
+              <a:rPr lang="en-US" sz="3500" dirty="0" smtClean="0">
+                <a:solidFill>
+                  <a:schemeClr val="tx1">
+                    <a:lumMod val="65000"/>
+                    <a:lumOff val="35000"/>
+                  </a:schemeClr>
+                </a:solidFill>
+                <a:effectLst>
+                  <a:outerShdw blurRad="38100" dist="38100" dir="2700000" algn="tl">
+                    <a:srgbClr val="000000">
+                      <a:alpha val="43137"/>
+                    </a:srgbClr>
+                  </a:outerShdw>
+                </a:effectLst>
+              </a:rPr>
+              <a:t>GUI controls </a:t>
+            </a:r>
+            <a:r>
+              <a:rPr lang="en-US" sz="3500" dirty="0" smtClean="0">
+                <a:solidFill>
+                  <a:schemeClr val="tx1">
+                    <a:lumMod val="65000"/>
+                    <a:lumOff val="35000"/>
+                  </a:schemeClr>
+                </a:solidFill>
+                <a:effectLst>
+                  <a:outerShdw blurRad="38100" dist="38100" dir="2700000" algn="tl">
+                    <a:srgbClr val="000000">
+                      <a:alpha val="43137"/>
+                    </a:srgbClr>
+                  </a:outerShdw>
+                </a:effectLst>
+              </a:rPr>
+              <a:t>do you know?</a:t>
+            </a:r>
+            <a:endParaRPr lang="en-US" sz="3500" dirty="0">
+              <a:solidFill>
+                <a:schemeClr val="tx1">
+                  <a:lumMod val="65000"/>
+                  <a:lumOff val="35000"/>
+                </a:schemeClr>
+              </a:solidFill>
+              <a:effectLst>
+                <a:outerShdw blurRad="38100" dist="38100" dir="2700000" algn="tl">
+                  <a:srgbClr val="000000">
+                    <a:alpha val="43137"/>
+                  </a:srgbClr>
+                </a:outerShdw>
+              </a:effectLst>
+            </a:endParaRPr>
           </a:p>
         </p:txBody>
       </p:sp>
       <p:pic>
         <p:nvPicPr>
-          <p:cNvPr id="1026" name="Picture 2" descr="C:\Users\jkad\Desktop\Trainings\Testing\architectural_criteria.jpg"/>
+          <p:cNvPr id="6" name="Picture 5"/>
           <p:cNvPicPr>
-            <a:picLocks noChangeAspect="1" noChangeArrowheads="1"/>
+            <a:picLocks noChangeAspect="1"/>
           </p:cNvPicPr>
           <p:nvPr/>
         </p:nvPicPr>
         <p:blipFill>
-          <a:blip r:embed="rId2">
-            <a:extLst>
-              <a:ext uri="{28A0092B-C50C-407E-A947-70E740481C1C}">
-                <a14:useLocalDpi xmlns:a14="http://schemas.microsoft.com/office/drawing/2010/main" val="0"/>
-              </a:ext>
-            </a:extLst>
-          </a:blip>
-          <a:srcRect/>
+          <a:blip r:embed="rId2"/>
           <a:stretch>
             <a:fillRect/>
           </a:stretch>
         </p:blipFill>
-        <p:spPr bwMode="auto">
-          <a:xfrm>
-            <a:off x="1676400" y="1889602"/>
-            <a:ext cx="5386814" cy="4384829"/>
+        <p:spPr>
+          <a:xfrm>
+            <a:off x="1111987" y="2618408"/>
+            <a:ext cx="1380952" cy="285714"/>
           </a:xfrm>
           <a:prstGeom prst="rect">
             <a:avLst/>
           </a:prstGeom>
-          <a:noFill/>
-          <a:extLst>
-            <a:ext uri="{909E8E84-426E-40DD-AFC4-6F175D3DCCD1}">
-              <a14:hiddenFill xmlns:a14="http://schemas.microsoft.com/office/drawing/2010/main">
-                <a:solidFill>
-                  <a:srgbClr val="FFFFFF"/>
-                </a:solidFill>
-              </a14:hiddenFill>
-            </a:ext>
-          </a:extLst>
         </p:spPr>
       </p:pic>
-      <p:sp>
-        <p:nvSpPr>
-          <p:cNvPr id="2" name="Rectangle 1"/>
-          <p:cNvSpPr/>
+      <p:pic>
+        <p:nvPicPr>
+          <p:cNvPr id="7" name="Picture 6"/>
+          <p:cNvPicPr>
+            <a:picLocks noChangeAspect="1"/>
+          </p:cNvPicPr>
           <p:nvPr/>
-        </p:nvSpPr>
+        </p:nvPicPr>
+        <p:blipFill>
+          <a:blip r:embed="rId3"/>
+          <a:stretch>
+            <a:fillRect/>
+          </a:stretch>
+        </p:blipFill>
         <p:spPr>
           <a:xfrm>
-            <a:off x="611560" y="1110056"/>
-            <a:ext cx="7920880" cy="754053"/>
+            <a:off x="1110871" y="2138263"/>
+            <a:ext cx="923810" cy="238095"/>
           </a:xfrm>
           <a:prstGeom prst="rect">
             <a:avLst/>
           </a:prstGeom>
         </p:spPr>
-        <p:txBody>
-          <a:bodyPr wrap="square">
+      </p:pic>
+      <p:pic>
+        <p:nvPicPr>
+          <p:cNvPr id="8" name="Picture 7"/>
+          <p:cNvPicPr>
+            <a:picLocks noChangeAspect="1"/>
+          </p:cNvPicPr>
+          <p:nvPr/>
+        </p:nvPicPr>
+        <p:blipFill>
+          <a:blip r:embed="rId4"/>
+          <a:stretch>
+            <a:fillRect/>
+          </a:stretch>
+        </p:blipFill>
+        <p:spPr>
+          <a:xfrm>
+            <a:off x="1111987" y="1512722"/>
+            <a:ext cx="923810" cy="314286"/>
+          </a:xfrm>
+          <a:prstGeom prst="rect">
+            <a:avLst/>
+          </a:prstGeom>
+        </p:spPr>
+      </p:pic>
+      <p:pic>
+        <p:nvPicPr>
+          <p:cNvPr id="9" name="Picture 8"/>
+          <p:cNvPicPr>
+            <a:picLocks noChangeAspect="1"/>
+          </p:cNvPicPr>
+          <p:nvPr/>
+        </p:nvPicPr>
+        <p:blipFill>
+          <a:blip r:embed="rId5"/>
+          <a:stretch>
+            <a:fillRect/>
+          </a:stretch>
+        </p:blipFill>
+        <p:spPr>
+          <a:xfrm>
+            <a:off x="1110871" y="3058076"/>
+            <a:ext cx="1380952" cy="285714"/>
+          </a:xfrm>
+          <a:prstGeom prst="rect">
+            <a:avLst/>
+          </a:prstGeom>
+        </p:spPr>
+      </p:pic>
+      <p:pic>
+        <p:nvPicPr>
+          <p:cNvPr id="10" name="Picture 9"/>
+          <p:cNvPicPr>
+            <a:picLocks noChangeAspect="1"/>
+          </p:cNvPicPr>
+          <p:nvPr/>
+        </p:nvPicPr>
+        <p:blipFill>
+          <a:blip r:embed="rId6"/>
+          <a:stretch>
+            <a:fillRect/>
+          </a:stretch>
+        </p:blipFill>
+        <p:spPr>
+          <a:xfrm>
+            <a:off x="1110871" y="3497744"/>
+            <a:ext cx="1380952" cy="238095"/>
+          </a:xfrm>
+          <a:prstGeom prst="rect">
+            <a:avLst/>
+          </a:prstGeom>
+        </p:spPr>
+      </p:pic>
+      <p:pic>
+        <p:nvPicPr>
+          <p:cNvPr id="11" name="Picture 10"/>
+          <p:cNvPicPr>
+            <a:picLocks noChangeAspect="1"/>
+          </p:cNvPicPr>
+          <p:nvPr/>
+        </p:nvPicPr>
+        <p:blipFill>
+          <a:blip r:embed="rId7"/>
+          <a:stretch>
+            <a:fillRect/>
+          </a:stretch>
+        </p:blipFill>
+        <p:spPr>
+          <a:xfrm>
+            <a:off x="1125357" y="3937256"/>
+            <a:ext cx="6020789" cy="176503"/>
+          </a:xfrm>
+          <a:prstGeom prst="rect">
+            <a:avLst/>
+          </a:prstGeom>
+        </p:spPr>
+      </p:pic>
+      <p:pic>
+        <p:nvPicPr>
+          <p:cNvPr id="13" name="Picture 12"/>
+          <p:cNvPicPr>
+            <a:picLocks noChangeAspect="1"/>
+          </p:cNvPicPr>
+          <p:nvPr/>
+        </p:nvPicPr>
+        <p:blipFill>
+          <a:blip r:embed="rId8"/>
+          <a:stretch>
+            <a:fillRect/>
+          </a:stretch>
+        </p:blipFill>
+        <p:spPr>
+          <a:xfrm>
+            <a:off x="1112267" y="5189123"/>
+            <a:ext cx="171429" cy="333333"/>
+          </a:xfrm>
+          <a:prstGeom prst="rect">
+            <a:avLst/>
+          </a:prstGeom>
+        </p:spPr>
+      </p:pic>
+      <p:pic>
+        <p:nvPicPr>
+          <p:cNvPr id="15" name="Picture 14"/>
+          <p:cNvPicPr>
+            <a:picLocks noChangeAspect="1"/>
+          </p:cNvPicPr>
+          <p:nvPr/>
+        </p:nvPicPr>
+        <p:blipFill>
+          <a:blip r:embed="rId9"/>
+          <a:stretch>
+            <a:fillRect/>
+          </a:stretch>
+        </p:blipFill>
+        <p:spPr>
+          <a:xfrm>
+            <a:off x="1110871" y="4241917"/>
+            <a:ext cx="171429" cy="819048"/>
+          </a:xfrm>
+          <a:prstGeom prst="rect">
+            <a:avLst/>
+          </a:prstGeom>
+        </p:spPr>
+      </p:pic>
+      <p:sp>
+        <p:nvSpPr>
+          <p:cNvPr id="16" name="Rectangle 15"/>
+          <p:cNvSpPr/>
+          <p:nvPr/>
+        </p:nvSpPr>
+        <p:spPr>
+          <a:xfrm>
+            <a:off x="3609954" y="1448684"/>
+            <a:ext cx="813043" cy="369332"/>
+          </a:xfrm>
+          <a:prstGeom prst="rect">
+            <a:avLst/>
+          </a:prstGeom>
+        </p:spPr>
+        <p:txBody>
+          <a:bodyPr wrap="none">
             <a:spAutoFit/>
           </a:bodyPr>
           <a:lstStyle/>
           <a:p>
             <a:r>
-              <a:rPr lang="en-US" sz="2500" dirty="0">
-                <a:solidFill>
-                  <a:schemeClr val="accent6">
-                    <a:lumMod val="75000"/>
-                  </a:schemeClr>
-                </a:solidFill>
-                <a:latin typeface="Aharoni" pitchFamily="2" charset="-79"/>
-                <a:cs typeface="Aharoni" pitchFamily="2" charset="-79"/>
+              <a:rPr lang="en-US" dirty="0">
+                <a:latin typeface="Times New Roman" panose="02020603050405020304" pitchFamily="18" charset="0"/>
+                <a:ea typeface="SimSun" panose="02010600030101010101" pitchFamily="2" charset="-122"/>
               </a:rPr>
-              <a:t>Definition:</a:t>
-            </a:r>
-            <a:r>
-              <a:rPr lang="en-US" b="1" dirty="0" smtClean="0"/>
-              <a:t> </a:t>
-            </a:r>
-            <a:r>
-              <a:rPr lang="en-US" dirty="0"/>
-              <a:t>t</a:t>
-            </a:r>
-            <a:r>
-              <a:rPr lang="en-US" dirty="0" smtClean="0"/>
-              <a:t>he </a:t>
-            </a:r>
-            <a:r>
-              <a:rPr lang="en-US" dirty="0"/>
-              <a:t>degree to which a component, system or process meets specified </a:t>
-            </a:r>
-            <a:r>
-              <a:rPr lang="en-US" dirty="0" smtClean="0"/>
-              <a:t>requirements and/or </a:t>
-            </a:r>
-            <a:r>
-              <a:rPr lang="en-US" dirty="0"/>
-              <a:t>user/customer needs and expectations. </a:t>
-            </a:r>
-            <a:r>
-              <a:rPr lang="en-US" sz="1400" dirty="0"/>
-              <a:t>[After IEEE 610]</a:t>
-            </a:r>
+              <a:t>Button</a:t>
+            </a:r>
+            <a:endParaRPr lang="ru-RU" dirty="0"/>
+          </a:p>
+        </p:txBody>
+      </p:sp>
+      <p:sp>
+        <p:nvSpPr>
+          <p:cNvPr id="17" name="Rectangle 16"/>
+          <p:cNvSpPr/>
+          <p:nvPr/>
+        </p:nvSpPr>
+        <p:spPr>
+          <a:xfrm>
+            <a:off x="3609954" y="2992066"/>
+            <a:ext cx="1383712" cy="369332"/>
+          </a:xfrm>
+          <a:prstGeom prst="rect">
+            <a:avLst/>
+          </a:prstGeom>
+        </p:spPr>
+        <p:txBody>
+          <a:bodyPr wrap="none">
+            <a:spAutoFit/>
+          </a:bodyPr>
+          <a:lstStyle/>
+          <a:p>
+            <a:r>
+              <a:rPr lang="en-US" dirty="0">
+                <a:latin typeface="Times New Roman" panose="02020603050405020304" pitchFamily="18" charset="0"/>
+                <a:ea typeface="SimSun" panose="02010600030101010101" pitchFamily="2" charset="-122"/>
+              </a:rPr>
+              <a:t>Radio button</a:t>
+            </a:r>
+            <a:endParaRPr lang="ru-RU" dirty="0"/>
+          </a:p>
+        </p:txBody>
+      </p:sp>
+      <p:sp>
+        <p:nvSpPr>
+          <p:cNvPr id="18" name="Rectangle 17"/>
+          <p:cNvSpPr/>
+          <p:nvPr/>
+        </p:nvSpPr>
+        <p:spPr>
+          <a:xfrm>
+            <a:off x="3602995" y="3432125"/>
+            <a:ext cx="1268296" cy="369332"/>
+          </a:xfrm>
+          <a:prstGeom prst="rect">
+            <a:avLst/>
+          </a:prstGeom>
+        </p:spPr>
+        <p:txBody>
+          <a:bodyPr wrap="none">
+            <a:spAutoFit/>
+          </a:bodyPr>
+          <a:lstStyle/>
+          <a:p>
+            <a:r>
+              <a:rPr lang="en-US" dirty="0">
+                <a:latin typeface="Times New Roman" panose="02020603050405020304" pitchFamily="18" charset="0"/>
+                <a:ea typeface="SimSun" panose="02010600030101010101" pitchFamily="2" charset="-122"/>
+              </a:rPr>
+              <a:t>Combo box</a:t>
+            </a:r>
+            <a:endParaRPr lang="ru-RU" dirty="0"/>
+          </a:p>
+        </p:txBody>
+      </p:sp>
+      <p:sp>
+        <p:nvSpPr>
+          <p:cNvPr id="19" name="Rectangle 18"/>
+          <p:cNvSpPr/>
+          <p:nvPr/>
+        </p:nvSpPr>
+        <p:spPr>
+          <a:xfrm>
+            <a:off x="3609954" y="2578001"/>
+            <a:ext cx="1178528" cy="369332"/>
+          </a:xfrm>
+          <a:prstGeom prst="rect">
+            <a:avLst/>
+          </a:prstGeom>
+        </p:spPr>
+        <p:txBody>
+          <a:bodyPr wrap="none">
+            <a:spAutoFit/>
+          </a:bodyPr>
+          <a:lstStyle/>
+          <a:p>
+            <a:r>
+              <a:rPr lang="en-US" dirty="0">
+                <a:latin typeface="Times New Roman" panose="02020603050405020304" pitchFamily="18" charset="0"/>
+                <a:ea typeface="SimSun" panose="02010600030101010101" pitchFamily="2" charset="-122"/>
+              </a:rPr>
+              <a:t>Check box</a:t>
+            </a:r>
+            <a:endParaRPr lang="ru-RU" dirty="0"/>
+          </a:p>
+        </p:txBody>
+      </p:sp>
+      <p:sp>
+        <p:nvSpPr>
+          <p:cNvPr id="20" name="Rectangle 19"/>
+          <p:cNvSpPr/>
+          <p:nvPr/>
+        </p:nvSpPr>
+        <p:spPr>
+          <a:xfrm>
+            <a:off x="3602995" y="2042150"/>
+            <a:ext cx="995722" cy="369332"/>
+          </a:xfrm>
+          <a:prstGeom prst="rect">
+            <a:avLst/>
+          </a:prstGeom>
+        </p:spPr>
+        <p:txBody>
+          <a:bodyPr wrap="none">
+            <a:spAutoFit/>
+          </a:bodyPr>
+          <a:lstStyle/>
+          <a:p>
+            <a:r>
+              <a:rPr lang="en-US" dirty="0">
+                <a:latin typeface="Times New Roman" panose="02020603050405020304" pitchFamily="18" charset="0"/>
+                <a:ea typeface="SimSun" panose="02010600030101010101" pitchFamily="2" charset="-122"/>
+              </a:rPr>
+              <a:t>Text box</a:t>
+            </a:r>
+            <a:endParaRPr lang="ru-RU" dirty="0"/>
+          </a:p>
+        </p:txBody>
+      </p:sp>
+      <p:sp>
+        <p:nvSpPr>
+          <p:cNvPr id="21" name="Rectangle 20"/>
+          <p:cNvSpPr/>
+          <p:nvPr/>
+        </p:nvSpPr>
+        <p:spPr>
+          <a:xfrm>
+            <a:off x="3609954" y="3835181"/>
+            <a:ext cx="710451" cy="369332"/>
+          </a:xfrm>
+          <a:prstGeom prst="rect">
+            <a:avLst/>
+          </a:prstGeom>
+        </p:spPr>
+        <p:txBody>
+          <a:bodyPr wrap="none">
+            <a:spAutoFit/>
+          </a:bodyPr>
+          <a:lstStyle/>
+          <a:p>
+            <a:r>
+              <a:rPr lang="en-US" dirty="0">
+                <a:latin typeface="Times New Roman" panose="02020603050405020304" pitchFamily="18" charset="0"/>
+                <a:ea typeface="SimSun" panose="02010600030101010101" pitchFamily="2" charset="-122"/>
+              </a:rPr>
+              <a:t>Label</a:t>
+            </a:r>
+            <a:endParaRPr lang="ru-RU" dirty="0"/>
+          </a:p>
+        </p:txBody>
+      </p:sp>
+      <p:sp>
+        <p:nvSpPr>
+          <p:cNvPr id="22" name="Rectangle 21"/>
+          <p:cNvSpPr/>
+          <p:nvPr/>
+        </p:nvSpPr>
+        <p:spPr>
+          <a:xfrm>
+            <a:off x="3609954" y="4387318"/>
+            <a:ext cx="1088760" cy="369332"/>
+          </a:xfrm>
+          <a:prstGeom prst="rect">
+            <a:avLst/>
+          </a:prstGeom>
+        </p:spPr>
+        <p:txBody>
+          <a:bodyPr wrap="none">
+            <a:spAutoFit/>
+          </a:bodyPr>
+          <a:lstStyle/>
+          <a:p>
+            <a:r>
+              <a:rPr lang="en-US" dirty="0">
+                <a:latin typeface="Times New Roman" panose="02020603050405020304" pitchFamily="18" charset="0"/>
+                <a:ea typeface="SimSun" panose="02010600030101010101" pitchFamily="2" charset="-122"/>
+              </a:rPr>
+              <a:t>Scroll bar</a:t>
+            </a:r>
+            <a:endParaRPr lang="ru-RU" dirty="0"/>
+          </a:p>
+        </p:txBody>
+      </p:sp>
+      <p:sp>
+        <p:nvSpPr>
+          <p:cNvPr id="23" name="Rectangle 22"/>
+          <p:cNvSpPr/>
+          <p:nvPr/>
+        </p:nvSpPr>
+        <p:spPr>
+          <a:xfrm>
+            <a:off x="3602995" y="5154746"/>
+            <a:ext cx="1255472" cy="369332"/>
+          </a:xfrm>
+          <a:prstGeom prst="rect">
+            <a:avLst/>
+          </a:prstGeom>
+        </p:spPr>
+        <p:txBody>
+          <a:bodyPr wrap="none">
+            <a:spAutoFit/>
+          </a:bodyPr>
+          <a:lstStyle/>
+          <a:p>
+            <a:r>
+              <a:rPr lang="en-US" dirty="0">
+                <a:latin typeface="Times New Roman" panose="02020603050405020304" pitchFamily="18" charset="0"/>
+                <a:ea typeface="SimSun" panose="02010600030101010101" pitchFamily="2" charset="-122"/>
+              </a:rPr>
+              <a:t>Spin button</a:t>
+            </a:r>
+            <a:endParaRPr lang="ru-RU" dirty="0"/>
           </a:p>
         </p:txBody>
       </p:sp>
     </p:spTree>
     <p:extLst>
       <p:ext uri="{BB962C8B-B14F-4D97-AF65-F5344CB8AC3E}">
-        <p14:creationId xmlns:p14="http://schemas.microsoft.com/office/powerpoint/2010/main" val="932905381"/>
+        <p14:creationId xmlns:p14="http://schemas.microsoft.com/office/powerpoint/2010/main" val="2287946854"/>
       </p:ext>
     </p:extLst>
   </p:cSld>
   <p:clrMapOvr>
     <a:masterClrMapping/>
   </p:clrMapOvr>
-  <mc:AlternateContent xmlns:mc="http://schemas.openxmlformats.org/markup-compatibility/2006" xmlns:p14="http://schemas.microsoft.com/office/powerpoint/2010/main">
-    <mc:Choice Requires="p14">
-      <p:transition spd="slow" p14:dur="2000"/>
-    </mc:Choice>
-    <mc:Fallback xmlns="">
-      <p:transition spd="slow"/>
-    </mc:Fallback>
-  </mc:AlternateContent>
+  <p:transition/>
   <p:timing>
     <p:tnLst>
       <p:par>
-        <p:cTn id="1" dur="indefinite" restart="never" nodeType="tmRoot"/>
+        <p:cTn id="1" dur="indefinite" restart="never" nodeType="tmRoot">
+          <p:childTnLst>
+            <p:seq concurrent="1" nextAc="seek">
+              <p:cTn id="2" dur="indefinite" nodeType="mainSeq">
+                <p:childTnLst>
+                  <p:par>
+                    <p:cTn id="3" fill="hold">
+                      <p:stCondLst>
+                        <p:cond delay="indefinite"/>
+                      </p:stCondLst>
+                      <p:childTnLst>
+                        <p:par>
+                          <p:cTn id="4" fill="hold">
+                            <p:stCondLst>
+                              <p:cond delay="0"/>
+                            </p:stCondLst>
+                            <p:childTnLst>
+                              <p:par>
+                                <p:cTn id="5" presetID="10" presetClass="entr" presetSubtype="0" fill="hold" nodeType="clickEffect">
+                                  <p:stCondLst>
+                                    <p:cond delay="0"/>
+                                  </p:stCondLst>
+                                  <p:childTnLst>
+                                    <p:set>
+                                      <p:cBhvr>
+                                        <p:cTn id="6" dur="1" fill="hold">
+                                          <p:stCondLst>
+                                            <p:cond delay="0"/>
+                                          </p:stCondLst>
+                                        </p:cTn>
+                                        <p:tgtEl>
+                                          <p:spTgt spid="6"/>
+                                        </p:tgtEl>
+                                        <p:attrNameLst>
+                                          <p:attrName>style.visibility</p:attrName>
+                                        </p:attrNameLst>
+                                      </p:cBhvr>
+                                      <p:to>
+                                        <p:strVal val="visible"/>
+                                      </p:to>
+                                    </p:set>
+                                    <p:animEffect transition="in" filter="fade">
+                                      <p:cBhvr>
+                                        <p:cTn id="7" dur="500"/>
+                                        <p:tgtEl>
+                                          <p:spTgt spid="6"/>
+                                        </p:tgtEl>
+                                      </p:cBhvr>
+                                    </p:animEffect>
+                                  </p:childTnLst>
+                                </p:cTn>
+                              </p:par>
+                              <p:par>
+                                <p:cTn id="8" presetID="10" presetClass="entr" presetSubtype="0" fill="hold" nodeType="withEffect">
+                                  <p:stCondLst>
+                                    <p:cond delay="0"/>
+                                  </p:stCondLst>
+                                  <p:childTnLst>
+                                    <p:set>
+                                      <p:cBhvr>
+                                        <p:cTn id="9" dur="1" fill="hold">
+                                          <p:stCondLst>
+                                            <p:cond delay="0"/>
+                                          </p:stCondLst>
+                                        </p:cTn>
+                                        <p:tgtEl>
+                                          <p:spTgt spid="7"/>
+                                        </p:tgtEl>
+                                        <p:attrNameLst>
+                                          <p:attrName>style.visibility</p:attrName>
+                                        </p:attrNameLst>
+                                      </p:cBhvr>
+                                      <p:to>
+                                        <p:strVal val="visible"/>
+                                      </p:to>
+                                    </p:set>
+                                    <p:animEffect transition="in" filter="fade">
+                                      <p:cBhvr>
+                                        <p:cTn id="10" dur="500"/>
+                                        <p:tgtEl>
+                                          <p:spTgt spid="7"/>
+                                        </p:tgtEl>
+                                      </p:cBhvr>
+                                    </p:animEffect>
+                                  </p:childTnLst>
+                                </p:cTn>
+                              </p:par>
+                              <p:par>
+                                <p:cTn id="11" presetID="10" presetClass="entr" presetSubtype="0" fill="hold" nodeType="withEffect">
+                                  <p:stCondLst>
+                                    <p:cond delay="0"/>
+                                  </p:stCondLst>
+                                  <p:childTnLst>
+                                    <p:set>
+                                      <p:cBhvr>
+                                        <p:cTn id="12" dur="1" fill="hold">
+                                          <p:stCondLst>
+                                            <p:cond delay="0"/>
+                                          </p:stCondLst>
+                                        </p:cTn>
+                                        <p:tgtEl>
+                                          <p:spTgt spid="8"/>
+                                        </p:tgtEl>
+                                        <p:attrNameLst>
+                                          <p:attrName>style.visibility</p:attrName>
+                                        </p:attrNameLst>
+                                      </p:cBhvr>
+                                      <p:to>
+                                        <p:strVal val="visible"/>
+                                      </p:to>
+                                    </p:set>
+                                    <p:animEffect transition="in" filter="fade">
+                                      <p:cBhvr>
+                                        <p:cTn id="13" dur="500"/>
+                                        <p:tgtEl>
+                                          <p:spTgt spid="8"/>
+                                        </p:tgtEl>
+                                      </p:cBhvr>
+                                    </p:animEffect>
+                                  </p:childTnLst>
+                                </p:cTn>
+                              </p:par>
+                              <p:par>
+                                <p:cTn id="14" presetID="10" presetClass="entr" presetSubtype="0" fill="hold" nodeType="withEffect">
+                                  <p:stCondLst>
+                                    <p:cond delay="0"/>
+                                  </p:stCondLst>
+                                  <p:childTnLst>
+                                    <p:set>
+                                      <p:cBhvr>
+                                        <p:cTn id="15" dur="1" fill="hold">
+                                          <p:stCondLst>
+                                            <p:cond delay="0"/>
+                                          </p:stCondLst>
+                                        </p:cTn>
+                                        <p:tgtEl>
+                                          <p:spTgt spid="9"/>
+                                        </p:tgtEl>
+                                        <p:attrNameLst>
+                                          <p:attrName>style.visibility</p:attrName>
+                                        </p:attrNameLst>
+                                      </p:cBhvr>
+                                      <p:to>
+                                        <p:strVal val="visible"/>
+                                      </p:to>
+                                    </p:set>
+                                    <p:animEffect transition="in" filter="fade">
+                                      <p:cBhvr>
+                                        <p:cTn id="16" dur="500"/>
+                                        <p:tgtEl>
+                                          <p:spTgt spid="9"/>
+                                        </p:tgtEl>
+                                      </p:cBhvr>
+                                    </p:animEffect>
+                                  </p:childTnLst>
+                                </p:cTn>
+                              </p:par>
+                              <p:par>
+                                <p:cTn id="17" presetID="10" presetClass="entr" presetSubtype="0" fill="hold" nodeType="withEffect">
+                                  <p:stCondLst>
+                                    <p:cond delay="0"/>
+                                  </p:stCondLst>
+                                  <p:childTnLst>
+                                    <p:set>
+                                      <p:cBhvr>
+                                        <p:cTn id="18" dur="1" fill="hold">
+                                          <p:stCondLst>
+                                            <p:cond delay="0"/>
+                                          </p:stCondLst>
+                                        </p:cTn>
+                                        <p:tgtEl>
+                                          <p:spTgt spid="10"/>
+                                        </p:tgtEl>
+                                        <p:attrNameLst>
+                                          <p:attrName>style.visibility</p:attrName>
+                                        </p:attrNameLst>
+                                      </p:cBhvr>
+                                      <p:to>
+                                        <p:strVal val="visible"/>
+                                      </p:to>
+                                    </p:set>
+                                    <p:animEffect transition="in" filter="fade">
+                                      <p:cBhvr>
+                                        <p:cTn id="19" dur="500"/>
+                                        <p:tgtEl>
+                                          <p:spTgt spid="10"/>
+                                        </p:tgtEl>
+                                      </p:cBhvr>
+                                    </p:animEffect>
+                                  </p:childTnLst>
+                                </p:cTn>
+                              </p:par>
+                              <p:par>
+                                <p:cTn id="20" presetID="10" presetClass="entr" presetSubtype="0" fill="hold" nodeType="withEffect">
+                                  <p:stCondLst>
+                                    <p:cond delay="0"/>
+                                  </p:stCondLst>
+                                  <p:childTnLst>
+                                    <p:set>
+                                      <p:cBhvr>
+                                        <p:cTn id="21" dur="1" fill="hold">
+                                          <p:stCondLst>
+                                            <p:cond delay="0"/>
+                                          </p:stCondLst>
+                                        </p:cTn>
+                                        <p:tgtEl>
+                                          <p:spTgt spid="11"/>
+                                        </p:tgtEl>
+                                        <p:attrNameLst>
+                                          <p:attrName>style.visibility</p:attrName>
+                                        </p:attrNameLst>
+                                      </p:cBhvr>
+                                      <p:to>
+                                        <p:strVal val="visible"/>
+                                      </p:to>
+                                    </p:set>
+                                    <p:animEffect transition="in" filter="fade">
+                                      <p:cBhvr>
+                                        <p:cTn id="22" dur="500"/>
+                                        <p:tgtEl>
+                                          <p:spTgt spid="11"/>
+                                        </p:tgtEl>
+                                      </p:cBhvr>
+                                    </p:animEffect>
+                                  </p:childTnLst>
+                                </p:cTn>
+                              </p:par>
+                              <p:par>
+                                <p:cTn id="23" presetID="10" presetClass="entr" presetSubtype="0" fill="hold" nodeType="withEffect">
+                                  <p:stCondLst>
+                                    <p:cond delay="0"/>
+                                  </p:stCondLst>
+                                  <p:childTnLst>
+                                    <p:set>
+                                      <p:cBhvr>
+                                        <p:cTn id="24" dur="1" fill="hold">
+                                          <p:stCondLst>
+                                            <p:cond delay="0"/>
+                                          </p:stCondLst>
+                                        </p:cTn>
+                                        <p:tgtEl>
+                                          <p:spTgt spid="13"/>
+                                        </p:tgtEl>
+                                        <p:attrNameLst>
+                                          <p:attrName>style.visibility</p:attrName>
+                                        </p:attrNameLst>
+                                      </p:cBhvr>
+                                      <p:to>
+                                        <p:strVal val="visible"/>
+                                      </p:to>
+                                    </p:set>
+                                    <p:animEffect transition="in" filter="fade">
+                                      <p:cBhvr>
+                                        <p:cTn id="25" dur="500"/>
+                                        <p:tgtEl>
+                                          <p:spTgt spid="13"/>
+                                        </p:tgtEl>
+                                      </p:cBhvr>
+                                    </p:animEffect>
+                                  </p:childTnLst>
+                                </p:cTn>
+                              </p:par>
+                              <p:par>
+                                <p:cTn id="26" presetID="10" presetClass="entr" presetSubtype="0" fill="hold" nodeType="withEffect">
+                                  <p:stCondLst>
+                                    <p:cond delay="0"/>
+                                  </p:stCondLst>
+                                  <p:childTnLst>
+                                    <p:set>
+                                      <p:cBhvr>
+                                        <p:cTn id="27" dur="1" fill="hold">
+                                          <p:stCondLst>
+                                            <p:cond delay="0"/>
+                                          </p:stCondLst>
+                                        </p:cTn>
+                                        <p:tgtEl>
+                                          <p:spTgt spid="15"/>
+                                        </p:tgtEl>
+                                        <p:attrNameLst>
+                                          <p:attrName>style.visibility</p:attrName>
+                                        </p:attrNameLst>
+                                      </p:cBhvr>
+                                      <p:to>
+                                        <p:strVal val="visible"/>
+                                      </p:to>
+                                    </p:set>
+                                    <p:animEffect transition="in" filter="fade">
+                                      <p:cBhvr>
+                                        <p:cTn id="28" dur="500"/>
+                                        <p:tgtEl>
+                                          <p:spTgt spid="15"/>
+                                        </p:tgtEl>
+                                      </p:cBhvr>
+                                    </p:animEffect>
+                                  </p:childTnLst>
+                                </p:cTn>
+                              </p:par>
+                              <p:par>
+                                <p:cTn id="29" presetID="10" presetClass="entr" presetSubtype="0" fill="hold" grpId="0" nodeType="withEffect">
+                                  <p:stCondLst>
+                                    <p:cond delay="0"/>
+                                  </p:stCondLst>
+                                  <p:childTnLst>
+                                    <p:set>
+                                      <p:cBhvr>
+                                        <p:cTn id="30" dur="1" fill="hold">
+                                          <p:stCondLst>
+                                            <p:cond delay="0"/>
+                                          </p:stCondLst>
+                                        </p:cTn>
+                                        <p:tgtEl>
+                                          <p:spTgt spid="16"/>
+                                        </p:tgtEl>
+                                        <p:attrNameLst>
+                                          <p:attrName>style.visibility</p:attrName>
+                                        </p:attrNameLst>
+                                      </p:cBhvr>
+                                      <p:to>
+                                        <p:strVal val="visible"/>
+                                      </p:to>
+                                    </p:set>
+                                    <p:animEffect transition="in" filter="fade">
+                                      <p:cBhvr>
+                                        <p:cTn id="31" dur="500"/>
+                                        <p:tgtEl>
+                                          <p:spTgt spid="16"/>
+                                        </p:tgtEl>
+                                      </p:cBhvr>
+                                    </p:animEffect>
+                                  </p:childTnLst>
+                                </p:cTn>
+                              </p:par>
+                              <p:par>
+                                <p:cTn id="32" presetID="10" presetClass="entr" presetSubtype="0" fill="hold" grpId="0" nodeType="withEffect">
+                                  <p:stCondLst>
+                                    <p:cond delay="0"/>
+                                  </p:stCondLst>
+                                  <p:childTnLst>
+                                    <p:set>
+                                      <p:cBhvr>
+                                        <p:cTn id="33" dur="1" fill="hold">
+                                          <p:stCondLst>
+                                            <p:cond delay="0"/>
+                                          </p:stCondLst>
+                                        </p:cTn>
+                                        <p:tgtEl>
+                                          <p:spTgt spid="17"/>
+                                        </p:tgtEl>
+                                        <p:attrNameLst>
+                                          <p:attrName>style.visibility</p:attrName>
+                                        </p:attrNameLst>
+                                      </p:cBhvr>
+                                      <p:to>
+                                        <p:strVal val="visible"/>
+                                      </p:to>
+                                    </p:set>
+                                    <p:animEffect transition="in" filter="fade">
+                                      <p:cBhvr>
+                                        <p:cTn id="34" dur="500"/>
+                                        <p:tgtEl>
+                                          <p:spTgt spid="17"/>
+                                        </p:tgtEl>
+                                      </p:cBhvr>
+                                    </p:animEffect>
+                                  </p:childTnLst>
+                                </p:cTn>
+                              </p:par>
+                              <p:par>
+                                <p:cTn id="35" presetID="10" presetClass="entr" presetSubtype="0" fill="hold" grpId="0" nodeType="withEffect">
+                                  <p:stCondLst>
+                                    <p:cond delay="0"/>
+                                  </p:stCondLst>
+                                  <p:childTnLst>
+                                    <p:set>
+                                      <p:cBhvr>
+                                        <p:cTn id="36" dur="1" fill="hold">
+                                          <p:stCondLst>
+                                            <p:cond delay="0"/>
+                                          </p:stCondLst>
+                                        </p:cTn>
+                                        <p:tgtEl>
+                                          <p:spTgt spid="18"/>
+                                        </p:tgtEl>
+                                        <p:attrNameLst>
+                                          <p:attrName>style.visibility</p:attrName>
+                                        </p:attrNameLst>
+                                      </p:cBhvr>
+                                      <p:to>
+                                        <p:strVal val="visible"/>
+                                      </p:to>
+                                    </p:set>
+                                    <p:animEffect transition="in" filter="fade">
+                                      <p:cBhvr>
+                                        <p:cTn id="37" dur="500"/>
+                                        <p:tgtEl>
+                                          <p:spTgt spid="18"/>
+                                        </p:tgtEl>
+                                      </p:cBhvr>
+                                    </p:animEffect>
+                                  </p:childTnLst>
+                                </p:cTn>
+                              </p:par>
+                              <p:par>
+                                <p:cTn id="38" presetID="10" presetClass="entr" presetSubtype="0" fill="hold" grpId="0" nodeType="withEffect">
+                                  <p:stCondLst>
+                                    <p:cond delay="0"/>
+                                  </p:stCondLst>
+                                  <p:childTnLst>
+                                    <p:set>
+                                      <p:cBhvr>
+                                        <p:cTn id="39" dur="1" fill="hold">
+                                          <p:stCondLst>
+                                            <p:cond delay="0"/>
+                                          </p:stCondLst>
+                                        </p:cTn>
+                                        <p:tgtEl>
+                                          <p:spTgt spid="19"/>
+                                        </p:tgtEl>
+                                        <p:attrNameLst>
+                                          <p:attrName>style.visibility</p:attrName>
+                                        </p:attrNameLst>
+                                      </p:cBhvr>
+                                      <p:to>
+                                        <p:strVal val="visible"/>
+                                      </p:to>
+                                    </p:set>
+                                    <p:animEffect transition="in" filter="fade">
+                                      <p:cBhvr>
+                                        <p:cTn id="40" dur="500"/>
+                                        <p:tgtEl>
+                                          <p:spTgt spid="19"/>
+                                        </p:tgtEl>
+                                      </p:cBhvr>
+                                    </p:animEffect>
+                                  </p:childTnLst>
+                                </p:cTn>
+                              </p:par>
+                              <p:par>
+                                <p:cTn id="41" presetID="10" presetClass="entr" presetSubtype="0" fill="hold" grpId="0" nodeType="withEffect">
+                                  <p:stCondLst>
+                                    <p:cond delay="0"/>
+                                  </p:stCondLst>
+                                  <p:childTnLst>
+                                    <p:set>
+                                      <p:cBhvr>
+                                        <p:cTn id="42" dur="1" fill="hold">
+                                          <p:stCondLst>
+                                            <p:cond delay="0"/>
+                                          </p:stCondLst>
+                                        </p:cTn>
+                                        <p:tgtEl>
+                                          <p:spTgt spid="20"/>
+                                        </p:tgtEl>
+                                        <p:attrNameLst>
+                                          <p:attrName>style.visibility</p:attrName>
+                                        </p:attrNameLst>
+                                      </p:cBhvr>
+                                      <p:to>
+                                        <p:strVal val="visible"/>
+                                      </p:to>
+                                    </p:set>
+                                    <p:animEffect transition="in" filter="fade">
+                                      <p:cBhvr>
+                                        <p:cTn id="43" dur="500"/>
+                                        <p:tgtEl>
+                                          <p:spTgt spid="20"/>
+                                        </p:tgtEl>
+                                      </p:cBhvr>
+                                    </p:animEffect>
+                                  </p:childTnLst>
+                                </p:cTn>
+                              </p:par>
+                              <p:par>
+                                <p:cTn id="44" presetID="10" presetClass="entr" presetSubtype="0" fill="hold" grpId="0" nodeType="withEffect">
+                                  <p:stCondLst>
+                                    <p:cond delay="0"/>
+                                  </p:stCondLst>
+                                  <p:childTnLst>
+                                    <p:set>
+                                      <p:cBhvr>
+                                        <p:cTn id="45" dur="1" fill="hold">
+                                          <p:stCondLst>
+                                            <p:cond delay="0"/>
+                                          </p:stCondLst>
+                                        </p:cTn>
+                                        <p:tgtEl>
+                                          <p:spTgt spid="21"/>
+                                        </p:tgtEl>
+                                        <p:attrNameLst>
+                                          <p:attrName>style.visibility</p:attrName>
+                                        </p:attrNameLst>
+                                      </p:cBhvr>
+                                      <p:to>
+                                        <p:strVal val="visible"/>
+                                      </p:to>
+                                    </p:set>
+                                    <p:animEffect transition="in" filter="fade">
+                                      <p:cBhvr>
+                                        <p:cTn id="46" dur="500"/>
+                                        <p:tgtEl>
+                                          <p:spTgt spid="21"/>
+                                        </p:tgtEl>
+                                      </p:cBhvr>
+                                    </p:animEffect>
+                                  </p:childTnLst>
+                                </p:cTn>
+                              </p:par>
+                              <p:par>
+                                <p:cTn id="47" presetID="10" presetClass="entr" presetSubtype="0" fill="hold" grpId="0" nodeType="withEffect">
+                                  <p:stCondLst>
+                                    <p:cond delay="0"/>
+                                  </p:stCondLst>
+                                  <p:childTnLst>
+                                    <p:set>
+                                      <p:cBhvr>
+                                        <p:cTn id="48" dur="1" fill="hold">
+                                          <p:stCondLst>
+                                            <p:cond delay="0"/>
+                                          </p:stCondLst>
+                                        </p:cTn>
+                                        <p:tgtEl>
+                                          <p:spTgt spid="22"/>
+                                        </p:tgtEl>
+                                        <p:attrNameLst>
+                                          <p:attrName>style.visibility</p:attrName>
+                                        </p:attrNameLst>
+                                      </p:cBhvr>
+                                      <p:to>
+                                        <p:strVal val="visible"/>
+                                      </p:to>
+                                    </p:set>
+                                    <p:animEffect transition="in" filter="fade">
+                                      <p:cBhvr>
+                                        <p:cTn id="49" dur="500"/>
+                                        <p:tgtEl>
+                                          <p:spTgt spid="22"/>
+                                        </p:tgtEl>
+                                      </p:cBhvr>
+                                    </p:animEffect>
+                                  </p:childTnLst>
+                                </p:cTn>
+                              </p:par>
+                              <p:par>
+                                <p:cTn id="50" presetID="10" presetClass="entr" presetSubtype="0" fill="hold" grpId="0" nodeType="withEffect">
+                                  <p:stCondLst>
+                                    <p:cond delay="0"/>
+                                  </p:stCondLst>
+                                  <p:childTnLst>
+                                    <p:set>
+                                      <p:cBhvr>
+                                        <p:cTn id="51" dur="1" fill="hold">
+                                          <p:stCondLst>
+                                            <p:cond delay="0"/>
+                                          </p:stCondLst>
+                                        </p:cTn>
+                                        <p:tgtEl>
+                                          <p:spTgt spid="23"/>
+                                        </p:tgtEl>
+                                        <p:attrNameLst>
+                                          <p:attrName>style.visibility</p:attrName>
+                                        </p:attrNameLst>
+                                      </p:cBhvr>
+                                      <p:to>
+                                        <p:strVal val="visible"/>
+                                      </p:to>
+                                    </p:set>
+                                    <p:animEffect transition="in" filter="fade">
+                                      <p:cBhvr>
+                                        <p:cTn id="52" dur="500"/>
+                                        <p:tgtEl>
+                                          <p:spTgt spid="23"/>
+                                        </p:tgtEl>
+                                      </p:cBhvr>
+                                    </p:animEffect>
+                                  </p:childTnLst>
+                                </p:cTn>
+                              </p:par>
+                            </p:childTnLst>
+                          </p:cTn>
+                        </p:par>
+                      </p:childTnLst>
+                    </p:cTn>
+                  </p:par>
+                </p:childTnLst>
+              </p:cTn>
+              <p:prevCondLst>
+                <p:cond evt="onPrev" delay="0">
+                  <p:tgtEl>
+                    <p:sldTgt/>
+                  </p:tgtEl>
+                </p:cond>
+              </p:prevCondLst>
+              <p:nextCondLst>
+                <p:cond evt="onNext" delay="0">
+                  <p:tgtEl>
+                    <p:sldTgt/>
+                  </p:tgtEl>
+                </p:cond>
+              </p:nextCondLst>
+            </p:seq>
+          </p:childTnLst>
+        </p:cTn>
       </p:par>
     </p:tnLst>
+    <p:bldLst>
+      <p:bldP spid="16" grpId="0"/>
+      <p:bldP spid="17" grpId="0"/>
+      <p:bldP spid="18" grpId="0"/>
+      <p:bldP spid="19" grpId="0"/>
+      <p:bldP spid="20" grpId="0"/>
+      <p:bldP spid="21" grpId="0"/>
+      <p:bldP spid="22" grpId="0"/>
+      <p:bldP spid="23" grpId="0"/>
+    </p:bldLst>
   </p:timing>
 </p:sld>
 </file>
@@ -3929,8 +4931,8 @@
         </p:nvSpPr>
         <p:spPr>
           <a:xfrm>
-            <a:off x="457200" y="457200"/>
-            <a:ext cx="8397042" cy="553998"/>
+            <a:off x="457200" y="533400"/>
+            <a:ext cx="4176721" cy="630942"/>
           </a:xfrm>
           <a:prstGeom prst="rect">
             <a:avLst/>
@@ -3944,7 +4946,7 @@
           <a:lstStyle/>
           <a:p>
             <a:r>
-              <a:rPr lang="en-US" sz="3000" dirty="0">
+              <a:rPr lang="en-US" sz="3500" dirty="0" smtClean="0">
                 <a:solidFill>
                   <a:schemeClr val="tx1">
                     <a:lumMod val="65000"/>
@@ -3959,126 +4961,49 @@
                   </a:outerShdw>
                 </a:effectLst>
               </a:rPr>
-              <a:t>Quality Assurance. Quality Control. Software Testing.</a:t>
-            </a:r>
-          </a:p>
-        </p:txBody>
-      </p:sp>
-      <p:sp>
-        <p:nvSpPr>
-          <p:cNvPr id="10" name="Rectangle 9"/>
-          <p:cNvSpPr/>
+              <a:t>Software Architecture</a:t>
+            </a:r>
+            <a:endParaRPr lang="en-US" sz="3500" dirty="0">
+              <a:solidFill>
+                <a:schemeClr val="tx1">
+                  <a:lumMod val="65000"/>
+                  <a:lumOff val="35000"/>
+                </a:schemeClr>
+              </a:solidFill>
+              <a:effectLst>
+                <a:outerShdw blurRad="38100" dist="38100" dir="2700000" algn="tl">
+                  <a:srgbClr val="000000">
+                    <a:alpha val="43137"/>
+                  </a:srgbClr>
+                </a:outerShdw>
+              </a:effectLst>
+            </a:endParaRPr>
+          </a:p>
+        </p:txBody>
+      </p:sp>
+      <p:sp>
+        <p:nvSpPr>
+          <p:cNvPr id="2" name="TextBox 1"/>
+          <p:cNvSpPr txBox="1"/>
           <p:nvPr/>
         </p:nvSpPr>
         <p:spPr>
           <a:xfrm>
-            <a:off x="1219200" y="1598612"/>
-            <a:ext cx="6524163" cy="3354388"/>
+            <a:off x="1043608" y="2900540"/>
+            <a:ext cx="1296144" cy="369332"/>
           </a:xfrm>
           <a:prstGeom prst="rect">
             <a:avLst/>
           </a:prstGeom>
         </p:spPr>
         <p:style>
-          <a:lnRef idx="1">
-            <a:schemeClr val="dk1"/>
-          </a:lnRef>
-          <a:fillRef idx="2">
-            <a:schemeClr val="dk1"/>
-          </a:fillRef>
-          <a:effectRef idx="1">
-            <a:schemeClr val="dk1"/>
-          </a:effectRef>
-          <a:fontRef idx="minor">
-            <a:schemeClr val="dk1"/>
-          </a:fontRef>
-        </p:style>
-        <p:txBody>
-          <a:bodyPr anchor="ctr"/>
-          <a:lstStyle/>
-          <a:p>
-            <a:pPr algn="ctr" fontAlgn="auto">
-              <a:spcBef>
-                <a:spcPts val="0"/>
-              </a:spcBef>
-              <a:spcAft>
-                <a:spcPts val="0"/>
-              </a:spcAft>
-              <a:defRPr/>
-            </a:pPr>
-            <a:endParaRPr lang="ru-RU" dirty="0"/>
-          </a:p>
-        </p:txBody>
-      </p:sp>
-      <p:sp>
-        <p:nvSpPr>
-          <p:cNvPr id="11" name="Rectangle 10"/>
-          <p:cNvSpPr/>
-          <p:nvPr/>
-        </p:nvSpPr>
-        <p:spPr>
-          <a:xfrm>
-            <a:off x="2987824" y="2924944"/>
-            <a:ext cx="4755540" cy="2028056"/>
-          </a:xfrm>
-          <a:prstGeom prst="rect">
-            <a:avLst/>
-          </a:prstGeom>
-        </p:spPr>
-        <p:style>
-          <a:lnRef idx="1">
-            <a:schemeClr val="accent2"/>
-          </a:lnRef>
-          <a:fillRef idx="2">
-            <a:schemeClr val="accent2"/>
-          </a:fillRef>
-          <a:effectRef idx="1">
-            <a:schemeClr val="accent2"/>
-          </a:effectRef>
-          <a:fontRef idx="minor">
-            <a:schemeClr val="dk1"/>
-          </a:fontRef>
-        </p:style>
-        <p:txBody>
-          <a:bodyPr anchor="ctr"/>
-          <a:lstStyle/>
-          <a:p>
-            <a:pPr algn="ctr" fontAlgn="auto">
-              <a:spcBef>
-                <a:spcPts val="0"/>
-              </a:spcBef>
-              <a:spcAft>
-                <a:spcPts val="0"/>
-              </a:spcAft>
-              <a:defRPr/>
-            </a:pPr>
-            <a:endParaRPr lang="ru-RU"/>
-          </a:p>
-        </p:txBody>
-      </p:sp>
-      <p:sp>
-        <p:nvSpPr>
-          <p:cNvPr id="12" name="Rectangle 11"/>
-          <p:cNvSpPr/>
-          <p:nvPr/>
-        </p:nvSpPr>
-        <p:spPr>
-          <a:xfrm>
-            <a:off x="4860032" y="3938972"/>
-            <a:ext cx="2883332" cy="1014028"/>
-          </a:xfrm>
-          <a:prstGeom prst="rect">
-            <a:avLst/>
-          </a:prstGeom>
-        </p:spPr>
-        <p:style>
-          <a:lnRef idx="1">
+          <a:lnRef idx="2">
             <a:schemeClr val="accent6"/>
           </a:lnRef>
-          <a:fillRef idx="2">
-            <a:schemeClr val="accent6"/>
+          <a:fillRef idx="1">
+            <a:schemeClr val="lt1"/>
           </a:fillRef>
-          <a:effectRef idx="1">
+          <a:effectRef idx="0">
             <a:schemeClr val="accent6"/>
           </a:effectRef>
           <a:fontRef idx="minor">
@@ -4086,515 +5011,489 @@
           </a:fontRef>
         </p:style>
         <p:txBody>
-          <a:bodyPr anchor="ctr"/>
+          <a:bodyPr wrap="square" rtlCol="0">
+            <a:spAutoFit/>
+          </a:bodyPr>
           <a:lstStyle/>
           <a:p>
-            <a:pPr algn="ctr" fontAlgn="auto">
-              <a:spcBef>
-                <a:spcPts val="0"/>
-              </a:spcBef>
-              <a:spcAft>
-                <a:spcPts val="0"/>
-              </a:spcAft>
-              <a:defRPr/>
-            </a:pPr>
-            <a:endParaRPr lang="ru-RU"/>
-          </a:p>
-        </p:txBody>
-      </p:sp>
-      <p:sp>
-        <p:nvSpPr>
-          <p:cNvPr id="13" name="TextBox 6"/>
-          <p:cNvSpPr txBox="1">
-            <a:spLocks noChangeArrowheads="1"/>
-          </p:cNvSpPr>
+            <a:pPr algn="ctr"/>
+            <a:r>
+              <a:rPr lang="en-US" dirty="0" smtClean="0"/>
+              <a:t>One Tier</a:t>
+            </a:r>
+            <a:endParaRPr lang="en-US" dirty="0"/>
+          </a:p>
+        </p:txBody>
+      </p:sp>
+      <p:sp>
+        <p:nvSpPr>
+          <p:cNvPr id="15" name="TextBox 14"/>
+          <p:cNvSpPr txBox="1"/>
           <p:nvPr/>
         </p:nvSpPr>
-        <p:spPr bwMode="auto">
-          <a:xfrm>
-            <a:off x="1274316" y="1674812"/>
-            <a:ext cx="567784" cy="400110"/>
+        <p:spPr>
+          <a:xfrm>
+            <a:off x="3744654" y="2893585"/>
+            <a:ext cx="1656184" cy="369332"/>
+          </a:xfrm>
+          <a:prstGeom prst="rect">
+            <a:avLst/>
+          </a:prstGeom>
+        </p:spPr>
+        <p:style>
+          <a:lnRef idx="2">
+            <a:schemeClr val="accent6"/>
+          </a:lnRef>
+          <a:fillRef idx="1">
+            <a:schemeClr val="lt1"/>
+          </a:fillRef>
+          <a:effectRef idx="0">
+            <a:schemeClr val="accent6"/>
+          </a:effectRef>
+          <a:fontRef idx="minor">
+            <a:schemeClr val="dk1"/>
+          </a:fontRef>
+        </p:style>
+        <p:txBody>
+          <a:bodyPr wrap="square" rtlCol="0">
+            <a:spAutoFit/>
+          </a:bodyPr>
+          <a:lstStyle/>
+          <a:p>
+            <a:pPr algn="ctr"/>
+            <a:r>
+              <a:rPr lang="en-US" dirty="0" smtClean="0"/>
+              <a:t>Client-Server</a:t>
+            </a:r>
+            <a:endParaRPr lang="en-US" dirty="0"/>
+          </a:p>
+        </p:txBody>
+      </p:sp>
+      <p:sp>
+        <p:nvSpPr>
+          <p:cNvPr id="16" name="TextBox 15"/>
+          <p:cNvSpPr txBox="1"/>
+          <p:nvPr/>
+        </p:nvSpPr>
+        <p:spPr>
+          <a:xfrm>
+            <a:off x="6500192" y="2755085"/>
+            <a:ext cx="1656184" cy="646331"/>
+          </a:xfrm>
+          <a:prstGeom prst="rect">
+            <a:avLst/>
+          </a:prstGeom>
+        </p:spPr>
+        <p:style>
+          <a:lnRef idx="2">
+            <a:schemeClr val="accent6"/>
+          </a:lnRef>
+          <a:fillRef idx="1">
+            <a:schemeClr val="lt1"/>
+          </a:fillRef>
+          <a:effectRef idx="0">
+            <a:schemeClr val="accent6"/>
+          </a:effectRef>
+          <a:fontRef idx="minor">
+            <a:schemeClr val="dk1"/>
+          </a:fontRef>
+        </p:style>
+        <p:txBody>
+          <a:bodyPr wrap="square" rtlCol="0">
+            <a:spAutoFit/>
+          </a:bodyPr>
+          <a:lstStyle/>
+          <a:p>
+            <a:pPr algn="ctr"/>
+            <a:r>
+              <a:rPr lang="en-US" dirty="0" smtClean="0"/>
+              <a:t>Three-Tier Architecture</a:t>
+            </a:r>
+            <a:endParaRPr lang="en-US" dirty="0"/>
+          </a:p>
+        </p:txBody>
+      </p:sp>
+      <p:sp>
+        <p:nvSpPr>
+          <p:cNvPr id="19" name="TextBox 18"/>
+          <p:cNvSpPr txBox="1"/>
+          <p:nvPr/>
+        </p:nvSpPr>
+        <p:spPr>
+          <a:xfrm>
+            <a:off x="3275856" y="5147900"/>
+            <a:ext cx="1296144" cy="369332"/>
+          </a:xfrm>
+          <a:prstGeom prst="rect">
+            <a:avLst/>
+          </a:prstGeom>
+        </p:spPr>
+        <p:style>
+          <a:lnRef idx="2">
+            <a:schemeClr val="accent6"/>
+          </a:lnRef>
+          <a:fillRef idx="1">
+            <a:schemeClr val="lt1"/>
+          </a:fillRef>
+          <a:effectRef idx="0">
+            <a:schemeClr val="accent6"/>
+          </a:effectRef>
+          <a:fontRef idx="minor">
+            <a:schemeClr val="dk1"/>
+          </a:fontRef>
+        </p:style>
+        <p:txBody>
+          <a:bodyPr wrap="square" rtlCol="0">
+            <a:spAutoFit/>
+          </a:bodyPr>
+          <a:lstStyle/>
+          <a:p>
+            <a:pPr algn="ctr"/>
+            <a:r>
+              <a:rPr lang="en-US" dirty="0" smtClean="0"/>
+              <a:t>Thin Client</a:t>
+            </a:r>
+            <a:endParaRPr lang="en-US" dirty="0"/>
+          </a:p>
+        </p:txBody>
+      </p:sp>
+      <p:sp>
+        <p:nvSpPr>
+          <p:cNvPr id="20" name="TextBox 19"/>
+          <p:cNvSpPr txBox="1"/>
+          <p:nvPr/>
+        </p:nvSpPr>
+        <p:spPr>
+          <a:xfrm>
+            <a:off x="5652120" y="5147900"/>
+            <a:ext cx="1296144" cy="369332"/>
+          </a:xfrm>
+          <a:prstGeom prst="rect">
+            <a:avLst/>
+          </a:prstGeom>
+        </p:spPr>
+        <p:style>
+          <a:lnRef idx="2">
+            <a:schemeClr val="accent6"/>
+          </a:lnRef>
+          <a:fillRef idx="1">
+            <a:schemeClr val="lt1"/>
+          </a:fillRef>
+          <a:effectRef idx="0">
+            <a:schemeClr val="accent6"/>
+          </a:effectRef>
+          <a:fontRef idx="minor">
+            <a:schemeClr val="dk1"/>
+          </a:fontRef>
+        </p:style>
+        <p:txBody>
+          <a:bodyPr wrap="square" rtlCol="0">
+            <a:spAutoFit/>
+          </a:bodyPr>
+          <a:lstStyle/>
+          <a:p>
+            <a:pPr algn="ctr"/>
+            <a:r>
+              <a:rPr lang="en-US" dirty="0" smtClean="0"/>
+              <a:t>Rich Client</a:t>
+            </a:r>
+            <a:endParaRPr lang="en-US" dirty="0"/>
+          </a:p>
+        </p:txBody>
+      </p:sp>
+      <p:sp>
+        <p:nvSpPr>
+          <p:cNvPr id="21" name="TextBox 20"/>
+          <p:cNvSpPr txBox="1"/>
+          <p:nvPr/>
+        </p:nvSpPr>
+        <p:spPr>
+          <a:xfrm>
+            <a:off x="3557410" y="1556791"/>
+            <a:ext cx="2031458" cy="430887"/>
           </a:xfrm>
           <a:prstGeom prst="rect">
             <a:avLst/>
           </a:prstGeom>
           <a:noFill/>
-          <a:ln>
-            <a:noFill/>
-          </a:ln>
-          <a:extLst>
-            <a:ext uri="{909E8E84-426E-40DD-AFC4-6F175D3DCCD1}">
-              <a14:hiddenFill xmlns:a14="http://schemas.microsoft.com/office/drawing/2010/main">
-                <a:solidFill>
-                  <a:srgbClr val="FFFFFF"/>
-                </a:solidFill>
-              </a14:hiddenFill>
-            </a:ext>
-            <a:ext uri="{91240B29-F687-4F45-9708-019B960494DF}">
-              <a14:hiddenLine xmlns:a14="http://schemas.microsoft.com/office/drawing/2010/main" w="9525">
-                <a:solidFill>
-                  <a:srgbClr val="000000"/>
-                </a:solidFill>
-                <a:miter lim="800000"/>
-                <a:headEnd/>
-                <a:tailEnd/>
-              </a14:hiddenLine>
-            </a:ext>
-          </a:extLst>
-        </p:spPr>
-        <p:txBody>
-          <a:bodyPr wrap="none">
+        </p:spPr>
+        <p:txBody>
+          <a:bodyPr wrap="square" rtlCol="0">
             <a:spAutoFit/>
           </a:bodyPr>
-          <a:lstStyle>
-            <a:lvl1pPr eaLnBrk="0" hangingPunct="0">
-              <a:defRPr>
-                <a:solidFill>
-                  <a:schemeClr val="tx1"/>
-                </a:solidFill>
-                <a:latin typeface="Gill Sans MT"/>
-                <a:cs typeface="Arial" pitchFamily="34" charset="0"/>
-              </a:defRPr>
-            </a:lvl1pPr>
-            <a:lvl2pPr marL="742950" indent="-285750" eaLnBrk="0" hangingPunct="0">
-              <a:defRPr>
-                <a:solidFill>
-                  <a:schemeClr val="tx1"/>
-                </a:solidFill>
-                <a:latin typeface="Gill Sans MT"/>
-                <a:cs typeface="Arial" pitchFamily="34" charset="0"/>
-              </a:defRPr>
-            </a:lvl2pPr>
-            <a:lvl3pPr marL="1143000" indent="-228600" eaLnBrk="0" hangingPunct="0">
-              <a:defRPr>
-                <a:solidFill>
-                  <a:schemeClr val="tx1"/>
-                </a:solidFill>
-                <a:latin typeface="Gill Sans MT"/>
-                <a:cs typeface="Arial" pitchFamily="34" charset="0"/>
-              </a:defRPr>
-            </a:lvl3pPr>
-            <a:lvl4pPr marL="1600200" indent="-228600" eaLnBrk="0" hangingPunct="0">
-              <a:defRPr>
-                <a:solidFill>
-                  <a:schemeClr val="tx1"/>
-                </a:solidFill>
-                <a:latin typeface="Gill Sans MT"/>
-                <a:cs typeface="Arial" pitchFamily="34" charset="0"/>
-              </a:defRPr>
-            </a:lvl4pPr>
-            <a:lvl5pPr marL="2057400" indent="-228600" eaLnBrk="0" hangingPunct="0">
-              <a:defRPr>
-                <a:solidFill>
-                  <a:schemeClr val="tx1"/>
-                </a:solidFill>
-                <a:latin typeface="Gill Sans MT"/>
-                <a:cs typeface="Arial" pitchFamily="34" charset="0"/>
-              </a:defRPr>
-            </a:lvl5pPr>
-            <a:lvl6pPr marL="2514600" indent="-228600" eaLnBrk="0" fontAlgn="base" hangingPunct="0">
-              <a:spcBef>
-                <a:spcPct val="0"/>
-              </a:spcBef>
-              <a:spcAft>
-                <a:spcPct val="0"/>
-              </a:spcAft>
-              <a:defRPr>
-                <a:solidFill>
-                  <a:schemeClr val="tx1"/>
-                </a:solidFill>
-                <a:latin typeface="Gill Sans MT"/>
-                <a:cs typeface="Arial" pitchFamily="34" charset="0"/>
-              </a:defRPr>
-            </a:lvl6pPr>
-            <a:lvl7pPr marL="2971800" indent="-228600" eaLnBrk="0" fontAlgn="base" hangingPunct="0">
-              <a:spcBef>
-                <a:spcPct val="0"/>
-              </a:spcBef>
-              <a:spcAft>
-                <a:spcPct val="0"/>
-              </a:spcAft>
-              <a:defRPr>
-                <a:solidFill>
-                  <a:schemeClr val="tx1"/>
-                </a:solidFill>
-                <a:latin typeface="Gill Sans MT"/>
-                <a:cs typeface="Arial" pitchFamily="34" charset="0"/>
-              </a:defRPr>
-            </a:lvl7pPr>
-            <a:lvl8pPr marL="3429000" indent="-228600" eaLnBrk="0" fontAlgn="base" hangingPunct="0">
-              <a:spcBef>
-                <a:spcPct val="0"/>
-              </a:spcBef>
-              <a:spcAft>
-                <a:spcPct val="0"/>
-              </a:spcAft>
-              <a:defRPr>
-                <a:solidFill>
-                  <a:schemeClr val="tx1"/>
-                </a:solidFill>
-                <a:latin typeface="Gill Sans MT"/>
-                <a:cs typeface="Arial" pitchFamily="34" charset="0"/>
-              </a:defRPr>
-            </a:lvl8pPr>
-            <a:lvl9pPr marL="3886200" indent="-228600" eaLnBrk="0" fontAlgn="base" hangingPunct="0">
-              <a:spcBef>
-                <a:spcPct val="0"/>
-              </a:spcBef>
-              <a:spcAft>
-                <a:spcPct val="0"/>
-              </a:spcAft>
-              <a:defRPr>
-                <a:solidFill>
-                  <a:schemeClr val="tx1"/>
-                </a:solidFill>
-                <a:latin typeface="Gill Sans MT"/>
-                <a:cs typeface="Arial" pitchFamily="34" charset="0"/>
-              </a:defRPr>
-            </a:lvl9pPr>
-          </a:lstStyle>
-          <a:p>
-            <a:pPr eaLnBrk="1" hangingPunct="1"/>
-            <a:r>
-              <a:rPr lang="en-US" sz="2000" dirty="0"/>
-              <a:t>QA</a:t>
-            </a:r>
-            <a:endParaRPr lang="ru-RU" sz="2000" dirty="0">
-              <a:latin typeface="Calibri" pitchFamily="34" charset="0"/>
+          <a:lstStyle/>
+          <a:p>
+            <a:pPr algn="ctr"/>
+            <a:r>
+              <a:rPr lang="en-US" sz="2200" dirty="0" smtClean="0">
+                <a:latin typeface="Aharoni" pitchFamily="2" charset="-79"/>
+                <a:cs typeface="Aharoni" pitchFamily="2" charset="-79"/>
+              </a:rPr>
+              <a:t>Architecture</a:t>
+            </a:r>
+            <a:endParaRPr lang="en-US" sz="2200" dirty="0">
+              <a:latin typeface="Aharoni" pitchFamily="2" charset="-79"/>
+              <a:cs typeface="Aharoni" pitchFamily="2" charset="-79"/>
             </a:endParaRPr>
           </a:p>
         </p:txBody>
       </p:sp>
-      <p:sp>
-        <p:nvSpPr>
-          <p:cNvPr id="14" name="TextBox 7"/>
-          <p:cNvSpPr txBox="1">
-            <a:spLocks noChangeArrowheads="1"/>
-          </p:cNvSpPr>
+      <p:cxnSp>
+        <p:nvCxnSpPr>
+          <p:cNvPr id="7" name="Straight Arrow Connector 6"/>
+          <p:cNvCxnSpPr>
+            <a:stCxn id="21" idx="2"/>
+            <a:endCxn id="2" idx="0"/>
+          </p:cNvCxnSpPr>
           <p:nvPr/>
-        </p:nvSpPr>
-        <p:spPr bwMode="auto">
-          <a:xfrm>
-            <a:off x="3098023" y="2996952"/>
-            <a:ext cx="577402" cy="400110"/>
-          </a:xfrm>
-          <a:prstGeom prst="rect">
+        </p:nvCxnSpPr>
+        <p:spPr>
+          <a:xfrm flipH="1">
+            <a:off x="1691680" y="1987678"/>
+            <a:ext cx="2881459" cy="912862"/>
+          </a:xfrm>
+          <a:prstGeom prst="straightConnector1">
             <a:avLst/>
           </a:prstGeom>
-          <a:noFill/>
-          <a:ln>
-            <a:noFill/>
+          <a:ln w="28575">
+            <a:tailEnd type="arrow"/>
           </a:ln>
-          <a:extLst>
-            <a:ext uri="{909E8E84-426E-40DD-AFC4-6F175D3DCCD1}">
-              <a14:hiddenFill xmlns:a14="http://schemas.microsoft.com/office/drawing/2010/main">
-                <a:solidFill>
-                  <a:srgbClr val="FFFFFF"/>
-                </a:solidFill>
-              </a14:hiddenFill>
-            </a:ext>
-            <a:ext uri="{91240B29-F687-4F45-9708-019B960494DF}">
-              <a14:hiddenLine xmlns:a14="http://schemas.microsoft.com/office/drawing/2010/main" w="9525">
-                <a:solidFill>
-                  <a:srgbClr val="000000"/>
-                </a:solidFill>
-                <a:miter lim="800000"/>
-                <a:headEnd/>
-                <a:tailEnd/>
-              </a14:hiddenLine>
-            </a:ext>
-          </a:extLst>
-        </p:spPr>
-        <p:txBody>
-          <a:bodyPr wrap="none">
-            <a:spAutoFit/>
-          </a:bodyPr>
-          <a:lstStyle>
-            <a:lvl1pPr eaLnBrk="0" hangingPunct="0">
-              <a:defRPr>
-                <a:solidFill>
-                  <a:schemeClr val="tx1"/>
-                </a:solidFill>
-                <a:latin typeface="Gill Sans MT"/>
-                <a:cs typeface="Arial" pitchFamily="34" charset="0"/>
-              </a:defRPr>
-            </a:lvl1pPr>
-            <a:lvl2pPr marL="742950" indent="-285750" eaLnBrk="0" hangingPunct="0">
-              <a:defRPr>
-                <a:solidFill>
-                  <a:schemeClr val="tx1"/>
-                </a:solidFill>
-                <a:latin typeface="Gill Sans MT"/>
-                <a:cs typeface="Arial" pitchFamily="34" charset="0"/>
-              </a:defRPr>
-            </a:lvl2pPr>
-            <a:lvl3pPr marL="1143000" indent="-228600" eaLnBrk="0" hangingPunct="0">
-              <a:defRPr>
-                <a:solidFill>
-                  <a:schemeClr val="tx1"/>
-                </a:solidFill>
-                <a:latin typeface="Gill Sans MT"/>
-                <a:cs typeface="Arial" pitchFamily="34" charset="0"/>
-              </a:defRPr>
-            </a:lvl3pPr>
-            <a:lvl4pPr marL="1600200" indent="-228600" eaLnBrk="0" hangingPunct="0">
-              <a:defRPr>
-                <a:solidFill>
-                  <a:schemeClr val="tx1"/>
-                </a:solidFill>
-                <a:latin typeface="Gill Sans MT"/>
-                <a:cs typeface="Arial" pitchFamily="34" charset="0"/>
-              </a:defRPr>
-            </a:lvl4pPr>
-            <a:lvl5pPr marL="2057400" indent="-228600" eaLnBrk="0" hangingPunct="0">
-              <a:defRPr>
-                <a:solidFill>
-                  <a:schemeClr val="tx1"/>
-                </a:solidFill>
-                <a:latin typeface="Gill Sans MT"/>
-                <a:cs typeface="Arial" pitchFamily="34" charset="0"/>
-              </a:defRPr>
-            </a:lvl5pPr>
-            <a:lvl6pPr marL="2514600" indent="-228600" eaLnBrk="0" fontAlgn="base" hangingPunct="0">
-              <a:spcBef>
-                <a:spcPct val="0"/>
-              </a:spcBef>
-              <a:spcAft>
-                <a:spcPct val="0"/>
-              </a:spcAft>
-              <a:defRPr>
-                <a:solidFill>
-                  <a:schemeClr val="tx1"/>
-                </a:solidFill>
-                <a:latin typeface="Gill Sans MT"/>
-                <a:cs typeface="Arial" pitchFamily="34" charset="0"/>
-              </a:defRPr>
-            </a:lvl6pPr>
-            <a:lvl7pPr marL="2971800" indent="-228600" eaLnBrk="0" fontAlgn="base" hangingPunct="0">
-              <a:spcBef>
-                <a:spcPct val="0"/>
-              </a:spcBef>
-              <a:spcAft>
-                <a:spcPct val="0"/>
-              </a:spcAft>
-              <a:defRPr>
-                <a:solidFill>
-                  <a:schemeClr val="tx1"/>
-                </a:solidFill>
-                <a:latin typeface="Gill Sans MT"/>
-                <a:cs typeface="Arial" pitchFamily="34" charset="0"/>
-              </a:defRPr>
-            </a:lvl7pPr>
-            <a:lvl8pPr marL="3429000" indent="-228600" eaLnBrk="0" fontAlgn="base" hangingPunct="0">
-              <a:spcBef>
-                <a:spcPct val="0"/>
-              </a:spcBef>
-              <a:spcAft>
-                <a:spcPct val="0"/>
-              </a:spcAft>
-              <a:defRPr>
-                <a:solidFill>
-                  <a:schemeClr val="tx1"/>
-                </a:solidFill>
-                <a:latin typeface="Gill Sans MT"/>
-                <a:cs typeface="Arial" pitchFamily="34" charset="0"/>
-              </a:defRPr>
-            </a:lvl8pPr>
-            <a:lvl9pPr marL="3886200" indent="-228600" eaLnBrk="0" fontAlgn="base" hangingPunct="0">
-              <a:spcBef>
-                <a:spcPct val="0"/>
-              </a:spcBef>
-              <a:spcAft>
-                <a:spcPct val="0"/>
-              </a:spcAft>
-              <a:defRPr>
-                <a:solidFill>
-                  <a:schemeClr val="tx1"/>
-                </a:solidFill>
-                <a:latin typeface="Gill Sans MT"/>
-                <a:cs typeface="Arial" pitchFamily="34" charset="0"/>
-              </a:defRPr>
-            </a:lvl9pPr>
-          </a:lstStyle>
-          <a:p>
-            <a:pPr eaLnBrk="1" hangingPunct="1"/>
-            <a:r>
-              <a:rPr lang="en-US" sz="2000" dirty="0"/>
-              <a:t>QC</a:t>
-            </a:r>
-            <a:endParaRPr lang="ru-RU" sz="2000" dirty="0">
-              <a:latin typeface="Calibri" pitchFamily="34" charset="0"/>
-            </a:endParaRPr>
-          </a:p>
-        </p:txBody>
-      </p:sp>
-      <p:sp>
-        <p:nvSpPr>
-          <p:cNvPr id="15" name="TextBox 8"/>
-          <p:cNvSpPr txBox="1">
-            <a:spLocks noChangeArrowheads="1"/>
-          </p:cNvSpPr>
+        </p:spPr>
+        <p:style>
+          <a:lnRef idx="3">
+            <a:schemeClr val="accent6"/>
+          </a:lnRef>
+          <a:fillRef idx="0">
+            <a:schemeClr val="accent6"/>
+          </a:fillRef>
+          <a:effectRef idx="2">
+            <a:schemeClr val="accent6"/>
+          </a:effectRef>
+          <a:fontRef idx="minor">
+            <a:schemeClr val="tx1"/>
+          </a:fontRef>
+        </p:style>
+      </p:cxnSp>
+      <p:cxnSp>
+        <p:nvCxnSpPr>
+          <p:cNvPr id="22" name="Straight Arrow Connector 21"/>
+          <p:cNvCxnSpPr>
+            <a:stCxn id="21" idx="2"/>
+            <a:endCxn id="15" idx="0"/>
+          </p:cNvCxnSpPr>
           <p:nvPr/>
-        </p:nvSpPr>
-        <p:spPr bwMode="auto">
-          <a:xfrm>
-            <a:off x="4860032" y="4005064"/>
-            <a:ext cx="902811" cy="400110"/>
-          </a:xfrm>
-          <a:prstGeom prst="rect">
+        </p:nvCxnSpPr>
+        <p:spPr>
+          <a:xfrm flipH="1">
+            <a:off x="4572746" y="1987678"/>
+            <a:ext cx="393" cy="905907"/>
+          </a:xfrm>
+          <a:prstGeom prst="straightConnector1">
             <a:avLst/>
           </a:prstGeom>
-          <a:noFill/>
-          <a:ln>
-            <a:noFill/>
+          <a:ln w="28575">
+            <a:tailEnd type="arrow"/>
           </a:ln>
-          <a:extLst>
-            <a:ext uri="{909E8E84-426E-40DD-AFC4-6F175D3DCCD1}">
-              <a14:hiddenFill xmlns:a14="http://schemas.microsoft.com/office/drawing/2010/main">
-                <a:solidFill>
-                  <a:srgbClr val="FFFFFF"/>
-                </a:solidFill>
-              </a14:hiddenFill>
-            </a:ext>
-            <a:ext uri="{91240B29-F687-4F45-9708-019B960494DF}">
-              <a14:hiddenLine xmlns:a14="http://schemas.microsoft.com/office/drawing/2010/main" w="9525">
-                <a:solidFill>
-                  <a:srgbClr val="000000"/>
-                </a:solidFill>
-                <a:miter lim="800000"/>
-                <a:headEnd/>
-                <a:tailEnd/>
-              </a14:hiddenLine>
-            </a:ext>
-          </a:extLst>
-        </p:spPr>
-        <p:txBody>
-          <a:bodyPr wrap="none">
-            <a:spAutoFit/>
-          </a:bodyPr>
-          <a:lstStyle>
-            <a:lvl1pPr eaLnBrk="0" hangingPunct="0">
-              <a:defRPr>
-                <a:solidFill>
-                  <a:schemeClr val="tx1"/>
-                </a:solidFill>
-                <a:latin typeface="Gill Sans MT"/>
-                <a:cs typeface="Arial" pitchFamily="34" charset="0"/>
-              </a:defRPr>
-            </a:lvl1pPr>
-            <a:lvl2pPr marL="742950" indent="-285750" eaLnBrk="0" hangingPunct="0">
-              <a:defRPr>
-                <a:solidFill>
-                  <a:schemeClr val="tx1"/>
-                </a:solidFill>
-                <a:latin typeface="Gill Sans MT"/>
-                <a:cs typeface="Arial" pitchFamily="34" charset="0"/>
-              </a:defRPr>
-            </a:lvl2pPr>
-            <a:lvl3pPr marL="1143000" indent="-228600" eaLnBrk="0" hangingPunct="0">
-              <a:defRPr>
-                <a:solidFill>
-                  <a:schemeClr val="tx1"/>
-                </a:solidFill>
-                <a:latin typeface="Gill Sans MT"/>
-                <a:cs typeface="Arial" pitchFamily="34" charset="0"/>
-              </a:defRPr>
-            </a:lvl3pPr>
-            <a:lvl4pPr marL="1600200" indent="-228600" eaLnBrk="0" hangingPunct="0">
-              <a:defRPr>
-                <a:solidFill>
-                  <a:schemeClr val="tx1"/>
-                </a:solidFill>
-                <a:latin typeface="Gill Sans MT"/>
-                <a:cs typeface="Arial" pitchFamily="34" charset="0"/>
-              </a:defRPr>
-            </a:lvl4pPr>
-            <a:lvl5pPr marL="2057400" indent="-228600" eaLnBrk="0" hangingPunct="0">
-              <a:defRPr>
-                <a:solidFill>
-                  <a:schemeClr val="tx1"/>
-                </a:solidFill>
-                <a:latin typeface="Gill Sans MT"/>
-                <a:cs typeface="Arial" pitchFamily="34" charset="0"/>
-              </a:defRPr>
-            </a:lvl5pPr>
-            <a:lvl6pPr marL="2514600" indent="-228600" eaLnBrk="0" fontAlgn="base" hangingPunct="0">
-              <a:spcBef>
-                <a:spcPct val="0"/>
-              </a:spcBef>
-              <a:spcAft>
-                <a:spcPct val="0"/>
-              </a:spcAft>
-              <a:defRPr>
-                <a:solidFill>
-                  <a:schemeClr val="tx1"/>
-                </a:solidFill>
-                <a:latin typeface="Gill Sans MT"/>
-                <a:cs typeface="Arial" pitchFamily="34" charset="0"/>
-              </a:defRPr>
-            </a:lvl6pPr>
-            <a:lvl7pPr marL="2971800" indent="-228600" eaLnBrk="0" fontAlgn="base" hangingPunct="0">
-              <a:spcBef>
-                <a:spcPct val="0"/>
-              </a:spcBef>
-              <a:spcAft>
-                <a:spcPct val="0"/>
-              </a:spcAft>
-              <a:defRPr>
-                <a:solidFill>
-                  <a:schemeClr val="tx1"/>
-                </a:solidFill>
-                <a:latin typeface="Gill Sans MT"/>
-                <a:cs typeface="Arial" pitchFamily="34" charset="0"/>
-              </a:defRPr>
-            </a:lvl7pPr>
-            <a:lvl8pPr marL="3429000" indent="-228600" eaLnBrk="0" fontAlgn="base" hangingPunct="0">
-              <a:spcBef>
-                <a:spcPct val="0"/>
-              </a:spcBef>
-              <a:spcAft>
-                <a:spcPct val="0"/>
-              </a:spcAft>
-              <a:defRPr>
-                <a:solidFill>
-                  <a:schemeClr val="tx1"/>
-                </a:solidFill>
-                <a:latin typeface="Gill Sans MT"/>
-                <a:cs typeface="Arial" pitchFamily="34" charset="0"/>
-              </a:defRPr>
-            </a:lvl8pPr>
-            <a:lvl9pPr marL="3886200" indent="-228600" eaLnBrk="0" fontAlgn="base" hangingPunct="0">
-              <a:spcBef>
-                <a:spcPct val="0"/>
-              </a:spcBef>
-              <a:spcAft>
-                <a:spcPct val="0"/>
-              </a:spcAft>
-              <a:defRPr>
-                <a:solidFill>
-                  <a:schemeClr val="tx1"/>
-                </a:solidFill>
-                <a:latin typeface="Gill Sans MT"/>
-                <a:cs typeface="Arial" pitchFamily="34" charset="0"/>
-              </a:defRPr>
-            </a:lvl9pPr>
-          </a:lstStyle>
-          <a:p>
-            <a:pPr eaLnBrk="1" hangingPunct="1"/>
-            <a:r>
-              <a:rPr lang="en-US" sz="2000" dirty="0"/>
-              <a:t>Testing</a:t>
-            </a:r>
-            <a:endParaRPr lang="ru-RU" sz="2000" dirty="0">
-              <a:latin typeface="Calibri" pitchFamily="34" charset="0"/>
-            </a:endParaRPr>
-          </a:p>
-        </p:txBody>
-      </p:sp>
+        </p:spPr>
+        <p:style>
+          <a:lnRef idx="3">
+            <a:schemeClr val="accent6"/>
+          </a:lnRef>
+          <a:fillRef idx="0">
+            <a:schemeClr val="accent6"/>
+          </a:fillRef>
+          <a:effectRef idx="2">
+            <a:schemeClr val="accent6"/>
+          </a:effectRef>
+          <a:fontRef idx="minor">
+            <a:schemeClr val="tx1"/>
+          </a:fontRef>
+        </p:style>
+      </p:cxnSp>
+      <p:cxnSp>
+        <p:nvCxnSpPr>
+          <p:cNvPr id="23" name="Straight Arrow Connector 22"/>
+          <p:cNvCxnSpPr>
+            <a:stCxn id="21" idx="2"/>
+            <a:endCxn id="16" idx="0"/>
+          </p:cNvCxnSpPr>
+          <p:nvPr/>
+        </p:nvCxnSpPr>
+        <p:spPr>
+          <a:xfrm>
+            <a:off x="4573139" y="1987678"/>
+            <a:ext cx="2755145" cy="767407"/>
+          </a:xfrm>
+          <a:prstGeom prst="straightConnector1">
+            <a:avLst/>
+          </a:prstGeom>
+          <a:ln w="28575">
+            <a:tailEnd type="arrow"/>
+          </a:ln>
+        </p:spPr>
+        <p:style>
+          <a:lnRef idx="3">
+            <a:schemeClr val="accent6"/>
+          </a:lnRef>
+          <a:fillRef idx="0">
+            <a:schemeClr val="accent6"/>
+          </a:fillRef>
+          <a:effectRef idx="2">
+            <a:schemeClr val="accent6"/>
+          </a:effectRef>
+          <a:fontRef idx="minor">
+            <a:schemeClr val="tx1"/>
+          </a:fontRef>
+        </p:style>
+      </p:cxnSp>
+      <p:cxnSp>
+        <p:nvCxnSpPr>
+          <p:cNvPr id="26" name="Straight Arrow Connector 25"/>
+          <p:cNvCxnSpPr>
+            <a:stCxn id="15" idx="2"/>
+            <a:endCxn id="19" idx="0"/>
+          </p:cNvCxnSpPr>
+          <p:nvPr/>
+        </p:nvCxnSpPr>
+        <p:spPr>
+          <a:xfrm flipH="1">
+            <a:off x="3923928" y="3262917"/>
+            <a:ext cx="648818" cy="1884983"/>
+          </a:xfrm>
+          <a:prstGeom prst="straightConnector1">
+            <a:avLst/>
+          </a:prstGeom>
+          <a:ln w="28575">
+            <a:tailEnd type="arrow"/>
+          </a:ln>
+        </p:spPr>
+        <p:style>
+          <a:lnRef idx="3">
+            <a:schemeClr val="accent6"/>
+          </a:lnRef>
+          <a:fillRef idx="0">
+            <a:schemeClr val="accent6"/>
+          </a:fillRef>
+          <a:effectRef idx="2">
+            <a:schemeClr val="accent6"/>
+          </a:effectRef>
+          <a:fontRef idx="minor">
+            <a:schemeClr val="tx1"/>
+          </a:fontRef>
+        </p:style>
+      </p:cxnSp>
+      <p:cxnSp>
+        <p:nvCxnSpPr>
+          <p:cNvPr id="29" name="Straight Arrow Connector 28"/>
+          <p:cNvCxnSpPr>
+            <a:stCxn id="15" idx="2"/>
+            <a:endCxn id="20" idx="0"/>
+          </p:cNvCxnSpPr>
+          <p:nvPr/>
+        </p:nvCxnSpPr>
+        <p:spPr>
+          <a:xfrm>
+            <a:off x="4572746" y="3262917"/>
+            <a:ext cx="1727446" cy="1884983"/>
+          </a:xfrm>
+          <a:prstGeom prst="straightConnector1">
+            <a:avLst/>
+          </a:prstGeom>
+          <a:ln w="28575">
+            <a:tailEnd type="arrow"/>
+          </a:ln>
+        </p:spPr>
+        <p:style>
+          <a:lnRef idx="3">
+            <a:schemeClr val="accent6"/>
+          </a:lnRef>
+          <a:fillRef idx="0">
+            <a:schemeClr val="accent6"/>
+          </a:fillRef>
+          <a:effectRef idx="2">
+            <a:schemeClr val="accent6"/>
+          </a:effectRef>
+          <a:fontRef idx="minor">
+            <a:schemeClr val="tx1"/>
+          </a:fontRef>
+        </p:style>
+      </p:cxnSp>
+      <p:cxnSp>
+        <p:nvCxnSpPr>
+          <p:cNvPr id="14" name="Straight Arrow Connector 13"/>
+          <p:cNvCxnSpPr>
+            <a:stCxn id="16" idx="2"/>
+            <a:endCxn id="19" idx="0"/>
+          </p:cNvCxnSpPr>
+          <p:nvPr/>
+        </p:nvCxnSpPr>
+        <p:spPr>
+          <a:xfrm flipH="1">
+            <a:off x="3923928" y="3401416"/>
+            <a:ext cx="3404356" cy="1746484"/>
+          </a:xfrm>
+          <a:prstGeom prst="straightConnector1">
+            <a:avLst/>
+          </a:prstGeom>
+          <a:ln w="28575">
+            <a:tailEnd type="arrow"/>
+          </a:ln>
+        </p:spPr>
+        <p:style>
+          <a:lnRef idx="3">
+            <a:schemeClr val="accent6"/>
+          </a:lnRef>
+          <a:fillRef idx="0">
+            <a:schemeClr val="accent6"/>
+          </a:fillRef>
+          <a:effectRef idx="2">
+            <a:schemeClr val="accent6"/>
+          </a:effectRef>
+          <a:fontRef idx="minor">
+            <a:schemeClr val="tx1"/>
+          </a:fontRef>
+        </p:style>
+      </p:cxnSp>
+      <p:cxnSp>
+        <p:nvCxnSpPr>
+          <p:cNvPr id="17" name="Straight Arrow Connector 16"/>
+          <p:cNvCxnSpPr>
+            <a:stCxn id="16" idx="2"/>
+            <a:endCxn id="20" idx="0"/>
+          </p:cNvCxnSpPr>
+          <p:nvPr/>
+        </p:nvCxnSpPr>
+        <p:spPr>
+          <a:xfrm flipH="1">
+            <a:off x="6300192" y="3401416"/>
+            <a:ext cx="1028092" cy="1746484"/>
+          </a:xfrm>
+          <a:prstGeom prst="straightConnector1">
+            <a:avLst/>
+          </a:prstGeom>
+          <a:ln w="28575">
+            <a:tailEnd type="arrow"/>
+          </a:ln>
+        </p:spPr>
+        <p:style>
+          <a:lnRef idx="3">
+            <a:schemeClr val="accent6"/>
+          </a:lnRef>
+          <a:fillRef idx="0">
+            <a:schemeClr val="accent6"/>
+          </a:fillRef>
+          <a:effectRef idx="2">
+            <a:schemeClr val="accent6"/>
+          </a:effectRef>
+          <a:fontRef idx="minor">
+            <a:schemeClr val="tx1"/>
+          </a:fontRef>
+        </p:style>
+      </p:cxnSp>
     </p:spTree>
     <p:extLst>
       <p:ext uri="{BB962C8B-B14F-4D97-AF65-F5344CB8AC3E}">
-        <p14:creationId xmlns:p14="http://schemas.microsoft.com/office/powerpoint/2010/main" val="1028838030"/>
+        <p14:creationId xmlns:p14="http://schemas.microsoft.com/office/powerpoint/2010/main" val="4265619622"/>
       </p:ext>
     </p:extLst>
   </p:cSld>
@@ -4636,6 +5535,1582 @@
         </p:nvSpPr>
         <p:spPr>
           <a:xfrm>
+            <a:off x="457200" y="533400"/>
+            <a:ext cx="6158032" cy="630942"/>
+          </a:xfrm>
+          <a:prstGeom prst="rect">
+            <a:avLst/>
+          </a:prstGeom>
+          <a:noFill/>
+        </p:spPr>
+        <p:txBody>
+          <a:bodyPr wrap="none" rtlCol="0">
+            <a:spAutoFit/>
+          </a:bodyPr>
+          <a:lstStyle/>
+          <a:p>
+            <a:r>
+              <a:rPr lang="en-US" sz="3500" dirty="0" smtClean="0">
+                <a:solidFill>
+                  <a:schemeClr val="tx1">
+                    <a:lumMod val="65000"/>
+                    <a:lumOff val="35000"/>
+                  </a:schemeClr>
+                </a:solidFill>
+                <a:effectLst>
+                  <a:outerShdw blurRad="38100" dist="38100" dir="2700000" algn="tl">
+                    <a:srgbClr val="000000">
+                      <a:alpha val="43137"/>
+                    </a:srgbClr>
+                  </a:outerShdw>
+                </a:effectLst>
+              </a:rPr>
+              <a:t>Software Architecture – One Tier</a:t>
+            </a:r>
+            <a:endParaRPr lang="en-US" sz="3500" dirty="0">
+              <a:solidFill>
+                <a:schemeClr val="tx1">
+                  <a:lumMod val="65000"/>
+                  <a:lumOff val="35000"/>
+                </a:schemeClr>
+              </a:solidFill>
+              <a:effectLst>
+                <a:outerShdw blurRad="38100" dist="38100" dir="2700000" algn="tl">
+                  <a:srgbClr val="000000">
+                    <a:alpha val="43137"/>
+                  </a:srgbClr>
+                </a:outerShdw>
+              </a:effectLst>
+            </a:endParaRPr>
+          </a:p>
+        </p:txBody>
+      </p:sp>
+      <p:pic>
+        <p:nvPicPr>
+          <p:cNvPr id="14" name="Picture 2"/>
+          <p:cNvPicPr>
+            <a:picLocks noChangeAspect="1" noChangeArrowheads="1"/>
+          </p:cNvPicPr>
+          <p:nvPr/>
+        </p:nvPicPr>
+        <p:blipFill>
+          <a:blip r:embed="rId2" cstate="print">
+            <a:extLst>
+              <a:ext uri="{28A0092B-C50C-407E-A947-70E740481C1C}">
+                <a14:useLocalDpi xmlns:a14="http://schemas.microsoft.com/office/drawing/2010/main" val="0"/>
+              </a:ext>
+            </a:extLst>
+          </a:blip>
+          <a:srcRect/>
+          <a:stretch>
+            <a:fillRect/>
+          </a:stretch>
+        </p:blipFill>
+        <p:spPr bwMode="auto">
+          <a:xfrm>
+            <a:off x="3492500" y="2060848"/>
+            <a:ext cx="1590675" cy="2009775"/>
+          </a:xfrm>
+          <a:prstGeom prst="rect">
+            <a:avLst/>
+          </a:prstGeom>
+          <a:noFill/>
+          <a:ln>
+            <a:noFill/>
+          </a:ln>
+          <a:effectLst/>
+          <a:extLst>
+            <a:ext uri="{909E8E84-426E-40DD-AFC4-6F175D3DCCD1}">
+              <a14:hiddenFill xmlns:a14="http://schemas.microsoft.com/office/drawing/2010/main">
+                <a:solidFill>
+                  <a:schemeClr val="accent1"/>
+                </a:solidFill>
+              </a14:hiddenFill>
+            </a:ext>
+            <a:ext uri="{91240B29-F687-4F45-9708-019B960494DF}">
+              <a14:hiddenLine xmlns:a14="http://schemas.microsoft.com/office/drawing/2010/main" w="9525">
+                <a:solidFill>
+                  <a:schemeClr val="tx1"/>
+                </a:solidFill>
+                <a:miter lim="800000"/>
+                <a:headEnd/>
+                <a:tailEnd/>
+              </a14:hiddenLine>
+            </a:ext>
+            <a:ext uri="{AF507438-7753-43E0-B8FC-AC1667EBCBE1}">
+              <a14:hiddenEffects xmlns:a14="http://schemas.microsoft.com/office/drawing/2010/main">
+                <a:effectLst>
+                  <a:outerShdw dist="35921" dir="2700000" algn="ctr" rotWithShape="0">
+                    <a:schemeClr val="bg2"/>
+                  </a:outerShdw>
+                </a:effectLst>
+              </a14:hiddenEffects>
+            </a:ext>
+          </a:extLst>
+        </p:spPr>
+      </p:pic>
+    </p:spTree>
+    <p:extLst>
+      <p:ext uri="{BB962C8B-B14F-4D97-AF65-F5344CB8AC3E}">
+        <p14:creationId xmlns:p14="http://schemas.microsoft.com/office/powerpoint/2010/main" val="2008221659"/>
+      </p:ext>
+    </p:extLst>
+  </p:cSld>
+  <p:clrMapOvr>
+    <a:masterClrMapping/>
+  </p:clrMapOvr>
+  <p:timing>
+    <p:tnLst>
+      <p:par>
+        <p:cTn id="1" dur="indefinite" restart="never" nodeType="tmRoot"/>
+      </p:par>
+    </p:tnLst>
+  </p:timing>
+</p:sld>
+</file>
+
+<file path=ppt/slides/slide14.xml><?xml version="1.0" encoding="utf-8"?>
+<p:sld xmlns:a="http://schemas.openxmlformats.org/drawingml/2006/main" xmlns:r="http://schemas.openxmlformats.org/officeDocument/2006/relationships" xmlns:p="http://schemas.openxmlformats.org/presentationml/2006/main">
+  <p:cSld>
+    <p:spTree>
+      <p:nvGrpSpPr>
+        <p:cNvPr id="1" name=""/>
+        <p:cNvGrpSpPr/>
+        <p:nvPr/>
+      </p:nvGrpSpPr>
+      <p:grpSpPr>
+        <a:xfrm>
+          <a:off x="0" y="0"/>
+          <a:ext cx="0" cy="0"/>
+          <a:chOff x="0" y="0"/>
+          <a:chExt cx="0" cy="0"/>
+        </a:xfrm>
+      </p:grpSpPr>
+      <p:sp>
+        <p:nvSpPr>
+          <p:cNvPr id="4" name="TextBox 3"/>
+          <p:cNvSpPr txBox="1"/>
+          <p:nvPr/>
+        </p:nvSpPr>
+        <p:spPr>
+          <a:xfrm>
+            <a:off x="457200" y="533400"/>
+            <a:ext cx="6155852" cy="630942"/>
+          </a:xfrm>
+          <a:prstGeom prst="rect">
+            <a:avLst/>
+          </a:prstGeom>
+          <a:noFill/>
+        </p:spPr>
+        <p:txBody>
+          <a:bodyPr wrap="none" rtlCol="0">
+            <a:spAutoFit/>
+          </a:bodyPr>
+          <a:lstStyle/>
+          <a:p>
+            <a:r>
+              <a:rPr lang="en-US" sz="3500" dirty="0" smtClean="0">
+                <a:solidFill>
+                  <a:schemeClr val="tx1">
+                    <a:lumMod val="65000"/>
+                    <a:lumOff val="35000"/>
+                  </a:schemeClr>
+                </a:solidFill>
+                <a:effectLst>
+                  <a:outerShdw blurRad="38100" dist="38100" dir="2700000" algn="tl">
+                    <a:srgbClr val="000000">
+                      <a:alpha val="43137"/>
+                    </a:srgbClr>
+                  </a:outerShdw>
+                </a:effectLst>
+              </a:rPr>
+              <a:t>Software Architecture – Two Tier</a:t>
+            </a:r>
+            <a:endParaRPr lang="en-US" sz="3500" dirty="0">
+              <a:solidFill>
+                <a:schemeClr val="tx1">
+                  <a:lumMod val="65000"/>
+                  <a:lumOff val="35000"/>
+                </a:schemeClr>
+              </a:solidFill>
+              <a:effectLst>
+                <a:outerShdw blurRad="38100" dist="38100" dir="2700000" algn="tl">
+                  <a:srgbClr val="000000">
+                    <a:alpha val="43137"/>
+                  </a:srgbClr>
+                </a:outerShdw>
+              </a:effectLst>
+            </a:endParaRPr>
+          </a:p>
+        </p:txBody>
+      </p:sp>
+      <p:pic>
+        <p:nvPicPr>
+          <p:cNvPr id="6" name="Picture 4"/>
+          <p:cNvPicPr>
+            <a:picLocks noChangeAspect="1" noChangeArrowheads="1"/>
+          </p:cNvPicPr>
+          <p:nvPr/>
+        </p:nvPicPr>
+        <p:blipFill>
+          <a:blip r:embed="rId2" cstate="print">
+            <a:extLst>
+              <a:ext uri="{28A0092B-C50C-407E-A947-70E740481C1C}">
+                <a14:useLocalDpi xmlns:a14="http://schemas.microsoft.com/office/drawing/2010/main" val="0"/>
+              </a:ext>
+            </a:extLst>
+          </a:blip>
+          <a:srcRect/>
+          <a:stretch>
+            <a:fillRect/>
+          </a:stretch>
+        </p:blipFill>
+        <p:spPr bwMode="auto">
+          <a:xfrm>
+            <a:off x="2915816" y="2132856"/>
+            <a:ext cx="2809875" cy="2038350"/>
+          </a:xfrm>
+          <a:prstGeom prst="rect">
+            <a:avLst/>
+          </a:prstGeom>
+          <a:noFill/>
+          <a:ln>
+            <a:noFill/>
+          </a:ln>
+          <a:effectLst/>
+          <a:extLst>
+            <a:ext uri="{909E8E84-426E-40DD-AFC4-6F175D3DCCD1}">
+              <a14:hiddenFill xmlns:a14="http://schemas.microsoft.com/office/drawing/2010/main">
+                <a:solidFill>
+                  <a:schemeClr val="accent1"/>
+                </a:solidFill>
+              </a14:hiddenFill>
+            </a:ext>
+            <a:ext uri="{91240B29-F687-4F45-9708-019B960494DF}">
+              <a14:hiddenLine xmlns:a14="http://schemas.microsoft.com/office/drawing/2010/main" w="9525">
+                <a:solidFill>
+                  <a:schemeClr val="tx1"/>
+                </a:solidFill>
+                <a:miter lim="800000"/>
+                <a:headEnd/>
+                <a:tailEnd/>
+              </a14:hiddenLine>
+            </a:ext>
+            <a:ext uri="{AF507438-7753-43E0-B8FC-AC1667EBCBE1}">
+              <a14:hiddenEffects xmlns:a14="http://schemas.microsoft.com/office/drawing/2010/main">
+                <a:effectLst>
+                  <a:outerShdw dist="35921" dir="2700000" algn="ctr" rotWithShape="0">
+                    <a:schemeClr val="bg2"/>
+                  </a:outerShdw>
+                </a:effectLst>
+              </a14:hiddenEffects>
+            </a:ext>
+          </a:extLst>
+        </p:spPr>
+      </p:pic>
+    </p:spTree>
+    <p:extLst>
+      <p:ext uri="{BB962C8B-B14F-4D97-AF65-F5344CB8AC3E}">
+        <p14:creationId xmlns:p14="http://schemas.microsoft.com/office/powerpoint/2010/main" val="2829754604"/>
+      </p:ext>
+    </p:extLst>
+  </p:cSld>
+  <p:clrMapOvr>
+    <a:masterClrMapping/>
+  </p:clrMapOvr>
+  <p:timing>
+    <p:tnLst>
+      <p:par>
+        <p:cTn id="1" dur="indefinite" restart="never" nodeType="tmRoot"/>
+      </p:par>
+    </p:tnLst>
+  </p:timing>
+</p:sld>
+</file>
+
+<file path=ppt/slides/slide15.xml><?xml version="1.0" encoding="utf-8"?>
+<p:sld xmlns:a="http://schemas.openxmlformats.org/drawingml/2006/main" xmlns:r="http://schemas.openxmlformats.org/officeDocument/2006/relationships" xmlns:p="http://schemas.openxmlformats.org/presentationml/2006/main">
+  <p:cSld>
+    <p:spTree>
+      <p:nvGrpSpPr>
+        <p:cNvPr id="1" name=""/>
+        <p:cNvGrpSpPr/>
+        <p:nvPr/>
+      </p:nvGrpSpPr>
+      <p:grpSpPr>
+        <a:xfrm>
+          <a:off x="0" y="0"/>
+          <a:ext cx="0" cy="0"/>
+          <a:chOff x="0" y="0"/>
+          <a:chExt cx="0" cy="0"/>
+        </a:xfrm>
+      </p:grpSpPr>
+      <p:sp>
+        <p:nvSpPr>
+          <p:cNvPr id="4" name="TextBox 3"/>
+          <p:cNvSpPr txBox="1"/>
+          <p:nvPr/>
+        </p:nvSpPr>
+        <p:spPr>
+          <a:xfrm>
+            <a:off x="457200" y="533400"/>
+            <a:ext cx="6453498" cy="630942"/>
+          </a:xfrm>
+          <a:prstGeom prst="rect">
+            <a:avLst/>
+          </a:prstGeom>
+          <a:noFill/>
+        </p:spPr>
+        <p:txBody>
+          <a:bodyPr wrap="none" rtlCol="0">
+            <a:spAutoFit/>
+          </a:bodyPr>
+          <a:lstStyle/>
+          <a:p>
+            <a:r>
+              <a:rPr lang="en-US" sz="3500" dirty="0" smtClean="0">
+                <a:solidFill>
+                  <a:schemeClr val="tx1">
+                    <a:lumMod val="65000"/>
+                    <a:lumOff val="35000"/>
+                  </a:schemeClr>
+                </a:solidFill>
+                <a:effectLst>
+                  <a:outerShdw blurRad="38100" dist="38100" dir="2700000" algn="tl">
+                    <a:srgbClr val="000000">
+                      <a:alpha val="43137"/>
+                    </a:srgbClr>
+                  </a:outerShdw>
+                </a:effectLst>
+              </a:rPr>
+              <a:t>Software Architecture – Three Tier</a:t>
+            </a:r>
+            <a:endParaRPr lang="en-US" sz="3500" dirty="0">
+              <a:solidFill>
+                <a:schemeClr val="tx1">
+                  <a:lumMod val="65000"/>
+                  <a:lumOff val="35000"/>
+                </a:schemeClr>
+              </a:solidFill>
+              <a:effectLst>
+                <a:outerShdw blurRad="38100" dist="38100" dir="2700000" algn="tl">
+                  <a:srgbClr val="000000">
+                    <a:alpha val="43137"/>
+                  </a:srgbClr>
+                </a:outerShdw>
+              </a:effectLst>
+            </a:endParaRPr>
+          </a:p>
+        </p:txBody>
+      </p:sp>
+      <p:pic>
+        <p:nvPicPr>
+          <p:cNvPr id="5" name="Picture 4"/>
+          <p:cNvPicPr>
+            <a:picLocks noChangeAspect="1" noChangeArrowheads="1"/>
+          </p:cNvPicPr>
+          <p:nvPr/>
+        </p:nvPicPr>
+        <p:blipFill>
+          <a:blip r:embed="rId2" cstate="print">
+            <a:extLst>
+              <a:ext uri="{28A0092B-C50C-407E-A947-70E740481C1C}">
+                <a14:useLocalDpi xmlns:a14="http://schemas.microsoft.com/office/drawing/2010/main" val="0"/>
+              </a:ext>
+            </a:extLst>
+          </a:blip>
+          <a:srcRect/>
+          <a:stretch>
+            <a:fillRect/>
+          </a:stretch>
+        </p:blipFill>
+        <p:spPr bwMode="auto">
+          <a:xfrm>
+            <a:off x="1835150" y="2132856"/>
+            <a:ext cx="5210175" cy="2047875"/>
+          </a:xfrm>
+          <a:prstGeom prst="rect">
+            <a:avLst/>
+          </a:prstGeom>
+          <a:noFill/>
+          <a:ln>
+            <a:noFill/>
+          </a:ln>
+          <a:effectLst/>
+          <a:extLst>
+            <a:ext uri="{909E8E84-426E-40DD-AFC4-6F175D3DCCD1}">
+              <a14:hiddenFill xmlns:a14="http://schemas.microsoft.com/office/drawing/2010/main">
+                <a:solidFill>
+                  <a:schemeClr val="accent1"/>
+                </a:solidFill>
+              </a14:hiddenFill>
+            </a:ext>
+            <a:ext uri="{91240B29-F687-4F45-9708-019B960494DF}">
+              <a14:hiddenLine xmlns:a14="http://schemas.microsoft.com/office/drawing/2010/main" w="9525">
+                <a:solidFill>
+                  <a:schemeClr val="tx1"/>
+                </a:solidFill>
+                <a:miter lim="800000"/>
+                <a:headEnd/>
+                <a:tailEnd/>
+              </a14:hiddenLine>
+            </a:ext>
+            <a:ext uri="{AF507438-7753-43E0-B8FC-AC1667EBCBE1}">
+              <a14:hiddenEffects xmlns:a14="http://schemas.microsoft.com/office/drawing/2010/main">
+                <a:effectLst>
+                  <a:outerShdw dist="35921" dir="2700000" algn="ctr" rotWithShape="0">
+                    <a:schemeClr val="bg2"/>
+                  </a:outerShdw>
+                </a:effectLst>
+              </a14:hiddenEffects>
+            </a:ext>
+          </a:extLst>
+        </p:spPr>
+      </p:pic>
+    </p:spTree>
+    <p:extLst>
+      <p:ext uri="{BB962C8B-B14F-4D97-AF65-F5344CB8AC3E}">
+        <p14:creationId xmlns:p14="http://schemas.microsoft.com/office/powerpoint/2010/main" val="2829754604"/>
+      </p:ext>
+    </p:extLst>
+  </p:cSld>
+  <p:clrMapOvr>
+    <a:masterClrMapping/>
+  </p:clrMapOvr>
+  <p:timing>
+    <p:tnLst>
+      <p:par>
+        <p:cTn id="1" dur="indefinite" restart="never" nodeType="tmRoot"/>
+      </p:par>
+    </p:tnLst>
+  </p:timing>
+</p:sld>
+</file>
+
+<file path=ppt/slides/slide16.xml><?xml version="1.0" encoding="utf-8"?>
+<p:sld xmlns:a="http://schemas.openxmlformats.org/drawingml/2006/main" xmlns:r="http://schemas.openxmlformats.org/officeDocument/2006/relationships" xmlns:p="http://schemas.openxmlformats.org/presentationml/2006/main">
+  <p:cSld>
+    <p:spTree>
+      <p:nvGrpSpPr>
+        <p:cNvPr id="1" name=""/>
+        <p:cNvGrpSpPr/>
+        <p:nvPr/>
+      </p:nvGrpSpPr>
+      <p:grpSpPr>
+        <a:xfrm>
+          <a:off x="0" y="0"/>
+          <a:ext cx="0" cy="0"/>
+          <a:chOff x="0" y="0"/>
+          <a:chExt cx="0" cy="0"/>
+        </a:xfrm>
+      </p:grpSpPr>
+      <p:sp>
+        <p:nvSpPr>
+          <p:cNvPr id="4" name="TextBox 3"/>
+          <p:cNvSpPr txBox="1"/>
+          <p:nvPr/>
+        </p:nvSpPr>
+        <p:spPr>
+          <a:xfrm>
+            <a:off x="457200" y="533400"/>
+            <a:ext cx="3827330" cy="630942"/>
+          </a:xfrm>
+          <a:prstGeom prst="rect">
+            <a:avLst/>
+          </a:prstGeom>
+          <a:noFill/>
+        </p:spPr>
+        <p:txBody>
+          <a:bodyPr wrap="none" rtlCol="0">
+            <a:spAutoFit/>
+          </a:bodyPr>
+          <a:lstStyle/>
+          <a:p>
+            <a:r>
+              <a:rPr lang="en-US" sz="3500" dirty="0">
+                <a:solidFill>
+                  <a:schemeClr val="tx1">
+                    <a:lumMod val="65000"/>
+                    <a:lumOff val="35000"/>
+                  </a:schemeClr>
+                </a:solidFill>
+                <a:effectLst>
+                  <a:outerShdw blurRad="38100" dist="38100" dir="2700000" algn="tl">
+                    <a:srgbClr val="000000">
+                      <a:alpha val="43137"/>
+                    </a:srgbClr>
+                  </a:outerShdw>
+                </a:effectLst>
+              </a:rPr>
+              <a:t>Software Versioning</a:t>
+            </a:r>
+          </a:p>
+        </p:txBody>
+      </p:sp>
+      <p:pic>
+        <p:nvPicPr>
+          <p:cNvPr id="8194" name="Picture 2" descr="C:\Users\jkad\Desktop\Trainings\Testing\Screen-shot-2009-12-24-at-11.32.03.png"/>
+          <p:cNvPicPr>
+            <a:picLocks noChangeAspect="1" noChangeArrowheads="1"/>
+          </p:cNvPicPr>
+          <p:nvPr/>
+        </p:nvPicPr>
+        <p:blipFill>
+          <a:blip r:embed="rId2">
+            <a:extLst>
+              <a:ext uri="{28A0092B-C50C-407E-A947-70E740481C1C}">
+                <a14:useLocalDpi xmlns:a14="http://schemas.microsoft.com/office/drawing/2010/main" val="0"/>
+              </a:ext>
+            </a:extLst>
+          </a:blip>
+          <a:srcRect/>
+          <a:stretch>
+            <a:fillRect/>
+          </a:stretch>
+        </p:blipFill>
+        <p:spPr bwMode="auto">
+          <a:xfrm>
+            <a:off x="2798439" y="1371600"/>
+            <a:ext cx="3285729" cy="4382765"/>
+          </a:xfrm>
+          <a:prstGeom prst="rect">
+            <a:avLst/>
+          </a:prstGeom>
+          <a:noFill/>
+          <a:extLst>
+            <a:ext uri="{909E8E84-426E-40DD-AFC4-6F175D3DCCD1}">
+              <a14:hiddenFill xmlns:a14="http://schemas.microsoft.com/office/drawing/2010/main">
+                <a:solidFill>
+                  <a:srgbClr val="FFFFFF"/>
+                </a:solidFill>
+              </a14:hiddenFill>
+            </a:ext>
+          </a:extLst>
+        </p:spPr>
+      </p:pic>
+    </p:spTree>
+    <p:extLst>
+      <p:ext uri="{BB962C8B-B14F-4D97-AF65-F5344CB8AC3E}">
+        <p14:creationId xmlns:p14="http://schemas.microsoft.com/office/powerpoint/2010/main" val="301249091"/>
+      </p:ext>
+    </p:extLst>
+  </p:cSld>
+  <p:clrMapOvr>
+    <a:masterClrMapping/>
+  </p:clrMapOvr>
+  <p:transition/>
+  <p:timing>
+    <p:tnLst>
+      <p:par>
+        <p:cTn id="1" dur="indefinite" restart="never" nodeType="tmRoot"/>
+      </p:par>
+    </p:tnLst>
+  </p:timing>
+</p:sld>
+</file>
+
+<file path=ppt/slides/slide17.xml><?xml version="1.0" encoding="utf-8"?>
+<p:sld xmlns:a="http://schemas.openxmlformats.org/drawingml/2006/main" xmlns:r="http://schemas.openxmlformats.org/officeDocument/2006/relationships" xmlns:p="http://schemas.openxmlformats.org/presentationml/2006/main">
+  <p:cSld>
+    <p:spTree>
+      <p:nvGrpSpPr>
+        <p:cNvPr id="1" name=""/>
+        <p:cNvGrpSpPr/>
+        <p:nvPr/>
+      </p:nvGrpSpPr>
+      <p:grpSpPr>
+        <a:xfrm>
+          <a:off x="0" y="0"/>
+          <a:ext cx="0" cy="0"/>
+          <a:chOff x="0" y="0"/>
+          <a:chExt cx="0" cy="0"/>
+        </a:xfrm>
+      </p:grpSpPr>
+      <p:sp>
+        <p:nvSpPr>
+          <p:cNvPr id="4" name="TextBox 3"/>
+          <p:cNvSpPr txBox="1"/>
+          <p:nvPr/>
+        </p:nvSpPr>
+        <p:spPr>
+          <a:xfrm>
+            <a:off x="457200" y="404664"/>
+            <a:ext cx="1495922" cy="630942"/>
+          </a:xfrm>
+          <a:prstGeom prst="rect">
+            <a:avLst/>
+          </a:prstGeom>
+          <a:noFill/>
+        </p:spPr>
+        <p:txBody>
+          <a:bodyPr wrap="none" rtlCol="0">
+            <a:spAutoFit/>
+          </a:bodyPr>
+          <a:lstStyle/>
+          <a:p>
+            <a:r>
+              <a:rPr lang="en-US" sz="3500" dirty="0">
+                <a:solidFill>
+                  <a:schemeClr val="tx1">
+                    <a:lumMod val="65000"/>
+                    <a:lumOff val="35000"/>
+                  </a:schemeClr>
+                </a:solidFill>
+                <a:effectLst>
+                  <a:outerShdw blurRad="38100" dist="38100" dir="2700000" algn="tl">
+                    <a:srgbClr val="000000">
+                      <a:alpha val="43137"/>
+                    </a:srgbClr>
+                  </a:outerShdw>
+                </a:effectLst>
+              </a:rPr>
+              <a:t>Quality</a:t>
+            </a:r>
+          </a:p>
+        </p:txBody>
+      </p:sp>
+      <p:pic>
+        <p:nvPicPr>
+          <p:cNvPr id="1026" name="Picture 2" descr="C:\Users\jkad\Desktop\Trainings\Testing\architectural_criteria.jpg"/>
+          <p:cNvPicPr>
+            <a:picLocks noChangeAspect="1" noChangeArrowheads="1"/>
+          </p:cNvPicPr>
+          <p:nvPr/>
+        </p:nvPicPr>
+        <p:blipFill>
+          <a:blip r:embed="rId2">
+            <a:extLst>
+              <a:ext uri="{28A0092B-C50C-407E-A947-70E740481C1C}">
+                <a14:useLocalDpi xmlns:a14="http://schemas.microsoft.com/office/drawing/2010/main" val="0"/>
+              </a:ext>
+            </a:extLst>
+          </a:blip>
+          <a:srcRect/>
+          <a:stretch>
+            <a:fillRect/>
+          </a:stretch>
+        </p:blipFill>
+        <p:spPr bwMode="auto">
+          <a:xfrm>
+            <a:off x="1676400" y="1889602"/>
+            <a:ext cx="5386814" cy="4384829"/>
+          </a:xfrm>
+          <a:prstGeom prst="rect">
+            <a:avLst/>
+          </a:prstGeom>
+          <a:noFill/>
+          <a:extLst>
+            <a:ext uri="{909E8E84-426E-40DD-AFC4-6F175D3DCCD1}">
+              <a14:hiddenFill xmlns:a14="http://schemas.microsoft.com/office/drawing/2010/main">
+                <a:solidFill>
+                  <a:srgbClr val="FFFFFF"/>
+                </a:solidFill>
+              </a14:hiddenFill>
+            </a:ext>
+          </a:extLst>
+        </p:spPr>
+      </p:pic>
+      <p:sp>
+        <p:nvSpPr>
+          <p:cNvPr id="2" name="Rectangle 1"/>
+          <p:cNvSpPr/>
+          <p:nvPr/>
+        </p:nvSpPr>
+        <p:spPr>
+          <a:xfrm>
+            <a:off x="611560" y="1110056"/>
+            <a:ext cx="7920880" cy="754053"/>
+          </a:xfrm>
+          <a:prstGeom prst="rect">
+            <a:avLst/>
+          </a:prstGeom>
+        </p:spPr>
+        <p:txBody>
+          <a:bodyPr wrap="square">
+            <a:spAutoFit/>
+          </a:bodyPr>
+          <a:lstStyle/>
+          <a:p>
+            <a:r>
+              <a:rPr lang="en-US" sz="2500" dirty="0">
+                <a:solidFill>
+                  <a:schemeClr val="accent6">
+                    <a:lumMod val="75000"/>
+                  </a:schemeClr>
+                </a:solidFill>
+                <a:latin typeface="Aharoni" pitchFamily="2" charset="-79"/>
+                <a:cs typeface="Aharoni" pitchFamily="2" charset="-79"/>
+              </a:rPr>
+              <a:t>Definition:</a:t>
+            </a:r>
+            <a:r>
+              <a:rPr lang="en-US" b="1" dirty="0" smtClean="0"/>
+              <a:t> </a:t>
+            </a:r>
+            <a:r>
+              <a:rPr lang="en-US" dirty="0"/>
+              <a:t>t</a:t>
+            </a:r>
+            <a:r>
+              <a:rPr lang="en-US" dirty="0" smtClean="0"/>
+              <a:t>he </a:t>
+            </a:r>
+            <a:r>
+              <a:rPr lang="en-US" dirty="0"/>
+              <a:t>degree to which a component, system or process meets specified </a:t>
+            </a:r>
+            <a:r>
+              <a:rPr lang="en-US" dirty="0" smtClean="0"/>
+              <a:t>requirements and/or </a:t>
+            </a:r>
+            <a:r>
+              <a:rPr lang="en-US" dirty="0"/>
+              <a:t>user/customer needs and expectations</a:t>
+            </a:r>
+            <a:r>
+              <a:rPr lang="en-US" dirty="0" smtClean="0"/>
+              <a:t>.</a:t>
+            </a:r>
+            <a:endParaRPr lang="en-US" sz="1400" dirty="0"/>
+          </a:p>
+        </p:txBody>
+      </p:sp>
+    </p:spTree>
+    <p:extLst>
+      <p:ext uri="{BB962C8B-B14F-4D97-AF65-F5344CB8AC3E}">
+        <p14:creationId xmlns:p14="http://schemas.microsoft.com/office/powerpoint/2010/main" val="932905381"/>
+      </p:ext>
+    </p:extLst>
+  </p:cSld>
+  <p:clrMapOvr>
+    <a:masterClrMapping/>
+  </p:clrMapOvr>
+  <mc:AlternateContent xmlns:mc="http://schemas.openxmlformats.org/markup-compatibility/2006" xmlns:p14="http://schemas.microsoft.com/office/powerpoint/2010/main">
+    <mc:Choice Requires="p14">
+      <p:transition spd="slow" p14:dur="2000"/>
+    </mc:Choice>
+    <mc:Fallback xmlns="">
+      <p:transition spd="slow"/>
+    </mc:Fallback>
+  </mc:AlternateContent>
+  <p:timing>
+    <p:tnLst>
+      <p:par>
+        <p:cTn id="1" dur="indefinite" restart="never" nodeType="tmRoot">
+          <p:childTnLst>
+            <p:seq concurrent="1" nextAc="seek">
+              <p:cTn id="2" dur="indefinite" nodeType="mainSeq">
+                <p:childTnLst>
+                  <p:par>
+                    <p:cTn id="3" fill="hold">
+                      <p:stCondLst>
+                        <p:cond delay="indefinite"/>
+                      </p:stCondLst>
+                      <p:childTnLst>
+                        <p:par>
+                          <p:cTn id="4" fill="hold">
+                            <p:stCondLst>
+                              <p:cond delay="0"/>
+                            </p:stCondLst>
+                            <p:childTnLst>
+                              <p:par>
+                                <p:cTn id="5" presetID="10" presetClass="entr" presetSubtype="0" fill="hold" nodeType="clickEffect">
+                                  <p:stCondLst>
+                                    <p:cond delay="0"/>
+                                  </p:stCondLst>
+                                  <p:childTnLst>
+                                    <p:set>
+                                      <p:cBhvr>
+                                        <p:cTn id="6" dur="1" fill="hold">
+                                          <p:stCondLst>
+                                            <p:cond delay="0"/>
+                                          </p:stCondLst>
+                                        </p:cTn>
+                                        <p:tgtEl>
+                                          <p:spTgt spid="1026"/>
+                                        </p:tgtEl>
+                                        <p:attrNameLst>
+                                          <p:attrName>style.visibility</p:attrName>
+                                        </p:attrNameLst>
+                                      </p:cBhvr>
+                                      <p:to>
+                                        <p:strVal val="visible"/>
+                                      </p:to>
+                                    </p:set>
+                                    <p:animEffect transition="in" filter="fade">
+                                      <p:cBhvr>
+                                        <p:cTn id="7" dur="500"/>
+                                        <p:tgtEl>
+                                          <p:spTgt spid="1026"/>
+                                        </p:tgtEl>
+                                      </p:cBhvr>
+                                    </p:animEffect>
+                                  </p:childTnLst>
+                                </p:cTn>
+                              </p:par>
+                            </p:childTnLst>
+                          </p:cTn>
+                        </p:par>
+                      </p:childTnLst>
+                    </p:cTn>
+                  </p:par>
+                </p:childTnLst>
+              </p:cTn>
+              <p:prevCondLst>
+                <p:cond evt="onPrev" delay="0">
+                  <p:tgtEl>
+                    <p:sldTgt/>
+                  </p:tgtEl>
+                </p:cond>
+              </p:prevCondLst>
+              <p:nextCondLst>
+                <p:cond evt="onNext" delay="0">
+                  <p:tgtEl>
+                    <p:sldTgt/>
+                  </p:tgtEl>
+                </p:cond>
+              </p:nextCondLst>
+            </p:seq>
+          </p:childTnLst>
+        </p:cTn>
+      </p:par>
+    </p:tnLst>
+  </p:timing>
+</p:sld>
+</file>
+
+<file path=ppt/slides/slide18.xml><?xml version="1.0" encoding="utf-8"?>
+<p:sld xmlns:a="http://schemas.openxmlformats.org/drawingml/2006/main" xmlns:r="http://schemas.openxmlformats.org/officeDocument/2006/relationships" xmlns:p="http://schemas.openxmlformats.org/presentationml/2006/main">
+  <p:cSld>
+    <p:spTree>
+      <p:nvGrpSpPr>
+        <p:cNvPr id="1" name=""/>
+        <p:cNvGrpSpPr/>
+        <p:nvPr/>
+      </p:nvGrpSpPr>
+      <p:grpSpPr>
+        <a:xfrm>
+          <a:off x="0" y="0"/>
+          <a:ext cx="0" cy="0"/>
+          <a:chOff x="0" y="0"/>
+          <a:chExt cx="0" cy="0"/>
+        </a:xfrm>
+      </p:grpSpPr>
+      <p:sp>
+        <p:nvSpPr>
+          <p:cNvPr id="4" name="TextBox 3"/>
+          <p:cNvSpPr txBox="1"/>
+          <p:nvPr/>
+        </p:nvSpPr>
+        <p:spPr>
+          <a:xfrm>
+            <a:off x="457200" y="457200"/>
+            <a:ext cx="8397042" cy="553998"/>
+          </a:xfrm>
+          <a:prstGeom prst="rect">
+            <a:avLst/>
+          </a:prstGeom>
+          <a:noFill/>
+        </p:spPr>
+        <p:txBody>
+          <a:bodyPr wrap="none" rtlCol="0">
+            <a:spAutoFit/>
+          </a:bodyPr>
+          <a:lstStyle/>
+          <a:p>
+            <a:r>
+              <a:rPr lang="en-US" sz="3000" dirty="0">
+                <a:solidFill>
+                  <a:schemeClr val="tx1">
+                    <a:lumMod val="65000"/>
+                    <a:lumOff val="35000"/>
+                  </a:schemeClr>
+                </a:solidFill>
+                <a:effectLst>
+                  <a:outerShdw blurRad="38100" dist="38100" dir="2700000" algn="tl">
+                    <a:srgbClr val="000000">
+                      <a:alpha val="43137"/>
+                    </a:srgbClr>
+                  </a:outerShdw>
+                </a:effectLst>
+              </a:rPr>
+              <a:t>Quality Assurance. Quality Control. Software Testing.</a:t>
+            </a:r>
+          </a:p>
+        </p:txBody>
+      </p:sp>
+      <p:sp>
+        <p:nvSpPr>
+          <p:cNvPr id="10" name="Rectangle 9"/>
+          <p:cNvSpPr/>
+          <p:nvPr/>
+        </p:nvSpPr>
+        <p:spPr>
+          <a:xfrm>
+            <a:off x="1219200" y="1598612"/>
+            <a:ext cx="6524163" cy="3354388"/>
+          </a:xfrm>
+          <a:prstGeom prst="rect">
+            <a:avLst/>
+          </a:prstGeom>
+        </p:spPr>
+        <p:style>
+          <a:lnRef idx="1">
+            <a:schemeClr val="dk1"/>
+          </a:lnRef>
+          <a:fillRef idx="2">
+            <a:schemeClr val="dk1"/>
+          </a:fillRef>
+          <a:effectRef idx="1">
+            <a:schemeClr val="dk1"/>
+          </a:effectRef>
+          <a:fontRef idx="minor">
+            <a:schemeClr val="dk1"/>
+          </a:fontRef>
+        </p:style>
+        <p:txBody>
+          <a:bodyPr anchor="ctr"/>
+          <a:lstStyle/>
+          <a:p>
+            <a:pPr algn="ctr" fontAlgn="auto">
+              <a:spcBef>
+                <a:spcPts val="0"/>
+              </a:spcBef>
+              <a:spcAft>
+                <a:spcPts val="0"/>
+              </a:spcAft>
+              <a:defRPr/>
+            </a:pPr>
+            <a:endParaRPr lang="ru-RU" dirty="0"/>
+          </a:p>
+        </p:txBody>
+      </p:sp>
+      <p:sp>
+        <p:nvSpPr>
+          <p:cNvPr id="11" name="Rectangle 10"/>
+          <p:cNvSpPr/>
+          <p:nvPr/>
+        </p:nvSpPr>
+        <p:spPr>
+          <a:xfrm>
+            <a:off x="2987824" y="2924944"/>
+            <a:ext cx="4755540" cy="2028056"/>
+          </a:xfrm>
+          <a:prstGeom prst="rect">
+            <a:avLst/>
+          </a:prstGeom>
+        </p:spPr>
+        <p:style>
+          <a:lnRef idx="1">
+            <a:schemeClr val="accent2"/>
+          </a:lnRef>
+          <a:fillRef idx="2">
+            <a:schemeClr val="accent2"/>
+          </a:fillRef>
+          <a:effectRef idx="1">
+            <a:schemeClr val="accent2"/>
+          </a:effectRef>
+          <a:fontRef idx="minor">
+            <a:schemeClr val="dk1"/>
+          </a:fontRef>
+        </p:style>
+        <p:txBody>
+          <a:bodyPr anchor="ctr"/>
+          <a:lstStyle/>
+          <a:p>
+            <a:pPr algn="ctr" fontAlgn="auto">
+              <a:spcBef>
+                <a:spcPts val="0"/>
+              </a:spcBef>
+              <a:spcAft>
+                <a:spcPts val="0"/>
+              </a:spcAft>
+              <a:defRPr/>
+            </a:pPr>
+            <a:endParaRPr lang="ru-RU"/>
+          </a:p>
+        </p:txBody>
+      </p:sp>
+      <p:sp>
+        <p:nvSpPr>
+          <p:cNvPr id="12" name="Rectangle 11"/>
+          <p:cNvSpPr/>
+          <p:nvPr/>
+        </p:nvSpPr>
+        <p:spPr>
+          <a:xfrm>
+            <a:off x="4860032" y="3938972"/>
+            <a:ext cx="2883332" cy="1014028"/>
+          </a:xfrm>
+          <a:prstGeom prst="rect">
+            <a:avLst/>
+          </a:prstGeom>
+        </p:spPr>
+        <p:style>
+          <a:lnRef idx="1">
+            <a:schemeClr val="accent6"/>
+          </a:lnRef>
+          <a:fillRef idx="2">
+            <a:schemeClr val="accent6"/>
+          </a:fillRef>
+          <a:effectRef idx="1">
+            <a:schemeClr val="accent6"/>
+          </a:effectRef>
+          <a:fontRef idx="minor">
+            <a:schemeClr val="dk1"/>
+          </a:fontRef>
+        </p:style>
+        <p:txBody>
+          <a:bodyPr anchor="ctr"/>
+          <a:lstStyle/>
+          <a:p>
+            <a:pPr algn="ctr" fontAlgn="auto">
+              <a:spcBef>
+                <a:spcPts val="0"/>
+              </a:spcBef>
+              <a:spcAft>
+                <a:spcPts val="0"/>
+              </a:spcAft>
+              <a:defRPr/>
+            </a:pPr>
+            <a:endParaRPr lang="ru-RU"/>
+          </a:p>
+        </p:txBody>
+      </p:sp>
+      <p:sp>
+        <p:nvSpPr>
+          <p:cNvPr id="13" name="TextBox 6"/>
+          <p:cNvSpPr txBox="1">
+            <a:spLocks noChangeArrowheads="1"/>
+          </p:cNvSpPr>
+          <p:nvPr/>
+        </p:nvSpPr>
+        <p:spPr bwMode="auto">
+          <a:xfrm>
+            <a:off x="1274316" y="1674812"/>
+            <a:ext cx="567784" cy="400110"/>
+          </a:xfrm>
+          <a:prstGeom prst="rect">
+            <a:avLst/>
+          </a:prstGeom>
+          <a:noFill/>
+          <a:ln>
+            <a:noFill/>
+          </a:ln>
+          <a:extLst>
+            <a:ext uri="{909E8E84-426E-40DD-AFC4-6F175D3DCCD1}">
+              <a14:hiddenFill xmlns:a14="http://schemas.microsoft.com/office/drawing/2010/main">
+                <a:solidFill>
+                  <a:srgbClr val="FFFFFF"/>
+                </a:solidFill>
+              </a14:hiddenFill>
+            </a:ext>
+            <a:ext uri="{91240B29-F687-4F45-9708-019B960494DF}">
+              <a14:hiddenLine xmlns:a14="http://schemas.microsoft.com/office/drawing/2010/main" w="9525">
+                <a:solidFill>
+                  <a:srgbClr val="000000"/>
+                </a:solidFill>
+                <a:miter lim="800000"/>
+                <a:headEnd/>
+                <a:tailEnd/>
+              </a14:hiddenLine>
+            </a:ext>
+          </a:extLst>
+        </p:spPr>
+        <p:txBody>
+          <a:bodyPr wrap="none">
+            <a:spAutoFit/>
+          </a:bodyPr>
+          <a:lstStyle>
+            <a:lvl1pPr eaLnBrk="0" hangingPunct="0">
+              <a:defRPr>
+                <a:solidFill>
+                  <a:schemeClr val="tx1"/>
+                </a:solidFill>
+                <a:latin typeface="Gill Sans MT"/>
+                <a:cs typeface="Arial" pitchFamily="34" charset="0"/>
+              </a:defRPr>
+            </a:lvl1pPr>
+            <a:lvl2pPr marL="742950" indent="-285750" eaLnBrk="0" hangingPunct="0">
+              <a:defRPr>
+                <a:solidFill>
+                  <a:schemeClr val="tx1"/>
+                </a:solidFill>
+                <a:latin typeface="Gill Sans MT"/>
+                <a:cs typeface="Arial" pitchFamily="34" charset="0"/>
+              </a:defRPr>
+            </a:lvl2pPr>
+            <a:lvl3pPr marL="1143000" indent="-228600" eaLnBrk="0" hangingPunct="0">
+              <a:defRPr>
+                <a:solidFill>
+                  <a:schemeClr val="tx1"/>
+                </a:solidFill>
+                <a:latin typeface="Gill Sans MT"/>
+                <a:cs typeface="Arial" pitchFamily="34" charset="0"/>
+              </a:defRPr>
+            </a:lvl3pPr>
+            <a:lvl4pPr marL="1600200" indent="-228600" eaLnBrk="0" hangingPunct="0">
+              <a:defRPr>
+                <a:solidFill>
+                  <a:schemeClr val="tx1"/>
+                </a:solidFill>
+                <a:latin typeface="Gill Sans MT"/>
+                <a:cs typeface="Arial" pitchFamily="34" charset="0"/>
+              </a:defRPr>
+            </a:lvl4pPr>
+            <a:lvl5pPr marL="2057400" indent="-228600" eaLnBrk="0" hangingPunct="0">
+              <a:defRPr>
+                <a:solidFill>
+                  <a:schemeClr val="tx1"/>
+                </a:solidFill>
+                <a:latin typeface="Gill Sans MT"/>
+                <a:cs typeface="Arial" pitchFamily="34" charset="0"/>
+              </a:defRPr>
+            </a:lvl5pPr>
+            <a:lvl6pPr marL="2514600" indent="-228600" eaLnBrk="0" fontAlgn="base" hangingPunct="0">
+              <a:spcBef>
+                <a:spcPct val="0"/>
+              </a:spcBef>
+              <a:spcAft>
+                <a:spcPct val="0"/>
+              </a:spcAft>
+              <a:defRPr>
+                <a:solidFill>
+                  <a:schemeClr val="tx1"/>
+                </a:solidFill>
+                <a:latin typeface="Gill Sans MT"/>
+                <a:cs typeface="Arial" pitchFamily="34" charset="0"/>
+              </a:defRPr>
+            </a:lvl6pPr>
+            <a:lvl7pPr marL="2971800" indent="-228600" eaLnBrk="0" fontAlgn="base" hangingPunct="0">
+              <a:spcBef>
+                <a:spcPct val="0"/>
+              </a:spcBef>
+              <a:spcAft>
+                <a:spcPct val="0"/>
+              </a:spcAft>
+              <a:defRPr>
+                <a:solidFill>
+                  <a:schemeClr val="tx1"/>
+                </a:solidFill>
+                <a:latin typeface="Gill Sans MT"/>
+                <a:cs typeface="Arial" pitchFamily="34" charset="0"/>
+              </a:defRPr>
+            </a:lvl7pPr>
+            <a:lvl8pPr marL="3429000" indent="-228600" eaLnBrk="0" fontAlgn="base" hangingPunct="0">
+              <a:spcBef>
+                <a:spcPct val="0"/>
+              </a:spcBef>
+              <a:spcAft>
+                <a:spcPct val="0"/>
+              </a:spcAft>
+              <a:defRPr>
+                <a:solidFill>
+                  <a:schemeClr val="tx1"/>
+                </a:solidFill>
+                <a:latin typeface="Gill Sans MT"/>
+                <a:cs typeface="Arial" pitchFamily="34" charset="0"/>
+              </a:defRPr>
+            </a:lvl8pPr>
+            <a:lvl9pPr marL="3886200" indent="-228600" eaLnBrk="0" fontAlgn="base" hangingPunct="0">
+              <a:spcBef>
+                <a:spcPct val="0"/>
+              </a:spcBef>
+              <a:spcAft>
+                <a:spcPct val="0"/>
+              </a:spcAft>
+              <a:defRPr>
+                <a:solidFill>
+                  <a:schemeClr val="tx1"/>
+                </a:solidFill>
+                <a:latin typeface="Gill Sans MT"/>
+                <a:cs typeface="Arial" pitchFamily="34" charset="0"/>
+              </a:defRPr>
+            </a:lvl9pPr>
+          </a:lstStyle>
+          <a:p>
+            <a:pPr eaLnBrk="1" hangingPunct="1"/>
+            <a:r>
+              <a:rPr lang="en-US" sz="2000" dirty="0"/>
+              <a:t>QA</a:t>
+            </a:r>
+            <a:endParaRPr lang="ru-RU" sz="2000" dirty="0">
+              <a:latin typeface="Calibri" pitchFamily="34" charset="0"/>
+            </a:endParaRPr>
+          </a:p>
+        </p:txBody>
+      </p:sp>
+      <p:sp>
+        <p:nvSpPr>
+          <p:cNvPr id="14" name="TextBox 7"/>
+          <p:cNvSpPr txBox="1">
+            <a:spLocks noChangeArrowheads="1"/>
+          </p:cNvSpPr>
+          <p:nvPr/>
+        </p:nvSpPr>
+        <p:spPr bwMode="auto">
+          <a:xfrm>
+            <a:off x="3098023" y="2996952"/>
+            <a:ext cx="577402" cy="400110"/>
+          </a:xfrm>
+          <a:prstGeom prst="rect">
+            <a:avLst/>
+          </a:prstGeom>
+          <a:noFill/>
+          <a:ln>
+            <a:noFill/>
+          </a:ln>
+          <a:extLst>
+            <a:ext uri="{909E8E84-426E-40DD-AFC4-6F175D3DCCD1}">
+              <a14:hiddenFill xmlns:a14="http://schemas.microsoft.com/office/drawing/2010/main">
+                <a:solidFill>
+                  <a:srgbClr val="FFFFFF"/>
+                </a:solidFill>
+              </a14:hiddenFill>
+            </a:ext>
+            <a:ext uri="{91240B29-F687-4F45-9708-019B960494DF}">
+              <a14:hiddenLine xmlns:a14="http://schemas.microsoft.com/office/drawing/2010/main" w="9525">
+                <a:solidFill>
+                  <a:srgbClr val="000000"/>
+                </a:solidFill>
+                <a:miter lim="800000"/>
+                <a:headEnd/>
+                <a:tailEnd/>
+              </a14:hiddenLine>
+            </a:ext>
+          </a:extLst>
+        </p:spPr>
+        <p:txBody>
+          <a:bodyPr wrap="none">
+            <a:spAutoFit/>
+          </a:bodyPr>
+          <a:lstStyle>
+            <a:lvl1pPr eaLnBrk="0" hangingPunct="0">
+              <a:defRPr>
+                <a:solidFill>
+                  <a:schemeClr val="tx1"/>
+                </a:solidFill>
+                <a:latin typeface="Gill Sans MT"/>
+                <a:cs typeface="Arial" pitchFamily="34" charset="0"/>
+              </a:defRPr>
+            </a:lvl1pPr>
+            <a:lvl2pPr marL="742950" indent="-285750" eaLnBrk="0" hangingPunct="0">
+              <a:defRPr>
+                <a:solidFill>
+                  <a:schemeClr val="tx1"/>
+                </a:solidFill>
+                <a:latin typeface="Gill Sans MT"/>
+                <a:cs typeface="Arial" pitchFamily="34" charset="0"/>
+              </a:defRPr>
+            </a:lvl2pPr>
+            <a:lvl3pPr marL="1143000" indent="-228600" eaLnBrk="0" hangingPunct="0">
+              <a:defRPr>
+                <a:solidFill>
+                  <a:schemeClr val="tx1"/>
+                </a:solidFill>
+                <a:latin typeface="Gill Sans MT"/>
+                <a:cs typeface="Arial" pitchFamily="34" charset="0"/>
+              </a:defRPr>
+            </a:lvl3pPr>
+            <a:lvl4pPr marL="1600200" indent="-228600" eaLnBrk="0" hangingPunct="0">
+              <a:defRPr>
+                <a:solidFill>
+                  <a:schemeClr val="tx1"/>
+                </a:solidFill>
+                <a:latin typeface="Gill Sans MT"/>
+                <a:cs typeface="Arial" pitchFamily="34" charset="0"/>
+              </a:defRPr>
+            </a:lvl4pPr>
+            <a:lvl5pPr marL="2057400" indent="-228600" eaLnBrk="0" hangingPunct="0">
+              <a:defRPr>
+                <a:solidFill>
+                  <a:schemeClr val="tx1"/>
+                </a:solidFill>
+                <a:latin typeface="Gill Sans MT"/>
+                <a:cs typeface="Arial" pitchFamily="34" charset="0"/>
+              </a:defRPr>
+            </a:lvl5pPr>
+            <a:lvl6pPr marL="2514600" indent="-228600" eaLnBrk="0" fontAlgn="base" hangingPunct="0">
+              <a:spcBef>
+                <a:spcPct val="0"/>
+              </a:spcBef>
+              <a:spcAft>
+                <a:spcPct val="0"/>
+              </a:spcAft>
+              <a:defRPr>
+                <a:solidFill>
+                  <a:schemeClr val="tx1"/>
+                </a:solidFill>
+                <a:latin typeface="Gill Sans MT"/>
+                <a:cs typeface="Arial" pitchFamily="34" charset="0"/>
+              </a:defRPr>
+            </a:lvl6pPr>
+            <a:lvl7pPr marL="2971800" indent="-228600" eaLnBrk="0" fontAlgn="base" hangingPunct="0">
+              <a:spcBef>
+                <a:spcPct val="0"/>
+              </a:spcBef>
+              <a:spcAft>
+                <a:spcPct val="0"/>
+              </a:spcAft>
+              <a:defRPr>
+                <a:solidFill>
+                  <a:schemeClr val="tx1"/>
+                </a:solidFill>
+                <a:latin typeface="Gill Sans MT"/>
+                <a:cs typeface="Arial" pitchFamily="34" charset="0"/>
+              </a:defRPr>
+            </a:lvl7pPr>
+            <a:lvl8pPr marL="3429000" indent="-228600" eaLnBrk="0" fontAlgn="base" hangingPunct="0">
+              <a:spcBef>
+                <a:spcPct val="0"/>
+              </a:spcBef>
+              <a:spcAft>
+                <a:spcPct val="0"/>
+              </a:spcAft>
+              <a:defRPr>
+                <a:solidFill>
+                  <a:schemeClr val="tx1"/>
+                </a:solidFill>
+                <a:latin typeface="Gill Sans MT"/>
+                <a:cs typeface="Arial" pitchFamily="34" charset="0"/>
+              </a:defRPr>
+            </a:lvl8pPr>
+            <a:lvl9pPr marL="3886200" indent="-228600" eaLnBrk="0" fontAlgn="base" hangingPunct="0">
+              <a:spcBef>
+                <a:spcPct val="0"/>
+              </a:spcBef>
+              <a:spcAft>
+                <a:spcPct val="0"/>
+              </a:spcAft>
+              <a:defRPr>
+                <a:solidFill>
+                  <a:schemeClr val="tx1"/>
+                </a:solidFill>
+                <a:latin typeface="Gill Sans MT"/>
+                <a:cs typeface="Arial" pitchFamily="34" charset="0"/>
+              </a:defRPr>
+            </a:lvl9pPr>
+          </a:lstStyle>
+          <a:p>
+            <a:pPr eaLnBrk="1" hangingPunct="1"/>
+            <a:r>
+              <a:rPr lang="en-US" sz="2000" dirty="0"/>
+              <a:t>QC</a:t>
+            </a:r>
+            <a:endParaRPr lang="ru-RU" sz="2000" dirty="0">
+              <a:latin typeface="Calibri" pitchFamily="34" charset="0"/>
+            </a:endParaRPr>
+          </a:p>
+        </p:txBody>
+      </p:sp>
+      <p:sp>
+        <p:nvSpPr>
+          <p:cNvPr id="15" name="TextBox 8"/>
+          <p:cNvSpPr txBox="1">
+            <a:spLocks noChangeArrowheads="1"/>
+          </p:cNvSpPr>
+          <p:nvPr/>
+        </p:nvSpPr>
+        <p:spPr bwMode="auto">
+          <a:xfrm>
+            <a:off x="4860032" y="4005064"/>
+            <a:ext cx="2075248" cy="400110"/>
+          </a:xfrm>
+          <a:prstGeom prst="rect">
+            <a:avLst/>
+          </a:prstGeom>
+          <a:noFill/>
+          <a:ln>
+            <a:noFill/>
+          </a:ln>
+          <a:extLst>
+            <a:ext uri="{909E8E84-426E-40DD-AFC4-6F175D3DCCD1}">
+              <a14:hiddenFill xmlns:a14="http://schemas.microsoft.com/office/drawing/2010/main">
+                <a:solidFill>
+                  <a:srgbClr val="FFFFFF"/>
+                </a:solidFill>
+              </a14:hiddenFill>
+            </a:ext>
+            <a:ext uri="{91240B29-F687-4F45-9708-019B960494DF}">
+              <a14:hiddenLine xmlns:a14="http://schemas.microsoft.com/office/drawing/2010/main" w="9525">
+                <a:solidFill>
+                  <a:srgbClr val="000000"/>
+                </a:solidFill>
+                <a:miter lim="800000"/>
+                <a:headEnd/>
+                <a:tailEnd/>
+              </a14:hiddenLine>
+            </a:ext>
+          </a:extLst>
+        </p:spPr>
+        <p:txBody>
+          <a:bodyPr wrap="none">
+            <a:spAutoFit/>
+          </a:bodyPr>
+          <a:lstStyle>
+            <a:lvl1pPr eaLnBrk="0" hangingPunct="0">
+              <a:defRPr>
+                <a:solidFill>
+                  <a:schemeClr val="tx1"/>
+                </a:solidFill>
+                <a:latin typeface="Gill Sans MT"/>
+                <a:cs typeface="Arial" pitchFamily="34" charset="0"/>
+              </a:defRPr>
+            </a:lvl1pPr>
+            <a:lvl2pPr marL="742950" indent="-285750" eaLnBrk="0" hangingPunct="0">
+              <a:defRPr>
+                <a:solidFill>
+                  <a:schemeClr val="tx1"/>
+                </a:solidFill>
+                <a:latin typeface="Gill Sans MT"/>
+                <a:cs typeface="Arial" pitchFamily="34" charset="0"/>
+              </a:defRPr>
+            </a:lvl2pPr>
+            <a:lvl3pPr marL="1143000" indent="-228600" eaLnBrk="0" hangingPunct="0">
+              <a:defRPr>
+                <a:solidFill>
+                  <a:schemeClr val="tx1"/>
+                </a:solidFill>
+                <a:latin typeface="Gill Sans MT"/>
+                <a:cs typeface="Arial" pitchFamily="34" charset="0"/>
+              </a:defRPr>
+            </a:lvl3pPr>
+            <a:lvl4pPr marL="1600200" indent="-228600" eaLnBrk="0" hangingPunct="0">
+              <a:defRPr>
+                <a:solidFill>
+                  <a:schemeClr val="tx1"/>
+                </a:solidFill>
+                <a:latin typeface="Gill Sans MT"/>
+                <a:cs typeface="Arial" pitchFamily="34" charset="0"/>
+              </a:defRPr>
+            </a:lvl4pPr>
+            <a:lvl5pPr marL="2057400" indent="-228600" eaLnBrk="0" hangingPunct="0">
+              <a:defRPr>
+                <a:solidFill>
+                  <a:schemeClr val="tx1"/>
+                </a:solidFill>
+                <a:latin typeface="Gill Sans MT"/>
+                <a:cs typeface="Arial" pitchFamily="34" charset="0"/>
+              </a:defRPr>
+            </a:lvl5pPr>
+            <a:lvl6pPr marL="2514600" indent="-228600" eaLnBrk="0" fontAlgn="base" hangingPunct="0">
+              <a:spcBef>
+                <a:spcPct val="0"/>
+              </a:spcBef>
+              <a:spcAft>
+                <a:spcPct val="0"/>
+              </a:spcAft>
+              <a:defRPr>
+                <a:solidFill>
+                  <a:schemeClr val="tx1"/>
+                </a:solidFill>
+                <a:latin typeface="Gill Sans MT"/>
+                <a:cs typeface="Arial" pitchFamily="34" charset="0"/>
+              </a:defRPr>
+            </a:lvl6pPr>
+            <a:lvl7pPr marL="2971800" indent="-228600" eaLnBrk="0" fontAlgn="base" hangingPunct="0">
+              <a:spcBef>
+                <a:spcPct val="0"/>
+              </a:spcBef>
+              <a:spcAft>
+                <a:spcPct val="0"/>
+              </a:spcAft>
+              <a:defRPr>
+                <a:solidFill>
+                  <a:schemeClr val="tx1"/>
+                </a:solidFill>
+                <a:latin typeface="Gill Sans MT"/>
+                <a:cs typeface="Arial" pitchFamily="34" charset="0"/>
+              </a:defRPr>
+            </a:lvl7pPr>
+            <a:lvl8pPr marL="3429000" indent="-228600" eaLnBrk="0" fontAlgn="base" hangingPunct="0">
+              <a:spcBef>
+                <a:spcPct val="0"/>
+              </a:spcBef>
+              <a:spcAft>
+                <a:spcPct val="0"/>
+              </a:spcAft>
+              <a:defRPr>
+                <a:solidFill>
+                  <a:schemeClr val="tx1"/>
+                </a:solidFill>
+                <a:latin typeface="Gill Sans MT"/>
+                <a:cs typeface="Arial" pitchFamily="34" charset="0"/>
+              </a:defRPr>
+            </a:lvl8pPr>
+            <a:lvl9pPr marL="3886200" indent="-228600" eaLnBrk="0" fontAlgn="base" hangingPunct="0">
+              <a:spcBef>
+                <a:spcPct val="0"/>
+              </a:spcBef>
+              <a:spcAft>
+                <a:spcPct val="0"/>
+              </a:spcAft>
+              <a:defRPr>
+                <a:solidFill>
+                  <a:schemeClr val="tx1"/>
+                </a:solidFill>
+                <a:latin typeface="Gill Sans MT"/>
+                <a:cs typeface="Arial" pitchFamily="34" charset="0"/>
+              </a:defRPr>
+            </a:lvl9pPr>
+          </a:lstStyle>
+          <a:p>
+            <a:pPr eaLnBrk="1" hangingPunct="1"/>
+            <a:r>
+              <a:rPr lang="en-US" sz="2000" dirty="0"/>
+              <a:t>Software Testing</a:t>
+            </a:r>
+            <a:endParaRPr lang="ru-RU" sz="2000" dirty="0">
+              <a:latin typeface="Calibri" pitchFamily="34" charset="0"/>
+            </a:endParaRPr>
+          </a:p>
+        </p:txBody>
+      </p:sp>
+    </p:spTree>
+    <p:extLst>
+      <p:ext uri="{BB962C8B-B14F-4D97-AF65-F5344CB8AC3E}">
+        <p14:creationId xmlns:p14="http://schemas.microsoft.com/office/powerpoint/2010/main" val="1028838030"/>
+      </p:ext>
+    </p:extLst>
+  </p:cSld>
+  <p:clrMapOvr>
+    <a:masterClrMapping/>
+  </p:clrMapOvr>
+  <p:timing>
+    <p:tnLst>
+      <p:par>
+        <p:cTn id="1" dur="indefinite" restart="never" nodeType="tmRoot"/>
+      </p:par>
+    </p:tnLst>
+  </p:timing>
+</p:sld>
+</file>
+
+<file path=ppt/slides/slide19.xml><?xml version="1.0" encoding="utf-8"?>
+<p:sld xmlns:a="http://schemas.openxmlformats.org/drawingml/2006/main" xmlns:r="http://schemas.openxmlformats.org/officeDocument/2006/relationships" xmlns:p="http://schemas.openxmlformats.org/presentationml/2006/main">
+  <p:cSld>
+    <p:spTree>
+      <p:nvGrpSpPr>
+        <p:cNvPr id="1" name=""/>
+        <p:cNvGrpSpPr/>
+        <p:nvPr/>
+      </p:nvGrpSpPr>
+      <p:grpSpPr>
+        <a:xfrm>
+          <a:off x="0" y="0"/>
+          <a:ext cx="0" cy="0"/>
+          <a:chOff x="0" y="0"/>
+          <a:chExt cx="0" cy="0"/>
+        </a:xfrm>
+      </p:grpSpPr>
+      <p:sp>
+        <p:nvSpPr>
+          <p:cNvPr id="4" name="TextBox 3"/>
+          <p:cNvSpPr txBox="1"/>
+          <p:nvPr/>
+        </p:nvSpPr>
+        <p:spPr>
+          <a:xfrm>
             <a:off x="685800" y="457200"/>
             <a:ext cx="1158074" cy="630942"/>
           </a:xfrm>
@@ -5057,7 +7532,7 @@
         </p:nvSpPr>
         <p:spPr>
           <a:xfrm>
-            <a:off x="1400561" y="2780928"/>
+            <a:off x="1475656" y="2780928"/>
             <a:ext cx="4572000" cy="506292"/>
           </a:xfrm>
           <a:prstGeom prst="rect">
@@ -5555,7 +8030,376 @@
 </p:sld>
 </file>
 
-<file path=ppt/slides/slide14.xml><?xml version="1.0" encoding="utf-8"?>
+<file path=ppt/slides/slide2.xml><?xml version="1.0" encoding="utf-8"?>
+<p:sld xmlns:a="http://schemas.openxmlformats.org/drawingml/2006/main" xmlns:r="http://schemas.openxmlformats.org/officeDocument/2006/relationships" xmlns:p="http://schemas.openxmlformats.org/presentationml/2006/main">
+  <p:cSld>
+    <p:spTree>
+      <p:nvGrpSpPr>
+        <p:cNvPr id="1" name=""/>
+        <p:cNvGrpSpPr/>
+        <p:nvPr/>
+      </p:nvGrpSpPr>
+      <p:grpSpPr>
+        <a:xfrm>
+          <a:off x="0" y="0"/>
+          <a:ext cx="0" cy="0"/>
+          <a:chOff x="0" y="0"/>
+          <a:chExt cx="0" cy="0"/>
+        </a:xfrm>
+      </p:grpSpPr>
+      <p:sp>
+        <p:nvSpPr>
+          <p:cNvPr id="4" name="TextBox 3"/>
+          <p:cNvSpPr txBox="1"/>
+          <p:nvPr/>
+        </p:nvSpPr>
+        <p:spPr>
+          <a:xfrm>
+            <a:off x="457200" y="533400"/>
+            <a:ext cx="3701654" cy="630942"/>
+          </a:xfrm>
+          <a:prstGeom prst="rect">
+            <a:avLst/>
+          </a:prstGeom>
+          <a:noFill/>
+        </p:spPr>
+        <p:txBody>
+          <a:bodyPr wrap="none" rtlCol="0">
+            <a:spAutoFit/>
+          </a:bodyPr>
+          <a:lstStyle/>
+          <a:p>
+            <a:r>
+              <a:rPr lang="en-US" sz="3500" dirty="0">
+                <a:solidFill>
+                  <a:schemeClr val="tx1">
+                    <a:lumMod val="65000"/>
+                    <a:lumOff val="35000"/>
+                  </a:schemeClr>
+                </a:solidFill>
+                <a:effectLst>
+                  <a:outerShdw blurRad="38100" dist="38100" dir="2700000" algn="tl">
+                    <a:srgbClr val="000000">
+                      <a:alpha val="43137"/>
+                    </a:srgbClr>
+                  </a:outerShdw>
+                </a:effectLst>
+              </a:rPr>
+              <a:t>Inputs and Outputs</a:t>
+            </a:r>
+          </a:p>
+        </p:txBody>
+      </p:sp>
+      <p:sp>
+        <p:nvSpPr>
+          <p:cNvPr id="5" name="Right Arrow 4"/>
+          <p:cNvSpPr/>
+          <p:nvPr/>
+        </p:nvSpPr>
+        <p:spPr>
+          <a:xfrm>
+            <a:off x="1295400" y="2133600"/>
+            <a:ext cx="1123987" cy="242316"/>
+          </a:xfrm>
+          <a:prstGeom prst="rightArrow">
+            <a:avLst/>
+          </a:prstGeom>
+        </p:spPr>
+        <p:style>
+          <a:lnRef idx="1">
+            <a:schemeClr val="accent6"/>
+          </a:lnRef>
+          <a:fillRef idx="2">
+            <a:schemeClr val="accent6"/>
+          </a:fillRef>
+          <a:effectRef idx="1">
+            <a:schemeClr val="accent6"/>
+          </a:effectRef>
+          <a:fontRef idx="minor">
+            <a:schemeClr val="dk1"/>
+          </a:fontRef>
+        </p:style>
+        <p:txBody>
+          <a:bodyPr rtlCol="0" anchor="ctr"/>
+          <a:lstStyle/>
+          <a:p>
+            <a:pPr algn="ctr"/>
+            <a:endParaRPr lang="en-US"/>
+          </a:p>
+        </p:txBody>
+      </p:sp>
+      <p:sp>
+        <p:nvSpPr>
+          <p:cNvPr id="12" name="Right Arrow 11"/>
+          <p:cNvSpPr/>
+          <p:nvPr/>
+        </p:nvSpPr>
+        <p:spPr>
+          <a:xfrm>
+            <a:off x="1295400" y="3018408"/>
+            <a:ext cx="1123987" cy="242316"/>
+          </a:xfrm>
+          <a:prstGeom prst="rightArrow">
+            <a:avLst/>
+          </a:prstGeom>
+        </p:spPr>
+        <p:style>
+          <a:lnRef idx="1">
+            <a:schemeClr val="accent6"/>
+          </a:lnRef>
+          <a:fillRef idx="2">
+            <a:schemeClr val="accent6"/>
+          </a:fillRef>
+          <a:effectRef idx="1">
+            <a:schemeClr val="accent6"/>
+          </a:effectRef>
+          <a:fontRef idx="minor">
+            <a:schemeClr val="dk1"/>
+          </a:fontRef>
+        </p:style>
+        <p:txBody>
+          <a:bodyPr rtlCol="0" anchor="ctr"/>
+          <a:lstStyle/>
+          <a:p>
+            <a:pPr algn="ctr"/>
+            <a:endParaRPr lang="en-US"/>
+          </a:p>
+        </p:txBody>
+      </p:sp>
+      <p:sp>
+        <p:nvSpPr>
+          <p:cNvPr id="13" name="Right Arrow 12"/>
+          <p:cNvSpPr/>
+          <p:nvPr/>
+        </p:nvSpPr>
+        <p:spPr>
+          <a:xfrm>
+            <a:off x="1295400" y="3910058"/>
+            <a:ext cx="1123987" cy="248819"/>
+          </a:xfrm>
+          <a:prstGeom prst="rightArrow">
+            <a:avLst/>
+          </a:prstGeom>
+        </p:spPr>
+        <p:style>
+          <a:lnRef idx="1">
+            <a:schemeClr val="accent6"/>
+          </a:lnRef>
+          <a:fillRef idx="2">
+            <a:schemeClr val="accent6"/>
+          </a:fillRef>
+          <a:effectRef idx="1">
+            <a:schemeClr val="accent6"/>
+          </a:effectRef>
+          <a:fontRef idx="minor">
+            <a:schemeClr val="dk1"/>
+          </a:fontRef>
+        </p:style>
+        <p:txBody>
+          <a:bodyPr rtlCol="0" anchor="ctr"/>
+          <a:lstStyle/>
+          <a:p>
+            <a:pPr algn="ctr"/>
+            <a:endParaRPr lang="en-US"/>
+          </a:p>
+        </p:txBody>
+      </p:sp>
+      <p:sp>
+        <p:nvSpPr>
+          <p:cNvPr id="14" name="Right Arrow 13"/>
+          <p:cNvSpPr/>
+          <p:nvPr/>
+        </p:nvSpPr>
+        <p:spPr>
+          <a:xfrm>
+            <a:off x="6629400" y="2436495"/>
+            <a:ext cx="1283208" cy="363474"/>
+          </a:xfrm>
+          <a:prstGeom prst="rightArrow">
+            <a:avLst/>
+          </a:prstGeom>
+        </p:spPr>
+        <p:style>
+          <a:lnRef idx="1">
+            <a:schemeClr val="accent6"/>
+          </a:lnRef>
+          <a:fillRef idx="2">
+            <a:schemeClr val="accent6"/>
+          </a:fillRef>
+          <a:effectRef idx="1">
+            <a:schemeClr val="accent6"/>
+          </a:effectRef>
+          <a:fontRef idx="minor">
+            <a:schemeClr val="dk1"/>
+          </a:fontRef>
+        </p:style>
+        <p:txBody>
+          <a:bodyPr rtlCol="0" anchor="ctr"/>
+          <a:lstStyle/>
+          <a:p>
+            <a:pPr algn="ctr"/>
+            <a:endParaRPr lang="en-US"/>
+          </a:p>
+        </p:txBody>
+      </p:sp>
+      <p:sp>
+        <p:nvSpPr>
+          <p:cNvPr id="6" name="TextBox 5"/>
+          <p:cNvSpPr txBox="1"/>
+          <p:nvPr/>
+        </p:nvSpPr>
+        <p:spPr>
+          <a:xfrm>
+            <a:off x="1544715" y="1354130"/>
+            <a:ext cx="922047" cy="430887"/>
+          </a:xfrm>
+          <a:prstGeom prst="rect">
+            <a:avLst/>
+          </a:prstGeom>
+          <a:noFill/>
+        </p:spPr>
+        <p:txBody>
+          <a:bodyPr wrap="none" rtlCol="0">
+            <a:spAutoFit/>
+          </a:bodyPr>
+          <a:lstStyle/>
+          <a:p>
+            <a:r>
+              <a:rPr lang="en-US" sz="2200" b="1" dirty="0"/>
+              <a:t>Inputs</a:t>
+            </a:r>
+          </a:p>
+        </p:txBody>
+      </p:sp>
+      <p:sp>
+        <p:nvSpPr>
+          <p:cNvPr id="17" name="TextBox 16"/>
+          <p:cNvSpPr txBox="1"/>
+          <p:nvPr/>
+        </p:nvSpPr>
+        <p:spPr>
+          <a:xfrm>
+            <a:off x="6705600" y="1354130"/>
+            <a:ext cx="1135247" cy="430887"/>
+          </a:xfrm>
+          <a:prstGeom prst="rect">
+            <a:avLst/>
+          </a:prstGeom>
+          <a:noFill/>
+        </p:spPr>
+        <p:txBody>
+          <a:bodyPr wrap="none" rtlCol="0">
+            <a:spAutoFit/>
+          </a:bodyPr>
+          <a:lstStyle/>
+          <a:p>
+            <a:r>
+              <a:rPr lang="en-US" sz="2200" b="1" dirty="0"/>
+              <a:t>Outputs</a:t>
+            </a:r>
+          </a:p>
+        </p:txBody>
+      </p:sp>
+      <p:sp>
+        <p:nvSpPr>
+          <p:cNvPr id="18" name="Right Arrow 17"/>
+          <p:cNvSpPr/>
+          <p:nvPr/>
+        </p:nvSpPr>
+        <p:spPr>
+          <a:xfrm>
+            <a:off x="6629400" y="3795403"/>
+            <a:ext cx="1283208" cy="363474"/>
+          </a:xfrm>
+          <a:prstGeom prst="rightArrow">
+            <a:avLst/>
+          </a:prstGeom>
+        </p:spPr>
+        <p:style>
+          <a:lnRef idx="1">
+            <a:schemeClr val="accent6"/>
+          </a:lnRef>
+          <a:fillRef idx="2">
+            <a:schemeClr val="accent6"/>
+          </a:fillRef>
+          <a:effectRef idx="1">
+            <a:schemeClr val="accent6"/>
+          </a:effectRef>
+          <a:fontRef idx="minor">
+            <a:schemeClr val="dk1"/>
+          </a:fontRef>
+        </p:style>
+        <p:txBody>
+          <a:bodyPr rtlCol="0" anchor="ctr"/>
+          <a:lstStyle/>
+          <a:p>
+            <a:pPr algn="ctr"/>
+            <a:endParaRPr lang="en-US"/>
+          </a:p>
+        </p:txBody>
+      </p:sp>
+      <p:pic>
+        <p:nvPicPr>
+          <p:cNvPr id="1026" name="Picture 2" descr="C:\Users\jkad\Desktop\Trainings\Testing\pics\soft.png"/>
+          <p:cNvPicPr>
+            <a:picLocks noChangeAspect="1" noChangeArrowheads="1"/>
+          </p:cNvPicPr>
+          <p:nvPr/>
+        </p:nvPicPr>
+        <p:blipFill>
+          <a:blip r:embed="rId2">
+            <a:extLst>
+              <a:ext uri="{28A0092B-C50C-407E-A947-70E740481C1C}">
+                <a14:useLocalDpi xmlns:a14="http://schemas.microsoft.com/office/drawing/2010/main" val="0"/>
+              </a:ext>
+            </a:extLst>
+          </a:blip>
+          <a:srcRect/>
+          <a:stretch>
+            <a:fillRect/>
+          </a:stretch>
+        </p:blipFill>
+        <p:spPr bwMode="auto">
+          <a:xfrm>
+            <a:off x="3276600" y="1710053"/>
+            <a:ext cx="2754431" cy="2616709"/>
+          </a:xfrm>
+          <a:prstGeom prst="rect">
+            <a:avLst/>
+          </a:prstGeom>
+          <a:noFill/>
+          <a:extLst>
+            <a:ext uri="{909E8E84-426E-40DD-AFC4-6F175D3DCCD1}">
+              <a14:hiddenFill xmlns:a14="http://schemas.microsoft.com/office/drawing/2010/main">
+                <a:solidFill>
+                  <a:srgbClr val="FFFFFF"/>
+                </a:solidFill>
+              </a14:hiddenFill>
+            </a:ext>
+          </a:extLst>
+        </p:spPr>
+      </p:pic>
+    </p:spTree>
+    <p:extLst>
+      <p:ext uri="{BB962C8B-B14F-4D97-AF65-F5344CB8AC3E}">
+        <p14:creationId xmlns:p14="http://schemas.microsoft.com/office/powerpoint/2010/main" val="3182907598"/>
+      </p:ext>
+    </p:extLst>
+  </p:cSld>
+  <p:clrMapOvr>
+    <a:masterClrMapping/>
+  </p:clrMapOvr>
+  <p:timing>
+    <p:tnLst>
+      <p:par>
+        <p:cTn id="1" dur="indefinite" restart="never" nodeType="tmRoot"/>
+      </p:par>
+    </p:tnLst>
+  </p:timing>
+</p:sld>
+</file>
+
+<file path=ppt/slides/slide20.xml><?xml version="1.0" encoding="utf-8"?>
 <p:sld xmlns:a="http://schemas.openxmlformats.org/drawingml/2006/main" xmlns:r="http://schemas.openxmlformats.org/officeDocument/2006/relationships" xmlns:p="http://schemas.openxmlformats.org/presentationml/2006/main">
   <p:cSld>
     <p:spTree>
@@ -6317,7 +9161,7 @@
 </p:sld>
 </file>
 
-<file path=ppt/slides/slide15.xml><?xml version="1.0" encoding="utf-8"?>
+<file path=ppt/slides/slide21.xml><?xml version="1.0" encoding="utf-8"?>
 <p:sld xmlns:a="http://schemas.openxmlformats.org/drawingml/2006/main" xmlns:r="http://schemas.openxmlformats.org/officeDocument/2006/relationships" xmlns:p="http://schemas.openxmlformats.org/presentationml/2006/main">
   <p:cSld>
     <p:spTree>
@@ -7626,7 +10470,7 @@
 </p:sld>
 </file>
 
-<file path=ppt/slides/slide16.xml><?xml version="1.0" encoding="utf-8"?>
+<file path=ppt/slides/slide22.xml><?xml version="1.0" encoding="utf-8"?>
 <p:sld xmlns:a="http://schemas.openxmlformats.org/drawingml/2006/main" xmlns:r="http://schemas.openxmlformats.org/officeDocument/2006/relationships" xmlns:p="http://schemas.openxmlformats.org/presentationml/2006/main">
   <p:cSld>
     <p:spTree>
@@ -9001,375 +11845,6 @@
 </p:sld>
 </file>
 
-<file path=ppt/slides/slide2.xml><?xml version="1.0" encoding="utf-8"?>
-<p:sld xmlns:a="http://schemas.openxmlformats.org/drawingml/2006/main" xmlns:r="http://schemas.openxmlformats.org/officeDocument/2006/relationships" xmlns:p="http://schemas.openxmlformats.org/presentationml/2006/main">
-  <p:cSld>
-    <p:spTree>
-      <p:nvGrpSpPr>
-        <p:cNvPr id="1" name=""/>
-        <p:cNvGrpSpPr/>
-        <p:nvPr/>
-      </p:nvGrpSpPr>
-      <p:grpSpPr>
-        <a:xfrm>
-          <a:off x="0" y="0"/>
-          <a:ext cx="0" cy="0"/>
-          <a:chOff x="0" y="0"/>
-          <a:chExt cx="0" cy="0"/>
-        </a:xfrm>
-      </p:grpSpPr>
-      <p:sp>
-        <p:nvSpPr>
-          <p:cNvPr id="4" name="TextBox 3"/>
-          <p:cNvSpPr txBox="1"/>
-          <p:nvPr/>
-        </p:nvSpPr>
-        <p:spPr>
-          <a:xfrm>
-            <a:off x="457200" y="533400"/>
-            <a:ext cx="3701654" cy="630942"/>
-          </a:xfrm>
-          <a:prstGeom prst="rect">
-            <a:avLst/>
-          </a:prstGeom>
-          <a:noFill/>
-        </p:spPr>
-        <p:txBody>
-          <a:bodyPr wrap="none" rtlCol="0">
-            <a:spAutoFit/>
-          </a:bodyPr>
-          <a:lstStyle/>
-          <a:p>
-            <a:r>
-              <a:rPr lang="en-US" sz="3500" dirty="0">
-                <a:solidFill>
-                  <a:schemeClr val="tx1">
-                    <a:lumMod val="65000"/>
-                    <a:lumOff val="35000"/>
-                  </a:schemeClr>
-                </a:solidFill>
-                <a:effectLst>
-                  <a:outerShdw blurRad="38100" dist="38100" dir="2700000" algn="tl">
-                    <a:srgbClr val="000000">
-                      <a:alpha val="43137"/>
-                    </a:srgbClr>
-                  </a:outerShdw>
-                </a:effectLst>
-              </a:rPr>
-              <a:t>Inputs and Outputs</a:t>
-            </a:r>
-          </a:p>
-        </p:txBody>
-      </p:sp>
-      <p:sp>
-        <p:nvSpPr>
-          <p:cNvPr id="5" name="Right Arrow 4"/>
-          <p:cNvSpPr/>
-          <p:nvPr/>
-        </p:nvSpPr>
-        <p:spPr>
-          <a:xfrm>
-            <a:off x="1295400" y="2133600"/>
-            <a:ext cx="1123987" cy="242316"/>
-          </a:xfrm>
-          <a:prstGeom prst="rightArrow">
-            <a:avLst/>
-          </a:prstGeom>
-        </p:spPr>
-        <p:style>
-          <a:lnRef idx="1">
-            <a:schemeClr val="accent6"/>
-          </a:lnRef>
-          <a:fillRef idx="2">
-            <a:schemeClr val="accent6"/>
-          </a:fillRef>
-          <a:effectRef idx="1">
-            <a:schemeClr val="accent6"/>
-          </a:effectRef>
-          <a:fontRef idx="minor">
-            <a:schemeClr val="dk1"/>
-          </a:fontRef>
-        </p:style>
-        <p:txBody>
-          <a:bodyPr rtlCol="0" anchor="ctr"/>
-          <a:lstStyle/>
-          <a:p>
-            <a:pPr algn="ctr"/>
-            <a:endParaRPr lang="en-US"/>
-          </a:p>
-        </p:txBody>
-      </p:sp>
-      <p:sp>
-        <p:nvSpPr>
-          <p:cNvPr id="12" name="Right Arrow 11"/>
-          <p:cNvSpPr/>
-          <p:nvPr/>
-        </p:nvSpPr>
-        <p:spPr>
-          <a:xfrm>
-            <a:off x="1295400" y="3018408"/>
-            <a:ext cx="1123987" cy="242316"/>
-          </a:xfrm>
-          <a:prstGeom prst="rightArrow">
-            <a:avLst/>
-          </a:prstGeom>
-        </p:spPr>
-        <p:style>
-          <a:lnRef idx="1">
-            <a:schemeClr val="accent6"/>
-          </a:lnRef>
-          <a:fillRef idx="2">
-            <a:schemeClr val="accent6"/>
-          </a:fillRef>
-          <a:effectRef idx="1">
-            <a:schemeClr val="accent6"/>
-          </a:effectRef>
-          <a:fontRef idx="minor">
-            <a:schemeClr val="dk1"/>
-          </a:fontRef>
-        </p:style>
-        <p:txBody>
-          <a:bodyPr rtlCol="0" anchor="ctr"/>
-          <a:lstStyle/>
-          <a:p>
-            <a:pPr algn="ctr"/>
-            <a:endParaRPr lang="en-US"/>
-          </a:p>
-        </p:txBody>
-      </p:sp>
-      <p:sp>
-        <p:nvSpPr>
-          <p:cNvPr id="13" name="Right Arrow 12"/>
-          <p:cNvSpPr/>
-          <p:nvPr/>
-        </p:nvSpPr>
-        <p:spPr>
-          <a:xfrm>
-            <a:off x="1295400" y="3910058"/>
-            <a:ext cx="1123987" cy="248819"/>
-          </a:xfrm>
-          <a:prstGeom prst="rightArrow">
-            <a:avLst/>
-          </a:prstGeom>
-        </p:spPr>
-        <p:style>
-          <a:lnRef idx="1">
-            <a:schemeClr val="accent6"/>
-          </a:lnRef>
-          <a:fillRef idx="2">
-            <a:schemeClr val="accent6"/>
-          </a:fillRef>
-          <a:effectRef idx="1">
-            <a:schemeClr val="accent6"/>
-          </a:effectRef>
-          <a:fontRef idx="minor">
-            <a:schemeClr val="dk1"/>
-          </a:fontRef>
-        </p:style>
-        <p:txBody>
-          <a:bodyPr rtlCol="0" anchor="ctr"/>
-          <a:lstStyle/>
-          <a:p>
-            <a:pPr algn="ctr"/>
-            <a:endParaRPr lang="en-US"/>
-          </a:p>
-        </p:txBody>
-      </p:sp>
-      <p:sp>
-        <p:nvSpPr>
-          <p:cNvPr id="14" name="Right Arrow 13"/>
-          <p:cNvSpPr/>
-          <p:nvPr/>
-        </p:nvSpPr>
-        <p:spPr>
-          <a:xfrm>
-            <a:off x="6629400" y="2436495"/>
-            <a:ext cx="1283208" cy="363474"/>
-          </a:xfrm>
-          <a:prstGeom prst="rightArrow">
-            <a:avLst/>
-          </a:prstGeom>
-        </p:spPr>
-        <p:style>
-          <a:lnRef idx="1">
-            <a:schemeClr val="accent6"/>
-          </a:lnRef>
-          <a:fillRef idx="2">
-            <a:schemeClr val="accent6"/>
-          </a:fillRef>
-          <a:effectRef idx="1">
-            <a:schemeClr val="accent6"/>
-          </a:effectRef>
-          <a:fontRef idx="minor">
-            <a:schemeClr val="dk1"/>
-          </a:fontRef>
-        </p:style>
-        <p:txBody>
-          <a:bodyPr rtlCol="0" anchor="ctr"/>
-          <a:lstStyle/>
-          <a:p>
-            <a:pPr algn="ctr"/>
-            <a:endParaRPr lang="en-US"/>
-          </a:p>
-        </p:txBody>
-      </p:sp>
-      <p:sp>
-        <p:nvSpPr>
-          <p:cNvPr id="6" name="TextBox 5"/>
-          <p:cNvSpPr txBox="1"/>
-          <p:nvPr/>
-        </p:nvSpPr>
-        <p:spPr>
-          <a:xfrm>
-            <a:off x="1544715" y="1354130"/>
-            <a:ext cx="922047" cy="430887"/>
-          </a:xfrm>
-          <a:prstGeom prst="rect">
-            <a:avLst/>
-          </a:prstGeom>
-          <a:noFill/>
-        </p:spPr>
-        <p:txBody>
-          <a:bodyPr wrap="none" rtlCol="0">
-            <a:spAutoFit/>
-          </a:bodyPr>
-          <a:lstStyle/>
-          <a:p>
-            <a:r>
-              <a:rPr lang="en-US" sz="2200" b="1" dirty="0"/>
-              <a:t>Inputs</a:t>
-            </a:r>
-          </a:p>
-        </p:txBody>
-      </p:sp>
-      <p:sp>
-        <p:nvSpPr>
-          <p:cNvPr id="17" name="TextBox 16"/>
-          <p:cNvSpPr txBox="1"/>
-          <p:nvPr/>
-        </p:nvSpPr>
-        <p:spPr>
-          <a:xfrm>
-            <a:off x="6705600" y="1354130"/>
-            <a:ext cx="1135247" cy="430887"/>
-          </a:xfrm>
-          <a:prstGeom prst="rect">
-            <a:avLst/>
-          </a:prstGeom>
-          <a:noFill/>
-        </p:spPr>
-        <p:txBody>
-          <a:bodyPr wrap="none" rtlCol="0">
-            <a:spAutoFit/>
-          </a:bodyPr>
-          <a:lstStyle/>
-          <a:p>
-            <a:r>
-              <a:rPr lang="en-US" sz="2200" b="1" dirty="0"/>
-              <a:t>Outputs</a:t>
-            </a:r>
-          </a:p>
-        </p:txBody>
-      </p:sp>
-      <p:sp>
-        <p:nvSpPr>
-          <p:cNvPr id="18" name="Right Arrow 17"/>
-          <p:cNvSpPr/>
-          <p:nvPr/>
-        </p:nvSpPr>
-        <p:spPr>
-          <a:xfrm>
-            <a:off x="6629400" y="3795403"/>
-            <a:ext cx="1283208" cy="363474"/>
-          </a:xfrm>
-          <a:prstGeom prst="rightArrow">
-            <a:avLst/>
-          </a:prstGeom>
-        </p:spPr>
-        <p:style>
-          <a:lnRef idx="1">
-            <a:schemeClr val="accent6"/>
-          </a:lnRef>
-          <a:fillRef idx="2">
-            <a:schemeClr val="accent6"/>
-          </a:fillRef>
-          <a:effectRef idx="1">
-            <a:schemeClr val="accent6"/>
-          </a:effectRef>
-          <a:fontRef idx="minor">
-            <a:schemeClr val="dk1"/>
-          </a:fontRef>
-        </p:style>
-        <p:txBody>
-          <a:bodyPr rtlCol="0" anchor="ctr"/>
-          <a:lstStyle/>
-          <a:p>
-            <a:pPr algn="ctr"/>
-            <a:endParaRPr lang="en-US"/>
-          </a:p>
-        </p:txBody>
-      </p:sp>
-      <p:pic>
-        <p:nvPicPr>
-          <p:cNvPr id="1026" name="Picture 2" descr="C:\Users\jkad\Desktop\Trainings\Testing\pics\soft.png"/>
-          <p:cNvPicPr>
-            <a:picLocks noChangeAspect="1" noChangeArrowheads="1"/>
-          </p:cNvPicPr>
-          <p:nvPr/>
-        </p:nvPicPr>
-        <p:blipFill>
-          <a:blip r:embed="rId2">
-            <a:extLst>
-              <a:ext uri="{28A0092B-C50C-407E-A947-70E740481C1C}">
-                <a14:useLocalDpi xmlns:a14="http://schemas.microsoft.com/office/drawing/2010/main" val="0"/>
-              </a:ext>
-            </a:extLst>
-          </a:blip>
-          <a:srcRect/>
-          <a:stretch>
-            <a:fillRect/>
-          </a:stretch>
-        </p:blipFill>
-        <p:spPr bwMode="auto">
-          <a:xfrm>
-            <a:off x="3276600" y="1710053"/>
-            <a:ext cx="2754431" cy="2616709"/>
-          </a:xfrm>
-          <a:prstGeom prst="rect">
-            <a:avLst/>
-          </a:prstGeom>
-          <a:noFill/>
-          <a:extLst>
-            <a:ext uri="{909E8E84-426E-40DD-AFC4-6F175D3DCCD1}">
-              <a14:hiddenFill xmlns:a14="http://schemas.microsoft.com/office/drawing/2010/main">
-                <a:solidFill>
-                  <a:srgbClr val="FFFFFF"/>
-                </a:solidFill>
-              </a14:hiddenFill>
-            </a:ext>
-          </a:extLst>
-        </p:spPr>
-      </p:pic>
-    </p:spTree>
-    <p:extLst>
-      <p:ext uri="{BB962C8B-B14F-4D97-AF65-F5344CB8AC3E}">
-        <p14:creationId xmlns:p14="http://schemas.microsoft.com/office/powerpoint/2010/main" val="3182907598"/>
-      </p:ext>
-    </p:extLst>
-  </p:cSld>
-  <p:clrMapOvr>
-    <a:masterClrMapping/>
-  </p:clrMapOvr>
-  <p:timing>
-    <p:tnLst>
-      <p:par>
-        <p:cTn id="1" dur="indefinite" restart="never" nodeType="tmRoot"/>
-      </p:par>
-    </p:tnLst>
-  </p:timing>
-</p:sld>
-</file>
-
 <file path=ppt/slides/slide3.xml><?xml version="1.0" encoding="utf-8"?>
 <p:sld xmlns:a="http://schemas.openxmlformats.org/drawingml/2006/main" xmlns:r="http://schemas.openxmlformats.org/officeDocument/2006/relationships" xmlns:p="http://schemas.openxmlformats.org/presentationml/2006/main">
   <p:cSld>
@@ -9427,21 +11902,6 @@
               </a:rPr>
               <a:t>Inputs and Outputs</a:t>
             </a:r>
-            <a:endParaRPr lang="en-US" sz="3500" dirty="0">
-              <a:solidFill>
-                <a:schemeClr val="tx1">
-                  <a:lumMod val="65000"/>
-                  <a:lumOff val="35000"/>
-                </a:schemeClr>
-              </a:solidFill>
-              <a:effectLst>
-                <a:outerShdw blurRad="38100" dist="38100" dir="2700000" algn="tl">
-                  <a:srgbClr val="000000">
-                    <a:alpha val="43137"/>
-                  </a:srgbClr>
-                </a:outerShdw>
-              </a:effectLst>
-            </a:endParaRPr>
           </a:p>
         </p:txBody>
       </p:sp>
@@ -10103,7 +12563,7 @@
         <p:spPr>
           <a:xfrm>
             <a:off x="457200" y="533400"/>
-            <a:ext cx="5788829" cy="630942"/>
+            <a:ext cx="5961697" cy="630942"/>
           </a:xfrm>
           <a:prstGeom prst="rect">
             <a:avLst/>
@@ -10132,7 +12592,25 @@
                   </a:outerShdw>
                 </a:effectLst>
               </a:rPr>
-              <a:t>What kind of OS do you know?</a:t>
+              <a:t>What </a:t>
+            </a:r>
+            <a:r>
+              <a:rPr lang="en-US" sz="3500" dirty="0" smtClean="0">
+                <a:solidFill>
+                  <a:schemeClr val="tx1">
+                    <a:lumMod val="65000"/>
+                    <a:lumOff val="35000"/>
+                  </a:schemeClr>
+                </a:solidFill>
+                <a:effectLst>
+                  <a:outerShdw blurRad="38100" dist="38100" dir="2700000" algn="tl">
+                    <a:srgbClr val="000000">
+                      <a:alpha val="43137"/>
+                    </a:srgbClr>
+                  </a:outerShdw>
+                </a:effectLst>
+              </a:rPr>
+              <a:t>is Operating System (OS)?</a:t>
             </a:r>
             <a:endParaRPr lang="en-US" sz="3500" dirty="0">
               <a:solidFill>
@@ -10154,349 +12632,13 @@
       </p:sp>
       <p:sp>
         <p:nvSpPr>
-          <p:cNvPr id="11" name="Content Placeholder 2"/>
-          <p:cNvSpPr txBox="1">
-            <a:spLocks/>
-          </p:cNvSpPr>
-          <p:nvPr/>
-        </p:nvSpPr>
-        <p:spPr>
-          <a:xfrm>
-            <a:off x="1681753" y="3789040"/>
-            <a:ext cx="4419600" cy="1944216"/>
-          </a:xfrm>
-          <a:prstGeom prst="rect">
-            <a:avLst/>
-          </a:prstGeom>
-        </p:spPr>
-        <p:txBody>
-          <a:bodyPr vert="horz" lIns="91440" tIns="45720" rIns="91440" bIns="45720" rtlCol="0">
-            <a:normAutofit fontScale="62500" lnSpcReduction="20000"/>
-          </a:bodyPr>
-          <a:lstStyle>
-            <a:lvl1pPr marL="0" indent="0" algn="ctr" defTabSz="914400" rtl="0" eaLnBrk="1" latinLnBrk="0" hangingPunct="1">
-              <a:spcBef>
-                <a:spcPct val="20000"/>
-              </a:spcBef>
-              <a:buFont typeface="Arial" pitchFamily="34" charset="0"/>
-              <a:buNone/>
-              <a:defRPr sz="3200" kern="1200">
-                <a:solidFill>
-                  <a:schemeClr val="tx1">
-                    <a:tint val="75000"/>
-                  </a:schemeClr>
-                </a:solidFill>
-                <a:latin typeface="+mn-lt"/>
-                <a:ea typeface="+mn-ea"/>
-                <a:cs typeface="+mn-cs"/>
-              </a:defRPr>
-            </a:lvl1pPr>
-            <a:lvl2pPr marL="457200" indent="0" algn="ctr" defTabSz="914400" rtl="0" eaLnBrk="1" latinLnBrk="0" hangingPunct="1">
-              <a:spcBef>
-                <a:spcPct val="20000"/>
-              </a:spcBef>
-              <a:buFont typeface="Arial" pitchFamily="34" charset="0"/>
-              <a:buNone/>
-              <a:defRPr sz="2800" kern="1200">
-                <a:solidFill>
-                  <a:schemeClr val="tx1">
-                    <a:tint val="75000"/>
-                  </a:schemeClr>
-                </a:solidFill>
-                <a:latin typeface="+mn-lt"/>
-                <a:ea typeface="+mn-ea"/>
-                <a:cs typeface="+mn-cs"/>
-              </a:defRPr>
-            </a:lvl2pPr>
-            <a:lvl3pPr marL="914400" indent="0" algn="ctr" defTabSz="914400" rtl="0" eaLnBrk="1" latinLnBrk="0" hangingPunct="1">
-              <a:spcBef>
-                <a:spcPct val="20000"/>
-              </a:spcBef>
-              <a:buFont typeface="Arial" pitchFamily="34" charset="0"/>
-              <a:buNone/>
-              <a:defRPr sz="2400" kern="1200">
-                <a:solidFill>
-                  <a:schemeClr val="tx1">
-                    <a:tint val="75000"/>
-                  </a:schemeClr>
-                </a:solidFill>
-                <a:latin typeface="+mn-lt"/>
-                <a:ea typeface="+mn-ea"/>
-                <a:cs typeface="+mn-cs"/>
-              </a:defRPr>
-            </a:lvl3pPr>
-            <a:lvl4pPr marL="1371600" indent="0" algn="ctr" defTabSz="914400" rtl="0" eaLnBrk="1" latinLnBrk="0" hangingPunct="1">
-              <a:spcBef>
-                <a:spcPct val="20000"/>
-              </a:spcBef>
-              <a:buFont typeface="Arial" pitchFamily="34" charset="0"/>
-              <a:buNone/>
-              <a:defRPr sz="2000" kern="1200">
-                <a:solidFill>
-                  <a:schemeClr val="tx1">
-                    <a:tint val="75000"/>
-                  </a:schemeClr>
-                </a:solidFill>
-                <a:latin typeface="+mn-lt"/>
-                <a:ea typeface="+mn-ea"/>
-                <a:cs typeface="+mn-cs"/>
-              </a:defRPr>
-            </a:lvl4pPr>
-            <a:lvl5pPr marL="1828800" indent="0" algn="ctr" defTabSz="914400" rtl="0" eaLnBrk="1" latinLnBrk="0" hangingPunct="1">
-              <a:spcBef>
-                <a:spcPct val="20000"/>
-              </a:spcBef>
-              <a:buFont typeface="Arial" pitchFamily="34" charset="0"/>
-              <a:buNone/>
-              <a:defRPr sz="2000" kern="1200">
-                <a:solidFill>
-                  <a:schemeClr val="tx1">
-                    <a:tint val="75000"/>
-                  </a:schemeClr>
-                </a:solidFill>
-                <a:latin typeface="+mn-lt"/>
-                <a:ea typeface="+mn-ea"/>
-                <a:cs typeface="+mn-cs"/>
-              </a:defRPr>
-            </a:lvl5pPr>
-            <a:lvl6pPr marL="2286000" indent="0" algn="ctr" defTabSz="914400" rtl="0" eaLnBrk="1" latinLnBrk="0" hangingPunct="1">
-              <a:spcBef>
-                <a:spcPct val="20000"/>
-              </a:spcBef>
-              <a:buFont typeface="Arial" pitchFamily="34" charset="0"/>
-              <a:buNone/>
-              <a:defRPr sz="2000" kern="1200">
-                <a:solidFill>
-                  <a:schemeClr val="tx1">
-                    <a:tint val="75000"/>
-                  </a:schemeClr>
-                </a:solidFill>
-                <a:latin typeface="+mn-lt"/>
-                <a:ea typeface="+mn-ea"/>
-                <a:cs typeface="+mn-cs"/>
-              </a:defRPr>
-            </a:lvl6pPr>
-            <a:lvl7pPr marL="2743200" indent="0" algn="ctr" defTabSz="914400" rtl="0" eaLnBrk="1" latinLnBrk="0" hangingPunct="1">
-              <a:spcBef>
-                <a:spcPct val="20000"/>
-              </a:spcBef>
-              <a:buFont typeface="Arial" pitchFamily="34" charset="0"/>
-              <a:buNone/>
-              <a:defRPr sz="2000" kern="1200">
-                <a:solidFill>
-                  <a:schemeClr val="tx1">
-                    <a:tint val="75000"/>
-                  </a:schemeClr>
-                </a:solidFill>
-                <a:latin typeface="+mn-lt"/>
-                <a:ea typeface="+mn-ea"/>
-                <a:cs typeface="+mn-cs"/>
-              </a:defRPr>
-            </a:lvl7pPr>
-            <a:lvl8pPr marL="3200400" indent="0" algn="ctr" defTabSz="914400" rtl="0" eaLnBrk="1" latinLnBrk="0" hangingPunct="1">
-              <a:spcBef>
-                <a:spcPct val="20000"/>
-              </a:spcBef>
-              <a:buFont typeface="Arial" pitchFamily="34" charset="0"/>
-              <a:buNone/>
-              <a:defRPr sz="2000" kern="1200">
-                <a:solidFill>
-                  <a:schemeClr val="tx1">
-                    <a:tint val="75000"/>
-                  </a:schemeClr>
-                </a:solidFill>
-                <a:latin typeface="+mn-lt"/>
-                <a:ea typeface="+mn-ea"/>
-                <a:cs typeface="+mn-cs"/>
-              </a:defRPr>
-            </a:lvl8pPr>
-            <a:lvl9pPr marL="3657600" indent="0" algn="ctr" defTabSz="914400" rtl="0" eaLnBrk="1" latinLnBrk="0" hangingPunct="1">
-              <a:spcBef>
-                <a:spcPct val="20000"/>
-              </a:spcBef>
-              <a:buFont typeface="Arial" pitchFamily="34" charset="0"/>
-              <a:buNone/>
-              <a:defRPr sz="2000" kern="1200">
-                <a:solidFill>
-                  <a:schemeClr val="tx1">
-                    <a:tint val="75000"/>
-                  </a:schemeClr>
-                </a:solidFill>
-                <a:latin typeface="+mn-lt"/>
-                <a:ea typeface="+mn-ea"/>
-                <a:cs typeface="+mn-cs"/>
-              </a:defRPr>
-            </a:lvl9pPr>
-          </a:lstStyle>
-          <a:p>
-            <a:pPr algn="l">
-              <a:lnSpc>
-                <a:spcPct val="150000"/>
-              </a:lnSpc>
-            </a:pPr>
-            <a:r>
-              <a:rPr lang="en-US" sz="2000" dirty="0" smtClean="0">
-                <a:solidFill>
-                  <a:schemeClr val="tx1">
-                    <a:lumMod val="95000"/>
-                    <a:lumOff val="5000"/>
-                  </a:schemeClr>
-                </a:solidFill>
-              </a:rPr>
-              <a:t>Windows / </a:t>
-            </a:r>
-            <a:r>
-              <a:rPr lang="en-US" sz="2000" dirty="0" err="1" smtClean="0">
-                <a:solidFill>
-                  <a:schemeClr val="tx1">
-                    <a:lumMod val="95000"/>
-                    <a:lumOff val="5000"/>
-                  </a:schemeClr>
-                </a:solidFill>
-              </a:rPr>
-              <a:t>MS-Dos</a:t>
-            </a:r>
-            <a:endParaRPr lang="en-US" sz="2000" dirty="0" smtClean="0">
-              <a:solidFill>
-                <a:schemeClr val="tx1">
-                  <a:lumMod val="95000"/>
-                  <a:lumOff val="5000"/>
-                </a:schemeClr>
-              </a:solidFill>
-            </a:endParaRPr>
-          </a:p>
-          <a:p>
-            <a:pPr algn="l">
-              <a:lnSpc>
-                <a:spcPct val="150000"/>
-              </a:lnSpc>
-            </a:pPr>
-            <a:r>
-              <a:rPr lang="en-US" sz="2000" dirty="0" smtClean="0">
-                <a:solidFill>
-                  <a:schemeClr val="tx1">
-                    <a:lumMod val="95000"/>
-                    <a:lumOff val="5000"/>
-                  </a:schemeClr>
-                </a:solidFill>
-              </a:rPr>
-              <a:t>Unix</a:t>
-            </a:r>
-          </a:p>
-          <a:p>
-            <a:pPr algn="l">
-              <a:lnSpc>
-                <a:spcPct val="150000"/>
-              </a:lnSpc>
-            </a:pPr>
-            <a:r>
-              <a:rPr lang="en-US" sz="2000" dirty="0" smtClean="0">
-                <a:solidFill>
-                  <a:schemeClr val="tx1">
-                    <a:lumMod val="95000"/>
-                    <a:lumOff val="5000"/>
-                  </a:schemeClr>
-                </a:solidFill>
-              </a:rPr>
-              <a:t>Linux</a:t>
-            </a:r>
-          </a:p>
-          <a:p>
-            <a:pPr algn="l">
-              <a:lnSpc>
-                <a:spcPct val="150000"/>
-              </a:lnSpc>
-            </a:pPr>
-            <a:r>
-              <a:rPr lang="en-US" sz="2000" dirty="0" smtClean="0">
-                <a:solidFill>
-                  <a:schemeClr val="tx1">
-                    <a:lumMod val="95000"/>
-                    <a:lumOff val="5000"/>
-                  </a:schemeClr>
-                </a:solidFill>
-              </a:rPr>
-              <a:t>Android</a:t>
-            </a:r>
-          </a:p>
-          <a:p>
-            <a:pPr algn="l">
-              <a:lnSpc>
-                <a:spcPct val="150000"/>
-              </a:lnSpc>
-            </a:pPr>
-            <a:r>
-              <a:rPr lang="en-US" sz="2000" dirty="0" err="1" smtClean="0">
-                <a:solidFill>
-                  <a:schemeClr val="tx1">
-                    <a:lumMod val="95000"/>
-                    <a:lumOff val="5000"/>
-                  </a:schemeClr>
-                </a:solidFill>
-              </a:rPr>
-              <a:t>iOS</a:t>
-            </a:r>
-            <a:endParaRPr lang="ru-RU" sz="2000" dirty="0" smtClean="0">
-              <a:solidFill>
-                <a:schemeClr val="tx1">
-                  <a:lumMod val="95000"/>
-                  <a:lumOff val="5000"/>
-                </a:schemeClr>
-              </a:solidFill>
-            </a:endParaRPr>
-          </a:p>
-          <a:p>
-            <a:pPr algn="l">
-              <a:lnSpc>
-                <a:spcPct val="150000"/>
-              </a:lnSpc>
-            </a:pPr>
-            <a:r>
-              <a:rPr lang="en-US" sz="2000" dirty="0">
-                <a:solidFill>
-                  <a:schemeClr val="tx1">
-                    <a:lumMod val="95000"/>
-                    <a:lumOff val="5000"/>
-                  </a:schemeClr>
-                </a:solidFill>
-              </a:rPr>
-              <a:t>NetWare</a:t>
-            </a:r>
-            <a:endParaRPr lang="en-US" sz="2000" dirty="0" smtClean="0">
-              <a:solidFill>
-                <a:schemeClr val="tx1">
-                  <a:lumMod val="95000"/>
-                  <a:lumOff val="5000"/>
-                </a:schemeClr>
-              </a:solidFill>
-            </a:endParaRPr>
-          </a:p>
-          <a:p>
-            <a:pPr algn="l">
-              <a:lnSpc>
-                <a:spcPct val="150000"/>
-              </a:lnSpc>
-            </a:pPr>
-            <a:endParaRPr lang="ru-RU" sz="2000" dirty="0" smtClean="0">
-              <a:solidFill>
-                <a:schemeClr val="tx1">
-                  <a:lumMod val="95000"/>
-                  <a:lumOff val="5000"/>
-                </a:schemeClr>
-              </a:solidFill>
-            </a:endParaRPr>
-          </a:p>
-        </p:txBody>
-      </p:sp>
-      <p:sp>
-        <p:nvSpPr>
           <p:cNvPr id="5" name="Chevron 4"/>
           <p:cNvSpPr/>
           <p:nvPr/>
         </p:nvSpPr>
         <p:spPr>
           <a:xfrm>
-            <a:off x="1057990" y="1600200"/>
+            <a:off x="1079848" y="1700808"/>
             <a:ext cx="152400" cy="191037"/>
           </a:xfrm>
           <a:prstGeom prst="chevron">
@@ -10532,224 +12674,14 @@
       </p:sp>
       <p:sp>
         <p:nvSpPr>
-          <p:cNvPr id="6" name="Chevron 5"/>
-          <p:cNvSpPr/>
-          <p:nvPr/>
-        </p:nvSpPr>
-        <p:spPr>
-          <a:xfrm>
-            <a:off x="1057990" y="2080590"/>
-            <a:ext cx="152400" cy="191037"/>
-          </a:xfrm>
-          <a:prstGeom prst="chevron">
-            <a:avLst/>
-          </a:prstGeom>
-        </p:spPr>
-        <p:style>
-          <a:lnRef idx="1">
-            <a:schemeClr val="accent6"/>
-          </a:lnRef>
-          <a:fillRef idx="3">
-            <a:schemeClr val="accent6"/>
-          </a:fillRef>
-          <a:effectRef idx="2">
-            <a:schemeClr val="accent6"/>
-          </a:effectRef>
-          <a:fontRef idx="minor">
-            <a:schemeClr val="lt1"/>
-          </a:fontRef>
-        </p:style>
-        <p:txBody>
-          <a:bodyPr rtlCol="0" anchor="ctr"/>
-          <a:lstStyle/>
-          <a:p>
-            <a:pPr algn="ctr"/>
-            <a:endParaRPr lang="en-US">
-              <a:solidFill>
-                <a:schemeClr val="tx1"/>
-              </a:solidFill>
-            </a:endParaRPr>
-          </a:p>
-        </p:txBody>
-      </p:sp>
-      <p:sp>
-        <p:nvSpPr>
-          <p:cNvPr id="7" name="Chevron 6"/>
-          <p:cNvSpPr/>
-          <p:nvPr/>
-        </p:nvSpPr>
-        <p:spPr>
-          <a:xfrm>
-            <a:off x="1057990" y="2590800"/>
-            <a:ext cx="152400" cy="191037"/>
-          </a:xfrm>
-          <a:prstGeom prst="chevron">
-            <a:avLst/>
-          </a:prstGeom>
-        </p:spPr>
-        <p:style>
-          <a:lnRef idx="1">
-            <a:schemeClr val="accent6"/>
-          </a:lnRef>
-          <a:fillRef idx="3">
-            <a:schemeClr val="accent6"/>
-          </a:fillRef>
-          <a:effectRef idx="2">
-            <a:schemeClr val="accent6"/>
-          </a:effectRef>
-          <a:fontRef idx="minor">
-            <a:schemeClr val="lt1"/>
-          </a:fontRef>
-        </p:style>
-        <p:txBody>
-          <a:bodyPr rtlCol="0" anchor="ctr"/>
-          <a:lstStyle/>
-          <a:p>
-            <a:pPr algn="ctr"/>
-            <a:endParaRPr lang="en-US">
-              <a:solidFill>
-                <a:schemeClr val="tx1"/>
-              </a:solidFill>
-            </a:endParaRPr>
-          </a:p>
-        </p:txBody>
-      </p:sp>
-      <p:sp>
-        <p:nvSpPr>
-          <p:cNvPr id="8" name="Chevron 7"/>
-          <p:cNvSpPr/>
-          <p:nvPr/>
-        </p:nvSpPr>
-        <p:spPr>
-          <a:xfrm>
-            <a:off x="1057794" y="3124200"/>
-            <a:ext cx="152400" cy="191037"/>
-          </a:xfrm>
-          <a:prstGeom prst="chevron">
-            <a:avLst/>
-          </a:prstGeom>
-        </p:spPr>
-        <p:style>
-          <a:lnRef idx="1">
-            <a:schemeClr val="accent6"/>
-          </a:lnRef>
-          <a:fillRef idx="3">
-            <a:schemeClr val="accent6"/>
-          </a:fillRef>
-          <a:effectRef idx="2">
-            <a:schemeClr val="accent6"/>
-          </a:effectRef>
-          <a:fontRef idx="minor">
-            <a:schemeClr val="lt1"/>
-          </a:fontRef>
-        </p:style>
-        <p:txBody>
-          <a:bodyPr rtlCol="0" anchor="ctr"/>
-          <a:lstStyle/>
-          <a:p>
-            <a:pPr algn="ctr"/>
-            <a:endParaRPr lang="en-US">
-              <a:solidFill>
-                <a:schemeClr val="tx1"/>
-              </a:solidFill>
-            </a:endParaRPr>
-          </a:p>
-        </p:txBody>
-      </p:sp>
-      <p:sp>
-        <p:nvSpPr>
-          <p:cNvPr id="9" name="Chevron 8"/>
-          <p:cNvSpPr/>
-          <p:nvPr/>
-        </p:nvSpPr>
-        <p:spPr>
-          <a:xfrm>
-            <a:off x="1057794" y="3680128"/>
-            <a:ext cx="152400" cy="191037"/>
-          </a:xfrm>
-          <a:prstGeom prst="chevron">
-            <a:avLst/>
-          </a:prstGeom>
-        </p:spPr>
-        <p:style>
-          <a:lnRef idx="1">
-            <a:schemeClr val="accent6"/>
-          </a:lnRef>
-          <a:fillRef idx="3">
-            <a:schemeClr val="accent6"/>
-          </a:fillRef>
-          <a:effectRef idx="2">
-            <a:schemeClr val="accent6"/>
-          </a:effectRef>
-          <a:fontRef idx="minor">
-            <a:schemeClr val="lt1"/>
-          </a:fontRef>
-        </p:style>
-        <p:txBody>
-          <a:bodyPr rtlCol="0" anchor="ctr"/>
-          <a:lstStyle/>
-          <a:p>
-            <a:pPr algn="ctr"/>
-            <a:endParaRPr lang="en-US">
-              <a:solidFill>
-                <a:schemeClr val="tx1"/>
-              </a:solidFill>
-            </a:endParaRPr>
-          </a:p>
-        </p:txBody>
-      </p:sp>
-      <p:sp>
-        <p:nvSpPr>
-          <p:cNvPr id="10" name="Chevron 9"/>
-          <p:cNvSpPr/>
-          <p:nvPr/>
-        </p:nvSpPr>
-        <p:spPr>
-          <a:xfrm>
-            <a:off x="1057794" y="4158736"/>
-            <a:ext cx="152400" cy="191037"/>
-          </a:xfrm>
-          <a:prstGeom prst="chevron">
-            <a:avLst/>
-          </a:prstGeom>
-        </p:spPr>
-        <p:style>
-          <a:lnRef idx="1">
-            <a:schemeClr val="accent6"/>
-          </a:lnRef>
-          <a:fillRef idx="3">
-            <a:schemeClr val="accent6"/>
-          </a:fillRef>
-          <a:effectRef idx="2">
-            <a:schemeClr val="accent6"/>
-          </a:effectRef>
-          <a:fontRef idx="minor">
-            <a:schemeClr val="lt1"/>
-          </a:fontRef>
-        </p:style>
-        <p:txBody>
-          <a:bodyPr rtlCol="0" anchor="ctr"/>
-          <a:lstStyle/>
-          <a:p>
-            <a:pPr algn="ctr"/>
-            <a:endParaRPr lang="en-US">
-              <a:solidFill>
-                <a:schemeClr val="tx1"/>
-              </a:solidFill>
-            </a:endParaRPr>
-          </a:p>
-        </p:txBody>
-      </p:sp>
-      <p:sp>
-        <p:nvSpPr>
           <p:cNvPr id="2" name="TextBox 1"/>
           <p:cNvSpPr txBox="1"/>
           <p:nvPr/>
         </p:nvSpPr>
         <p:spPr>
           <a:xfrm>
-            <a:off x="1681753" y="1304509"/>
-            <a:ext cx="7208705" cy="2031325"/>
+            <a:off x="1259632" y="1556792"/>
+            <a:ext cx="6048672" cy="3108543"/>
           </a:xfrm>
           <a:prstGeom prst="rect">
             <a:avLst/>
@@ -10757,88 +12689,22 @@
           <a:noFill/>
         </p:spPr>
         <p:txBody>
-          <a:bodyPr wrap="none" rtlCol="0">
+          <a:bodyPr wrap="square" rtlCol="0">
             <a:spAutoFit/>
           </a:bodyPr>
           <a:lstStyle/>
           <a:p>
             <a:r>
-              <a:rPr lang="ru-RU" dirty="0" smtClean="0"/>
-              <a:t>Однозадачные</a:t>
-            </a:r>
-            <a:r>
-              <a:rPr lang="en-US" dirty="0" smtClean="0"/>
-              <a:t> - </a:t>
-            </a:r>
-            <a:r>
-              <a:rPr lang="ru-RU" dirty="0" smtClean="0"/>
-              <a:t>Многозадачные</a:t>
-            </a:r>
-            <a:endParaRPr lang="en-US" dirty="0" smtClean="0"/>
-          </a:p>
-          <a:p>
-            <a:r>
-              <a:rPr lang="ru-RU" dirty="0" smtClean="0"/>
-              <a:t>Пользовательские или Клиентские (имеющие </a:t>
-            </a:r>
-            <a:r>
-              <a:rPr lang="en-US" dirty="0" smtClean="0"/>
-              <a:t>UI</a:t>
-            </a:r>
-            <a:r>
-              <a:rPr lang="ru-RU" dirty="0" smtClean="0"/>
-              <a:t>) </a:t>
-            </a:r>
-          </a:p>
-          <a:p>
-            <a:r>
-              <a:rPr lang="ru-RU" dirty="0"/>
-              <a:t>	</a:t>
-            </a:r>
-            <a:r>
-              <a:rPr lang="ru-RU" dirty="0" smtClean="0"/>
-              <a:t>	(однопользовательские - многопользовательские) – </a:t>
-            </a:r>
-          </a:p>
-          <a:p>
-            <a:r>
-              <a:rPr lang="ru-RU" dirty="0"/>
-              <a:t>	</a:t>
-            </a:r>
-            <a:r>
-              <a:rPr lang="ru-RU" dirty="0" smtClean="0"/>
-              <a:t>Серверные или Командные</a:t>
-            </a:r>
-            <a:r>
-              <a:rPr lang="en-US" dirty="0" smtClean="0"/>
-              <a:t> (</a:t>
-            </a:r>
-            <a:r>
-              <a:rPr lang="ru-RU" dirty="0" smtClean="0"/>
-              <a:t>не имеющие </a:t>
-            </a:r>
-            <a:r>
-              <a:rPr lang="en-US" dirty="0" smtClean="0"/>
-              <a:t>UI)</a:t>
-            </a:r>
-            <a:endParaRPr lang="ru-RU" dirty="0" smtClean="0"/>
-          </a:p>
-          <a:p>
-            <a:r>
-              <a:rPr lang="ru-RU" dirty="0" smtClean="0"/>
-              <a:t>Открытые – Закрытые</a:t>
-            </a:r>
-          </a:p>
-          <a:p>
-            <a:r>
-              <a:rPr lang="ru-RU" dirty="0" smtClean="0"/>
-              <a:t>Платные – Бесплатные</a:t>
-            </a:r>
-          </a:p>
-          <a:p>
-            <a:r>
-              <a:rPr lang="ru-RU" dirty="0" smtClean="0"/>
-              <a:t>16-, 32-, 64- разрядные</a:t>
+              <a:rPr lang="ru-RU" sz="2800" dirty="0" smtClean="0"/>
+              <a:t>Комплекс программ (программная оболочка), осуществляющий взаимодействие компьютерного оборудования (</a:t>
+            </a:r>
+            <a:r>
+              <a:rPr lang="en-US" sz="2800" dirty="0" smtClean="0"/>
+              <a:t>hardware</a:t>
+            </a:r>
+            <a:r>
+              <a:rPr lang="ru-RU" sz="2800" dirty="0" smtClean="0"/>
+              <a:t>) с внешним миром (прикладные программы, пользователь и т.п.) посредством предоставляемых интерфейсов</a:t>
             </a:r>
           </a:p>
         </p:txBody>
@@ -10857,9 +12723,124 @@
   <p:timing>
     <p:tnLst>
       <p:par>
-        <p:cTn id="1" dur="indefinite" restart="never" nodeType="tmRoot"/>
+        <p:cTn id="1" dur="indefinite" restart="never" nodeType="tmRoot">
+          <p:childTnLst>
+            <p:seq concurrent="1" nextAc="seek">
+              <p:cTn id="2" dur="indefinite" nodeType="mainSeq">
+                <p:childTnLst>
+                  <p:par>
+                    <p:cTn id="3" fill="hold">
+                      <p:stCondLst>
+                        <p:cond delay="indefinite"/>
+                      </p:stCondLst>
+                      <p:childTnLst>
+                        <p:par>
+                          <p:cTn id="4" fill="hold">
+                            <p:stCondLst>
+                              <p:cond delay="0"/>
+                            </p:stCondLst>
+                            <p:childTnLst>
+                              <p:par>
+                                <p:cTn id="5" presetID="10" presetClass="entr" presetSubtype="0" fill="hold" grpId="0" nodeType="clickEffect">
+                                  <p:stCondLst>
+                                    <p:cond delay="0"/>
+                                  </p:stCondLst>
+                                  <p:childTnLst>
+                                    <p:set>
+                                      <p:cBhvr>
+                                        <p:cTn id="6" dur="1" fill="hold">
+                                          <p:stCondLst>
+                                            <p:cond delay="0"/>
+                                          </p:stCondLst>
+                                        </p:cTn>
+                                        <p:tgtEl>
+                                          <p:spTgt spid="5"/>
+                                        </p:tgtEl>
+                                        <p:attrNameLst>
+                                          <p:attrName>style.visibility</p:attrName>
+                                        </p:attrNameLst>
+                                      </p:cBhvr>
+                                      <p:to>
+                                        <p:strVal val="visible"/>
+                                      </p:to>
+                                    </p:set>
+                                    <p:animEffect transition="in" filter="fade">
+                                      <p:cBhvr>
+                                        <p:cTn id="7" dur="500"/>
+                                        <p:tgtEl>
+                                          <p:spTgt spid="5"/>
+                                        </p:tgtEl>
+                                      </p:cBhvr>
+                                    </p:animEffect>
+                                  </p:childTnLst>
+                                </p:cTn>
+                              </p:par>
+                              <p:par>
+                                <p:cTn id="8" presetID="10" presetClass="entr" presetSubtype="0" fill="hold" grpId="0" nodeType="withEffect">
+                                  <p:stCondLst>
+                                    <p:cond delay="0"/>
+                                  </p:stCondLst>
+                                  <p:childTnLst>
+                                    <p:set>
+                                      <p:cBhvr>
+                                        <p:cTn id="9" dur="1" fill="hold">
+                                          <p:stCondLst>
+                                            <p:cond delay="0"/>
+                                          </p:stCondLst>
+                                        </p:cTn>
+                                        <p:tgtEl>
+                                          <p:spTgt spid="2"/>
+                                        </p:tgtEl>
+                                        <p:attrNameLst>
+                                          <p:attrName>style.visibility</p:attrName>
+                                        </p:attrNameLst>
+                                      </p:cBhvr>
+                                      <p:to>
+                                        <p:strVal val="visible"/>
+                                      </p:to>
+                                    </p:set>
+                                    <p:animEffect transition="in" filter="fade">
+                                      <p:cBhvr>
+                                        <p:cTn id="10" dur="500"/>
+                                        <p:tgtEl>
+                                          <p:spTgt spid="2"/>
+                                        </p:tgtEl>
+                                      </p:cBhvr>
+                                    </p:animEffect>
+                                  </p:childTnLst>
+                                </p:cTn>
+                              </p:par>
+                            </p:childTnLst>
+                          </p:cTn>
+                        </p:par>
+                      </p:childTnLst>
+                    </p:cTn>
+                  </p:par>
+                </p:childTnLst>
+              </p:cTn>
+              <p:prevCondLst>
+                <p:cond evt="onPrev" delay="0">
+                  <p:tgtEl>
+                    <p:sldTgt/>
+                  </p:tgtEl>
+                </p:cond>
+              </p:prevCondLst>
+              <p:nextCondLst>
+                <p:cond evt="onNext" delay="0">
+                  <p:tgtEl>
+                    <p:sldTgt/>
+                  </p:tgtEl>
+                </p:cond>
+              </p:nextCondLst>
+            </p:seq>
+          </p:childTnLst>
+        </p:cTn>
       </p:par>
     </p:tnLst>
+    <p:bldLst>
+      <p:bldP spid="5" grpId="0" animBg="1"/>
+      <p:bldP spid="2" grpId="0"/>
+    </p:bldLst>
   </p:timing>
 </p:sld>
 </file>
@@ -10890,7 +12871,7 @@
         <p:spPr>
           <a:xfrm>
             <a:off x="457200" y="533400"/>
-            <a:ext cx="7931595" cy="630942"/>
+            <a:ext cx="5788829" cy="630942"/>
           </a:xfrm>
           <a:prstGeom prst="rect">
             <a:avLst/>
@@ -10919,7 +12900,7 @@
                   </a:outerShdw>
                 </a:effectLst>
               </a:rPr>
-              <a:t>What kind of program types do you know?</a:t>
+              <a:t>What kind of OS do you know?</a:t>
             </a:r>
             <a:endParaRPr lang="en-US" sz="3500" dirty="0">
               <a:solidFill>
@@ -10941,290 +12922,6 @@
       </p:sp>
       <p:sp>
         <p:nvSpPr>
-          <p:cNvPr id="11" name="Content Placeholder 2"/>
-          <p:cNvSpPr txBox="1">
-            <a:spLocks/>
-          </p:cNvSpPr>
-          <p:nvPr/>
-        </p:nvSpPr>
-        <p:spPr>
-          <a:xfrm>
-            <a:off x="1232256" y="1371600"/>
-            <a:ext cx="4779904" cy="3505200"/>
-          </a:xfrm>
-          <a:prstGeom prst="rect">
-            <a:avLst/>
-          </a:prstGeom>
-        </p:spPr>
-        <p:txBody>
-          <a:bodyPr vert="horz" lIns="91440" tIns="45720" rIns="91440" bIns="45720" rtlCol="0">
-            <a:normAutofit/>
-          </a:bodyPr>
-          <a:lstStyle>
-            <a:lvl1pPr marL="0" indent="0" algn="ctr" defTabSz="914400" rtl="0" eaLnBrk="1" latinLnBrk="0" hangingPunct="1">
-              <a:spcBef>
-                <a:spcPct val="20000"/>
-              </a:spcBef>
-              <a:buFont typeface="Arial" pitchFamily="34" charset="0"/>
-              <a:buNone/>
-              <a:defRPr sz="3200" kern="1200">
-                <a:solidFill>
-                  <a:schemeClr val="tx1">
-                    <a:tint val="75000"/>
-                  </a:schemeClr>
-                </a:solidFill>
-                <a:latin typeface="+mn-lt"/>
-                <a:ea typeface="+mn-ea"/>
-                <a:cs typeface="+mn-cs"/>
-              </a:defRPr>
-            </a:lvl1pPr>
-            <a:lvl2pPr marL="457200" indent="0" algn="ctr" defTabSz="914400" rtl="0" eaLnBrk="1" latinLnBrk="0" hangingPunct="1">
-              <a:spcBef>
-                <a:spcPct val="20000"/>
-              </a:spcBef>
-              <a:buFont typeface="Arial" pitchFamily="34" charset="0"/>
-              <a:buNone/>
-              <a:defRPr sz="2800" kern="1200">
-                <a:solidFill>
-                  <a:schemeClr val="tx1">
-                    <a:tint val="75000"/>
-                  </a:schemeClr>
-                </a:solidFill>
-                <a:latin typeface="+mn-lt"/>
-                <a:ea typeface="+mn-ea"/>
-                <a:cs typeface="+mn-cs"/>
-              </a:defRPr>
-            </a:lvl2pPr>
-            <a:lvl3pPr marL="914400" indent="0" algn="ctr" defTabSz="914400" rtl="0" eaLnBrk="1" latinLnBrk="0" hangingPunct="1">
-              <a:spcBef>
-                <a:spcPct val="20000"/>
-              </a:spcBef>
-              <a:buFont typeface="Arial" pitchFamily="34" charset="0"/>
-              <a:buNone/>
-              <a:defRPr sz="2400" kern="1200">
-                <a:solidFill>
-                  <a:schemeClr val="tx1">
-                    <a:tint val="75000"/>
-                  </a:schemeClr>
-                </a:solidFill>
-                <a:latin typeface="+mn-lt"/>
-                <a:ea typeface="+mn-ea"/>
-                <a:cs typeface="+mn-cs"/>
-              </a:defRPr>
-            </a:lvl3pPr>
-            <a:lvl4pPr marL="1371600" indent="0" algn="ctr" defTabSz="914400" rtl="0" eaLnBrk="1" latinLnBrk="0" hangingPunct="1">
-              <a:spcBef>
-                <a:spcPct val="20000"/>
-              </a:spcBef>
-              <a:buFont typeface="Arial" pitchFamily="34" charset="0"/>
-              <a:buNone/>
-              <a:defRPr sz="2000" kern="1200">
-                <a:solidFill>
-                  <a:schemeClr val="tx1">
-                    <a:tint val="75000"/>
-                  </a:schemeClr>
-                </a:solidFill>
-                <a:latin typeface="+mn-lt"/>
-                <a:ea typeface="+mn-ea"/>
-                <a:cs typeface="+mn-cs"/>
-              </a:defRPr>
-            </a:lvl4pPr>
-            <a:lvl5pPr marL="1828800" indent="0" algn="ctr" defTabSz="914400" rtl="0" eaLnBrk="1" latinLnBrk="0" hangingPunct="1">
-              <a:spcBef>
-                <a:spcPct val="20000"/>
-              </a:spcBef>
-              <a:buFont typeface="Arial" pitchFamily="34" charset="0"/>
-              <a:buNone/>
-              <a:defRPr sz="2000" kern="1200">
-                <a:solidFill>
-                  <a:schemeClr val="tx1">
-                    <a:tint val="75000"/>
-                  </a:schemeClr>
-                </a:solidFill>
-                <a:latin typeface="+mn-lt"/>
-                <a:ea typeface="+mn-ea"/>
-                <a:cs typeface="+mn-cs"/>
-              </a:defRPr>
-            </a:lvl5pPr>
-            <a:lvl6pPr marL="2286000" indent="0" algn="ctr" defTabSz="914400" rtl="0" eaLnBrk="1" latinLnBrk="0" hangingPunct="1">
-              <a:spcBef>
-                <a:spcPct val="20000"/>
-              </a:spcBef>
-              <a:buFont typeface="Arial" pitchFamily="34" charset="0"/>
-              <a:buNone/>
-              <a:defRPr sz="2000" kern="1200">
-                <a:solidFill>
-                  <a:schemeClr val="tx1">
-                    <a:tint val="75000"/>
-                  </a:schemeClr>
-                </a:solidFill>
-                <a:latin typeface="+mn-lt"/>
-                <a:ea typeface="+mn-ea"/>
-                <a:cs typeface="+mn-cs"/>
-              </a:defRPr>
-            </a:lvl6pPr>
-            <a:lvl7pPr marL="2743200" indent="0" algn="ctr" defTabSz="914400" rtl="0" eaLnBrk="1" latinLnBrk="0" hangingPunct="1">
-              <a:spcBef>
-                <a:spcPct val="20000"/>
-              </a:spcBef>
-              <a:buFont typeface="Arial" pitchFamily="34" charset="0"/>
-              <a:buNone/>
-              <a:defRPr sz="2000" kern="1200">
-                <a:solidFill>
-                  <a:schemeClr val="tx1">
-                    <a:tint val="75000"/>
-                  </a:schemeClr>
-                </a:solidFill>
-                <a:latin typeface="+mn-lt"/>
-                <a:ea typeface="+mn-ea"/>
-                <a:cs typeface="+mn-cs"/>
-              </a:defRPr>
-            </a:lvl7pPr>
-            <a:lvl8pPr marL="3200400" indent="0" algn="ctr" defTabSz="914400" rtl="0" eaLnBrk="1" latinLnBrk="0" hangingPunct="1">
-              <a:spcBef>
-                <a:spcPct val="20000"/>
-              </a:spcBef>
-              <a:buFont typeface="Arial" pitchFamily="34" charset="0"/>
-              <a:buNone/>
-              <a:defRPr sz="2000" kern="1200">
-                <a:solidFill>
-                  <a:schemeClr val="tx1">
-                    <a:tint val="75000"/>
-                  </a:schemeClr>
-                </a:solidFill>
-                <a:latin typeface="+mn-lt"/>
-                <a:ea typeface="+mn-ea"/>
-                <a:cs typeface="+mn-cs"/>
-              </a:defRPr>
-            </a:lvl8pPr>
-            <a:lvl9pPr marL="3657600" indent="0" algn="ctr" defTabSz="914400" rtl="0" eaLnBrk="1" latinLnBrk="0" hangingPunct="1">
-              <a:spcBef>
-                <a:spcPct val="20000"/>
-              </a:spcBef>
-              <a:buFont typeface="Arial" pitchFamily="34" charset="0"/>
-              <a:buNone/>
-              <a:defRPr sz="2000" kern="1200">
-                <a:solidFill>
-                  <a:schemeClr val="tx1">
-                    <a:tint val="75000"/>
-                  </a:schemeClr>
-                </a:solidFill>
-                <a:latin typeface="+mn-lt"/>
-                <a:ea typeface="+mn-ea"/>
-                <a:cs typeface="+mn-cs"/>
-              </a:defRPr>
-            </a:lvl9pPr>
-          </a:lstStyle>
-          <a:p>
-            <a:pPr algn="l">
-              <a:lnSpc>
-                <a:spcPct val="150000"/>
-              </a:lnSpc>
-            </a:pPr>
-            <a:r>
-              <a:rPr lang="en-US" sz="2000" dirty="0" smtClean="0">
-                <a:solidFill>
-                  <a:schemeClr val="tx1">
-                    <a:lumMod val="95000"/>
-                    <a:lumOff val="5000"/>
-                  </a:schemeClr>
-                </a:solidFill>
-              </a:rPr>
-              <a:t>Desktop application &lt;-&gt; Mobile application</a:t>
-            </a:r>
-          </a:p>
-          <a:p>
-            <a:pPr algn="l">
-              <a:lnSpc>
-                <a:spcPct val="150000"/>
-              </a:lnSpc>
-            </a:pPr>
-            <a:r>
-              <a:rPr lang="en-US" sz="2000" dirty="0" smtClean="0">
-                <a:solidFill>
-                  <a:schemeClr val="tx1">
-                    <a:lumMod val="95000"/>
-                    <a:lumOff val="5000"/>
-                  </a:schemeClr>
-                </a:solidFill>
-              </a:rPr>
-              <a:t>Console application</a:t>
-            </a:r>
-            <a:endParaRPr lang="ru-RU" sz="2000" dirty="0" smtClean="0">
-              <a:solidFill>
-                <a:schemeClr val="tx1">
-                  <a:lumMod val="95000"/>
-                  <a:lumOff val="5000"/>
-                </a:schemeClr>
-              </a:solidFill>
-            </a:endParaRPr>
-          </a:p>
-          <a:p>
-            <a:pPr algn="l">
-              <a:lnSpc>
-                <a:spcPct val="150000"/>
-              </a:lnSpc>
-            </a:pPr>
-            <a:r>
-              <a:rPr lang="en-US" sz="2000" dirty="0" smtClean="0">
-                <a:solidFill>
-                  <a:schemeClr val="tx1">
-                    <a:lumMod val="95000"/>
-                    <a:lumOff val="5000"/>
-                  </a:schemeClr>
-                </a:solidFill>
-              </a:rPr>
-              <a:t>GUI (Window) application</a:t>
-            </a:r>
-          </a:p>
-          <a:p>
-            <a:pPr algn="l">
-              <a:lnSpc>
-                <a:spcPct val="150000"/>
-              </a:lnSpc>
-            </a:pPr>
-            <a:r>
-              <a:rPr lang="en-US" sz="2000" dirty="0" smtClean="0">
-                <a:solidFill>
-                  <a:schemeClr val="tx1">
-                    <a:lumMod val="95000"/>
-                    <a:lumOff val="5000"/>
-                  </a:schemeClr>
-                </a:solidFill>
-              </a:rPr>
-              <a:t>Web application</a:t>
-            </a:r>
-          </a:p>
-          <a:p>
-            <a:pPr algn="l">
-              <a:lnSpc>
-                <a:spcPct val="150000"/>
-              </a:lnSpc>
-            </a:pPr>
-            <a:r>
-              <a:rPr lang="en-US" sz="2000" dirty="0" smtClean="0">
-                <a:solidFill>
-                  <a:schemeClr val="tx1">
-                    <a:lumMod val="95000"/>
-                    <a:lumOff val="5000"/>
-                  </a:schemeClr>
-                </a:solidFill>
-              </a:rPr>
-              <a:t>Mobile application / Widget, etc.</a:t>
-            </a:r>
-            <a:endParaRPr lang="ru-RU" sz="2000" dirty="0" smtClean="0">
-              <a:solidFill>
-                <a:schemeClr val="tx1">
-                  <a:lumMod val="95000"/>
-                  <a:lumOff val="5000"/>
-                </a:schemeClr>
-              </a:solidFill>
-            </a:endParaRPr>
-          </a:p>
-        </p:txBody>
-      </p:sp>
-      <p:sp>
-        <p:nvSpPr>
           <p:cNvPr id="5" name="Chevron 4"/>
           <p:cNvSpPr/>
           <p:nvPr/>
@@ -11315,7 +13012,7 @@
         </p:nvSpPr>
         <p:spPr>
           <a:xfrm>
-            <a:off x="1057990" y="2590800"/>
+            <a:off x="1057794" y="2540999"/>
             <a:ext cx="152400" cy="191037"/>
           </a:xfrm>
           <a:prstGeom prst="chevron">
@@ -11357,7 +13054,7 @@
         </p:nvSpPr>
         <p:spPr>
           <a:xfrm>
-            <a:off x="1057794" y="3124200"/>
+            <a:off x="1057794" y="3345305"/>
             <a:ext cx="152400" cy="191037"/>
           </a:xfrm>
           <a:prstGeom prst="chevron">
@@ -11399,7 +13096,7 @@
         </p:nvSpPr>
         <p:spPr>
           <a:xfrm>
-            <a:off x="1057794" y="3680128"/>
+            <a:off x="1057794" y="3752020"/>
             <a:ext cx="152400" cy="191037"/>
           </a:xfrm>
           <a:prstGeom prst="chevron">
@@ -11441,7 +13138,7 @@
         </p:nvSpPr>
         <p:spPr>
           <a:xfrm>
-            <a:off x="1057794" y="4158736"/>
+            <a:off x="1057794" y="4158735"/>
             <a:ext cx="152400" cy="191037"/>
           </a:xfrm>
           <a:prstGeom prst="chevron">
@@ -11475,10 +13172,174 @@
           </a:p>
         </p:txBody>
       </p:sp>
+      <p:sp>
+        <p:nvSpPr>
+          <p:cNvPr id="2" name="TextBox 1"/>
+          <p:cNvSpPr txBox="1"/>
+          <p:nvPr/>
+        </p:nvSpPr>
+        <p:spPr>
+          <a:xfrm>
+            <a:off x="1251248" y="1446684"/>
+            <a:ext cx="7711342" cy="3539430"/>
+          </a:xfrm>
+          <a:prstGeom prst="rect">
+            <a:avLst/>
+          </a:prstGeom>
+          <a:noFill/>
+        </p:spPr>
+        <p:txBody>
+          <a:bodyPr wrap="none" rtlCol="0">
+            <a:spAutoFit/>
+          </a:bodyPr>
+          <a:lstStyle/>
+          <a:p>
+            <a:r>
+              <a:rPr lang="ru-RU" sz="2800" dirty="0" smtClean="0"/>
+              <a:t>Однозадачные</a:t>
+            </a:r>
+            <a:r>
+              <a:rPr lang="en-US" sz="2800" dirty="0" smtClean="0"/>
+              <a:t> - </a:t>
+            </a:r>
+            <a:r>
+              <a:rPr lang="ru-RU" sz="2800" dirty="0" smtClean="0"/>
+              <a:t>Многозадачные</a:t>
+            </a:r>
+            <a:endParaRPr lang="en-US" sz="2800" dirty="0" smtClean="0"/>
+          </a:p>
+          <a:p>
+            <a:r>
+              <a:rPr lang="ru-RU" sz="2800" dirty="0"/>
+              <a:t>Пользовательские </a:t>
+            </a:r>
+            <a:r>
+              <a:rPr lang="ru-RU" sz="2800" dirty="0" smtClean="0"/>
+              <a:t>– Серверные</a:t>
+            </a:r>
+          </a:p>
+          <a:p>
+            <a:r>
+              <a:rPr lang="ru-RU" sz="2800" dirty="0" smtClean="0"/>
+              <a:t>	(</a:t>
+            </a:r>
+            <a:r>
+              <a:rPr lang="ru-RU" sz="2800" dirty="0" smtClean="0"/>
+              <a:t>Клиентские, имеющие </a:t>
+            </a:r>
+            <a:r>
+              <a:rPr lang="en-US" sz="2800" dirty="0" smtClean="0"/>
+              <a:t>UI</a:t>
+            </a:r>
+            <a:r>
+              <a:rPr lang="ru-RU" sz="2800" dirty="0"/>
+              <a:t> </a:t>
+            </a:r>
+            <a:r>
+              <a:rPr lang="ru-RU" sz="2800" dirty="0" smtClean="0"/>
+              <a:t>-</a:t>
+            </a:r>
+            <a:endParaRPr lang="ru-RU" sz="2800" dirty="0" smtClean="0"/>
+          </a:p>
+          <a:p>
+            <a:r>
+              <a:rPr lang="ru-RU" sz="2800" dirty="0"/>
+              <a:t>	 </a:t>
+            </a:r>
+            <a:r>
+              <a:rPr lang="ru-RU" sz="2800" dirty="0" smtClean="0"/>
+              <a:t>Командные, не </a:t>
+            </a:r>
+            <a:r>
+              <a:rPr lang="ru-RU" sz="2800" dirty="0"/>
+              <a:t>имеющие </a:t>
+            </a:r>
+            <a:r>
+              <a:rPr lang="en-US" sz="2800" dirty="0" smtClean="0"/>
+              <a:t>UI</a:t>
+            </a:r>
+            <a:r>
+              <a:rPr lang="ru-RU" sz="2800" dirty="0" smtClean="0"/>
+              <a:t>)</a:t>
+            </a:r>
+            <a:endParaRPr lang="ru-RU" sz="2800" dirty="0" smtClean="0"/>
+          </a:p>
+          <a:p>
+            <a:r>
+              <a:rPr lang="ru-RU" sz="2800" dirty="0" smtClean="0"/>
+              <a:t>Однопользовательские – многопользовательские</a:t>
+            </a:r>
+          </a:p>
+          <a:p>
+            <a:r>
+              <a:rPr lang="ru-RU" sz="2800" dirty="0" smtClean="0"/>
+              <a:t>Открытые </a:t>
+            </a:r>
+            <a:r>
+              <a:rPr lang="ru-RU" sz="2800" dirty="0" smtClean="0"/>
+              <a:t>– Закрытые</a:t>
+            </a:r>
+          </a:p>
+          <a:p>
+            <a:r>
+              <a:rPr lang="ru-RU" sz="2800" dirty="0" smtClean="0"/>
+              <a:t>Платные – Бесплатные</a:t>
+            </a:r>
+          </a:p>
+          <a:p>
+            <a:r>
+              <a:rPr lang="ru-RU" sz="2800" dirty="0" smtClean="0"/>
+              <a:t>16-, 32-, 64- разрядные</a:t>
+            </a:r>
+          </a:p>
+        </p:txBody>
+      </p:sp>
+      <p:sp>
+        <p:nvSpPr>
+          <p:cNvPr id="11" name="Chevron 10"/>
+          <p:cNvSpPr/>
+          <p:nvPr/>
+        </p:nvSpPr>
+        <p:spPr>
+          <a:xfrm>
+            <a:off x="1078321" y="4573437"/>
+            <a:ext cx="152400" cy="191037"/>
+          </a:xfrm>
+          <a:prstGeom prst="chevron">
+            <a:avLst/>
+          </a:prstGeom>
+        </p:spPr>
+        <p:style>
+          <a:lnRef idx="1">
+            <a:schemeClr val="accent6"/>
+          </a:lnRef>
+          <a:fillRef idx="3">
+            <a:schemeClr val="accent6"/>
+          </a:fillRef>
+          <a:effectRef idx="2">
+            <a:schemeClr val="accent6"/>
+          </a:effectRef>
+          <a:fontRef idx="minor">
+            <a:schemeClr val="lt1"/>
+          </a:fontRef>
+        </p:style>
+        <p:txBody>
+          <a:bodyPr rtlCol="0" anchor="ctr"/>
+          <a:lstStyle/>
+          <a:p>
+            <a:pPr algn="ctr"/>
+            <a:endParaRPr lang="en-US">
+              <a:solidFill>
+                <a:schemeClr val="tx1"/>
+              </a:solidFill>
+            </a:endParaRPr>
+          </a:p>
+        </p:txBody>
+      </p:sp>
     </p:spTree>
     <p:extLst>
       <p:ext uri="{BB962C8B-B14F-4D97-AF65-F5344CB8AC3E}">
-        <p14:creationId xmlns:p14="http://schemas.microsoft.com/office/powerpoint/2010/main" val="1578457037"/>
+        <p14:creationId xmlns:p14="http://schemas.microsoft.com/office/powerpoint/2010/main" val="627179614"/>
       </p:ext>
     </p:extLst>
   </p:cSld>
@@ -11489,9 +13350,340 @@
   <p:timing>
     <p:tnLst>
       <p:par>
-        <p:cTn id="1" dur="indefinite" restart="never" nodeType="tmRoot"/>
+        <p:cTn id="1" dur="indefinite" restart="never" nodeType="tmRoot">
+          <p:childTnLst>
+            <p:seq concurrent="1" nextAc="seek">
+              <p:cTn id="2" dur="indefinite" nodeType="mainSeq">
+                <p:childTnLst>
+                  <p:par>
+                    <p:cTn id="3" fill="hold">
+                      <p:stCondLst>
+                        <p:cond delay="indefinite"/>
+                      </p:stCondLst>
+                      <p:childTnLst>
+                        <p:par>
+                          <p:cTn id="4" fill="hold">
+                            <p:stCondLst>
+                              <p:cond delay="0"/>
+                            </p:stCondLst>
+                            <p:childTnLst>
+                              <p:par>
+                                <p:cTn id="5" presetID="10" presetClass="entr" presetSubtype="0" fill="hold" grpId="0" nodeType="clickEffect">
+                                  <p:stCondLst>
+                                    <p:cond delay="0"/>
+                                  </p:stCondLst>
+                                  <p:childTnLst>
+                                    <p:set>
+                                      <p:cBhvr>
+                                        <p:cTn id="6" dur="1" fill="hold">
+                                          <p:stCondLst>
+                                            <p:cond delay="0"/>
+                                          </p:stCondLst>
+                                        </p:cTn>
+                                        <p:tgtEl>
+                                          <p:spTgt spid="5"/>
+                                        </p:tgtEl>
+                                        <p:attrNameLst>
+                                          <p:attrName>style.visibility</p:attrName>
+                                        </p:attrNameLst>
+                                      </p:cBhvr>
+                                      <p:to>
+                                        <p:strVal val="visible"/>
+                                      </p:to>
+                                    </p:set>
+                                    <p:animEffect transition="in" filter="fade">
+                                      <p:cBhvr>
+                                        <p:cTn id="7" dur="500"/>
+                                        <p:tgtEl>
+                                          <p:spTgt spid="5"/>
+                                        </p:tgtEl>
+                                      </p:cBhvr>
+                                    </p:animEffect>
+                                  </p:childTnLst>
+                                </p:cTn>
+                              </p:par>
+                              <p:par>
+                                <p:cTn id="8" presetID="10" presetClass="entr" presetSubtype="0" fill="hold" grpId="0" nodeType="withEffect">
+                                  <p:stCondLst>
+                                    <p:cond delay="0"/>
+                                  </p:stCondLst>
+                                  <p:childTnLst>
+                                    <p:set>
+                                      <p:cBhvr>
+                                        <p:cTn id="9" dur="1" fill="hold">
+                                          <p:stCondLst>
+                                            <p:cond delay="0"/>
+                                          </p:stCondLst>
+                                        </p:cTn>
+                                        <p:tgtEl>
+                                          <p:spTgt spid="6"/>
+                                        </p:tgtEl>
+                                        <p:attrNameLst>
+                                          <p:attrName>style.visibility</p:attrName>
+                                        </p:attrNameLst>
+                                      </p:cBhvr>
+                                      <p:to>
+                                        <p:strVal val="visible"/>
+                                      </p:to>
+                                    </p:set>
+                                    <p:animEffect transition="in" filter="fade">
+                                      <p:cBhvr>
+                                        <p:cTn id="10" dur="500"/>
+                                        <p:tgtEl>
+                                          <p:spTgt spid="6"/>
+                                        </p:tgtEl>
+                                      </p:cBhvr>
+                                    </p:animEffect>
+                                  </p:childTnLst>
+                                </p:cTn>
+                              </p:par>
+                              <p:par>
+                                <p:cTn id="11" presetID="10" presetClass="entr" presetSubtype="0" fill="hold" grpId="0" nodeType="withEffect">
+                                  <p:stCondLst>
+                                    <p:cond delay="0"/>
+                                  </p:stCondLst>
+                                  <p:childTnLst>
+                                    <p:set>
+                                      <p:cBhvr>
+                                        <p:cTn id="12" dur="1" fill="hold">
+                                          <p:stCondLst>
+                                            <p:cond delay="0"/>
+                                          </p:stCondLst>
+                                        </p:cTn>
+                                        <p:tgtEl>
+                                          <p:spTgt spid="7"/>
+                                        </p:tgtEl>
+                                        <p:attrNameLst>
+                                          <p:attrName>style.visibility</p:attrName>
+                                        </p:attrNameLst>
+                                      </p:cBhvr>
+                                      <p:to>
+                                        <p:strVal val="visible"/>
+                                      </p:to>
+                                    </p:set>
+                                    <p:animEffect transition="in" filter="fade">
+                                      <p:cBhvr>
+                                        <p:cTn id="13" dur="500"/>
+                                        <p:tgtEl>
+                                          <p:spTgt spid="7"/>
+                                        </p:tgtEl>
+                                      </p:cBhvr>
+                                    </p:animEffect>
+                                  </p:childTnLst>
+                                </p:cTn>
+                              </p:par>
+                              <p:par>
+                                <p:cTn id="14" presetID="10" presetClass="entr" presetSubtype="0" fill="hold" grpId="0" nodeType="withEffect">
+                                  <p:stCondLst>
+                                    <p:cond delay="0"/>
+                                  </p:stCondLst>
+                                  <p:childTnLst>
+                                    <p:set>
+                                      <p:cBhvr>
+                                        <p:cTn id="15" dur="1" fill="hold">
+                                          <p:stCondLst>
+                                            <p:cond delay="0"/>
+                                          </p:stCondLst>
+                                        </p:cTn>
+                                        <p:tgtEl>
+                                          <p:spTgt spid="8"/>
+                                        </p:tgtEl>
+                                        <p:attrNameLst>
+                                          <p:attrName>style.visibility</p:attrName>
+                                        </p:attrNameLst>
+                                      </p:cBhvr>
+                                      <p:to>
+                                        <p:strVal val="visible"/>
+                                      </p:to>
+                                    </p:set>
+                                    <p:animEffect transition="in" filter="fade">
+                                      <p:cBhvr>
+                                        <p:cTn id="16" dur="500"/>
+                                        <p:tgtEl>
+                                          <p:spTgt spid="8"/>
+                                        </p:tgtEl>
+                                      </p:cBhvr>
+                                    </p:animEffect>
+                                  </p:childTnLst>
+                                </p:cTn>
+                              </p:par>
+                              <p:par>
+                                <p:cTn id="17" presetID="10" presetClass="entr" presetSubtype="0" fill="hold" grpId="0" nodeType="withEffect">
+                                  <p:stCondLst>
+                                    <p:cond delay="0"/>
+                                  </p:stCondLst>
+                                  <p:childTnLst>
+                                    <p:set>
+                                      <p:cBhvr>
+                                        <p:cTn id="18" dur="1" fill="hold">
+                                          <p:stCondLst>
+                                            <p:cond delay="0"/>
+                                          </p:stCondLst>
+                                        </p:cTn>
+                                        <p:tgtEl>
+                                          <p:spTgt spid="9"/>
+                                        </p:tgtEl>
+                                        <p:attrNameLst>
+                                          <p:attrName>style.visibility</p:attrName>
+                                        </p:attrNameLst>
+                                      </p:cBhvr>
+                                      <p:to>
+                                        <p:strVal val="visible"/>
+                                      </p:to>
+                                    </p:set>
+                                    <p:animEffect transition="in" filter="fade">
+                                      <p:cBhvr>
+                                        <p:cTn id="19" dur="500"/>
+                                        <p:tgtEl>
+                                          <p:spTgt spid="9"/>
+                                        </p:tgtEl>
+                                      </p:cBhvr>
+                                    </p:animEffect>
+                                  </p:childTnLst>
+                                </p:cTn>
+                              </p:par>
+                              <p:par>
+                                <p:cTn id="20" presetID="10" presetClass="entr" presetSubtype="0" fill="hold" grpId="0" nodeType="withEffect">
+                                  <p:stCondLst>
+                                    <p:cond delay="0"/>
+                                  </p:stCondLst>
+                                  <p:childTnLst>
+                                    <p:set>
+                                      <p:cBhvr>
+                                        <p:cTn id="21" dur="1" fill="hold">
+                                          <p:stCondLst>
+                                            <p:cond delay="0"/>
+                                          </p:stCondLst>
+                                        </p:cTn>
+                                        <p:tgtEl>
+                                          <p:spTgt spid="10"/>
+                                        </p:tgtEl>
+                                        <p:attrNameLst>
+                                          <p:attrName>style.visibility</p:attrName>
+                                        </p:attrNameLst>
+                                      </p:cBhvr>
+                                      <p:to>
+                                        <p:strVal val="visible"/>
+                                      </p:to>
+                                    </p:set>
+                                    <p:animEffect transition="in" filter="fade">
+                                      <p:cBhvr>
+                                        <p:cTn id="22" dur="500"/>
+                                        <p:tgtEl>
+                                          <p:spTgt spid="10"/>
+                                        </p:tgtEl>
+                                      </p:cBhvr>
+                                    </p:animEffect>
+                                  </p:childTnLst>
+                                </p:cTn>
+                              </p:par>
+                              <p:par>
+                                <p:cTn id="23" presetID="10" presetClass="entr" presetSubtype="0" fill="hold" grpId="0" nodeType="withEffect">
+                                  <p:stCondLst>
+                                    <p:cond delay="0"/>
+                                  </p:stCondLst>
+                                  <p:childTnLst>
+                                    <p:set>
+                                      <p:cBhvr>
+                                        <p:cTn id="24" dur="1" fill="hold">
+                                          <p:stCondLst>
+                                            <p:cond delay="0"/>
+                                          </p:stCondLst>
+                                        </p:cTn>
+                                        <p:tgtEl>
+                                          <p:spTgt spid="11"/>
+                                        </p:tgtEl>
+                                        <p:attrNameLst>
+                                          <p:attrName>style.visibility</p:attrName>
+                                        </p:attrNameLst>
+                                      </p:cBhvr>
+                                      <p:to>
+                                        <p:strVal val="visible"/>
+                                      </p:to>
+                                    </p:set>
+                                    <p:animEffect transition="in" filter="fade">
+                                      <p:cBhvr>
+                                        <p:cTn id="25" dur="500"/>
+                                        <p:tgtEl>
+                                          <p:spTgt spid="11"/>
+                                        </p:tgtEl>
+                                      </p:cBhvr>
+                                    </p:animEffect>
+                                  </p:childTnLst>
+                                </p:cTn>
+                              </p:par>
+                              <p:par>
+                                <p:cTn id="26" presetID="10" presetClass="entr" presetSubtype="0" fill="hold" grpId="0" nodeType="withEffect">
+                                  <p:stCondLst>
+                                    <p:cond delay="0"/>
+                                  </p:stCondLst>
+                                  <p:childTnLst>
+                                    <p:set>
+                                      <p:cBhvr>
+                                        <p:cTn id="27" dur="1" fill="hold">
+                                          <p:stCondLst>
+                                            <p:cond delay="0"/>
+                                          </p:stCondLst>
+                                        </p:cTn>
+                                        <p:tgtEl>
+                                          <p:spTgt spid="2"/>
+                                        </p:tgtEl>
+                                        <p:attrNameLst>
+                                          <p:attrName>style.visibility</p:attrName>
+                                        </p:attrNameLst>
+                                      </p:cBhvr>
+                                      <p:to>
+                                        <p:strVal val="visible"/>
+                                      </p:to>
+                                    </p:set>
+                                    <p:animEffect transition="in" filter="fade">
+                                      <p:cBhvr>
+                                        <p:cTn id="28" dur="500"/>
+                                        <p:tgtEl>
+                                          <p:spTgt spid="2"/>
+                                        </p:tgtEl>
+                                      </p:cBhvr>
+                                    </p:animEffect>
+                                  </p:childTnLst>
+                                </p:cTn>
+                              </p:par>
+                            </p:childTnLst>
+                          </p:cTn>
+                        </p:par>
+                      </p:childTnLst>
+                    </p:cTn>
+                  </p:par>
+                </p:childTnLst>
+              </p:cTn>
+              <p:prevCondLst>
+                <p:cond evt="onPrev" delay="0">
+                  <p:tgtEl>
+                    <p:sldTgt/>
+                  </p:tgtEl>
+                </p:cond>
+              </p:prevCondLst>
+              <p:nextCondLst>
+                <p:cond evt="onNext" delay="0">
+                  <p:tgtEl>
+                    <p:sldTgt/>
+                  </p:tgtEl>
+                </p:cond>
+              </p:nextCondLst>
+            </p:seq>
+          </p:childTnLst>
+        </p:cTn>
       </p:par>
     </p:tnLst>
+    <p:bldLst>
+      <p:bldP spid="5" grpId="0" animBg="1"/>
+      <p:bldP spid="6" grpId="0" animBg="1"/>
+      <p:bldP spid="7" grpId="0" animBg="1"/>
+      <p:bldP spid="8" grpId="0" animBg="1"/>
+      <p:bldP spid="9" grpId="0" animBg="1"/>
+      <p:bldP spid="10" grpId="0" animBg="1"/>
+      <p:bldP spid="2" grpId="0"/>
+      <p:bldP spid="11" grpId="0" animBg="1"/>
+    </p:bldLst>
   </p:timing>
 </p:sld>
 </file>
@@ -11522,7 +13714,7 @@
         <p:spPr>
           <a:xfrm>
             <a:off x="457200" y="533400"/>
-            <a:ext cx="4176721" cy="630942"/>
+            <a:ext cx="5788829" cy="630942"/>
           </a:xfrm>
           <a:prstGeom prst="rect">
             <a:avLst/>
@@ -11551,7 +13743,7 @@
                   </a:outerShdw>
                 </a:effectLst>
               </a:rPr>
-              <a:t>Software Architecture</a:t>
+              <a:t>What kind of OS do you know?</a:t>
             </a:r>
             <a:endParaRPr lang="en-US" sz="3500" dirty="0">
               <a:solidFill>
@@ -11573,457 +13765,904 @@
       </p:sp>
       <p:sp>
         <p:nvSpPr>
-          <p:cNvPr id="2" name="TextBox 1"/>
-          <p:cNvSpPr txBox="1"/>
+          <p:cNvPr id="11" name="Content Placeholder 2"/>
+          <p:cNvSpPr txBox="1">
+            <a:spLocks/>
+          </p:cNvSpPr>
           <p:nvPr/>
         </p:nvSpPr>
         <p:spPr>
           <a:xfrm>
-            <a:off x="1043608" y="2900540"/>
-            <a:ext cx="1296144" cy="369332"/>
+            <a:off x="1293540" y="1359818"/>
+            <a:ext cx="4419600" cy="3275018"/>
           </a:xfrm>
           <a:prstGeom prst="rect">
             <a:avLst/>
           </a:prstGeom>
         </p:spPr>
+        <p:txBody>
+          <a:bodyPr vert="horz" lIns="91440" tIns="45720" rIns="91440" bIns="45720" rtlCol="0">
+            <a:normAutofit/>
+          </a:bodyPr>
+          <a:lstStyle>
+            <a:lvl1pPr marL="0" indent="0" algn="ctr" defTabSz="914400" rtl="0" eaLnBrk="1" latinLnBrk="0" hangingPunct="1">
+              <a:spcBef>
+                <a:spcPct val="20000"/>
+              </a:spcBef>
+              <a:buFont typeface="Arial" pitchFamily="34" charset="0"/>
+              <a:buNone/>
+              <a:defRPr sz="3200" kern="1200">
+                <a:solidFill>
+                  <a:schemeClr val="tx1">
+                    <a:tint val="75000"/>
+                  </a:schemeClr>
+                </a:solidFill>
+                <a:latin typeface="+mn-lt"/>
+                <a:ea typeface="+mn-ea"/>
+                <a:cs typeface="+mn-cs"/>
+              </a:defRPr>
+            </a:lvl1pPr>
+            <a:lvl2pPr marL="457200" indent="0" algn="ctr" defTabSz="914400" rtl="0" eaLnBrk="1" latinLnBrk="0" hangingPunct="1">
+              <a:spcBef>
+                <a:spcPct val="20000"/>
+              </a:spcBef>
+              <a:buFont typeface="Arial" pitchFamily="34" charset="0"/>
+              <a:buNone/>
+              <a:defRPr sz="2800" kern="1200">
+                <a:solidFill>
+                  <a:schemeClr val="tx1">
+                    <a:tint val="75000"/>
+                  </a:schemeClr>
+                </a:solidFill>
+                <a:latin typeface="+mn-lt"/>
+                <a:ea typeface="+mn-ea"/>
+                <a:cs typeface="+mn-cs"/>
+              </a:defRPr>
+            </a:lvl2pPr>
+            <a:lvl3pPr marL="914400" indent="0" algn="ctr" defTabSz="914400" rtl="0" eaLnBrk="1" latinLnBrk="0" hangingPunct="1">
+              <a:spcBef>
+                <a:spcPct val="20000"/>
+              </a:spcBef>
+              <a:buFont typeface="Arial" pitchFamily="34" charset="0"/>
+              <a:buNone/>
+              <a:defRPr sz="2400" kern="1200">
+                <a:solidFill>
+                  <a:schemeClr val="tx1">
+                    <a:tint val="75000"/>
+                  </a:schemeClr>
+                </a:solidFill>
+                <a:latin typeface="+mn-lt"/>
+                <a:ea typeface="+mn-ea"/>
+                <a:cs typeface="+mn-cs"/>
+              </a:defRPr>
+            </a:lvl3pPr>
+            <a:lvl4pPr marL="1371600" indent="0" algn="ctr" defTabSz="914400" rtl="0" eaLnBrk="1" latinLnBrk="0" hangingPunct="1">
+              <a:spcBef>
+                <a:spcPct val="20000"/>
+              </a:spcBef>
+              <a:buFont typeface="Arial" pitchFamily="34" charset="0"/>
+              <a:buNone/>
+              <a:defRPr sz="2000" kern="1200">
+                <a:solidFill>
+                  <a:schemeClr val="tx1">
+                    <a:tint val="75000"/>
+                  </a:schemeClr>
+                </a:solidFill>
+                <a:latin typeface="+mn-lt"/>
+                <a:ea typeface="+mn-ea"/>
+                <a:cs typeface="+mn-cs"/>
+              </a:defRPr>
+            </a:lvl4pPr>
+            <a:lvl5pPr marL="1828800" indent="0" algn="ctr" defTabSz="914400" rtl="0" eaLnBrk="1" latinLnBrk="0" hangingPunct="1">
+              <a:spcBef>
+                <a:spcPct val="20000"/>
+              </a:spcBef>
+              <a:buFont typeface="Arial" pitchFamily="34" charset="0"/>
+              <a:buNone/>
+              <a:defRPr sz="2000" kern="1200">
+                <a:solidFill>
+                  <a:schemeClr val="tx1">
+                    <a:tint val="75000"/>
+                  </a:schemeClr>
+                </a:solidFill>
+                <a:latin typeface="+mn-lt"/>
+                <a:ea typeface="+mn-ea"/>
+                <a:cs typeface="+mn-cs"/>
+              </a:defRPr>
+            </a:lvl5pPr>
+            <a:lvl6pPr marL="2286000" indent="0" algn="ctr" defTabSz="914400" rtl="0" eaLnBrk="1" latinLnBrk="0" hangingPunct="1">
+              <a:spcBef>
+                <a:spcPct val="20000"/>
+              </a:spcBef>
+              <a:buFont typeface="Arial" pitchFamily="34" charset="0"/>
+              <a:buNone/>
+              <a:defRPr sz="2000" kern="1200">
+                <a:solidFill>
+                  <a:schemeClr val="tx1">
+                    <a:tint val="75000"/>
+                  </a:schemeClr>
+                </a:solidFill>
+                <a:latin typeface="+mn-lt"/>
+                <a:ea typeface="+mn-ea"/>
+                <a:cs typeface="+mn-cs"/>
+              </a:defRPr>
+            </a:lvl6pPr>
+            <a:lvl7pPr marL="2743200" indent="0" algn="ctr" defTabSz="914400" rtl="0" eaLnBrk="1" latinLnBrk="0" hangingPunct="1">
+              <a:spcBef>
+                <a:spcPct val="20000"/>
+              </a:spcBef>
+              <a:buFont typeface="Arial" pitchFamily="34" charset="0"/>
+              <a:buNone/>
+              <a:defRPr sz="2000" kern="1200">
+                <a:solidFill>
+                  <a:schemeClr val="tx1">
+                    <a:tint val="75000"/>
+                  </a:schemeClr>
+                </a:solidFill>
+                <a:latin typeface="+mn-lt"/>
+                <a:ea typeface="+mn-ea"/>
+                <a:cs typeface="+mn-cs"/>
+              </a:defRPr>
+            </a:lvl7pPr>
+            <a:lvl8pPr marL="3200400" indent="0" algn="ctr" defTabSz="914400" rtl="0" eaLnBrk="1" latinLnBrk="0" hangingPunct="1">
+              <a:spcBef>
+                <a:spcPct val="20000"/>
+              </a:spcBef>
+              <a:buFont typeface="Arial" pitchFamily="34" charset="0"/>
+              <a:buNone/>
+              <a:defRPr sz="2000" kern="1200">
+                <a:solidFill>
+                  <a:schemeClr val="tx1">
+                    <a:tint val="75000"/>
+                  </a:schemeClr>
+                </a:solidFill>
+                <a:latin typeface="+mn-lt"/>
+                <a:ea typeface="+mn-ea"/>
+                <a:cs typeface="+mn-cs"/>
+              </a:defRPr>
+            </a:lvl8pPr>
+            <a:lvl9pPr marL="3657600" indent="0" algn="ctr" defTabSz="914400" rtl="0" eaLnBrk="1" latinLnBrk="0" hangingPunct="1">
+              <a:spcBef>
+                <a:spcPct val="20000"/>
+              </a:spcBef>
+              <a:buFont typeface="Arial" pitchFamily="34" charset="0"/>
+              <a:buNone/>
+              <a:defRPr sz="2000" kern="1200">
+                <a:solidFill>
+                  <a:schemeClr val="tx1">
+                    <a:tint val="75000"/>
+                  </a:schemeClr>
+                </a:solidFill>
+                <a:latin typeface="+mn-lt"/>
+                <a:ea typeface="+mn-ea"/>
+                <a:cs typeface="+mn-cs"/>
+              </a:defRPr>
+            </a:lvl9pPr>
+          </a:lstStyle>
+          <a:p>
+            <a:pPr algn="l">
+              <a:lnSpc>
+                <a:spcPct val="150000"/>
+              </a:lnSpc>
+            </a:pPr>
+            <a:r>
+              <a:rPr lang="en-US" sz="2000" dirty="0" smtClean="0">
+                <a:solidFill>
+                  <a:schemeClr val="tx1">
+                    <a:lumMod val="95000"/>
+                    <a:lumOff val="5000"/>
+                  </a:schemeClr>
+                </a:solidFill>
+              </a:rPr>
+              <a:t>Windows / </a:t>
+            </a:r>
+            <a:r>
+              <a:rPr lang="en-US" sz="2000" dirty="0" err="1" smtClean="0">
+                <a:solidFill>
+                  <a:schemeClr val="tx1">
+                    <a:lumMod val="95000"/>
+                    <a:lumOff val="5000"/>
+                  </a:schemeClr>
+                </a:solidFill>
+              </a:rPr>
+              <a:t>MS-Dos</a:t>
+            </a:r>
+            <a:endParaRPr lang="en-US" sz="2000" dirty="0" smtClean="0">
+              <a:solidFill>
+                <a:schemeClr val="tx1">
+                  <a:lumMod val="95000"/>
+                  <a:lumOff val="5000"/>
+                </a:schemeClr>
+              </a:solidFill>
+            </a:endParaRPr>
+          </a:p>
+          <a:p>
+            <a:pPr algn="l">
+              <a:lnSpc>
+                <a:spcPct val="150000"/>
+              </a:lnSpc>
+            </a:pPr>
+            <a:r>
+              <a:rPr lang="en-US" sz="2000" dirty="0" smtClean="0">
+                <a:solidFill>
+                  <a:schemeClr val="tx1">
+                    <a:lumMod val="95000"/>
+                    <a:lumOff val="5000"/>
+                  </a:schemeClr>
+                </a:solidFill>
+              </a:rPr>
+              <a:t>Unix</a:t>
+            </a:r>
+          </a:p>
+          <a:p>
+            <a:pPr algn="l">
+              <a:lnSpc>
+                <a:spcPct val="150000"/>
+              </a:lnSpc>
+            </a:pPr>
+            <a:r>
+              <a:rPr lang="en-US" sz="2000" dirty="0" smtClean="0">
+                <a:solidFill>
+                  <a:schemeClr val="tx1">
+                    <a:lumMod val="95000"/>
+                    <a:lumOff val="5000"/>
+                  </a:schemeClr>
+                </a:solidFill>
+              </a:rPr>
+              <a:t>Linux</a:t>
+            </a:r>
+          </a:p>
+          <a:p>
+            <a:pPr algn="l">
+              <a:lnSpc>
+                <a:spcPct val="150000"/>
+              </a:lnSpc>
+            </a:pPr>
+            <a:r>
+              <a:rPr lang="en-US" sz="2000" dirty="0" smtClean="0">
+                <a:solidFill>
+                  <a:schemeClr val="tx1">
+                    <a:lumMod val="95000"/>
+                    <a:lumOff val="5000"/>
+                  </a:schemeClr>
+                </a:solidFill>
+              </a:rPr>
+              <a:t>Android</a:t>
+            </a:r>
+          </a:p>
+          <a:p>
+            <a:pPr algn="l">
+              <a:lnSpc>
+                <a:spcPct val="150000"/>
+              </a:lnSpc>
+            </a:pPr>
+            <a:r>
+              <a:rPr lang="en-US" sz="2000" dirty="0" err="1" smtClean="0">
+                <a:solidFill>
+                  <a:schemeClr val="tx1">
+                    <a:lumMod val="95000"/>
+                    <a:lumOff val="5000"/>
+                  </a:schemeClr>
+                </a:solidFill>
+              </a:rPr>
+              <a:t>iOS</a:t>
+            </a:r>
+            <a:endParaRPr lang="ru-RU" sz="2000" dirty="0" smtClean="0">
+              <a:solidFill>
+                <a:schemeClr val="tx1">
+                  <a:lumMod val="95000"/>
+                  <a:lumOff val="5000"/>
+                </a:schemeClr>
+              </a:solidFill>
+            </a:endParaRPr>
+          </a:p>
+          <a:p>
+            <a:pPr algn="l">
+              <a:lnSpc>
+                <a:spcPct val="150000"/>
+              </a:lnSpc>
+            </a:pPr>
+            <a:r>
+              <a:rPr lang="en-US" sz="2000" dirty="0">
+                <a:solidFill>
+                  <a:schemeClr val="tx1">
+                    <a:lumMod val="95000"/>
+                    <a:lumOff val="5000"/>
+                  </a:schemeClr>
+                </a:solidFill>
+              </a:rPr>
+              <a:t>NetWare</a:t>
+            </a:r>
+            <a:endParaRPr lang="en-US" sz="2000" dirty="0" smtClean="0">
+              <a:solidFill>
+                <a:schemeClr val="tx1">
+                  <a:lumMod val="95000"/>
+                  <a:lumOff val="5000"/>
+                </a:schemeClr>
+              </a:solidFill>
+            </a:endParaRPr>
+          </a:p>
+          <a:p>
+            <a:pPr algn="l">
+              <a:lnSpc>
+                <a:spcPct val="150000"/>
+              </a:lnSpc>
+            </a:pPr>
+            <a:endParaRPr lang="ru-RU" sz="2000" dirty="0" smtClean="0">
+              <a:solidFill>
+                <a:schemeClr val="tx1">
+                  <a:lumMod val="95000"/>
+                  <a:lumOff val="5000"/>
+                </a:schemeClr>
+              </a:solidFill>
+            </a:endParaRPr>
+          </a:p>
+        </p:txBody>
+      </p:sp>
+      <p:sp>
+        <p:nvSpPr>
+          <p:cNvPr id="5" name="Chevron 4"/>
+          <p:cNvSpPr/>
+          <p:nvPr/>
+        </p:nvSpPr>
+        <p:spPr>
+          <a:xfrm>
+            <a:off x="1057990" y="1600200"/>
+            <a:ext cx="152400" cy="191037"/>
+          </a:xfrm>
+          <a:prstGeom prst="chevron">
+            <a:avLst/>
+          </a:prstGeom>
+        </p:spPr>
         <p:style>
-          <a:lnRef idx="2">
+          <a:lnRef idx="1">
             <a:schemeClr val="accent6"/>
           </a:lnRef>
-          <a:fillRef idx="1">
-            <a:schemeClr val="lt1"/>
-          </a:fillRef>
-          <a:effectRef idx="0">
-            <a:schemeClr val="accent6"/>
-          </a:effectRef>
-          <a:fontRef idx="minor">
-            <a:schemeClr val="dk1"/>
-          </a:fontRef>
-        </p:style>
-        <p:txBody>
-          <a:bodyPr wrap="square" rtlCol="0">
-            <a:spAutoFit/>
-          </a:bodyPr>
-          <a:lstStyle/>
-          <a:p>
-            <a:pPr algn="ctr"/>
-            <a:r>
-              <a:rPr lang="en-US" dirty="0" smtClean="0"/>
-              <a:t>File-Server</a:t>
-            </a:r>
-            <a:endParaRPr lang="en-US" dirty="0"/>
-          </a:p>
-        </p:txBody>
-      </p:sp>
-      <p:sp>
-        <p:nvSpPr>
-          <p:cNvPr id="15" name="TextBox 14"/>
-          <p:cNvSpPr txBox="1"/>
-          <p:nvPr/>
-        </p:nvSpPr>
-        <p:spPr>
-          <a:xfrm>
-            <a:off x="3744654" y="2893585"/>
-            <a:ext cx="1656184" cy="369332"/>
-          </a:xfrm>
-          <a:prstGeom prst="rect">
-            <a:avLst/>
-          </a:prstGeom>
-        </p:spPr>
-        <p:style>
-          <a:lnRef idx="2">
-            <a:schemeClr val="accent6"/>
-          </a:lnRef>
-          <a:fillRef idx="1">
-            <a:schemeClr val="lt1"/>
-          </a:fillRef>
-          <a:effectRef idx="0">
-            <a:schemeClr val="accent6"/>
-          </a:effectRef>
-          <a:fontRef idx="minor">
-            <a:schemeClr val="dk1"/>
-          </a:fontRef>
-        </p:style>
-        <p:txBody>
-          <a:bodyPr wrap="square" rtlCol="0">
-            <a:spAutoFit/>
-          </a:bodyPr>
-          <a:lstStyle/>
-          <a:p>
-            <a:pPr algn="ctr"/>
-            <a:r>
-              <a:rPr lang="en-US" dirty="0" smtClean="0"/>
-              <a:t>Client-Server</a:t>
-            </a:r>
-            <a:endParaRPr lang="en-US" dirty="0"/>
-          </a:p>
-        </p:txBody>
-      </p:sp>
-      <p:sp>
-        <p:nvSpPr>
-          <p:cNvPr id="16" name="TextBox 15"/>
-          <p:cNvSpPr txBox="1"/>
-          <p:nvPr/>
-        </p:nvSpPr>
-        <p:spPr>
-          <a:xfrm>
-            <a:off x="6500192" y="2755085"/>
-            <a:ext cx="1656184" cy="646331"/>
-          </a:xfrm>
-          <a:prstGeom prst="rect">
-            <a:avLst/>
-          </a:prstGeom>
-        </p:spPr>
-        <p:style>
-          <a:lnRef idx="2">
-            <a:schemeClr val="accent6"/>
-          </a:lnRef>
-          <a:fillRef idx="1">
-            <a:schemeClr val="lt1"/>
-          </a:fillRef>
-          <a:effectRef idx="0">
-            <a:schemeClr val="accent6"/>
-          </a:effectRef>
-          <a:fontRef idx="minor">
-            <a:schemeClr val="dk1"/>
-          </a:fontRef>
-        </p:style>
-        <p:txBody>
-          <a:bodyPr wrap="square" rtlCol="0">
-            <a:spAutoFit/>
-          </a:bodyPr>
-          <a:lstStyle/>
-          <a:p>
-            <a:pPr algn="ctr"/>
-            <a:r>
-              <a:rPr lang="en-US" dirty="0" smtClean="0"/>
-              <a:t>Three-Tier Architecture</a:t>
-            </a:r>
-            <a:endParaRPr lang="en-US" dirty="0"/>
-          </a:p>
-        </p:txBody>
-      </p:sp>
-      <p:sp>
-        <p:nvSpPr>
-          <p:cNvPr id="19" name="TextBox 18"/>
-          <p:cNvSpPr txBox="1"/>
-          <p:nvPr/>
-        </p:nvSpPr>
-        <p:spPr>
-          <a:xfrm>
-            <a:off x="2627784" y="4437112"/>
-            <a:ext cx="1296144" cy="369332"/>
-          </a:xfrm>
-          <a:prstGeom prst="rect">
-            <a:avLst/>
-          </a:prstGeom>
-        </p:spPr>
-        <p:style>
-          <a:lnRef idx="2">
-            <a:schemeClr val="accent6"/>
-          </a:lnRef>
-          <a:fillRef idx="1">
-            <a:schemeClr val="lt1"/>
-          </a:fillRef>
-          <a:effectRef idx="0">
-            <a:schemeClr val="accent6"/>
-          </a:effectRef>
-          <a:fontRef idx="minor">
-            <a:schemeClr val="dk1"/>
-          </a:fontRef>
-        </p:style>
-        <p:txBody>
-          <a:bodyPr wrap="square" rtlCol="0">
-            <a:spAutoFit/>
-          </a:bodyPr>
-          <a:lstStyle/>
-          <a:p>
-            <a:pPr algn="ctr"/>
-            <a:r>
-              <a:rPr lang="en-US" dirty="0" smtClean="0"/>
-              <a:t>Thin Client</a:t>
-            </a:r>
-            <a:endParaRPr lang="en-US" dirty="0"/>
-          </a:p>
-        </p:txBody>
-      </p:sp>
-      <p:sp>
-        <p:nvSpPr>
-          <p:cNvPr id="20" name="TextBox 19"/>
-          <p:cNvSpPr txBox="1"/>
-          <p:nvPr/>
-        </p:nvSpPr>
-        <p:spPr>
-          <a:xfrm>
-            <a:off x="5004048" y="4437112"/>
-            <a:ext cx="1296144" cy="369332"/>
-          </a:xfrm>
-          <a:prstGeom prst="rect">
-            <a:avLst/>
-          </a:prstGeom>
-        </p:spPr>
-        <p:style>
-          <a:lnRef idx="2">
-            <a:schemeClr val="accent6"/>
-          </a:lnRef>
-          <a:fillRef idx="1">
-            <a:schemeClr val="lt1"/>
-          </a:fillRef>
-          <a:effectRef idx="0">
-            <a:schemeClr val="accent6"/>
-          </a:effectRef>
-          <a:fontRef idx="minor">
-            <a:schemeClr val="dk1"/>
-          </a:fontRef>
-        </p:style>
-        <p:txBody>
-          <a:bodyPr wrap="square" rtlCol="0">
-            <a:spAutoFit/>
-          </a:bodyPr>
-          <a:lstStyle/>
-          <a:p>
-            <a:pPr algn="ctr"/>
-            <a:r>
-              <a:rPr lang="en-US" dirty="0" smtClean="0"/>
-              <a:t>Rich Client</a:t>
-            </a:r>
-            <a:endParaRPr lang="en-US" dirty="0"/>
-          </a:p>
-        </p:txBody>
-      </p:sp>
-      <p:sp>
-        <p:nvSpPr>
-          <p:cNvPr id="21" name="TextBox 20"/>
-          <p:cNvSpPr txBox="1"/>
-          <p:nvPr/>
-        </p:nvSpPr>
-        <p:spPr>
-          <a:xfrm>
-            <a:off x="3557410" y="1556791"/>
-            <a:ext cx="2031458" cy="430887"/>
-          </a:xfrm>
-          <a:prstGeom prst="rect">
-            <a:avLst/>
-          </a:prstGeom>
-          <a:noFill/>
-        </p:spPr>
-        <p:txBody>
-          <a:bodyPr wrap="square" rtlCol="0">
-            <a:spAutoFit/>
-          </a:bodyPr>
-          <a:lstStyle/>
-          <a:p>
-            <a:pPr algn="ctr"/>
-            <a:r>
-              <a:rPr lang="en-US" sz="2200" dirty="0" smtClean="0">
-                <a:latin typeface="Aharoni" pitchFamily="2" charset="-79"/>
-                <a:cs typeface="Aharoni" pitchFamily="2" charset="-79"/>
-              </a:rPr>
-              <a:t>Architecture</a:t>
-            </a:r>
-            <a:endParaRPr lang="en-US" sz="2200" dirty="0">
-              <a:latin typeface="Aharoni" pitchFamily="2" charset="-79"/>
-              <a:cs typeface="Aharoni" pitchFamily="2" charset="-79"/>
-            </a:endParaRPr>
-          </a:p>
-        </p:txBody>
-      </p:sp>
-      <p:cxnSp>
-        <p:nvCxnSpPr>
-          <p:cNvPr id="7" name="Straight Arrow Connector 6"/>
-          <p:cNvCxnSpPr>
-            <a:stCxn id="21" idx="2"/>
-            <a:endCxn id="2" idx="0"/>
-          </p:cNvCxnSpPr>
-          <p:nvPr/>
-        </p:nvCxnSpPr>
-        <p:spPr>
-          <a:xfrm flipH="1">
-            <a:off x="1691680" y="1987678"/>
-            <a:ext cx="2881459" cy="912862"/>
-          </a:xfrm>
-          <a:prstGeom prst="straightConnector1">
-            <a:avLst/>
-          </a:prstGeom>
-          <a:ln w="28575">
-            <a:tailEnd type="arrow"/>
-          </a:ln>
-        </p:spPr>
-        <p:style>
-          <a:lnRef idx="3">
-            <a:schemeClr val="accent6"/>
-          </a:lnRef>
-          <a:fillRef idx="0">
+          <a:fillRef idx="3">
             <a:schemeClr val="accent6"/>
           </a:fillRef>
           <a:effectRef idx="2">
             <a:schemeClr val="accent6"/>
           </a:effectRef>
           <a:fontRef idx="minor">
-            <a:schemeClr val="tx1"/>
+            <a:schemeClr val="lt1"/>
           </a:fontRef>
         </p:style>
-      </p:cxnSp>
-      <p:cxnSp>
-        <p:nvCxnSpPr>
-          <p:cNvPr id="22" name="Straight Arrow Connector 21"/>
-          <p:cNvCxnSpPr>
-            <a:stCxn id="21" idx="2"/>
-            <a:endCxn id="15" idx="0"/>
-          </p:cNvCxnSpPr>
+        <p:txBody>
+          <a:bodyPr rtlCol="0" anchor="ctr"/>
+          <a:lstStyle/>
+          <a:p>
+            <a:pPr algn="ctr"/>
+            <a:endParaRPr lang="en-US">
+              <a:solidFill>
+                <a:schemeClr val="tx1"/>
+              </a:solidFill>
+            </a:endParaRPr>
+          </a:p>
+        </p:txBody>
+      </p:sp>
+      <p:sp>
+        <p:nvSpPr>
+          <p:cNvPr id="6" name="Chevron 5"/>
+          <p:cNvSpPr/>
           <p:nvPr/>
-        </p:nvCxnSpPr>
+        </p:nvSpPr>
         <p:spPr>
-          <a:xfrm flipH="1">
-            <a:off x="4572746" y="1987678"/>
-            <a:ext cx="393" cy="905907"/>
-          </a:xfrm>
-          <a:prstGeom prst="straightConnector1">
+          <a:xfrm>
+            <a:off x="1057990" y="2080590"/>
+            <a:ext cx="152400" cy="191037"/>
+          </a:xfrm>
+          <a:prstGeom prst="chevron">
             <a:avLst/>
           </a:prstGeom>
-          <a:ln w="28575">
-            <a:tailEnd type="arrow"/>
-          </a:ln>
         </p:spPr>
         <p:style>
-          <a:lnRef idx="3">
+          <a:lnRef idx="1">
             <a:schemeClr val="accent6"/>
           </a:lnRef>
-          <a:fillRef idx="0">
+          <a:fillRef idx="3">
             <a:schemeClr val="accent6"/>
           </a:fillRef>
           <a:effectRef idx="2">
             <a:schemeClr val="accent6"/>
           </a:effectRef>
           <a:fontRef idx="minor">
-            <a:schemeClr val="tx1"/>
+            <a:schemeClr val="lt1"/>
           </a:fontRef>
         </p:style>
-      </p:cxnSp>
-      <p:cxnSp>
-        <p:nvCxnSpPr>
-          <p:cNvPr id="23" name="Straight Arrow Connector 22"/>
-          <p:cNvCxnSpPr>
-            <a:stCxn id="21" idx="2"/>
-            <a:endCxn id="16" idx="0"/>
-          </p:cNvCxnSpPr>
+        <p:txBody>
+          <a:bodyPr rtlCol="0" anchor="ctr"/>
+          <a:lstStyle/>
+          <a:p>
+            <a:pPr algn="ctr"/>
+            <a:endParaRPr lang="en-US">
+              <a:solidFill>
+                <a:schemeClr val="tx1"/>
+              </a:solidFill>
+            </a:endParaRPr>
+          </a:p>
+        </p:txBody>
+      </p:sp>
+      <p:sp>
+        <p:nvSpPr>
+          <p:cNvPr id="7" name="Chevron 6"/>
+          <p:cNvSpPr/>
           <p:nvPr/>
-        </p:nvCxnSpPr>
+        </p:nvSpPr>
         <p:spPr>
           <a:xfrm>
-            <a:off x="4573139" y="1987678"/>
-            <a:ext cx="2755145" cy="767407"/>
-          </a:xfrm>
-          <a:prstGeom prst="straightConnector1">
+            <a:off x="1057990" y="2590800"/>
+            <a:ext cx="152400" cy="191037"/>
+          </a:xfrm>
+          <a:prstGeom prst="chevron">
             <a:avLst/>
           </a:prstGeom>
-          <a:ln w="28575">
-            <a:tailEnd type="arrow"/>
-          </a:ln>
         </p:spPr>
         <p:style>
-          <a:lnRef idx="3">
+          <a:lnRef idx="1">
             <a:schemeClr val="accent6"/>
           </a:lnRef>
-          <a:fillRef idx="0">
+          <a:fillRef idx="3">
             <a:schemeClr val="accent6"/>
           </a:fillRef>
           <a:effectRef idx="2">
             <a:schemeClr val="accent6"/>
           </a:effectRef>
           <a:fontRef idx="minor">
-            <a:schemeClr val="tx1"/>
+            <a:schemeClr val="lt1"/>
           </a:fontRef>
         </p:style>
-      </p:cxnSp>
-      <p:cxnSp>
-        <p:nvCxnSpPr>
-          <p:cNvPr id="26" name="Straight Arrow Connector 25"/>
-          <p:cNvCxnSpPr>
-            <a:stCxn id="15" idx="2"/>
-            <a:endCxn id="19" idx="0"/>
-          </p:cNvCxnSpPr>
+        <p:txBody>
+          <a:bodyPr rtlCol="0" anchor="ctr"/>
+          <a:lstStyle/>
+          <a:p>
+            <a:pPr algn="ctr"/>
+            <a:endParaRPr lang="en-US">
+              <a:solidFill>
+                <a:schemeClr val="tx1"/>
+              </a:solidFill>
+            </a:endParaRPr>
+          </a:p>
+        </p:txBody>
+      </p:sp>
+      <p:sp>
+        <p:nvSpPr>
+          <p:cNvPr id="8" name="Chevron 7"/>
+          <p:cNvSpPr/>
           <p:nvPr/>
-        </p:nvCxnSpPr>
+        </p:nvSpPr>
         <p:spPr>
-          <a:xfrm flipH="1">
-            <a:off x="3275856" y="3262917"/>
-            <a:ext cx="1296890" cy="1174195"/>
-          </a:xfrm>
-          <a:prstGeom prst="straightConnector1">
+          <a:xfrm>
+            <a:off x="1057794" y="3124200"/>
+            <a:ext cx="152400" cy="191037"/>
+          </a:xfrm>
+          <a:prstGeom prst="chevron">
             <a:avLst/>
           </a:prstGeom>
-          <a:ln w="28575">
-            <a:tailEnd type="arrow"/>
-          </a:ln>
         </p:spPr>
         <p:style>
-          <a:lnRef idx="3">
+          <a:lnRef idx="1">
             <a:schemeClr val="accent6"/>
           </a:lnRef>
-          <a:fillRef idx="0">
+          <a:fillRef idx="3">
             <a:schemeClr val="accent6"/>
           </a:fillRef>
           <a:effectRef idx="2">
             <a:schemeClr val="accent6"/>
           </a:effectRef>
           <a:fontRef idx="minor">
-            <a:schemeClr val="tx1"/>
+            <a:schemeClr val="lt1"/>
           </a:fontRef>
         </p:style>
-      </p:cxnSp>
-      <p:cxnSp>
-        <p:nvCxnSpPr>
-          <p:cNvPr id="29" name="Straight Arrow Connector 28"/>
-          <p:cNvCxnSpPr>
-            <a:stCxn id="15" idx="2"/>
-            <a:endCxn id="20" idx="0"/>
-          </p:cNvCxnSpPr>
+        <p:txBody>
+          <a:bodyPr rtlCol="0" anchor="ctr"/>
+          <a:lstStyle/>
+          <a:p>
+            <a:pPr algn="ctr"/>
+            <a:endParaRPr lang="en-US">
+              <a:solidFill>
+                <a:schemeClr val="tx1"/>
+              </a:solidFill>
+            </a:endParaRPr>
+          </a:p>
+        </p:txBody>
+      </p:sp>
+      <p:sp>
+        <p:nvSpPr>
+          <p:cNvPr id="9" name="Chevron 8"/>
+          <p:cNvSpPr/>
           <p:nvPr/>
-        </p:nvCxnSpPr>
+        </p:nvSpPr>
         <p:spPr>
           <a:xfrm>
-            <a:off x="4572746" y="3262917"/>
-            <a:ext cx="1079374" cy="1174195"/>
-          </a:xfrm>
-          <a:prstGeom prst="straightConnector1">
+            <a:off x="1057794" y="3680128"/>
+            <a:ext cx="152400" cy="191037"/>
+          </a:xfrm>
+          <a:prstGeom prst="chevron">
             <a:avLst/>
           </a:prstGeom>
-          <a:ln w="28575">
-            <a:tailEnd type="arrow"/>
-          </a:ln>
         </p:spPr>
         <p:style>
-          <a:lnRef idx="3">
+          <a:lnRef idx="1">
             <a:schemeClr val="accent6"/>
           </a:lnRef>
-          <a:fillRef idx="0">
+          <a:fillRef idx="3">
             <a:schemeClr val="accent6"/>
           </a:fillRef>
           <a:effectRef idx="2">
             <a:schemeClr val="accent6"/>
           </a:effectRef>
           <a:fontRef idx="minor">
-            <a:schemeClr val="tx1"/>
+            <a:schemeClr val="lt1"/>
           </a:fontRef>
         </p:style>
-      </p:cxnSp>
+        <p:txBody>
+          <a:bodyPr rtlCol="0" anchor="ctr"/>
+          <a:lstStyle/>
+          <a:p>
+            <a:pPr algn="ctr"/>
+            <a:endParaRPr lang="en-US">
+              <a:solidFill>
+                <a:schemeClr val="tx1"/>
+              </a:solidFill>
+            </a:endParaRPr>
+          </a:p>
+        </p:txBody>
+      </p:sp>
+      <p:sp>
+        <p:nvSpPr>
+          <p:cNvPr id="10" name="Chevron 9"/>
+          <p:cNvSpPr/>
+          <p:nvPr/>
+        </p:nvSpPr>
+        <p:spPr>
+          <a:xfrm>
+            <a:off x="1057794" y="4158736"/>
+            <a:ext cx="152400" cy="191037"/>
+          </a:xfrm>
+          <a:prstGeom prst="chevron">
+            <a:avLst/>
+          </a:prstGeom>
+        </p:spPr>
+        <p:style>
+          <a:lnRef idx="1">
+            <a:schemeClr val="accent6"/>
+          </a:lnRef>
+          <a:fillRef idx="3">
+            <a:schemeClr val="accent6"/>
+          </a:fillRef>
+          <a:effectRef idx="2">
+            <a:schemeClr val="accent6"/>
+          </a:effectRef>
+          <a:fontRef idx="minor">
+            <a:schemeClr val="lt1"/>
+          </a:fontRef>
+        </p:style>
+        <p:txBody>
+          <a:bodyPr rtlCol="0" anchor="ctr"/>
+          <a:lstStyle/>
+          <a:p>
+            <a:pPr algn="ctr"/>
+            <a:endParaRPr lang="en-US">
+              <a:solidFill>
+                <a:schemeClr val="tx1"/>
+              </a:solidFill>
+            </a:endParaRPr>
+          </a:p>
+        </p:txBody>
+      </p:sp>
     </p:spTree>
     <p:extLst>
       <p:ext uri="{BB962C8B-B14F-4D97-AF65-F5344CB8AC3E}">
-        <p14:creationId xmlns:p14="http://schemas.microsoft.com/office/powerpoint/2010/main" val="4265619622"/>
+        <p14:creationId xmlns:p14="http://schemas.microsoft.com/office/powerpoint/2010/main" val="607297883"/>
       </p:ext>
     </p:extLst>
   </p:cSld>
   <p:clrMapOvr>
     <a:masterClrMapping/>
   </p:clrMapOvr>
+  <p:transition/>
   <p:timing>
     <p:tnLst>
       <p:par>
-        <p:cTn id="1" dur="indefinite" restart="never" nodeType="tmRoot"/>
+        <p:cTn id="1" dur="indefinite" restart="never" nodeType="tmRoot">
+          <p:childTnLst>
+            <p:seq concurrent="1" nextAc="seek">
+              <p:cTn id="2" dur="indefinite" nodeType="mainSeq">
+                <p:childTnLst>
+                  <p:par>
+                    <p:cTn id="3" fill="hold">
+                      <p:stCondLst>
+                        <p:cond delay="indefinite"/>
+                      </p:stCondLst>
+                      <p:childTnLst>
+                        <p:par>
+                          <p:cTn id="4" fill="hold">
+                            <p:stCondLst>
+                              <p:cond delay="0"/>
+                            </p:stCondLst>
+                            <p:childTnLst>
+                              <p:par>
+                                <p:cTn id="5" presetID="10" presetClass="entr" presetSubtype="0" fill="hold" grpId="0" nodeType="clickEffect">
+                                  <p:stCondLst>
+                                    <p:cond delay="0"/>
+                                  </p:stCondLst>
+                                  <p:childTnLst>
+                                    <p:set>
+                                      <p:cBhvr>
+                                        <p:cTn id="6" dur="1" fill="hold">
+                                          <p:stCondLst>
+                                            <p:cond delay="0"/>
+                                          </p:stCondLst>
+                                        </p:cTn>
+                                        <p:tgtEl>
+                                          <p:spTgt spid="11"/>
+                                        </p:tgtEl>
+                                        <p:attrNameLst>
+                                          <p:attrName>style.visibility</p:attrName>
+                                        </p:attrNameLst>
+                                      </p:cBhvr>
+                                      <p:to>
+                                        <p:strVal val="visible"/>
+                                      </p:to>
+                                    </p:set>
+                                    <p:animEffect transition="in" filter="fade">
+                                      <p:cBhvr>
+                                        <p:cTn id="7" dur="500"/>
+                                        <p:tgtEl>
+                                          <p:spTgt spid="11"/>
+                                        </p:tgtEl>
+                                      </p:cBhvr>
+                                    </p:animEffect>
+                                  </p:childTnLst>
+                                </p:cTn>
+                              </p:par>
+                              <p:par>
+                                <p:cTn id="8" presetID="10" presetClass="entr" presetSubtype="0" fill="hold" grpId="0" nodeType="withEffect">
+                                  <p:stCondLst>
+                                    <p:cond delay="0"/>
+                                  </p:stCondLst>
+                                  <p:childTnLst>
+                                    <p:set>
+                                      <p:cBhvr>
+                                        <p:cTn id="9" dur="1" fill="hold">
+                                          <p:stCondLst>
+                                            <p:cond delay="0"/>
+                                          </p:stCondLst>
+                                        </p:cTn>
+                                        <p:tgtEl>
+                                          <p:spTgt spid="5"/>
+                                        </p:tgtEl>
+                                        <p:attrNameLst>
+                                          <p:attrName>style.visibility</p:attrName>
+                                        </p:attrNameLst>
+                                      </p:cBhvr>
+                                      <p:to>
+                                        <p:strVal val="visible"/>
+                                      </p:to>
+                                    </p:set>
+                                    <p:animEffect transition="in" filter="fade">
+                                      <p:cBhvr>
+                                        <p:cTn id="10" dur="500"/>
+                                        <p:tgtEl>
+                                          <p:spTgt spid="5"/>
+                                        </p:tgtEl>
+                                      </p:cBhvr>
+                                    </p:animEffect>
+                                  </p:childTnLst>
+                                </p:cTn>
+                              </p:par>
+                              <p:par>
+                                <p:cTn id="11" presetID="10" presetClass="entr" presetSubtype="0" fill="hold" grpId="0" nodeType="withEffect">
+                                  <p:stCondLst>
+                                    <p:cond delay="0"/>
+                                  </p:stCondLst>
+                                  <p:childTnLst>
+                                    <p:set>
+                                      <p:cBhvr>
+                                        <p:cTn id="12" dur="1" fill="hold">
+                                          <p:stCondLst>
+                                            <p:cond delay="0"/>
+                                          </p:stCondLst>
+                                        </p:cTn>
+                                        <p:tgtEl>
+                                          <p:spTgt spid="6"/>
+                                        </p:tgtEl>
+                                        <p:attrNameLst>
+                                          <p:attrName>style.visibility</p:attrName>
+                                        </p:attrNameLst>
+                                      </p:cBhvr>
+                                      <p:to>
+                                        <p:strVal val="visible"/>
+                                      </p:to>
+                                    </p:set>
+                                    <p:animEffect transition="in" filter="fade">
+                                      <p:cBhvr>
+                                        <p:cTn id="13" dur="500"/>
+                                        <p:tgtEl>
+                                          <p:spTgt spid="6"/>
+                                        </p:tgtEl>
+                                      </p:cBhvr>
+                                    </p:animEffect>
+                                  </p:childTnLst>
+                                </p:cTn>
+                              </p:par>
+                              <p:par>
+                                <p:cTn id="14" presetID="10" presetClass="entr" presetSubtype="0" fill="hold" grpId="0" nodeType="withEffect">
+                                  <p:stCondLst>
+                                    <p:cond delay="0"/>
+                                  </p:stCondLst>
+                                  <p:childTnLst>
+                                    <p:set>
+                                      <p:cBhvr>
+                                        <p:cTn id="15" dur="1" fill="hold">
+                                          <p:stCondLst>
+                                            <p:cond delay="0"/>
+                                          </p:stCondLst>
+                                        </p:cTn>
+                                        <p:tgtEl>
+                                          <p:spTgt spid="7"/>
+                                        </p:tgtEl>
+                                        <p:attrNameLst>
+                                          <p:attrName>style.visibility</p:attrName>
+                                        </p:attrNameLst>
+                                      </p:cBhvr>
+                                      <p:to>
+                                        <p:strVal val="visible"/>
+                                      </p:to>
+                                    </p:set>
+                                    <p:animEffect transition="in" filter="fade">
+                                      <p:cBhvr>
+                                        <p:cTn id="16" dur="500"/>
+                                        <p:tgtEl>
+                                          <p:spTgt spid="7"/>
+                                        </p:tgtEl>
+                                      </p:cBhvr>
+                                    </p:animEffect>
+                                  </p:childTnLst>
+                                </p:cTn>
+                              </p:par>
+                              <p:par>
+                                <p:cTn id="17" presetID="10" presetClass="entr" presetSubtype="0" fill="hold" grpId="0" nodeType="withEffect">
+                                  <p:stCondLst>
+                                    <p:cond delay="0"/>
+                                  </p:stCondLst>
+                                  <p:childTnLst>
+                                    <p:set>
+                                      <p:cBhvr>
+                                        <p:cTn id="18" dur="1" fill="hold">
+                                          <p:stCondLst>
+                                            <p:cond delay="0"/>
+                                          </p:stCondLst>
+                                        </p:cTn>
+                                        <p:tgtEl>
+                                          <p:spTgt spid="8"/>
+                                        </p:tgtEl>
+                                        <p:attrNameLst>
+                                          <p:attrName>style.visibility</p:attrName>
+                                        </p:attrNameLst>
+                                      </p:cBhvr>
+                                      <p:to>
+                                        <p:strVal val="visible"/>
+                                      </p:to>
+                                    </p:set>
+                                    <p:animEffect transition="in" filter="fade">
+                                      <p:cBhvr>
+                                        <p:cTn id="19" dur="500"/>
+                                        <p:tgtEl>
+                                          <p:spTgt spid="8"/>
+                                        </p:tgtEl>
+                                      </p:cBhvr>
+                                    </p:animEffect>
+                                  </p:childTnLst>
+                                </p:cTn>
+                              </p:par>
+                              <p:par>
+                                <p:cTn id="20" presetID="10" presetClass="entr" presetSubtype="0" fill="hold" grpId="0" nodeType="withEffect">
+                                  <p:stCondLst>
+                                    <p:cond delay="0"/>
+                                  </p:stCondLst>
+                                  <p:childTnLst>
+                                    <p:set>
+                                      <p:cBhvr>
+                                        <p:cTn id="21" dur="1" fill="hold">
+                                          <p:stCondLst>
+                                            <p:cond delay="0"/>
+                                          </p:stCondLst>
+                                        </p:cTn>
+                                        <p:tgtEl>
+                                          <p:spTgt spid="9"/>
+                                        </p:tgtEl>
+                                        <p:attrNameLst>
+                                          <p:attrName>style.visibility</p:attrName>
+                                        </p:attrNameLst>
+                                      </p:cBhvr>
+                                      <p:to>
+                                        <p:strVal val="visible"/>
+                                      </p:to>
+                                    </p:set>
+                                    <p:animEffect transition="in" filter="fade">
+                                      <p:cBhvr>
+                                        <p:cTn id="22" dur="500"/>
+                                        <p:tgtEl>
+                                          <p:spTgt spid="9"/>
+                                        </p:tgtEl>
+                                      </p:cBhvr>
+                                    </p:animEffect>
+                                  </p:childTnLst>
+                                </p:cTn>
+                              </p:par>
+                              <p:par>
+                                <p:cTn id="23" presetID="10" presetClass="entr" presetSubtype="0" fill="hold" grpId="0" nodeType="withEffect">
+                                  <p:stCondLst>
+                                    <p:cond delay="0"/>
+                                  </p:stCondLst>
+                                  <p:childTnLst>
+                                    <p:set>
+                                      <p:cBhvr>
+                                        <p:cTn id="24" dur="1" fill="hold">
+                                          <p:stCondLst>
+                                            <p:cond delay="0"/>
+                                          </p:stCondLst>
+                                        </p:cTn>
+                                        <p:tgtEl>
+                                          <p:spTgt spid="10"/>
+                                        </p:tgtEl>
+                                        <p:attrNameLst>
+                                          <p:attrName>style.visibility</p:attrName>
+                                        </p:attrNameLst>
+                                      </p:cBhvr>
+                                      <p:to>
+                                        <p:strVal val="visible"/>
+                                      </p:to>
+                                    </p:set>
+                                    <p:animEffect transition="in" filter="fade">
+                                      <p:cBhvr>
+                                        <p:cTn id="25" dur="500"/>
+                                        <p:tgtEl>
+                                          <p:spTgt spid="10"/>
+                                        </p:tgtEl>
+                                      </p:cBhvr>
+                                    </p:animEffect>
+                                  </p:childTnLst>
+                                </p:cTn>
+                              </p:par>
+                            </p:childTnLst>
+                          </p:cTn>
+                        </p:par>
+                      </p:childTnLst>
+                    </p:cTn>
+                  </p:par>
+                </p:childTnLst>
+              </p:cTn>
+              <p:prevCondLst>
+                <p:cond evt="onPrev" delay="0">
+                  <p:tgtEl>
+                    <p:sldTgt/>
+                  </p:tgtEl>
+                </p:cond>
+              </p:prevCondLst>
+              <p:nextCondLst>
+                <p:cond evt="onNext" delay="0">
+                  <p:tgtEl>
+                    <p:sldTgt/>
+                  </p:tgtEl>
+                </p:cond>
+              </p:nextCondLst>
+            </p:seq>
+          </p:childTnLst>
+        </p:cTn>
       </p:par>
     </p:tnLst>
+    <p:bldLst>
+      <p:bldP spid="11" grpId="0"/>
+      <p:bldP spid="5" grpId="0" animBg="1"/>
+      <p:bldP spid="6" grpId="0" animBg="1"/>
+      <p:bldP spid="7" grpId="0" animBg="1"/>
+      <p:bldP spid="8" grpId="0" animBg="1"/>
+      <p:bldP spid="9" grpId="0" animBg="1"/>
+      <p:bldP spid="10" grpId="0" animBg="1"/>
+    </p:bldLst>
   </p:timing>
 </p:sld>
 </file>
@@ -12054,7 +14693,7 @@
         <p:spPr>
           <a:xfrm>
             <a:off x="457200" y="533400"/>
-            <a:ext cx="6158032" cy="630942"/>
+            <a:ext cx="7931595" cy="630942"/>
           </a:xfrm>
           <a:prstGeom prst="rect">
             <a:avLst/>
@@ -12083,7 +14722,7 @@
                   </a:outerShdw>
                 </a:effectLst>
               </a:rPr>
-              <a:t>Software Architecture – One Tier</a:t>
+              <a:t>What kind of program types do you know?</a:t>
             </a:r>
             <a:endParaRPr lang="en-US" sz="3500" dirty="0">
               <a:solidFill>
@@ -12103,86 +14742,839 @@
           </a:p>
         </p:txBody>
       </p:sp>
-      <p:pic>
-        <p:nvPicPr>
-          <p:cNvPr id="14" name="Picture 2"/>
-          <p:cNvPicPr>
-            <a:picLocks noChangeAspect="1" noChangeArrowheads="1"/>
-          </p:cNvPicPr>
+      <p:sp>
+        <p:nvSpPr>
+          <p:cNvPr id="11" name="Content Placeholder 2"/>
+          <p:cNvSpPr txBox="1">
+            <a:spLocks/>
+          </p:cNvSpPr>
           <p:nvPr/>
-        </p:nvPicPr>
-        <p:blipFill>
-          <a:blip r:embed="rId2" cstate="print">
-            <a:extLst>
-              <a:ext uri="{28A0092B-C50C-407E-A947-70E740481C1C}">
-                <a14:useLocalDpi xmlns:a14="http://schemas.microsoft.com/office/drawing/2010/main" val="0"/>
-              </a:ext>
-            </a:extLst>
-          </a:blip>
-          <a:srcRect/>
-          <a:stretch>
-            <a:fillRect/>
-          </a:stretch>
-        </p:blipFill>
-        <p:spPr bwMode="auto">
-          <a:xfrm>
-            <a:off x="3492500" y="2060848"/>
-            <a:ext cx="1590675" cy="2009775"/>
+        </p:nvSpPr>
+        <p:spPr>
+          <a:xfrm>
+            <a:off x="1205258" y="1268760"/>
+            <a:ext cx="6148056" cy="4176464"/>
           </a:xfrm>
           <a:prstGeom prst="rect">
             <a:avLst/>
           </a:prstGeom>
-          <a:noFill/>
-          <a:ln>
-            <a:noFill/>
-          </a:ln>
-          <a:effectLst/>
-          <a:extLst>
-            <a:ext uri="{909E8E84-426E-40DD-AFC4-6F175D3DCCD1}">
-              <a14:hiddenFill xmlns:a14="http://schemas.microsoft.com/office/drawing/2010/main">
-                <a:solidFill>
-                  <a:schemeClr val="accent1"/>
-                </a:solidFill>
-              </a14:hiddenFill>
-            </a:ext>
-            <a:ext uri="{91240B29-F687-4F45-9708-019B960494DF}">
-              <a14:hiddenLine xmlns:a14="http://schemas.microsoft.com/office/drawing/2010/main" w="9525">
-                <a:solidFill>
-                  <a:schemeClr val="tx1"/>
-                </a:solidFill>
-                <a:miter lim="800000"/>
-                <a:headEnd/>
-                <a:tailEnd/>
-              </a14:hiddenLine>
-            </a:ext>
-            <a:ext uri="{AF507438-7753-43E0-B8FC-AC1667EBCBE1}">
-              <a14:hiddenEffects xmlns:a14="http://schemas.microsoft.com/office/drawing/2010/main">
-                <a:effectLst>
-                  <a:outerShdw dist="35921" dir="2700000" algn="ctr" rotWithShape="0">
-                    <a:schemeClr val="bg2"/>
-                  </a:outerShdw>
-                </a:effectLst>
-              </a14:hiddenEffects>
-            </a:ext>
-          </a:extLst>
-        </p:spPr>
-      </p:pic>
+        </p:spPr>
+        <p:txBody>
+          <a:bodyPr vert="horz" lIns="91440" tIns="45720" rIns="91440" bIns="45720" rtlCol="0">
+            <a:noAutofit/>
+          </a:bodyPr>
+          <a:lstStyle>
+            <a:lvl1pPr marL="0" indent="0" algn="ctr" defTabSz="914400" rtl="0" eaLnBrk="1" latinLnBrk="0" hangingPunct="1">
+              <a:spcBef>
+                <a:spcPct val="20000"/>
+              </a:spcBef>
+              <a:buFont typeface="Arial" pitchFamily="34" charset="0"/>
+              <a:buNone/>
+              <a:defRPr sz="3200" kern="1200">
+                <a:solidFill>
+                  <a:schemeClr val="tx1">
+                    <a:tint val="75000"/>
+                  </a:schemeClr>
+                </a:solidFill>
+                <a:latin typeface="+mn-lt"/>
+                <a:ea typeface="+mn-ea"/>
+                <a:cs typeface="+mn-cs"/>
+              </a:defRPr>
+            </a:lvl1pPr>
+            <a:lvl2pPr marL="457200" indent="0" algn="ctr" defTabSz="914400" rtl="0" eaLnBrk="1" latinLnBrk="0" hangingPunct="1">
+              <a:spcBef>
+                <a:spcPct val="20000"/>
+              </a:spcBef>
+              <a:buFont typeface="Arial" pitchFamily="34" charset="0"/>
+              <a:buNone/>
+              <a:defRPr sz="2800" kern="1200">
+                <a:solidFill>
+                  <a:schemeClr val="tx1">
+                    <a:tint val="75000"/>
+                  </a:schemeClr>
+                </a:solidFill>
+                <a:latin typeface="+mn-lt"/>
+                <a:ea typeface="+mn-ea"/>
+                <a:cs typeface="+mn-cs"/>
+              </a:defRPr>
+            </a:lvl2pPr>
+            <a:lvl3pPr marL="914400" indent="0" algn="ctr" defTabSz="914400" rtl="0" eaLnBrk="1" latinLnBrk="0" hangingPunct="1">
+              <a:spcBef>
+                <a:spcPct val="20000"/>
+              </a:spcBef>
+              <a:buFont typeface="Arial" pitchFamily="34" charset="0"/>
+              <a:buNone/>
+              <a:defRPr sz="2400" kern="1200">
+                <a:solidFill>
+                  <a:schemeClr val="tx1">
+                    <a:tint val="75000"/>
+                  </a:schemeClr>
+                </a:solidFill>
+                <a:latin typeface="+mn-lt"/>
+                <a:ea typeface="+mn-ea"/>
+                <a:cs typeface="+mn-cs"/>
+              </a:defRPr>
+            </a:lvl3pPr>
+            <a:lvl4pPr marL="1371600" indent="0" algn="ctr" defTabSz="914400" rtl="0" eaLnBrk="1" latinLnBrk="0" hangingPunct="1">
+              <a:spcBef>
+                <a:spcPct val="20000"/>
+              </a:spcBef>
+              <a:buFont typeface="Arial" pitchFamily="34" charset="0"/>
+              <a:buNone/>
+              <a:defRPr sz="2000" kern="1200">
+                <a:solidFill>
+                  <a:schemeClr val="tx1">
+                    <a:tint val="75000"/>
+                  </a:schemeClr>
+                </a:solidFill>
+                <a:latin typeface="+mn-lt"/>
+                <a:ea typeface="+mn-ea"/>
+                <a:cs typeface="+mn-cs"/>
+              </a:defRPr>
+            </a:lvl4pPr>
+            <a:lvl5pPr marL="1828800" indent="0" algn="ctr" defTabSz="914400" rtl="0" eaLnBrk="1" latinLnBrk="0" hangingPunct="1">
+              <a:spcBef>
+                <a:spcPct val="20000"/>
+              </a:spcBef>
+              <a:buFont typeface="Arial" pitchFamily="34" charset="0"/>
+              <a:buNone/>
+              <a:defRPr sz="2000" kern="1200">
+                <a:solidFill>
+                  <a:schemeClr val="tx1">
+                    <a:tint val="75000"/>
+                  </a:schemeClr>
+                </a:solidFill>
+                <a:latin typeface="+mn-lt"/>
+                <a:ea typeface="+mn-ea"/>
+                <a:cs typeface="+mn-cs"/>
+              </a:defRPr>
+            </a:lvl5pPr>
+            <a:lvl6pPr marL="2286000" indent="0" algn="ctr" defTabSz="914400" rtl="0" eaLnBrk="1" latinLnBrk="0" hangingPunct="1">
+              <a:spcBef>
+                <a:spcPct val="20000"/>
+              </a:spcBef>
+              <a:buFont typeface="Arial" pitchFamily="34" charset="0"/>
+              <a:buNone/>
+              <a:defRPr sz="2000" kern="1200">
+                <a:solidFill>
+                  <a:schemeClr val="tx1">
+                    <a:tint val="75000"/>
+                  </a:schemeClr>
+                </a:solidFill>
+                <a:latin typeface="+mn-lt"/>
+                <a:ea typeface="+mn-ea"/>
+                <a:cs typeface="+mn-cs"/>
+              </a:defRPr>
+            </a:lvl6pPr>
+            <a:lvl7pPr marL="2743200" indent="0" algn="ctr" defTabSz="914400" rtl="0" eaLnBrk="1" latinLnBrk="0" hangingPunct="1">
+              <a:spcBef>
+                <a:spcPct val="20000"/>
+              </a:spcBef>
+              <a:buFont typeface="Arial" pitchFamily="34" charset="0"/>
+              <a:buNone/>
+              <a:defRPr sz="2000" kern="1200">
+                <a:solidFill>
+                  <a:schemeClr val="tx1">
+                    <a:tint val="75000"/>
+                  </a:schemeClr>
+                </a:solidFill>
+                <a:latin typeface="+mn-lt"/>
+                <a:ea typeface="+mn-ea"/>
+                <a:cs typeface="+mn-cs"/>
+              </a:defRPr>
+            </a:lvl7pPr>
+            <a:lvl8pPr marL="3200400" indent="0" algn="ctr" defTabSz="914400" rtl="0" eaLnBrk="1" latinLnBrk="0" hangingPunct="1">
+              <a:spcBef>
+                <a:spcPct val="20000"/>
+              </a:spcBef>
+              <a:buFont typeface="Arial" pitchFamily="34" charset="0"/>
+              <a:buNone/>
+              <a:defRPr sz="2000" kern="1200">
+                <a:solidFill>
+                  <a:schemeClr val="tx1">
+                    <a:tint val="75000"/>
+                  </a:schemeClr>
+                </a:solidFill>
+                <a:latin typeface="+mn-lt"/>
+                <a:ea typeface="+mn-ea"/>
+                <a:cs typeface="+mn-cs"/>
+              </a:defRPr>
+            </a:lvl8pPr>
+            <a:lvl9pPr marL="3657600" indent="0" algn="ctr" defTabSz="914400" rtl="0" eaLnBrk="1" latinLnBrk="0" hangingPunct="1">
+              <a:spcBef>
+                <a:spcPct val="20000"/>
+              </a:spcBef>
+              <a:buFont typeface="Arial" pitchFamily="34" charset="0"/>
+              <a:buNone/>
+              <a:defRPr sz="2000" kern="1200">
+                <a:solidFill>
+                  <a:schemeClr val="tx1">
+                    <a:tint val="75000"/>
+                  </a:schemeClr>
+                </a:solidFill>
+                <a:latin typeface="+mn-lt"/>
+                <a:ea typeface="+mn-ea"/>
+                <a:cs typeface="+mn-cs"/>
+              </a:defRPr>
+            </a:lvl9pPr>
+          </a:lstStyle>
+          <a:p>
+            <a:pPr algn="l">
+              <a:lnSpc>
+                <a:spcPct val="150000"/>
+              </a:lnSpc>
+            </a:pPr>
+            <a:r>
+              <a:rPr lang="en-US" dirty="0" smtClean="0">
+                <a:solidFill>
+                  <a:schemeClr val="tx1">
+                    <a:lumMod val="95000"/>
+                    <a:lumOff val="5000"/>
+                  </a:schemeClr>
+                </a:solidFill>
+              </a:rPr>
+              <a:t>Desktop </a:t>
+            </a:r>
+            <a:r>
+              <a:rPr lang="en-US" dirty="0" smtClean="0">
+                <a:solidFill>
+                  <a:schemeClr val="tx1">
+                    <a:lumMod val="95000"/>
+                    <a:lumOff val="5000"/>
+                  </a:schemeClr>
+                </a:solidFill>
+              </a:rPr>
+              <a:t>/ </a:t>
+            </a:r>
+            <a:r>
+              <a:rPr lang="en-US" dirty="0">
+                <a:solidFill>
+                  <a:schemeClr val="tx1">
+                    <a:lumMod val="95000"/>
+                    <a:lumOff val="5000"/>
+                  </a:schemeClr>
+                </a:solidFill>
+              </a:rPr>
+              <a:t>Mobile </a:t>
+            </a:r>
+            <a:r>
+              <a:rPr lang="en-US" dirty="0" smtClean="0">
+                <a:solidFill>
+                  <a:schemeClr val="tx1">
+                    <a:lumMod val="95000"/>
+                    <a:lumOff val="5000"/>
+                  </a:schemeClr>
+                </a:solidFill>
+              </a:rPr>
+              <a:t>application</a:t>
+            </a:r>
+            <a:endParaRPr lang="en-US" dirty="0" smtClean="0">
+              <a:solidFill>
+                <a:schemeClr val="tx1">
+                  <a:lumMod val="95000"/>
+                  <a:lumOff val="5000"/>
+                </a:schemeClr>
+              </a:solidFill>
+            </a:endParaRPr>
+          </a:p>
+          <a:p>
+            <a:pPr algn="l">
+              <a:lnSpc>
+                <a:spcPct val="150000"/>
+              </a:lnSpc>
+            </a:pPr>
+            <a:r>
+              <a:rPr lang="en-US" dirty="0" smtClean="0">
+                <a:solidFill>
+                  <a:schemeClr val="tx1">
+                    <a:lumMod val="95000"/>
+                    <a:lumOff val="5000"/>
+                  </a:schemeClr>
+                </a:solidFill>
+              </a:rPr>
+              <a:t>	Console </a:t>
+            </a:r>
+            <a:r>
+              <a:rPr lang="en-US" dirty="0" smtClean="0">
+                <a:solidFill>
+                  <a:schemeClr val="tx1">
+                    <a:lumMod val="95000"/>
+                    <a:lumOff val="5000"/>
+                  </a:schemeClr>
+                </a:solidFill>
+              </a:rPr>
+              <a:t>application</a:t>
+            </a:r>
+            <a:endParaRPr lang="ru-RU" dirty="0" smtClean="0">
+              <a:solidFill>
+                <a:schemeClr val="tx1">
+                  <a:lumMod val="95000"/>
+                  <a:lumOff val="5000"/>
+                </a:schemeClr>
+              </a:solidFill>
+            </a:endParaRPr>
+          </a:p>
+          <a:p>
+            <a:pPr algn="l">
+              <a:lnSpc>
+                <a:spcPct val="150000"/>
+              </a:lnSpc>
+            </a:pPr>
+            <a:r>
+              <a:rPr lang="en-US" dirty="0" smtClean="0">
+                <a:solidFill>
+                  <a:schemeClr val="tx1">
+                    <a:lumMod val="95000"/>
+                    <a:lumOff val="5000"/>
+                  </a:schemeClr>
+                </a:solidFill>
+              </a:rPr>
+              <a:t>	GUI </a:t>
+            </a:r>
+            <a:r>
+              <a:rPr lang="en-US" dirty="0" smtClean="0">
+                <a:solidFill>
+                  <a:schemeClr val="tx1">
+                    <a:lumMod val="95000"/>
+                    <a:lumOff val="5000"/>
+                  </a:schemeClr>
+                </a:solidFill>
+              </a:rPr>
+              <a:t>(Window) application</a:t>
+            </a:r>
+          </a:p>
+          <a:p>
+            <a:pPr algn="l">
+              <a:lnSpc>
+                <a:spcPct val="150000"/>
+              </a:lnSpc>
+            </a:pPr>
+            <a:r>
+              <a:rPr lang="en-US" dirty="0" smtClean="0">
+                <a:solidFill>
+                  <a:schemeClr val="tx1">
+                    <a:lumMod val="95000"/>
+                    <a:lumOff val="5000"/>
+                  </a:schemeClr>
+                </a:solidFill>
+              </a:rPr>
+              <a:t>	Web application</a:t>
+            </a:r>
+          </a:p>
+          <a:p>
+            <a:pPr algn="l">
+              <a:lnSpc>
+                <a:spcPct val="150000"/>
+              </a:lnSpc>
+            </a:pPr>
+            <a:r>
+              <a:rPr lang="en-US" dirty="0" smtClean="0">
+                <a:solidFill>
+                  <a:schemeClr val="tx1">
+                    <a:lumMod val="95000"/>
+                    <a:lumOff val="5000"/>
+                  </a:schemeClr>
+                </a:solidFill>
+              </a:rPr>
+              <a:t>Service application</a:t>
+            </a:r>
+            <a:endParaRPr lang="ru-RU" dirty="0" smtClean="0">
+              <a:solidFill>
+                <a:schemeClr val="tx1">
+                  <a:lumMod val="95000"/>
+                  <a:lumOff val="5000"/>
+                </a:schemeClr>
+              </a:solidFill>
+            </a:endParaRPr>
+          </a:p>
+        </p:txBody>
+      </p:sp>
+      <p:sp>
+        <p:nvSpPr>
+          <p:cNvPr id="5" name="Chevron 4"/>
+          <p:cNvSpPr/>
+          <p:nvPr/>
+        </p:nvSpPr>
+        <p:spPr>
+          <a:xfrm>
+            <a:off x="1052858" y="1647850"/>
+            <a:ext cx="152400" cy="191037"/>
+          </a:xfrm>
+          <a:prstGeom prst="chevron">
+            <a:avLst/>
+          </a:prstGeom>
+        </p:spPr>
+        <p:style>
+          <a:lnRef idx="1">
+            <a:schemeClr val="accent6"/>
+          </a:lnRef>
+          <a:fillRef idx="3">
+            <a:schemeClr val="accent6"/>
+          </a:fillRef>
+          <a:effectRef idx="2">
+            <a:schemeClr val="accent6"/>
+          </a:effectRef>
+          <a:fontRef idx="minor">
+            <a:schemeClr val="lt1"/>
+          </a:fontRef>
+        </p:style>
+        <p:txBody>
+          <a:bodyPr rtlCol="0" anchor="ctr"/>
+          <a:lstStyle/>
+          <a:p>
+            <a:pPr algn="ctr"/>
+            <a:endParaRPr lang="en-US">
+              <a:solidFill>
+                <a:schemeClr val="tx1"/>
+              </a:solidFill>
+            </a:endParaRPr>
+          </a:p>
+        </p:txBody>
+      </p:sp>
+      <p:sp>
+        <p:nvSpPr>
+          <p:cNvPr id="7" name="Chevron 6"/>
+          <p:cNvSpPr/>
+          <p:nvPr/>
+        </p:nvSpPr>
+        <p:spPr>
+          <a:xfrm>
+            <a:off x="1827312" y="2486025"/>
+            <a:ext cx="152400" cy="191037"/>
+          </a:xfrm>
+          <a:prstGeom prst="chevron">
+            <a:avLst/>
+          </a:prstGeom>
+        </p:spPr>
+        <p:style>
+          <a:lnRef idx="1">
+            <a:schemeClr val="accent6"/>
+          </a:lnRef>
+          <a:fillRef idx="3">
+            <a:schemeClr val="accent6"/>
+          </a:fillRef>
+          <a:effectRef idx="2">
+            <a:schemeClr val="accent6"/>
+          </a:effectRef>
+          <a:fontRef idx="minor">
+            <a:schemeClr val="lt1"/>
+          </a:fontRef>
+        </p:style>
+        <p:txBody>
+          <a:bodyPr rtlCol="0" anchor="ctr"/>
+          <a:lstStyle/>
+          <a:p>
+            <a:pPr algn="ctr"/>
+            <a:endParaRPr lang="en-US">
+              <a:solidFill>
+                <a:schemeClr val="tx1"/>
+              </a:solidFill>
+            </a:endParaRPr>
+          </a:p>
+        </p:txBody>
+      </p:sp>
+      <p:sp>
+        <p:nvSpPr>
+          <p:cNvPr id="9" name="Chevron 8"/>
+          <p:cNvSpPr/>
+          <p:nvPr/>
+        </p:nvSpPr>
+        <p:spPr>
+          <a:xfrm>
+            <a:off x="1827116" y="3322022"/>
+            <a:ext cx="152400" cy="191037"/>
+          </a:xfrm>
+          <a:prstGeom prst="chevron">
+            <a:avLst/>
+          </a:prstGeom>
+        </p:spPr>
+        <p:style>
+          <a:lnRef idx="1">
+            <a:schemeClr val="accent6"/>
+          </a:lnRef>
+          <a:fillRef idx="3">
+            <a:schemeClr val="accent6"/>
+          </a:fillRef>
+          <a:effectRef idx="2">
+            <a:schemeClr val="accent6"/>
+          </a:effectRef>
+          <a:fontRef idx="minor">
+            <a:schemeClr val="lt1"/>
+          </a:fontRef>
+        </p:style>
+        <p:txBody>
+          <a:bodyPr rtlCol="0" anchor="ctr"/>
+          <a:lstStyle/>
+          <a:p>
+            <a:pPr algn="ctr"/>
+            <a:endParaRPr lang="en-US">
+              <a:solidFill>
+                <a:schemeClr val="tx1"/>
+              </a:solidFill>
+            </a:endParaRPr>
+          </a:p>
+        </p:txBody>
+      </p:sp>
+      <p:sp>
+        <p:nvSpPr>
+          <p:cNvPr id="10" name="Chevron 9"/>
+          <p:cNvSpPr/>
+          <p:nvPr/>
+        </p:nvSpPr>
+        <p:spPr>
+          <a:xfrm>
+            <a:off x="1827116" y="4139686"/>
+            <a:ext cx="152400" cy="191037"/>
+          </a:xfrm>
+          <a:prstGeom prst="chevron">
+            <a:avLst/>
+          </a:prstGeom>
+        </p:spPr>
+        <p:style>
+          <a:lnRef idx="1">
+            <a:schemeClr val="accent6"/>
+          </a:lnRef>
+          <a:fillRef idx="3">
+            <a:schemeClr val="accent6"/>
+          </a:fillRef>
+          <a:effectRef idx="2">
+            <a:schemeClr val="accent6"/>
+          </a:effectRef>
+          <a:fontRef idx="minor">
+            <a:schemeClr val="lt1"/>
+          </a:fontRef>
+        </p:style>
+        <p:txBody>
+          <a:bodyPr rtlCol="0" anchor="ctr"/>
+          <a:lstStyle/>
+          <a:p>
+            <a:pPr algn="ctr"/>
+            <a:endParaRPr lang="en-US">
+              <a:solidFill>
+                <a:schemeClr val="tx1"/>
+              </a:solidFill>
+            </a:endParaRPr>
+          </a:p>
+        </p:txBody>
+      </p:sp>
+      <p:sp>
+        <p:nvSpPr>
+          <p:cNvPr id="12" name="Chevron 11"/>
+          <p:cNvSpPr/>
+          <p:nvPr/>
+        </p:nvSpPr>
+        <p:spPr>
+          <a:xfrm>
+            <a:off x="1057794" y="4958298"/>
+            <a:ext cx="152400" cy="191037"/>
+          </a:xfrm>
+          <a:prstGeom prst="chevron">
+            <a:avLst/>
+          </a:prstGeom>
+        </p:spPr>
+        <p:style>
+          <a:lnRef idx="1">
+            <a:schemeClr val="accent6"/>
+          </a:lnRef>
+          <a:fillRef idx="3">
+            <a:schemeClr val="accent6"/>
+          </a:fillRef>
+          <a:effectRef idx="2">
+            <a:schemeClr val="accent6"/>
+          </a:effectRef>
+          <a:fontRef idx="minor">
+            <a:schemeClr val="lt1"/>
+          </a:fontRef>
+        </p:style>
+        <p:txBody>
+          <a:bodyPr rtlCol="0" anchor="ctr"/>
+          <a:lstStyle/>
+          <a:p>
+            <a:pPr algn="ctr"/>
+            <a:endParaRPr lang="en-US">
+              <a:solidFill>
+                <a:schemeClr val="tx1"/>
+              </a:solidFill>
+            </a:endParaRPr>
+          </a:p>
+        </p:txBody>
+      </p:sp>
     </p:spTree>
     <p:extLst>
       <p:ext uri="{BB962C8B-B14F-4D97-AF65-F5344CB8AC3E}">
-        <p14:creationId xmlns:p14="http://schemas.microsoft.com/office/powerpoint/2010/main" val="2008221659"/>
+        <p14:creationId xmlns:p14="http://schemas.microsoft.com/office/powerpoint/2010/main" val="1578457037"/>
       </p:ext>
     </p:extLst>
   </p:cSld>
   <p:clrMapOvr>
     <a:masterClrMapping/>
   </p:clrMapOvr>
+  <p:transition/>
   <p:timing>
     <p:tnLst>
       <p:par>
-        <p:cTn id="1" dur="indefinite" restart="never" nodeType="tmRoot"/>
+        <p:cTn id="1" dur="indefinite" restart="never" nodeType="tmRoot">
+          <p:childTnLst>
+            <p:seq concurrent="1" nextAc="seek">
+              <p:cTn id="2" dur="indefinite" nodeType="mainSeq">
+                <p:childTnLst>
+                  <p:par>
+                    <p:cTn id="3" fill="hold">
+                      <p:stCondLst>
+                        <p:cond delay="indefinite"/>
+                      </p:stCondLst>
+                      <p:childTnLst>
+                        <p:par>
+                          <p:cTn id="4" fill="hold">
+                            <p:stCondLst>
+                              <p:cond delay="0"/>
+                            </p:stCondLst>
+                            <p:childTnLst>
+                              <p:par>
+                                <p:cTn id="5" presetID="10" presetClass="entr" presetSubtype="0" fill="hold" grpId="0" nodeType="clickEffect">
+                                  <p:stCondLst>
+                                    <p:cond delay="0"/>
+                                  </p:stCondLst>
+                                  <p:childTnLst>
+                                    <p:set>
+                                      <p:cBhvr>
+                                        <p:cTn id="6" dur="1" fill="hold">
+                                          <p:stCondLst>
+                                            <p:cond delay="0"/>
+                                          </p:stCondLst>
+                                        </p:cTn>
+                                        <p:tgtEl>
+                                          <p:spTgt spid="5"/>
+                                        </p:tgtEl>
+                                        <p:attrNameLst>
+                                          <p:attrName>style.visibility</p:attrName>
+                                        </p:attrNameLst>
+                                      </p:cBhvr>
+                                      <p:to>
+                                        <p:strVal val="visible"/>
+                                      </p:to>
+                                    </p:set>
+                                    <p:animEffect transition="in" filter="fade">
+                                      <p:cBhvr>
+                                        <p:cTn id="7" dur="500"/>
+                                        <p:tgtEl>
+                                          <p:spTgt spid="5"/>
+                                        </p:tgtEl>
+                                      </p:cBhvr>
+                                    </p:animEffect>
+                                  </p:childTnLst>
+                                </p:cTn>
+                              </p:par>
+                              <p:par>
+                                <p:cTn id="8" presetID="10" presetClass="entr" presetSubtype="0" fill="hold" grpId="0" nodeType="withEffect">
+                                  <p:stCondLst>
+                                    <p:cond delay="0"/>
+                                  </p:stCondLst>
+                                  <p:childTnLst>
+                                    <p:set>
+                                      <p:cBhvr>
+                                        <p:cTn id="9" dur="1" fill="hold">
+                                          <p:stCondLst>
+                                            <p:cond delay="0"/>
+                                          </p:stCondLst>
+                                        </p:cTn>
+                                        <p:tgtEl>
+                                          <p:spTgt spid="7"/>
+                                        </p:tgtEl>
+                                        <p:attrNameLst>
+                                          <p:attrName>style.visibility</p:attrName>
+                                        </p:attrNameLst>
+                                      </p:cBhvr>
+                                      <p:to>
+                                        <p:strVal val="visible"/>
+                                      </p:to>
+                                    </p:set>
+                                    <p:animEffect transition="in" filter="fade">
+                                      <p:cBhvr>
+                                        <p:cTn id="10" dur="500"/>
+                                        <p:tgtEl>
+                                          <p:spTgt spid="7"/>
+                                        </p:tgtEl>
+                                      </p:cBhvr>
+                                    </p:animEffect>
+                                  </p:childTnLst>
+                                </p:cTn>
+                              </p:par>
+                              <p:par>
+                                <p:cTn id="11" presetID="10" presetClass="entr" presetSubtype="0" fill="hold" grpId="0" nodeType="withEffect">
+                                  <p:stCondLst>
+                                    <p:cond delay="0"/>
+                                  </p:stCondLst>
+                                  <p:childTnLst>
+                                    <p:set>
+                                      <p:cBhvr>
+                                        <p:cTn id="12" dur="1" fill="hold">
+                                          <p:stCondLst>
+                                            <p:cond delay="0"/>
+                                          </p:stCondLst>
+                                        </p:cTn>
+                                        <p:tgtEl>
+                                          <p:spTgt spid="9"/>
+                                        </p:tgtEl>
+                                        <p:attrNameLst>
+                                          <p:attrName>style.visibility</p:attrName>
+                                        </p:attrNameLst>
+                                      </p:cBhvr>
+                                      <p:to>
+                                        <p:strVal val="visible"/>
+                                      </p:to>
+                                    </p:set>
+                                    <p:animEffect transition="in" filter="fade">
+                                      <p:cBhvr>
+                                        <p:cTn id="13" dur="500"/>
+                                        <p:tgtEl>
+                                          <p:spTgt spid="9"/>
+                                        </p:tgtEl>
+                                      </p:cBhvr>
+                                    </p:animEffect>
+                                  </p:childTnLst>
+                                </p:cTn>
+                              </p:par>
+                              <p:par>
+                                <p:cTn id="14" presetID="10" presetClass="entr" presetSubtype="0" fill="hold" grpId="0" nodeType="withEffect">
+                                  <p:stCondLst>
+                                    <p:cond delay="0"/>
+                                  </p:stCondLst>
+                                  <p:childTnLst>
+                                    <p:set>
+                                      <p:cBhvr>
+                                        <p:cTn id="15" dur="1" fill="hold">
+                                          <p:stCondLst>
+                                            <p:cond delay="0"/>
+                                          </p:stCondLst>
+                                        </p:cTn>
+                                        <p:tgtEl>
+                                          <p:spTgt spid="10"/>
+                                        </p:tgtEl>
+                                        <p:attrNameLst>
+                                          <p:attrName>style.visibility</p:attrName>
+                                        </p:attrNameLst>
+                                      </p:cBhvr>
+                                      <p:to>
+                                        <p:strVal val="visible"/>
+                                      </p:to>
+                                    </p:set>
+                                    <p:animEffect transition="in" filter="fade">
+                                      <p:cBhvr>
+                                        <p:cTn id="16" dur="500"/>
+                                        <p:tgtEl>
+                                          <p:spTgt spid="10"/>
+                                        </p:tgtEl>
+                                      </p:cBhvr>
+                                    </p:animEffect>
+                                  </p:childTnLst>
+                                </p:cTn>
+                              </p:par>
+                              <p:par>
+                                <p:cTn id="17" presetID="10" presetClass="entr" presetSubtype="0" fill="hold" grpId="0" nodeType="withEffect">
+                                  <p:stCondLst>
+                                    <p:cond delay="0"/>
+                                  </p:stCondLst>
+                                  <p:childTnLst>
+                                    <p:set>
+                                      <p:cBhvr>
+                                        <p:cTn id="18" dur="1" fill="hold">
+                                          <p:stCondLst>
+                                            <p:cond delay="0"/>
+                                          </p:stCondLst>
+                                        </p:cTn>
+                                        <p:tgtEl>
+                                          <p:spTgt spid="12"/>
+                                        </p:tgtEl>
+                                        <p:attrNameLst>
+                                          <p:attrName>style.visibility</p:attrName>
+                                        </p:attrNameLst>
+                                      </p:cBhvr>
+                                      <p:to>
+                                        <p:strVal val="visible"/>
+                                      </p:to>
+                                    </p:set>
+                                    <p:animEffect transition="in" filter="fade">
+                                      <p:cBhvr>
+                                        <p:cTn id="19" dur="500"/>
+                                        <p:tgtEl>
+                                          <p:spTgt spid="12"/>
+                                        </p:tgtEl>
+                                      </p:cBhvr>
+                                    </p:animEffect>
+                                  </p:childTnLst>
+                                </p:cTn>
+                              </p:par>
+                              <p:par>
+                                <p:cTn id="20" presetID="10" presetClass="entr" presetSubtype="0" fill="hold" grpId="0" nodeType="withEffect">
+                                  <p:stCondLst>
+                                    <p:cond delay="0"/>
+                                  </p:stCondLst>
+                                  <p:childTnLst>
+                                    <p:set>
+                                      <p:cBhvr>
+                                        <p:cTn id="21" dur="1" fill="hold">
+                                          <p:stCondLst>
+                                            <p:cond delay="0"/>
+                                          </p:stCondLst>
+                                        </p:cTn>
+                                        <p:tgtEl>
+                                          <p:spTgt spid="11"/>
+                                        </p:tgtEl>
+                                        <p:attrNameLst>
+                                          <p:attrName>style.visibility</p:attrName>
+                                        </p:attrNameLst>
+                                      </p:cBhvr>
+                                      <p:to>
+                                        <p:strVal val="visible"/>
+                                      </p:to>
+                                    </p:set>
+                                    <p:animEffect transition="in" filter="fade">
+                                      <p:cBhvr>
+                                        <p:cTn id="22" dur="500"/>
+                                        <p:tgtEl>
+                                          <p:spTgt spid="11"/>
+                                        </p:tgtEl>
+                                      </p:cBhvr>
+                                    </p:animEffect>
+                                  </p:childTnLst>
+                                </p:cTn>
+                              </p:par>
+                            </p:childTnLst>
+                          </p:cTn>
+                        </p:par>
+                      </p:childTnLst>
+                    </p:cTn>
+                  </p:par>
+                </p:childTnLst>
+              </p:cTn>
+              <p:prevCondLst>
+                <p:cond evt="onPrev" delay="0">
+                  <p:tgtEl>
+                    <p:sldTgt/>
+                  </p:tgtEl>
+                </p:cond>
+              </p:prevCondLst>
+              <p:nextCondLst>
+                <p:cond evt="onNext" delay="0">
+                  <p:tgtEl>
+                    <p:sldTgt/>
+                  </p:tgtEl>
+                </p:cond>
+              </p:nextCondLst>
+            </p:seq>
+          </p:childTnLst>
+        </p:cTn>
       </p:par>
     </p:tnLst>
+    <p:bldLst>
+      <p:bldP spid="11" grpId="0"/>
+      <p:bldP spid="5" grpId="0" animBg="1"/>
+      <p:bldP spid="7" grpId="0" animBg="1"/>
+      <p:bldP spid="9" grpId="0" animBg="1"/>
+      <p:bldP spid="10" grpId="0" animBg="1"/>
+      <p:bldP spid="12" grpId="0" animBg="1"/>
+    </p:bldLst>
   </p:timing>
 </p:sld>
 </file>
@@ -12204,6 +15596,30 @@
           <a:chExt cx="0" cy="0"/>
         </a:xfrm>
       </p:grpSpPr>
+      <p:pic>
+        <p:nvPicPr>
+          <p:cNvPr id="3" name="Picture 2"/>
+          <p:cNvPicPr>
+            <a:picLocks noChangeAspect="1"/>
+          </p:cNvPicPr>
+          <p:nvPr/>
+        </p:nvPicPr>
+        <p:blipFill>
+          <a:blip r:embed="rId2"/>
+          <a:stretch>
+            <a:fillRect/>
+          </a:stretch>
+        </p:blipFill>
+        <p:spPr>
+          <a:xfrm>
+            <a:off x="395536" y="1294512"/>
+            <a:ext cx="5755928" cy="4078704"/>
+          </a:xfrm>
+          <a:prstGeom prst="rect">
+            <a:avLst/>
+          </a:prstGeom>
+        </p:spPr>
+      </p:pic>
       <p:sp>
         <p:nvSpPr>
           <p:cNvPr id="4" name="TextBox 3"/>
@@ -12213,7 +15629,7 @@
         <p:spPr>
           <a:xfrm>
             <a:off x="457200" y="533400"/>
-            <a:ext cx="6155852" cy="630942"/>
+            <a:ext cx="7931595" cy="630942"/>
           </a:xfrm>
           <a:prstGeom prst="rect">
             <a:avLst/>
@@ -12242,7 +15658,7 @@
                   </a:outerShdw>
                 </a:effectLst>
               </a:rPr>
-              <a:t>Software Architecture – Two Tier</a:t>
+              <a:t>What kind of program types do you know?</a:t>
             </a:r>
             <a:endParaRPr lang="en-US" sz="3500" dirty="0">
               <a:solidFill>
@@ -12264,142 +15680,39 @@
       </p:sp>
       <p:pic>
         <p:nvPicPr>
-          <p:cNvPr id="5" name="Picture 3"/>
+          <p:cNvPr id="2" name="Picture 1"/>
           <p:cNvPicPr>
-            <a:picLocks noChangeAspect="1" noChangeArrowheads="1"/>
+            <a:picLocks noChangeAspect="1"/>
           </p:cNvPicPr>
           <p:nvPr/>
         </p:nvPicPr>
         <p:blipFill>
-          <a:blip r:embed="rId2" cstate="print">
-            <a:extLst>
-              <a:ext uri="{28A0092B-C50C-407E-A947-70E740481C1C}">
-                <a14:useLocalDpi xmlns:a14="http://schemas.microsoft.com/office/drawing/2010/main" val="0"/>
-              </a:ext>
-            </a:extLst>
-          </a:blip>
-          <a:srcRect/>
+          <a:blip r:embed="rId3"/>
           <a:stretch>
             <a:fillRect/>
           </a:stretch>
         </p:blipFill>
-        <p:spPr bwMode="auto">
-          <a:xfrm>
-            <a:off x="3059113" y="1412875"/>
-            <a:ext cx="2905125" cy="2028825"/>
+        <p:spPr>
+          <a:xfrm>
+            <a:off x="3208386" y="3670594"/>
+            <a:ext cx="3883894" cy="2500214"/>
           </a:xfrm>
           <a:prstGeom prst="rect">
             <a:avLst/>
           </a:prstGeom>
-          <a:noFill/>
-          <a:ln>
-            <a:noFill/>
-          </a:ln>
-          <a:effectLst/>
-          <a:extLst>
-            <a:ext uri="{909E8E84-426E-40DD-AFC4-6F175D3DCCD1}">
-              <a14:hiddenFill xmlns:a14="http://schemas.microsoft.com/office/drawing/2010/main">
-                <a:solidFill>
-                  <a:schemeClr val="accent1"/>
-                </a:solidFill>
-              </a14:hiddenFill>
-            </a:ext>
-            <a:ext uri="{91240B29-F687-4F45-9708-019B960494DF}">
-              <a14:hiddenLine xmlns:a14="http://schemas.microsoft.com/office/drawing/2010/main" w="9525">
-                <a:solidFill>
-                  <a:schemeClr val="tx1"/>
-                </a:solidFill>
-                <a:miter lim="800000"/>
-                <a:headEnd/>
-                <a:tailEnd/>
-              </a14:hiddenLine>
-            </a:ext>
-            <a:ext uri="{AF507438-7753-43E0-B8FC-AC1667EBCBE1}">
-              <a14:hiddenEffects xmlns:a14="http://schemas.microsoft.com/office/drawing/2010/main">
-                <a:effectLst>
-                  <a:outerShdw dist="35921" dir="2700000" algn="ctr" rotWithShape="0">
-                    <a:schemeClr val="bg2"/>
-                  </a:outerShdw>
-                </a:effectLst>
-              </a14:hiddenEffects>
-            </a:ext>
-          </a:extLst>
-        </p:spPr>
-      </p:pic>
-      <p:pic>
-        <p:nvPicPr>
-          <p:cNvPr id="6" name="Picture 4"/>
-          <p:cNvPicPr>
-            <a:picLocks noChangeAspect="1" noChangeArrowheads="1"/>
-          </p:cNvPicPr>
-          <p:nvPr/>
-        </p:nvPicPr>
-        <p:blipFill>
-          <a:blip r:embed="rId3" cstate="print">
-            <a:extLst>
-              <a:ext uri="{28A0092B-C50C-407E-A947-70E740481C1C}">
-                <a14:useLocalDpi xmlns:a14="http://schemas.microsoft.com/office/drawing/2010/main" val="0"/>
-              </a:ext>
-            </a:extLst>
-          </a:blip>
-          <a:srcRect/>
-          <a:stretch>
-            <a:fillRect/>
-          </a:stretch>
-        </p:blipFill>
-        <p:spPr bwMode="auto">
-          <a:xfrm>
-            <a:off x="3038475" y="3789363"/>
-            <a:ext cx="2809875" cy="2038350"/>
-          </a:xfrm>
-          <a:prstGeom prst="rect">
-            <a:avLst/>
-          </a:prstGeom>
-          <a:noFill/>
-          <a:ln>
-            <a:noFill/>
-          </a:ln>
-          <a:effectLst/>
-          <a:extLst>
-            <a:ext uri="{909E8E84-426E-40DD-AFC4-6F175D3DCCD1}">
-              <a14:hiddenFill xmlns:a14="http://schemas.microsoft.com/office/drawing/2010/main">
-                <a:solidFill>
-                  <a:schemeClr val="accent1"/>
-                </a:solidFill>
-              </a14:hiddenFill>
-            </a:ext>
-            <a:ext uri="{91240B29-F687-4F45-9708-019B960494DF}">
-              <a14:hiddenLine xmlns:a14="http://schemas.microsoft.com/office/drawing/2010/main" w="9525">
-                <a:solidFill>
-                  <a:schemeClr val="tx1"/>
-                </a:solidFill>
-                <a:miter lim="800000"/>
-                <a:headEnd/>
-                <a:tailEnd/>
-              </a14:hiddenLine>
-            </a:ext>
-            <a:ext uri="{AF507438-7753-43E0-B8FC-AC1667EBCBE1}">
-              <a14:hiddenEffects xmlns:a14="http://schemas.microsoft.com/office/drawing/2010/main">
-                <a:effectLst>
-                  <a:outerShdw dist="35921" dir="2700000" algn="ctr" rotWithShape="0">
-                    <a:schemeClr val="bg2"/>
-                  </a:outerShdw>
-                </a:effectLst>
-              </a14:hiddenEffects>
-            </a:ext>
-          </a:extLst>
         </p:spPr>
       </p:pic>
     </p:spTree>
     <p:extLst>
       <p:ext uri="{BB962C8B-B14F-4D97-AF65-F5344CB8AC3E}">
-        <p14:creationId xmlns:p14="http://schemas.microsoft.com/office/powerpoint/2010/main" val="2829754604"/>
+        <p14:creationId xmlns:p14="http://schemas.microsoft.com/office/powerpoint/2010/main" val="3685982304"/>
       </p:ext>
     </p:extLst>
   </p:cSld>
   <p:clrMapOvr>
     <a:masterClrMapping/>
   </p:clrMapOvr>
+  <p:transition/>
   <p:timing>
     <p:tnLst>
       <p:par>
@@ -12436,7 +15749,7 @@
         <p:spPr>
           <a:xfrm>
             <a:off x="457200" y="533400"/>
-            <a:ext cx="6453498" cy="630942"/>
+            <a:ext cx="7931595" cy="630942"/>
           </a:xfrm>
           <a:prstGeom prst="rect">
             <a:avLst/>
@@ -12465,7 +15778,7 @@
                   </a:outerShdw>
                 </a:effectLst>
               </a:rPr>
-              <a:t>Software Architecture – Three Tier</a:t>
+              <a:t>What kind of program types do you know?</a:t>
             </a:r>
             <a:endParaRPr lang="en-US" sz="3500" dirty="0">
               <a:solidFill>
@@ -12489,76 +15802,37 @@
         <p:nvPicPr>
           <p:cNvPr id="5" name="Picture 4"/>
           <p:cNvPicPr>
-            <a:picLocks noChangeAspect="1" noChangeArrowheads="1"/>
+            <a:picLocks noChangeAspect="1"/>
           </p:cNvPicPr>
           <p:nvPr/>
         </p:nvPicPr>
         <p:blipFill>
-          <a:blip r:embed="rId2" cstate="print">
-            <a:extLst>
-              <a:ext uri="{28A0092B-C50C-407E-A947-70E740481C1C}">
-                <a14:useLocalDpi xmlns:a14="http://schemas.microsoft.com/office/drawing/2010/main" val="0"/>
-              </a:ext>
-            </a:extLst>
-          </a:blip>
-          <a:srcRect/>
+          <a:blip r:embed="rId2"/>
           <a:stretch>
             <a:fillRect/>
           </a:stretch>
         </p:blipFill>
-        <p:spPr bwMode="auto">
-          <a:xfrm>
-            <a:off x="1835150" y="2132856"/>
-            <a:ext cx="5210175" cy="2047875"/>
+        <p:spPr>
+          <a:xfrm>
+            <a:off x="1517872" y="1628800"/>
+            <a:ext cx="5810250" cy="4010025"/>
           </a:xfrm>
           <a:prstGeom prst="rect">
             <a:avLst/>
           </a:prstGeom>
-          <a:noFill/>
-          <a:ln>
-            <a:noFill/>
-          </a:ln>
-          <a:effectLst/>
-          <a:extLst>
-            <a:ext uri="{909E8E84-426E-40DD-AFC4-6F175D3DCCD1}">
-              <a14:hiddenFill xmlns:a14="http://schemas.microsoft.com/office/drawing/2010/main">
-                <a:solidFill>
-                  <a:schemeClr val="accent1"/>
-                </a:solidFill>
-              </a14:hiddenFill>
-            </a:ext>
-            <a:ext uri="{91240B29-F687-4F45-9708-019B960494DF}">
-              <a14:hiddenLine xmlns:a14="http://schemas.microsoft.com/office/drawing/2010/main" w="9525">
-                <a:solidFill>
-                  <a:schemeClr val="tx1"/>
-                </a:solidFill>
-                <a:miter lim="800000"/>
-                <a:headEnd/>
-                <a:tailEnd/>
-              </a14:hiddenLine>
-            </a:ext>
-            <a:ext uri="{AF507438-7753-43E0-B8FC-AC1667EBCBE1}">
-              <a14:hiddenEffects xmlns:a14="http://schemas.microsoft.com/office/drawing/2010/main">
-                <a:effectLst>
-                  <a:outerShdw dist="35921" dir="2700000" algn="ctr" rotWithShape="0">
-                    <a:schemeClr val="bg2"/>
-                  </a:outerShdw>
-                </a:effectLst>
-              </a14:hiddenEffects>
-            </a:ext>
-          </a:extLst>
         </p:spPr>
       </p:pic>
     </p:spTree>
     <p:extLst>
       <p:ext uri="{BB962C8B-B14F-4D97-AF65-F5344CB8AC3E}">
-        <p14:creationId xmlns:p14="http://schemas.microsoft.com/office/powerpoint/2010/main" val="2829754604"/>
+        <p14:creationId xmlns:p14="http://schemas.microsoft.com/office/powerpoint/2010/main" val="1217245984"/>
       </p:ext>
     </p:extLst>
   </p:cSld>
   <p:clrMapOvr>
     <a:masterClrMapping/>
   </p:clrMapOvr>
+  <p:transition/>
   <p:timing>
     <p:tnLst>
       <p:par>

--- a/1.Introduction_part2/Introduction.pptx
+++ b/1.Introduction_part2/Introduction.pptx
@@ -229,7 +229,7 @@
           <a:p>
             <a:fld id="{7FCDCAFE-ED6D-40DE-BB2A-6C2FAE0E1B23}" type="datetimeFigureOut">
               <a:rPr lang="en-US" smtClean="0"/>
-              <a:t>1/25/2013</a:t>
+              <a:t>3/22/2013</a:t>
             </a:fld>
             <a:endParaRPr lang="en-US"/>
           </a:p>
@@ -679,7 +679,7 @@
             <a:fld id="{1D8BD707-D9CF-40AE-B4C6-C98DA3205C09}" type="datetimeFigureOut">
               <a:rPr lang="en-US" smtClean="0"/>
               <a:pPr/>
-              <a:t>1/25/2013</a:t>
+              <a:t>3/22/2013</a:t>
             </a:fld>
             <a:endParaRPr lang="en-US"/>
           </a:p>
@@ -846,7 +846,7 @@
             <a:fld id="{1D8BD707-D9CF-40AE-B4C6-C98DA3205C09}" type="datetimeFigureOut">
               <a:rPr lang="en-US" smtClean="0"/>
               <a:pPr/>
-              <a:t>1/25/2013</a:t>
+              <a:t>3/22/2013</a:t>
             </a:fld>
             <a:endParaRPr lang="en-US"/>
           </a:p>
@@ -1023,7 +1023,7 @@
             <a:fld id="{1D8BD707-D9CF-40AE-B4C6-C98DA3205C09}" type="datetimeFigureOut">
               <a:rPr lang="en-US" smtClean="0"/>
               <a:pPr/>
-              <a:t>1/25/2013</a:t>
+              <a:t>3/22/2013</a:t>
             </a:fld>
             <a:endParaRPr lang="en-US"/>
           </a:p>
@@ -1190,7 +1190,7 @@
             <a:fld id="{1D8BD707-D9CF-40AE-B4C6-C98DA3205C09}" type="datetimeFigureOut">
               <a:rPr lang="en-US" smtClean="0"/>
               <a:pPr/>
-              <a:t>1/25/2013</a:t>
+              <a:t>3/22/2013</a:t>
             </a:fld>
             <a:endParaRPr lang="en-US"/>
           </a:p>
@@ -1433,7 +1433,7 @@
             <a:fld id="{1D8BD707-D9CF-40AE-B4C6-C98DA3205C09}" type="datetimeFigureOut">
               <a:rPr lang="en-US" smtClean="0"/>
               <a:pPr/>
-              <a:t>1/25/2013</a:t>
+              <a:t>3/22/2013</a:t>
             </a:fld>
             <a:endParaRPr lang="en-US"/>
           </a:p>
@@ -1718,7 +1718,7 @@
             <a:fld id="{1D8BD707-D9CF-40AE-B4C6-C98DA3205C09}" type="datetimeFigureOut">
               <a:rPr lang="en-US" smtClean="0"/>
               <a:pPr/>
-              <a:t>1/25/2013</a:t>
+              <a:t>3/22/2013</a:t>
             </a:fld>
             <a:endParaRPr lang="en-US"/>
           </a:p>
@@ -2137,7 +2137,7 @@
             <a:fld id="{1D8BD707-D9CF-40AE-B4C6-C98DA3205C09}" type="datetimeFigureOut">
               <a:rPr lang="en-US" smtClean="0"/>
               <a:pPr/>
-              <a:t>1/25/2013</a:t>
+              <a:t>3/22/2013</a:t>
             </a:fld>
             <a:endParaRPr lang="en-US"/>
           </a:p>
@@ -2252,7 +2252,7 @@
             <a:fld id="{1D8BD707-D9CF-40AE-B4C6-C98DA3205C09}" type="datetimeFigureOut">
               <a:rPr lang="en-US" smtClean="0"/>
               <a:pPr/>
-              <a:t>1/25/2013</a:t>
+              <a:t>3/22/2013</a:t>
             </a:fld>
             <a:endParaRPr lang="en-US"/>
           </a:p>
@@ -2344,7 +2344,7 @@
             <a:fld id="{1D8BD707-D9CF-40AE-B4C6-C98DA3205C09}" type="datetimeFigureOut">
               <a:rPr lang="en-US" smtClean="0"/>
               <a:pPr/>
-              <a:t>1/25/2013</a:t>
+              <a:t>3/22/2013</a:t>
             </a:fld>
             <a:endParaRPr lang="en-US"/>
           </a:p>
@@ -2618,7 +2618,7 @@
             <a:fld id="{1D8BD707-D9CF-40AE-B4C6-C98DA3205C09}" type="datetimeFigureOut">
               <a:rPr lang="en-US" smtClean="0"/>
               <a:pPr/>
-              <a:t>1/25/2013</a:t>
+              <a:t>3/22/2013</a:t>
             </a:fld>
             <a:endParaRPr lang="en-US"/>
           </a:p>
@@ -2868,7 +2868,7 @@
             <a:fld id="{1D8BD707-D9CF-40AE-B4C6-C98DA3205C09}" type="datetimeFigureOut">
               <a:rPr lang="en-US" smtClean="0"/>
               <a:pPr/>
-              <a:t>1/25/2013</a:t>
+              <a:t>3/22/2013</a:t>
             </a:fld>
             <a:endParaRPr lang="en-US"/>
           </a:p>
@@ -3087,7 +3087,7 @@
             <a:fld id="{1D8BD707-D9CF-40AE-B4C6-C98DA3205C09}" type="datetimeFigureOut">
               <a:rPr lang="en-US" smtClean="0"/>
               <a:pPr/>
-              <a:t>1/25/2013</a:t>
+              <a:t>3/22/2013</a:t>
             </a:fld>
             <a:endParaRPr lang="en-US"/>
           </a:p>
@@ -3621,7 +3621,7 @@
         <p:spPr>
           <a:xfrm>
             <a:off x="457200" y="533400"/>
-            <a:ext cx="7931595" cy="630942"/>
+            <a:ext cx="6621300" cy="630942"/>
           </a:xfrm>
           <a:prstGeom prst="rect">
             <a:avLst/>
@@ -3635,7 +3635,7 @@
           <a:lstStyle/>
           <a:p>
             <a:r>
-              <a:rPr lang="en-US" sz="3500" dirty="0" smtClean="0">
+              <a:rPr lang="ru-RU" sz="3500" dirty="0">
                 <a:solidFill>
                   <a:schemeClr val="tx1">
                     <a:lumMod val="65000"/>
@@ -3650,7 +3650,25 @@
                   </a:outerShdw>
                 </a:effectLst>
               </a:rPr>
-              <a:t>What kind of program types do you know?</a:t>
+              <a:t>Какие виды программ вы знаете</a:t>
+            </a:r>
+            <a:r>
+              <a:rPr lang="en-US" sz="3500" dirty="0">
+                <a:solidFill>
+                  <a:schemeClr val="tx1">
+                    <a:lumMod val="65000"/>
+                    <a:lumOff val="35000"/>
+                  </a:schemeClr>
+                </a:solidFill>
+                <a:effectLst>
+                  <a:outerShdw blurRad="38100" dist="38100" dir="2700000" algn="tl">
+                    <a:srgbClr val="000000">
+                      <a:alpha val="43137"/>
+                    </a:srgbClr>
+                  </a:outerShdw>
+                </a:effectLst>
+              </a:rPr>
+              <a:t>?</a:t>
             </a:r>
             <a:endParaRPr lang="en-US" sz="3500" dirty="0">
               <a:solidFill>
@@ -3741,7 +3759,7 @@
         <p:spPr>
           <a:xfrm>
             <a:off x="457200" y="533400"/>
-            <a:ext cx="7543412" cy="630942"/>
+            <a:ext cx="7533794" cy="630942"/>
           </a:xfrm>
           <a:prstGeom prst="rect">
             <a:avLst/>
@@ -3755,7 +3773,7 @@
           <a:lstStyle/>
           <a:p>
             <a:r>
-              <a:rPr lang="en-US" sz="3500" dirty="0" smtClean="0">
+              <a:rPr lang="ru-RU" sz="3500" dirty="0" smtClean="0">
                 <a:solidFill>
                   <a:schemeClr val="tx1">
                     <a:lumMod val="65000"/>
@@ -3770,10 +3788,10 @@
                   </a:outerShdw>
                 </a:effectLst>
               </a:rPr>
-              <a:t>What kind of </a:t>
-            </a:r>
-            <a:r>
-              <a:rPr lang="en-US" sz="3500" dirty="0" smtClean="0">
+              <a:t>Какие </a:t>
+            </a:r>
+            <a:r>
+              <a:rPr lang="ru-RU" sz="3500" dirty="0" smtClean="0">
                 <a:solidFill>
                   <a:schemeClr val="tx1">
                     <a:lumMod val="65000"/>
@@ -3788,7 +3806,7 @@
                   </a:outerShdw>
                 </a:effectLst>
               </a:rPr>
-              <a:t>GUI controls </a:t>
+              <a:t>есть </a:t>
             </a:r>
             <a:r>
               <a:rPr lang="en-US" sz="3500" dirty="0" smtClean="0">
@@ -3806,7 +3824,43 @@
                   </a:outerShdw>
                 </a:effectLst>
               </a:rPr>
-              <a:t>do you know?</a:t>
+              <a:t>GUI </a:t>
+            </a:r>
+            <a:r>
+              <a:rPr lang="ru-RU" sz="3500" dirty="0" smtClean="0">
+                <a:solidFill>
+                  <a:schemeClr val="tx1">
+                    <a:lumMod val="65000"/>
+                    <a:lumOff val="35000"/>
+                  </a:schemeClr>
+                </a:solidFill>
+                <a:effectLst>
+                  <a:outerShdw blurRad="38100" dist="38100" dir="2700000" algn="tl">
+                    <a:srgbClr val="000000">
+                      <a:alpha val="43137"/>
+                    </a:srgbClr>
+                  </a:outerShdw>
+                </a:effectLst>
+              </a:rPr>
+              <a:t>элементы управления</a:t>
+            </a:r>
+            <a:r>
+              <a:rPr lang="en-US" sz="3500" dirty="0" smtClean="0">
+                <a:solidFill>
+                  <a:schemeClr val="tx1">
+                    <a:lumMod val="65000"/>
+                    <a:lumOff val="35000"/>
+                  </a:schemeClr>
+                </a:solidFill>
+                <a:effectLst>
+                  <a:outerShdw blurRad="38100" dist="38100" dir="2700000" algn="tl">
+                    <a:srgbClr val="000000">
+                      <a:alpha val="43137"/>
+                    </a:srgbClr>
+                  </a:outerShdw>
+                </a:effectLst>
+              </a:rPr>
+              <a:t>?</a:t>
             </a:r>
             <a:endParaRPr lang="en-US" sz="3500" dirty="0">
               <a:solidFill>
@@ -4932,7 +4986,7 @@
         <p:spPr>
           <a:xfrm>
             <a:off x="457200" y="533400"/>
-            <a:ext cx="4176721" cy="630942"/>
+            <a:ext cx="7998728" cy="630942"/>
           </a:xfrm>
           <a:prstGeom prst="rect">
             <a:avLst/>
@@ -4946,7 +5000,7 @@
           <a:lstStyle/>
           <a:p>
             <a:r>
-              <a:rPr lang="en-US" sz="3500" dirty="0" smtClean="0">
+              <a:rPr lang="ru-RU" sz="3500" dirty="0" smtClean="0">
                 <a:solidFill>
                   <a:schemeClr val="tx1">
                     <a:lumMod val="65000"/>
@@ -4961,7 +5015,7 @@
                   </a:outerShdw>
                 </a:effectLst>
               </a:rPr>
-              <a:t>Software Architecture</a:t>
+              <a:t>Архитектура программного обеспечения</a:t>
             </a:r>
             <a:endParaRPr lang="en-US" sz="3500" dirty="0">
               <a:solidFill>
@@ -5536,7 +5590,7 @@
         <p:spPr>
           <a:xfrm>
             <a:off x="457200" y="533400"/>
-            <a:ext cx="6158032" cy="630942"/>
+            <a:ext cx="7641836" cy="630942"/>
           </a:xfrm>
           <a:prstGeom prst="rect">
             <a:avLst/>
@@ -5565,7 +5619,25 @@
                   </a:outerShdw>
                 </a:effectLst>
               </a:rPr>
-              <a:t>Software Architecture – One Tier</a:t>
+              <a:t>Software Architecture – </a:t>
+            </a:r>
+            <a:r>
+              <a:rPr lang="ru-RU" sz="3500" dirty="0" smtClean="0">
+                <a:solidFill>
+                  <a:schemeClr val="tx1">
+                    <a:lumMod val="65000"/>
+                    <a:lumOff val="35000"/>
+                  </a:schemeClr>
+                </a:solidFill>
+                <a:effectLst>
+                  <a:outerShdw blurRad="38100" dist="38100" dir="2700000" algn="tl">
+                    <a:srgbClr val="000000">
+                      <a:alpha val="43137"/>
+                    </a:srgbClr>
+                  </a:outerShdw>
+                </a:effectLst>
+              </a:rPr>
+              <a:t>Одноуровневая</a:t>
             </a:r>
             <a:endParaRPr lang="en-US" sz="3500" dirty="0">
               <a:solidFill>
@@ -5695,7 +5767,7 @@
         <p:spPr>
           <a:xfrm>
             <a:off x="457200" y="533400"/>
-            <a:ext cx="6155852" cy="630942"/>
+            <a:ext cx="7529818" cy="630942"/>
           </a:xfrm>
           <a:prstGeom prst="rect">
             <a:avLst/>
@@ -5724,7 +5796,25 @@
                   </a:outerShdw>
                 </a:effectLst>
               </a:rPr>
-              <a:t>Software Architecture – Two Tier</a:t>
+              <a:t>Software Architecture – </a:t>
+            </a:r>
+            <a:r>
+              <a:rPr lang="ru-RU" sz="3500" dirty="0" smtClean="0">
+                <a:solidFill>
+                  <a:schemeClr val="tx1">
+                    <a:lumMod val="65000"/>
+                    <a:lumOff val="35000"/>
+                  </a:schemeClr>
+                </a:solidFill>
+                <a:effectLst>
+                  <a:outerShdw blurRad="38100" dist="38100" dir="2700000" algn="tl">
+                    <a:srgbClr val="000000">
+                      <a:alpha val="43137"/>
+                    </a:srgbClr>
+                  </a:outerShdw>
+                </a:effectLst>
+              </a:rPr>
+              <a:t>Двухуровневая</a:t>
             </a:r>
             <a:endParaRPr lang="en-US" sz="3500" dirty="0">
               <a:solidFill>
@@ -5854,7 +5944,7 @@
         <p:spPr>
           <a:xfrm>
             <a:off x="457200" y="533400"/>
-            <a:ext cx="6453498" cy="630942"/>
+            <a:ext cx="7466981" cy="630942"/>
           </a:xfrm>
           <a:prstGeom prst="rect">
             <a:avLst/>
@@ -5883,7 +5973,25 @@
                   </a:outerShdw>
                 </a:effectLst>
               </a:rPr>
-              <a:t>Software Architecture – Three Tier</a:t>
+              <a:t>Software Architecture – </a:t>
+            </a:r>
+            <a:r>
+              <a:rPr lang="ru-RU" sz="3500" dirty="0" smtClean="0">
+                <a:solidFill>
+                  <a:schemeClr val="tx1">
+                    <a:lumMod val="65000"/>
+                    <a:lumOff val="35000"/>
+                  </a:schemeClr>
+                </a:solidFill>
+                <a:effectLst>
+                  <a:outerShdw blurRad="38100" dist="38100" dir="2700000" algn="tl">
+                    <a:srgbClr val="000000">
+                      <a:alpha val="43137"/>
+                    </a:srgbClr>
+                  </a:outerShdw>
+                </a:effectLst>
+              </a:rPr>
+              <a:t>Трехуровневая</a:t>
             </a:r>
             <a:endParaRPr lang="en-US" sz="3500" dirty="0">
               <a:solidFill>
@@ -6013,7 +6121,7 @@
         <p:spPr>
           <a:xfrm>
             <a:off x="457200" y="533400"/>
-            <a:ext cx="3827330" cy="630942"/>
+            <a:ext cx="7012754" cy="630942"/>
           </a:xfrm>
           <a:prstGeom prst="rect">
             <a:avLst/>
@@ -6027,7 +6135,7 @@
           <a:lstStyle/>
           <a:p>
             <a:r>
-              <a:rPr lang="en-US" sz="3500" dirty="0">
+              <a:rPr lang="ru-RU" sz="3500" dirty="0" smtClean="0">
                 <a:solidFill>
                   <a:schemeClr val="tx1">
                     <a:lumMod val="65000"/>
@@ -6042,8 +6150,23 @@
                   </a:outerShdw>
                 </a:effectLst>
               </a:rPr>
-              <a:t>Software Versioning</a:t>
-            </a:r>
+              <a:t>Системы контроля версий проектов</a:t>
+            </a:r>
+            <a:endParaRPr lang="en-US" sz="3500" dirty="0">
+              <a:solidFill>
+                <a:schemeClr val="tx1">
+                  <a:lumMod val="65000"/>
+                  <a:lumOff val="35000"/>
+                </a:schemeClr>
+              </a:solidFill>
+              <a:effectLst>
+                <a:outerShdw blurRad="38100" dist="38100" dir="2700000" algn="tl">
+                  <a:srgbClr val="000000">
+                    <a:alpha val="43137"/>
+                  </a:srgbClr>
+                </a:outerShdw>
+              </a:effectLst>
+            </a:endParaRPr>
           </a:p>
         </p:txBody>
       </p:sp>
@@ -6135,7 +6258,7 @@
         <p:spPr>
           <a:xfrm>
             <a:off x="457200" y="404664"/>
-            <a:ext cx="1495922" cy="630942"/>
+            <a:ext cx="3539623" cy="630942"/>
           </a:xfrm>
           <a:prstGeom prst="rect">
             <a:avLst/>
@@ -6149,7 +6272,7 @@
           <a:lstStyle/>
           <a:p>
             <a:r>
-              <a:rPr lang="en-US" sz="3500" dirty="0">
+              <a:rPr lang="en-US" sz="3500" dirty="0" smtClean="0">
                 <a:solidFill>
                   <a:schemeClr val="tx1">
                     <a:lumMod val="65000"/>
@@ -6166,6 +6289,39 @@
               </a:rPr>
               <a:t>Quality</a:t>
             </a:r>
+            <a:r>
+              <a:rPr lang="ru-RU" sz="3500" dirty="0" smtClean="0">
+                <a:solidFill>
+                  <a:schemeClr val="tx1">
+                    <a:lumMod val="65000"/>
+                    <a:lumOff val="35000"/>
+                  </a:schemeClr>
+                </a:solidFill>
+                <a:effectLst>
+                  <a:outerShdw blurRad="38100" dist="38100" dir="2700000" algn="tl">
+                    <a:srgbClr val="000000">
+                      <a:alpha val="43137"/>
+                    </a:srgbClr>
+                  </a:outerShdw>
+                </a:effectLst>
+              </a:rPr>
+              <a:t> - Качество</a:t>
+            </a:r>
+            <a:endParaRPr lang="en-US" sz="3500" dirty="0">
+              <a:solidFill>
+                <a:schemeClr val="tx1">
+                  <a:lumMod val="65000"/>
+                  <a:lumOff val="35000"/>
+                </a:schemeClr>
+              </a:solidFill>
+              <a:effectLst>
+                <a:outerShdw blurRad="38100" dist="38100" dir="2700000" algn="tl">
+                  <a:srgbClr val="000000">
+                    <a:alpha val="43137"/>
+                  </a:srgbClr>
+                </a:outerShdw>
+              </a:effectLst>
+            </a:endParaRPr>
           </a:p>
         </p:txBody>
       </p:sp>
@@ -6219,7 +6375,7 @@
         <p:spPr>
           <a:xfrm>
             <a:off x="611560" y="1110056"/>
-            <a:ext cx="7920880" cy="754053"/>
+            <a:ext cx="7920880" cy="1031051"/>
           </a:xfrm>
           <a:prstGeom prst="rect">
             <a:avLst/>
@@ -6232,7 +6388,7 @@
           <a:lstStyle/>
           <a:p>
             <a:r>
-              <a:rPr lang="en-US" sz="2500" dirty="0">
+              <a:rPr lang="en-US" sz="2500" dirty="0" smtClean="0">
                 <a:solidFill>
                   <a:schemeClr val="accent6">
                     <a:lumMod val="75000"/>
@@ -6241,31 +6397,39 @@
                 <a:latin typeface="Aharoni" pitchFamily="2" charset="-79"/>
                 <a:cs typeface="Aharoni" pitchFamily="2" charset="-79"/>
               </a:rPr>
-              <a:t>Definition:</a:t>
+              <a:t>Definition</a:t>
+            </a:r>
+            <a:r>
+              <a:rPr lang="ru-RU" sz="2500" dirty="0" smtClean="0">
+                <a:solidFill>
+                  <a:schemeClr val="accent6">
+                    <a:lumMod val="75000"/>
+                  </a:schemeClr>
+                </a:solidFill>
+                <a:latin typeface="Aharoni" pitchFamily="2" charset="-79"/>
+                <a:cs typeface="Aharoni" pitchFamily="2" charset="-79"/>
+              </a:rPr>
+              <a:t> (Определение)</a:t>
+            </a:r>
+            <a:r>
+              <a:rPr lang="en-US" sz="2500" dirty="0" smtClean="0">
+                <a:solidFill>
+                  <a:schemeClr val="accent6">
+                    <a:lumMod val="75000"/>
+                  </a:schemeClr>
+                </a:solidFill>
+                <a:latin typeface="Aharoni" pitchFamily="2" charset="-79"/>
+                <a:cs typeface="Aharoni" pitchFamily="2" charset="-79"/>
+              </a:rPr>
+              <a:t>:</a:t>
             </a:r>
             <a:r>
               <a:rPr lang="en-US" b="1" dirty="0" smtClean="0"/>
               <a:t> </a:t>
             </a:r>
             <a:r>
-              <a:rPr lang="en-US" dirty="0"/>
-              <a:t>t</a:t>
-            </a:r>
-            <a:r>
-              <a:rPr lang="en-US" dirty="0" smtClean="0"/>
-              <a:t>he </a:t>
-            </a:r>
-            <a:r>
-              <a:rPr lang="en-US" dirty="0"/>
-              <a:t>degree to which a component, system or process meets specified </a:t>
-            </a:r>
-            <a:r>
-              <a:rPr lang="en-US" dirty="0" smtClean="0"/>
-              <a:t>requirements and/or </a:t>
-            </a:r>
-            <a:r>
-              <a:rPr lang="en-US" dirty="0"/>
-              <a:t>user/customer needs and expectations</a:t>
+              <a:rPr lang="ru-RU" dirty="0" smtClean="0"/>
+              <a:t>степень, с которой компонент, система или процесс соответствует определенным требованиям и/или пользовательским ожиданиям</a:t>
             </a:r>
             <a:r>
               <a:rPr lang="en-US" dirty="0" smtClean="0"/>
@@ -9630,8 +9794,57 @@
                 <a:latin typeface="Aharoni" pitchFamily="2" charset="-79"/>
                 <a:cs typeface="Aharoni" pitchFamily="2" charset="-79"/>
               </a:rPr>
-              <a:t>(QA)</a:t>
-            </a:r>
+              <a:t>(</a:t>
+            </a:r>
+            <a:r>
+              <a:rPr lang="en-US" sz="1400" dirty="0" smtClean="0">
+                <a:solidFill>
+                  <a:schemeClr val="tx1">
+                    <a:lumMod val="65000"/>
+                    <a:lumOff val="35000"/>
+                  </a:schemeClr>
+                </a:solidFill>
+                <a:latin typeface="Aharoni" pitchFamily="2" charset="-79"/>
+                <a:cs typeface="Aharoni" pitchFamily="2" charset="-79"/>
+              </a:rPr>
+              <a:t>Q</a:t>
+            </a:r>
+            <a:r>
+              <a:rPr lang="en-US" sz="1400" dirty="0">
+                <a:solidFill>
+                  <a:schemeClr val="tx1">
+                    <a:lumMod val="65000"/>
+                    <a:lumOff val="35000"/>
+                  </a:schemeClr>
+                </a:solidFill>
+                <a:latin typeface="Aharoni" pitchFamily="2" charset="-79"/>
+                <a:cs typeface="Aharoni" pitchFamily="2" charset="-79"/>
+              </a:rPr>
+              <a:t>C</a:t>
+            </a:r>
+            <a:r>
+              <a:rPr lang="en-US" sz="1400" dirty="0" smtClean="0">
+                <a:solidFill>
+                  <a:schemeClr val="tx1">
+                    <a:lumMod val="65000"/>
+                    <a:lumOff val="35000"/>
+                  </a:schemeClr>
+                </a:solidFill>
+                <a:latin typeface="Aharoni" pitchFamily="2" charset="-79"/>
+                <a:cs typeface="Aharoni" pitchFamily="2" charset="-79"/>
+              </a:rPr>
+              <a:t>)</a:t>
+            </a:r>
+            <a:endParaRPr lang="en-US" sz="1400" dirty="0">
+              <a:solidFill>
+                <a:schemeClr val="tx1">
+                  <a:lumMod val="65000"/>
+                  <a:lumOff val="35000"/>
+                </a:schemeClr>
+              </a:solidFill>
+              <a:latin typeface="Aharoni" pitchFamily="2" charset="-79"/>
+              <a:cs typeface="Aharoni" pitchFamily="2" charset="-79"/>
+            </a:endParaRPr>
           </a:p>
         </p:txBody>
       </p:sp>
@@ -9810,8 +10023,31 @@
                 <a:latin typeface="Aharoni" pitchFamily="2" charset="-79"/>
                 <a:cs typeface="Aharoni" pitchFamily="2" charset="-79"/>
               </a:rPr>
-              <a:t>(QA)</a:t>
-            </a:r>
+              <a:t>(</a:t>
+            </a:r>
+            <a:r>
+              <a:rPr lang="en-US" sz="1400" dirty="0" smtClean="0">
+                <a:solidFill>
+                  <a:schemeClr val="tx1">
+                    <a:lumMod val="65000"/>
+                    <a:lumOff val="35000"/>
+                  </a:schemeClr>
+                </a:solidFill>
+                <a:latin typeface="Aharoni" pitchFamily="2" charset="-79"/>
+                <a:cs typeface="Aharoni" pitchFamily="2" charset="-79"/>
+              </a:rPr>
+              <a:t>QC)</a:t>
+            </a:r>
+            <a:endParaRPr lang="en-US" sz="1400" dirty="0">
+              <a:solidFill>
+                <a:schemeClr val="tx1">
+                  <a:lumMod val="65000"/>
+                  <a:lumOff val="35000"/>
+                </a:schemeClr>
+              </a:solidFill>
+              <a:latin typeface="Aharoni" pitchFamily="2" charset="-79"/>
+              <a:cs typeface="Aharoni" pitchFamily="2" charset="-79"/>
+            </a:endParaRPr>
           </a:p>
         </p:txBody>
       </p:sp>
@@ -12592,25 +12828,7 @@
                   </a:outerShdw>
                 </a:effectLst>
               </a:rPr>
-              <a:t>What </a:t>
-            </a:r>
-            <a:r>
-              <a:rPr lang="en-US" sz="3500" dirty="0" smtClean="0">
-                <a:solidFill>
-                  <a:schemeClr val="tx1">
-                    <a:lumMod val="65000"/>
-                    <a:lumOff val="35000"/>
-                  </a:schemeClr>
-                </a:solidFill>
-                <a:effectLst>
-                  <a:outerShdw blurRad="38100" dist="38100" dir="2700000" algn="tl">
-                    <a:srgbClr val="000000">
-                      <a:alpha val="43137"/>
-                    </a:srgbClr>
-                  </a:outerShdw>
-                </a:effectLst>
-              </a:rPr>
-              <a:t>is Operating System (OS)?</a:t>
+              <a:t>What is Operating System (OS)?</a:t>
             </a:r>
             <a:endParaRPr lang="en-US" sz="3500" dirty="0">
               <a:solidFill>
@@ -12871,7 +13089,7 @@
         <p:spPr>
           <a:xfrm>
             <a:off x="457200" y="533400"/>
-            <a:ext cx="5788829" cy="630942"/>
+            <a:ext cx="5237909" cy="630942"/>
           </a:xfrm>
           <a:prstGeom prst="rect">
             <a:avLst/>
@@ -12885,7 +13103,7 @@
           <a:lstStyle/>
           <a:p>
             <a:r>
-              <a:rPr lang="en-US" sz="3500" dirty="0" smtClean="0">
+              <a:rPr lang="ru-RU" sz="3500" dirty="0" smtClean="0">
                 <a:solidFill>
                   <a:schemeClr val="tx1">
                     <a:lumMod val="65000"/>
@@ -12900,7 +13118,25 @@
                   </a:outerShdw>
                 </a:effectLst>
               </a:rPr>
-              <a:t>What kind of OS do you know?</a:t>
+              <a:t>Какие виды ОС вы знаете</a:t>
+            </a:r>
+            <a:r>
+              <a:rPr lang="en-US" sz="3500" dirty="0" smtClean="0">
+                <a:solidFill>
+                  <a:schemeClr val="tx1">
+                    <a:lumMod val="65000"/>
+                    <a:lumOff val="35000"/>
+                  </a:schemeClr>
+                </a:solidFill>
+                <a:effectLst>
+                  <a:outerShdw blurRad="38100" dist="38100" dir="2700000" algn="tl">
+                    <a:srgbClr val="000000">
+                      <a:alpha val="43137"/>
+                    </a:srgbClr>
+                  </a:outerShdw>
+                </a:effectLst>
+              </a:rPr>
+              <a:t>?</a:t>
             </a:r>
             <a:endParaRPr lang="en-US" sz="3500" dirty="0">
               <a:solidFill>
@@ -13221,11 +13457,7 @@
           <a:p>
             <a:r>
               <a:rPr lang="ru-RU" sz="2800" dirty="0" smtClean="0"/>
-              <a:t>	(</a:t>
-            </a:r>
-            <a:r>
-              <a:rPr lang="ru-RU" sz="2800" dirty="0" smtClean="0"/>
-              <a:t>Клиентские, имеющие </a:t>
+              <a:t>	(Клиентские, имеющие </a:t>
             </a:r>
             <a:r>
               <a:rPr lang="en-US" sz="2800" dirty="0" smtClean="0"/>
@@ -13239,7 +13471,6 @@
               <a:rPr lang="ru-RU" sz="2800" dirty="0" smtClean="0"/>
               <a:t>-</a:t>
             </a:r>
-            <a:endParaRPr lang="ru-RU" sz="2800" dirty="0" smtClean="0"/>
           </a:p>
           <a:p>
             <a:r>
@@ -13262,7 +13493,6 @@
               <a:rPr lang="ru-RU" sz="2800" dirty="0" smtClean="0"/>
               <a:t>)</a:t>
             </a:r>
-            <a:endParaRPr lang="ru-RU" sz="2800" dirty="0" smtClean="0"/>
           </a:p>
           <a:p>
             <a:r>
@@ -13273,11 +13503,7 @@
           <a:p>
             <a:r>
               <a:rPr lang="ru-RU" sz="2800" dirty="0" smtClean="0"/>
-              <a:t>Открытые </a:t>
-            </a:r>
-            <a:r>
-              <a:rPr lang="ru-RU" sz="2800" dirty="0" smtClean="0"/>
-              <a:t>– Закрытые</a:t>
+              <a:t>Открытые – Закрытые</a:t>
             </a:r>
           </a:p>
           <a:p>
@@ -13714,7 +13940,7 @@
         <p:spPr>
           <a:xfrm>
             <a:off x="457200" y="533400"/>
-            <a:ext cx="5788829" cy="630942"/>
+            <a:ext cx="4131837" cy="630942"/>
           </a:xfrm>
           <a:prstGeom prst="rect">
             <a:avLst/>
@@ -13728,7 +13954,7 @@
           <a:lstStyle/>
           <a:p>
             <a:r>
-              <a:rPr lang="en-US" sz="3500" dirty="0" smtClean="0">
+              <a:rPr lang="ru-RU" sz="3500" dirty="0" smtClean="0">
                 <a:solidFill>
                   <a:schemeClr val="tx1">
                     <a:lumMod val="65000"/>
@@ -13743,7 +13969,25 @@
                   </a:outerShdw>
                 </a:effectLst>
               </a:rPr>
-              <a:t>What kind of OS do you know?</a:t>
+              <a:t>Какие ОС вы знаете</a:t>
+            </a:r>
+            <a:r>
+              <a:rPr lang="en-US" sz="3500" dirty="0" smtClean="0">
+                <a:solidFill>
+                  <a:schemeClr val="tx1">
+                    <a:lumMod val="65000"/>
+                    <a:lumOff val="35000"/>
+                  </a:schemeClr>
+                </a:solidFill>
+                <a:effectLst>
+                  <a:outerShdw blurRad="38100" dist="38100" dir="2700000" algn="tl">
+                    <a:srgbClr val="000000">
+                      <a:alpha val="43137"/>
+                    </a:srgbClr>
+                  </a:outerShdw>
+                </a:effectLst>
+              </a:rPr>
+              <a:t>?</a:t>
             </a:r>
             <a:endParaRPr lang="en-US" sz="3500" dirty="0">
               <a:solidFill>
@@ -14693,7 +14937,7 @@
         <p:spPr>
           <a:xfrm>
             <a:off x="457200" y="533400"/>
-            <a:ext cx="7931595" cy="630942"/>
+            <a:ext cx="6621300" cy="630942"/>
           </a:xfrm>
           <a:prstGeom prst="rect">
             <a:avLst/>
@@ -14707,7 +14951,7 @@
           <a:lstStyle/>
           <a:p>
             <a:r>
-              <a:rPr lang="en-US" sz="3500" dirty="0" smtClean="0">
+              <a:rPr lang="ru-RU" sz="3500" dirty="0" smtClean="0">
                 <a:solidFill>
                   <a:schemeClr val="tx1">
                     <a:lumMod val="65000"/>
@@ -14722,7 +14966,25 @@
                   </a:outerShdw>
                 </a:effectLst>
               </a:rPr>
-              <a:t>What kind of program types do you know?</a:t>
+              <a:t>Какие виды программ вы знаете</a:t>
+            </a:r>
+            <a:r>
+              <a:rPr lang="en-US" sz="3500" dirty="0" smtClean="0">
+                <a:solidFill>
+                  <a:schemeClr val="tx1">
+                    <a:lumMod val="65000"/>
+                    <a:lumOff val="35000"/>
+                  </a:schemeClr>
+                </a:solidFill>
+                <a:effectLst>
+                  <a:outerShdw blurRad="38100" dist="38100" dir="2700000" algn="tl">
+                    <a:srgbClr val="000000">
+                      <a:alpha val="43137"/>
+                    </a:srgbClr>
+                  </a:outerShdw>
+                </a:effectLst>
+              </a:rPr>
+              <a:t>?</a:t>
             </a:r>
             <a:endParaRPr lang="en-US" sz="3500" dirty="0">
               <a:solidFill>
@@ -14933,10 +15195,10 @@
                   </a:schemeClr>
                 </a:solidFill>
               </a:rPr>
-              <a:t>Desktop </a:t>
-            </a:r>
-            <a:r>
-              <a:rPr lang="en-US" dirty="0" smtClean="0">
+              <a:t>Desktop / </a:t>
+            </a:r>
+            <a:r>
+              <a:rPr lang="en-US" dirty="0">
                 <a:solidFill>
                   <a:schemeClr val="tx1">
                     <a:lumMod val="95000"/>
@@ -14944,10 +15206,10 @@
                   </a:schemeClr>
                 </a:solidFill>
               </a:rPr>
-              <a:t>/ </a:t>
-            </a:r>
-            <a:r>
-              <a:rPr lang="en-US" dirty="0">
+              <a:t>Mobile </a:t>
+            </a:r>
+            <a:r>
+              <a:rPr lang="en-US" dirty="0" smtClean="0">
                 <a:solidFill>
                   <a:schemeClr val="tx1">
                     <a:lumMod val="95000"/>
@@ -14955,27 +15217,8 @@
                   </a:schemeClr>
                 </a:solidFill>
               </a:rPr>
-              <a:t>Mobile </a:t>
-            </a:r>
-            <a:r>
-              <a:rPr lang="en-US" dirty="0" smtClean="0">
-                <a:solidFill>
-                  <a:schemeClr val="tx1">
-                    <a:lumMod val="95000"/>
-                    <a:lumOff val="5000"/>
-                  </a:schemeClr>
-                </a:solidFill>
-              </a:rPr>
               <a:t>application</a:t>
             </a:r>
-            <a:endParaRPr lang="en-US" dirty="0" smtClean="0">
-              <a:solidFill>
-                <a:schemeClr val="tx1">
-                  <a:lumMod val="95000"/>
-                  <a:lumOff val="5000"/>
-                </a:schemeClr>
-              </a:solidFill>
-            </a:endParaRPr>
           </a:p>
           <a:p>
             <a:pPr algn="l">
@@ -14992,18 +15235,7 @@
                   </a:schemeClr>
                 </a:solidFill>
               </a:rPr>
-              <a:t>	Console </a:t>
-            </a:r>
-            <a:r>
-              <a:rPr lang="en-US" dirty="0" smtClean="0">
-                <a:solidFill>
-                  <a:schemeClr val="tx1">
-                    <a:lumMod val="95000"/>
-                    <a:lumOff val="5000"/>
-                  </a:schemeClr>
-                </a:solidFill>
-              </a:rPr>
-              <a:t>application</a:t>
+              <a:t>	Console application</a:t>
             </a:r>
             <a:endParaRPr lang="ru-RU" dirty="0" smtClean="0">
               <a:solidFill>
@@ -15029,18 +15261,7 @@
                   </a:schemeClr>
                 </a:solidFill>
               </a:rPr>
-              <a:t>	GUI </a:t>
-            </a:r>
-            <a:r>
-              <a:rPr lang="en-US" dirty="0" smtClean="0">
-                <a:solidFill>
-                  <a:schemeClr val="tx1">
-                    <a:lumMod val="95000"/>
-                    <a:lumOff val="5000"/>
-                  </a:schemeClr>
-                </a:solidFill>
-              </a:rPr>
-              <a:t>(Window) application</a:t>
+              <a:t>	GUI (Window) application</a:t>
             </a:r>
           </a:p>
           <a:p>
@@ -15629,7 +15850,7 @@
         <p:spPr>
           <a:xfrm>
             <a:off x="457200" y="533400"/>
-            <a:ext cx="7931595" cy="630942"/>
+            <a:ext cx="6621300" cy="630942"/>
           </a:xfrm>
           <a:prstGeom prst="rect">
             <a:avLst/>
@@ -15643,7 +15864,7 @@
           <a:lstStyle/>
           <a:p>
             <a:r>
-              <a:rPr lang="en-US" sz="3500" dirty="0" smtClean="0">
+              <a:rPr lang="ru-RU" sz="3500" dirty="0">
                 <a:solidFill>
                   <a:schemeClr val="tx1">
                     <a:lumMod val="65000"/>
@@ -15658,7 +15879,25 @@
                   </a:outerShdw>
                 </a:effectLst>
               </a:rPr>
-              <a:t>What kind of program types do you know?</a:t>
+              <a:t>Какие виды программ вы знаете</a:t>
+            </a:r>
+            <a:r>
+              <a:rPr lang="en-US" sz="3500" dirty="0">
+                <a:solidFill>
+                  <a:schemeClr val="tx1">
+                    <a:lumMod val="65000"/>
+                    <a:lumOff val="35000"/>
+                  </a:schemeClr>
+                </a:solidFill>
+                <a:effectLst>
+                  <a:outerShdw blurRad="38100" dist="38100" dir="2700000" algn="tl">
+                    <a:srgbClr val="000000">
+                      <a:alpha val="43137"/>
+                    </a:srgbClr>
+                  </a:outerShdw>
+                </a:effectLst>
+              </a:rPr>
+              <a:t>?</a:t>
             </a:r>
             <a:endParaRPr lang="en-US" sz="3500" dirty="0">
               <a:solidFill>
@@ -15749,7 +15988,7 @@
         <p:spPr>
           <a:xfrm>
             <a:off x="457200" y="533400"/>
-            <a:ext cx="7931595" cy="630942"/>
+            <a:ext cx="6621300" cy="630942"/>
           </a:xfrm>
           <a:prstGeom prst="rect">
             <a:avLst/>
@@ -15763,7 +16002,7 @@
           <a:lstStyle/>
           <a:p>
             <a:r>
-              <a:rPr lang="en-US" sz="3500" dirty="0" smtClean="0">
+              <a:rPr lang="ru-RU" sz="3500" dirty="0">
                 <a:solidFill>
                   <a:schemeClr val="tx1">
                     <a:lumMod val="65000"/>
@@ -15778,7 +16017,25 @@
                   </a:outerShdw>
                 </a:effectLst>
               </a:rPr>
-              <a:t>What kind of program types do you know?</a:t>
+              <a:t>Какие виды программ вы знаете</a:t>
+            </a:r>
+            <a:r>
+              <a:rPr lang="en-US" sz="3500" dirty="0">
+                <a:solidFill>
+                  <a:schemeClr val="tx1">
+                    <a:lumMod val="65000"/>
+                    <a:lumOff val="35000"/>
+                  </a:schemeClr>
+                </a:solidFill>
+                <a:effectLst>
+                  <a:outerShdw blurRad="38100" dist="38100" dir="2700000" algn="tl">
+                    <a:srgbClr val="000000">
+                      <a:alpha val="43137"/>
+                    </a:srgbClr>
+                  </a:outerShdw>
+                </a:effectLst>
+              </a:rPr>
+              <a:t>?</a:t>
             </a:r>
             <a:endParaRPr lang="en-US" sz="3500" dirty="0">
               <a:solidFill>

--- a/1.Introduction_part2/Introduction.pptx
+++ b/1.Introduction_part2/Introduction.pptx
@@ -5,31 +5,36 @@
     <p:sldMasterId id="2147483648" r:id="rId1"/>
   </p:sldMasterIdLst>
   <p:notesMasterIdLst>
-    <p:notesMasterId r:id="rId24"/>
+    <p:notesMasterId r:id="rId29"/>
   </p:notesMasterIdLst>
   <p:sldIdLst>
     <p:sldId id="280" r:id="rId2"/>
-    <p:sldId id="269" r:id="rId3"/>
-    <p:sldId id="270" r:id="rId4"/>
-    <p:sldId id="297" r:id="rId5"/>
-    <p:sldId id="300" r:id="rId6"/>
-    <p:sldId id="299" r:id="rId7"/>
-    <p:sldId id="298" r:id="rId8"/>
-    <p:sldId id="301" r:id="rId9"/>
-    <p:sldId id="302" r:id="rId10"/>
-    <p:sldId id="303" r:id="rId11"/>
-    <p:sldId id="304" r:id="rId12"/>
-    <p:sldId id="293" r:id="rId13"/>
-    <p:sldId id="294" r:id="rId14"/>
-    <p:sldId id="295" r:id="rId15"/>
-    <p:sldId id="296" r:id="rId16"/>
-    <p:sldId id="279" r:id="rId17"/>
-    <p:sldId id="271" r:id="rId18"/>
-    <p:sldId id="268" r:id="rId19"/>
-    <p:sldId id="272" r:id="rId20"/>
-    <p:sldId id="287" r:id="rId21"/>
-    <p:sldId id="267" r:id="rId22"/>
-    <p:sldId id="278" r:id="rId23"/>
+    <p:sldId id="305" r:id="rId3"/>
+    <p:sldId id="269" r:id="rId4"/>
+    <p:sldId id="270" r:id="rId5"/>
+    <p:sldId id="297" r:id="rId6"/>
+    <p:sldId id="300" r:id="rId7"/>
+    <p:sldId id="299" r:id="rId8"/>
+    <p:sldId id="298" r:id="rId9"/>
+    <p:sldId id="301" r:id="rId10"/>
+    <p:sldId id="302" r:id="rId11"/>
+    <p:sldId id="303" r:id="rId12"/>
+    <p:sldId id="307" r:id="rId13"/>
+    <p:sldId id="304" r:id="rId14"/>
+    <p:sldId id="294" r:id="rId15"/>
+    <p:sldId id="310" r:id="rId16"/>
+    <p:sldId id="295" r:id="rId17"/>
+    <p:sldId id="296" r:id="rId18"/>
+    <p:sldId id="293" r:id="rId19"/>
+    <p:sldId id="308" r:id="rId20"/>
+    <p:sldId id="279" r:id="rId21"/>
+    <p:sldId id="271" r:id="rId22"/>
+    <p:sldId id="268" r:id="rId23"/>
+    <p:sldId id="309" r:id="rId24"/>
+    <p:sldId id="272" r:id="rId25"/>
+    <p:sldId id="287" r:id="rId26"/>
+    <p:sldId id="267" r:id="rId27"/>
+    <p:sldId id="278" r:id="rId28"/>
   </p:sldIdLst>
   <p:sldSz cx="9144000" cy="6858000" type="screen4x3"/>
   <p:notesSz cx="6858000" cy="9144000"/>
@@ -130,7 +135,7 @@
   </p:defaultTextStyle>
   <p:extLst>
     <p:ext uri="{EFAFB233-063F-42B5-8137-9DF3F51BA10A}">
-      <p15:sldGuideLst xmlns:p15="http://schemas.microsoft.com/office/powerpoint/2012/main">
+      <p15:sldGuideLst xmlns="" xmlns:p15="http://schemas.microsoft.com/office/powerpoint/2012/main">
         <p15:guide id="1" orient="horz" pos="2160">
           <p15:clr>
             <a:srgbClr val="A4A3A4"/>
@@ -229,7 +234,7 @@
           <a:p>
             <a:fld id="{7FCDCAFE-ED6D-40DE-BB2A-6C2FAE0E1B23}" type="datetimeFigureOut">
               <a:rPr lang="en-US" smtClean="0"/>
-              <a:t>3/22/2013</a:t>
+              <a:t>11/27/2014</a:t>
             </a:fld>
             <a:endParaRPr lang="en-US"/>
           </a:p>
@@ -679,7 +684,7 @@
             <a:fld id="{1D8BD707-D9CF-40AE-B4C6-C98DA3205C09}" type="datetimeFigureOut">
               <a:rPr lang="en-US" smtClean="0"/>
               <a:pPr/>
-              <a:t>3/22/2013</a:t>
+              <a:t>11/27/2014</a:t>
             </a:fld>
             <a:endParaRPr lang="en-US"/>
           </a:p>
@@ -846,7 +851,7 @@
             <a:fld id="{1D8BD707-D9CF-40AE-B4C6-C98DA3205C09}" type="datetimeFigureOut">
               <a:rPr lang="en-US" smtClean="0"/>
               <a:pPr/>
-              <a:t>3/22/2013</a:t>
+              <a:t>11/27/2014</a:t>
             </a:fld>
             <a:endParaRPr lang="en-US"/>
           </a:p>
@@ -1023,7 +1028,7 @@
             <a:fld id="{1D8BD707-D9CF-40AE-B4C6-C98DA3205C09}" type="datetimeFigureOut">
               <a:rPr lang="en-US" smtClean="0"/>
               <a:pPr/>
-              <a:t>3/22/2013</a:t>
+              <a:t>11/27/2014</a:t>
             </a:fld>
             <a:endParaRPr lang="en-US"/>
           </a:p>
@@ -1190,7 +1195,7 @@
             <a:fld id="{1D8BD707-D9CF-40AE-B4C6-C98DA3205C09}" type="datetimeFigureOut">
               <a:rPr lang="en-US" smtClean="0"/>
               <a:pPr/>
-              <a:t>3/22/2013</a:t>
+              <a:t>11/27/2014</a:t>
             </a:fld>
             <a:endParaRPr lang="en-US"/>
           </a:p>
@@ -1433,7 +1438,7 @@
             <a:fld id="{1D8BD707-D9CF-40AE-B4C6-C98DA3205C09}" type="datetimeFigureOut">
               <a:rPr lang="en-US" smtClean="0"/>
               <a:pPr/>
-              <a:t>3/22/2013</a:t>
+              <a:t>11/27/2014</a:t>
             </a:fld>
             <a:endParaRPr lang="en-US"/>
           </a:p>
@@ -1718,7 +1723,7 @@
             <a:fld id="{1D8BD707-D9CF-40AE-B4C6-C98DA3205C09}" type="datetimeFigureOut">
               <a:rPr lang="en-US" smtClean="0"/>
               <a:pPr/>
-              <a:t>3/22/2013</a:t>
+              <a:t>11/27/2014</a:t>
             </a:fld>
             <a:endParaRPr lang="en-US"/>
           </a:p>
@@ -2137,7 +2142,7 @@
             <a:fld id="{1D8BD707-D9CF-40AE-B4C6-C98DA3205C09}" type="datetimeFigureOut">
               <a:rPr lang="en-US" smtClean="0"/>
               <a:pPr/>
-              <a:t>3/22/2013</a:t>
+              <a:t>11/27/2014</a:t>
             </a:fld>
             <a:endParaRPr lang="en-US"/>
           </a:p>
@@ -2252,7 +2257,7 @@
             <a:fld id="{1D8BD707-D9CF-40AE-B4C6-C98DA3205C09}" type="datetimeFigureOut">
               <a:rPr lang="en-US" smtClean="0"/>
               <a:pPr/>
-              <a:t>3/22/2013</a:t>
+              <a:t>11/27/2014</a:t>
             </a:fld>
             <a:endParaRPr lang="en-US"/>
           </a:p>
@@ -2344,7 +2349,7 @@
             <a:fld id="{1D8BD707-D9CF-40AE-B4C6-C98DA3205C09}" type="datetimeFigureOut">
               <a:rPr lang="en-US" smtClean="0"/>
               <a:pPr/>
-              <a:t>3/22/2013</a:t>
+              <a:t>11/27/2014</a:t>
             </a:fld>
             <a:endParaRPr lang="en-US"/>
           </a:p>
@@ -2618,7 +2623,7 @@
             <a:fld id="{1D8BD707-D9CF-40AE-B4C6-C98DA3205C09}" type="datetimeFigureOut">
               <a:rPr lang="en-US" smtClean="0"/>
               <a:pPr/>
-              <a:t>3/22/2013</a:t>
+              <a:t>11/27/2014</a:t>
             </a:fld>
             <a:endParaRPr lang="en-US"/>
           </a:p>
@@ -2868,7 +2873,7 @@
             <a:fld id="{1D8BD707-D9CF-40AE-B4C6-C98DA3205C09}" type="datetimeFigureOut">
               <a:rPr lang="en-US" smtClean="0"/>
               <a:pPr/>
-              <a:t>3/22/2013</a:t>
+              <a:t>11/27/2014</a:t>
             </a:fld>
             <a:endParaRPr lang="en-US"/>
           </a:p>
@@ -3087,7 +3092,7 @@
             <a:fld id="{1D8BD707-D9CF-40AE-B4C6-C98DA3205C09}" type="datetimeFigureOut">
               <a:rPr lang="en-US" smtClean="0"/>
               <a:pPr/>
-              <a:t>3/22/2013</a:t>
+              <a:t>11/27/2014</a:t>
             </a:fld>
             <a:endParaRPr lang="en-US"/>
           </a:p>
@@ -3670,21 +3675,129 @@
               </a:rPr>
               <a:t>?</a:t>
             </a:r>
-            <a:endParaRPr lang="en-US" sz="3500" dirty="0">
-              <a:solidFill>
-                <a:schemeClr val="tx1">
-                  <a:lumMod val="65000"/>
-                  <a:lumOff val="35000"/>
-                </a:schemeClr>
-              </a:solidFill>
-              <a:effectLst>
-                <a:outerShdw blurRad="38100" dist="38100" dir="2700000" algn="tl">
-                  <a:srgbClr val="000000">
-                    <a:alpha val="43137"/>
-                  </a:srgbClr>
-                </a:outerShdw>
-              </a:effectLst>
-            </a:endParaRPr>
+          </a:p>
+        </p:txBody>
+      </p:sp>
+      <p:pic>
+        <p:nvPicPr>
+          <p:cNvPr id="5" name="Picture 4"/>
+          <p:cNvPicPr>
+            <a:picLocks noChangeAspect="1"/>
+          </p:cNvPicPr>
+          <p:nvPr/>
+        </p:nvPicPr>
+        <p:blipFill>
+          <a:blip r:embed="rId2"/>
+          <a:stretch>
+            <a:fillRect/>
+          </a:stretch>
+        </p:blipFill>
+        <p:spPr>
+          <a:xfrm>
+            <a:off x="1517872" y="1628800"/>
+            <a:ext cx="5810250" cy="4010025"/>
+          </a:xfrm>
+          <a:prstGeom prst="rect">
+            <a:avLst/>
+          </a:prstGeom>
+        </p:spPr>
+      </p:pic>
+    </p:spTree>
+    <p:extLst>
+      <p:ext uri="{BB962C8B-B14F-4D97-AF65-F5344CB8AC3E}">
+        <p14:creationId xmlns:p14="http://schemas.microsoft.com/office/powerpoint/2010/main" val="1217245984"/>
+      </p:ext>
+    </p:extLst>
+  </p:cSld>
+  <p:clrMapOvr>
+    <a:masterClrMapping/>
+  </p:clrMapOvr>
+  <p:transition/>
+  <p:timing>
+    <p:tnLst>
+      <p:par>
+        <p:cTn id="1" dur="indefinite" restart="never" nodeType="tmRoot"/>
+      </p:par>
+    </p:tnLst>
+  </p:timing>
+</p:sld>
+</file>
+
+<file path=ppt/slides/slide11.xml><?xml version="1.0" encoding="utf-8"?>
+<p:sld xmlns:a="http://schemas.openxmlformats.org/drawingml/2006/main" xmlns:r="http://schemas.openxmlformats.org/officeDocument/2006/relationships" xmlns:p="http://schemas.openxmlformats.org/presentationml/2006/main">
+  <p:cSld>
+    <p:spTree>
+      <p:nvGrpSpPr>
+        <p:cNvPr id="1" name=""/>
+        <p:cNvGrpSpPr/>
+        <p:nvPr/>
+      </p:nvGrpSpPr>
+      <p:grpSpPr>
+        <a:xfrm>
+          <a:off x="0" y="0"/>
+          <a:ext cx="0" cy="0"/>
+          <a:chOff x="0" y="0"/>
+          <a:chExt cx="0" cy="0"/>
+        </a:xfrm>
+      </p:grpSpPr>
+      <p:sp>
+        <p:nvSpPr>
+          <p:cNvPr id="4" name="TextBox 3"/>
+          <p:cNvSpPr txBox="1"/>
+          <p:nvPr/>
+        </p:nvSpPr>
+        <p:spPr>
+          <a:xfrm>
+            <a:off x="457200" y="533400"/>
+            <a:ext cx="6621300" cy="630942"/>
+          </a:xfrm>
+          <a:prstGeom prst="rect">
+            <a:avLst/>
+          </a:prstGeom>
+          <a:noFill/>
+        </p:spPr>
+        <p:txBody>
+          <a:bodyPr wrap="none" rtlCol="0">
+            <a:spAutoFit/>
+          </a:bodyPr>
+          <a:lstStyle/>
+          <a:p>
+            <a:r>
+              <a:rPr lang="ru-RU" sz="3500" dirty="0">
+                <a:solidFill>
+                  <a:schemeClr val="tx1">
+                    <a:lumMod val="65000"/>
+                    <a:lumOff val="35000"/>
+                  </a:schemeClr>
+                </a:solidFill>
+                <a:effectLst>
+                  <a:outerShdw blurRad="38100" dist="38100" dir="2700000" algn="tl">
+                    <a:srgbClr val="000000">
+                      <a:alpha val="43137"/>
+                    </a:srgbClr>
+                  </a:outerShdw>
+                </a:effectLst>
+              </a:rPr>
+              <a:t>Какие виды программ вы знаете</a:t>
+            </a:r>
+            <a:r>
+              <a:rPr lang="en-US" sz="3500" dirty="0">
+                <a:solidFill>
+                  <a:schemeClr val="tx1">
+                    <a:lumMod val="65000"/>
+                    <a:lumOff val="35000"/>
+                  </a:schemeClr>
+                </a:solidFill>
+                <a:effectLst>
+                  <a:outerShdw blurRad="38100" dist="38100" dir="2700000" algn="tl">
+                    <a:srgbClr val="000000">
+                      <a:alpha val="43137"/>
+                    </a:srgbClr>
+                  </a:outerShdw>
+                </a:effectLst>
+              </a:rPr>
+              <a:t>?</a:t>
+            </a:r>
           </a:p>
         </p:txBody>
       </p:sp>
@@ -3733,7 +3846,7 @@
 </p:sld>
 </file>
 
-<file path=ppt/slides/slide11.xml><?xml version="1.0" encoding="utf-8"?>
+<file path=ppt/slides/slide12.xml><?xml version="1.0" encoding="utf-8"?>
 <p:sld xmlns:a="http://schemas.openxmlformats.org/drawingml/2006/main" xmlns:r="http://schemas.openxmlformats.org/officeDocument/2006/relationships" xmlns:p="http://schemas.openxmlformats.org/presentationml/2006/main">
   <p:cSld>
     <p:spTree>
@@ -3759,7 +3872,7 @@
         <p:spPr>
           <a:xfrm>
             <a:off x="457200" y="533400"/>
-            <a:ext cx="7533794" cy="630942"/>
+            <a:ext cx="6621300" cy="630942"/>
           </a:xfrm>
           <a:prstGeom prst="rect">
             <a:avLst/>
@@ -3773,7 +3886,7 @@
           <a:lstStyle/>
           <a:p>
             <a:r>
-              <a:rPr lang="ru-RU" sz="3500" dirty="0" smtClean="0">
+              <a:rPr lang="ru-RU" sz="3500" dirty="0">
                 <a:solidFill>
                   <a:schemeClr val="tx1">
                     <a:lumMod val="65000"/>
@@ -3788,10 +3901,10 @@
                   </a:outerShdw>
                 </a:effectLst>
               </a:rPr>
-              <a:t>Какие </a:t>
-            </a:r>
-            <a:r>
-              <a:rPr lang="ru-RU" sz="3500" dirty="0" smtClean="0">
+              <a:t>Какие виды программ вы знаете</a:t>
+            </a:r>
+            <a:r>
+              <a:rPr lang="en-US" sz="3500" dirty="0">
                 <a:solidFill>
                   <a:schemeClr val="tx1">
                     <a:lumMod val="65000"/>
@@ -3806,7 +3919,111 @@
                   </a:outerShdw>
                 </a:effectLst>
               </a:rPr>
-              <a:t>есть </a:t>
+              <a:t>?</a:t>
+            </a:r>
+          </a:p>
+        </p:txBody>
+      </p:sp>
+      <p:sp>
+        <p:nvSpPr>
+          <p:cNvPr id="5" name="Content Placeholder 4"/>
+          <p:cNvSpPr>
+            <a:spLocks noGrp="1"/>
+          </p:cNvSpPr>
+          <p:nvPr>
+            <p:ph idx="1"/>
+          </p:nvPr>
+        </p:nvSpPr>
+        <p:spPr/>
+        <p:txBody>
+          <a:bodyPr/>
+          <a:lstStyle/>
+          <a:p>
+            <a:r>
+              <a:rPr lang="ru-RU" dirty="0" smtClean="0"/>
+              <a:t>Какие преимущества и недостатки разных видов программ вы можете привести?</a:t>
+            </a:r>
+            <a:endParaRPr lang="en-US" dirty="0"/>
+          </a:p>
+        </p:txBody>
+      </p:sp>
+    </p:spTree>
+    <p:extLst>
+      <p:ext uri="{BB962C8B-B14F-4D97-AF65-F5344CB8AC3E}">
+        <p14:creationId xmlns:p14="http://schemas.microsoft.com/office/powerpoint/2010/main" val="1296083960"/>
+      </p:ext>
+    </p:extLst>
+  </p:cSld>
+  <p:clrMapOvr>
+    <a:masterClrMapping/>
+  </p:clrMapOvr>
+  <p:transition/>
+  <p:timing>
+    <p:tnLst>
+      <p:par>
+        <p:cTn id="1" dur="indefinite" restart="never" nodeType="tmRoot"/>
+      </p:par>
+    </p:tnLst>
+  </p:timing>
+</p:sld>
+</file>
+
+<file path=ppt/slides/slide13.xml><?xml version="1.0" encoding="utf-8"?>
+<p:sld xmlns:a="http://schemas.openxmlformats.org/drawingml/2006/main" xmlns:r="http://schemas.openxmlformats.org/officeDocument/2006/relationships" xmlns:p="http://schemas.openxmlformats.org/presentationml/2006/main">
+  <p:cSld>
+    <p:spTree>
+      <p:nvGrpSpPr>
+        <p:cNvPr id="1" name=""/>
+        <p:cNvGrpSpPr/>
+        <p:nvPr/>
+      </p:nvGrpSpPr>
+      <p:grpSpPr>
+        <a:xfrm>
+          <a:off x="0" y="0"/>
+          <a:ext cx="0" cy="0"/>
+          <a:chOff x="0" y="0"/>
+          <a:chExt cx="0" cy="0"/>
+        </a:xfrm>
+      </p:grpSpPr>
+      <p:sp>
+        <p:nvSpPr>
+          <p:cNvPr id="4" name="TextBox 3"/>
+          <p:cNvSpPr txBox="1"/>
+          <p:nvPr/>
+        </p:nvSpPr>
+        <p:spPr>
+          <a:xfrm>
+            <a:off x="457200" y="533400"/>
+            <a:ext cx="7533794" cy="630942"/>
+          </a:xfrm>
+          <a:prstGeom prst="rect">
+            <a:avLst/>
+          </a:prstGeom>
+          <a:noFill/>
+        </p:spPr>
+        <p:txBody>
+          <a:bodyPr wrap="none" rtlCol="0">
+            <a:spAutoFit/>
+          </a:bodyPr>
+          <a:lstStyle/>
+          <a:p>
+            <a:r>
+              <a:rPr lang="ru-RU" sz="3500" dirty="0" smtClean="0">
+                <a:solidFill>
+                  <a:schemeClr val="tx1">
+                    <a:lumMod val="65000"/>
+                    <a:lumOff val="35000"/>
+                  </a:schemeClr>
+                </a:solidFill>
+                <a:effectLst>
+                  <a:outerShdw blurRad="38100" dist="38100" dir="2700000" algn="tl">
+                    <a:srgbClr val="000000">
+                      <a:alpha val="43137"/>
+                    </a:srgbClr>
+                  </a:outerShdw>
+                </a:effectLst>
+              </a:rPr>
+              <a:t>Какие есть </a:t>
             </a:r>
             <a:r>
               <a:rPr lang="en-US" sz="3500" dirty="0" smtClean="0">
@@ -4145,7 +4362,7 @@
         <p:spPr>
           <a:xfrm>
             <a:off x="3602995" y="3432125"/>
-            <a:ext cx="1268296" cy="369332"/>
+            <a:ext cx="2852063" cy="369332"/>
           </a:xfrm>
           <a:prstGeom prst="rect">
             <a:avLst/>
@@ -4162,7 +4379,28 @@
                 <a:latin typeface="Times New Roman" panose="02020603050405020304" pitchFamily="18" charset="0"/>
                 <a:ea typeface="SimSun" panose="02010600030101010101" pitchFamily="2" charset="-122"/>
               </a:rPr>
-              <a:t>Combo box</a:t>
+              <a:t>Combo </a:t>
+            </a:r>
+            <a:r>
+              <a:rPr lang="en-US" dirty="0" smtClean="0">
+                <a:latin typeface="Times New Roman" panose="02020603050405020304" pitchFamily="18" charset="0"/>
+                <a:ea typeface="SimSun" panose="02010600030101010101" pitchFamily="2" charset="-122"/>
+              </a:rPr>
+              <a:t>box</a:t>
+            </a:r>
+            <a:r>
+              <a:rPr lang="ru-RU" dirty="0" smtClean="0">
+                <a:latin typeface="Times New Roman" panose="02020603050405020304" pitchFamily="18" charset="0"/>
+                <a:ea typeface="SimSun" panose="02010600030101010101" pitchFamily="2" charset="-122"/>
+              </a:rPr>
+              <a:t> </a:t>
+            </a:r>
+            <a:r>
+              <a:rPr lang="en-US" dirty="0" smtClean="0">
+                <a:latin typeface="Times New Roman" panose="02020603050405020304" pitchFamily="18" charset="0"/>
+                <a:ea typeface="SimSun" panose="02010600030101010101" pitchFamily="2" charset="-122"/>
+              </a:rPr>
+              <a:t>/ Drop-down list</a:t>
             </a:r>
             <a:endParaRPr lang="ru-RU" dirty="0"/>
           </a:p>
@@ -4960,7 +5198,1293 @@
 </p:sld>
 </file>
 
-<file path=ppt/slides/slide12.xml><?xml version="1.0" encoding="utf-8"?>
+<file path=ppt/slides/slide14.xml><?xml version="1.0" encoding="utf-8"?>
+<p:sld xmlns:a="http://schemas.openxmlformats.org/drawingml/2006/main" xmlns:r="http://schemas.openxmlformats.org/officeDocument/2006/relationships" xmlns:p="http://schemas.openxmlformats.org/presentationml/2006/main">
+  <p:cSld>
+    <p:spTree>
+      <p:nvGrpSpPr>
+        <p:cNvPr id="1" name=""/>
+        <p:cNvGrpSpPr/>
+        <p:nvPr/>
+      </p:nvGrpSpPr>
+      <p:grpSpPr>
+        <a:xfrm>
+          <a:off x="0" y="0"/>
+          <a:ext cx="0" cy="0"/>
+          <a:chOff x="0" y="0"/>
+          <a:chExt cx="0" cy="0"/>
+        </a:xfrm>
+      </p:grpSpPr>
+      <p:sp>
+        <p:nvSpPr>
+          <p:cNvPr id="4" name="TextBox 3"/>
+          <p:cNvSpPr txBox="1"/>
+          <p:nvPr/>
+        </p:nvSpPr>
+        <p:spPr>
+          <a:xfrm>
+            <a:off x="457200" y="533400"/>
+            <a:ext cx="4176721" cy="630942"/>
+          </a:xfrm>
+          <a:prstGeom prst="rect">
+            <a:avLst/>
+          </a:prstGeom>
+          <a:noFill/>
+        </p:spPr>
+        <p:txBody>
+          <a:bodyPr wrap="none" rtlCol="0">
+            <a:spAutoFit/>
+          </a:bodyPr>
+          <a:lstStyle/>
+          <a:p>
+            <a:r>
+              <a:rPr lang="en-US" sz="3500" dirty="0" smtClean="0">
+                <a:solidFill>
+                  <a:schemeClr val="tx1">
+                    <a:lumMod val="65000"/>
+                    <a:lumOff val="35000"/>
+                  </a:schemeClr>
+                </a:solidFill>
+                <a:effectLst>
+                  <a:outerShdw blurRad="38100" dist="38100" dir="2700000" algn="tl">
+                    <a:srgbClr val="000000">
+                      <a:alpha val="43137"/>
+                    </a:srgbClr>
+                  </a:outerShdw>
+                </a:effectLst>
+              </a:rPr>
+              <a:t>Software Architecture</a:t>
+            </a:r>
+            <a:endParaRPr lang="en-US" sz="3500" dirty="0">
+              <a:solidFill>
+                <a:schemeClr val="tx1">
+                  <a:lumMod val="65000"/>
+                  <a:lumOff val="35000"/>
+                </a:schemeClr>
+              </a:solidFill>
+              <a:effectLst>
+                <a:outerShdw blurRad="38100" dist="38100" dir="2700000" algn="tl">
+                  <a:srgbClr val="000000">
+                    <a:alpha val="43137"/>
+                  </a:srgbClr>
+                </a:outerShdw>
+              </a:effectLst>
+            </a:endParaRPr>
+          </a:p>
+        </p:txBody>
+      </p:sp>
+      <p:sp>
+        <p:nvSpPr>
+          <p:cNvPr id="3" name="Content Placeholder 2"/>
+          <p:cNvSpPr>
+            <a:spLocks noGrp="1"/>
+          </p:cNvSpPr>
+          <p:nvPr>
+            <p:ph idx="1"/>
+          </p:nvPr>
+        </p:nvSpPr>
+        <p:spPr/>
+        <p:txBody>
+          <a:bodyPr>
+            <a:normAutofit lnSpcReduction="10000"/>
+          </a:bodyPr>
+          <a:lstStyle/>
+          <a:p>
+            <a:r>
+              <a:rPr lang="ru-RU" b="1" dirty="0" smtClean="0"/>
+              <a:t>Архитектура ПО</a:t>
+            </a:r>
+            <a:r>
+              <a:rPr lang="ru-RU" dirty="0" smtClean="0"/>
+              <a:t> - строение</a:t>
+            </a:r>
+            <a:r>
+              <a:rPr lang="ru-RU" dirty="0"/>
+              <a:t>, конфигурация программного обеспечения, высокоуровневая структура программной </a:t>
+            </a:r>
+            <a:r>
+              <a:rPr lang="ru-RU" dirty="0" smtClean="0"/>
+              <a:t>системы</a:t>
+            </a:r>
+          </a:p>
+          <a:p>
+            <a:r>
+              <a:rPr lang="ru-RU" dirty="0"/>
+              <a:t>Архитектура приложения определяет его компоненты, их функции и </a:t>
+            </a:r>
+            <a:r>
+              <a:rPr lang="ru-RU" dirty="0" smtClean="0"/>
+              <a:t>взаимодействие</a:t>
+            </a:r>
+          </a:p>
+          <a:p>
+            <a:r>
+              <a:rPr lang="en-US" dirty="0" smtClean="0">
+                <a:hlinkClick r:id="rId2"/>
+              </a:rPr>
+              <a:t>http</a:t>
+            </a:r>
+            <a:r>
+              <a:rPr lang="en-US" dirty="0">
+                <a:hlinkClick r:id="rId2"/>
+              </a:rPr>
+              <a:t>://ru.wikipedia.org/wiki/</a:t>
+            </a:r>
+            <a:r>
+              <a:rPr lang="uk-UA" dirty="0" smtClean="0">
+                <a:hlinkClick r:id="rId2"/>
+              </a:rPr>
+              <a:t>Архитектура_программного_обеспечения</a:t>
+            </a:r>
+          </a:p>
+          <a:p>
+            <a:r>
+              <a:rPr lang="en-US" dirty="0" smtClean="0">
+                <a:hlinkClick r:id="rId3"/>
+              </a:rPr>
+              <a:t>http://habrahabr.ru/post/105257/</a:t>
+            </a:r>
+            <a:endParaRPr lang="en-US" dirty="0" smtClean="0"/>
+          </a:p>
+        </p:txBody>
+      </p:sp>
+    </p:spTree>
+    <p:extLst>
+      <p:ext uri="{BB962C8B-B14F-4D97-AF65-F5344CB8AC3E}">
+        <p14:creationId xmlns:p14="http://schemas.microsoft.com/office/powerpoint/2010/main" val="2008221659"/>
+      </p:ext>
+    </p:extLst>
+  </p:cSld>
+  <p:clrMapOvr>
+    <a:masterClrMapping/>
+  </p:clrMapOvr>
+  <p:timing>
+    <p:tnLst>
+      <p:par>
+        <p:cTn id="1" dur="indefinite" restart="never" nodeType="tmRoot">
+          <p:childTnLst>
+            <p:seq concurrent="1" nextAc="seek">
+              <p:cTn id="2" dur="indefinite" nodeType="mainSeq">
+                <p:childTnLst>
+                  <p:par>
+                    <p:cTn id="3" fill="hold">
+                      <p:stCondLst>
+                        <p:cond delay="indefinite"/>
+                      </p:stCondLst>
+                      <p:childTnLst>
+                        <p:par>
+                          <p:cTn id="4" fill="hold">
+                            <p:stCondLst>
+                              <p:cond delay="0"/>
+                            </p:stCondLst>
+                            <p:childTnLst>
+                              <p:par>
+                                <p:cTn id="5" presetID="10" presetClass="entr" presetSubtype="0" fill="hold" nodeType="clickEffect">
+                                  <p:stCondLst>
+                                    <p:cond delay="0"/>
+                                  </p:stCondLst>
+                                  <p:childTnLst>
+                                    <p:set>
+                                      <p:cBhvr>
+                                        <p:cTn id="6" dur="1" fill="hold">
+                                          <p:stCondLst>
+                                            <p:cond delay="0"/>
+                                          </p:stCondLst>
+                                        </p:cTn>
+                                        <p:tgtEl>
+                                          <p:spTgt spid="3">
+                                            <p:txEl>
+                                              <p:pRg st="0" end="0"/>
+                                            </p:txEl>
+                                          </p:spTgt>
+                                        </p:tgtEl>
+                                        <p:attrNameLst>
+                                          <p:attrName>style.visibility</p:attrName>
+                                        </p:attrNameLst>
+                                      </p:cBhvr>
+                                      <p:to>
+                                        <p:strVal val="visible"/>
+                                      </p:to>
+                                    </p:set>
+                                    <p:animEffect transition="in" filter="fade">
+                                      <p:cBhvr>
+                                        <p:cTn id="7" dur="500"/>
+                                        <p:tgtEl>
+                                          <p:spTgt spid="3">
+                                            <p:txEl>
+                                              <p:pRg st="0" end="0"/>
+                                            </p:txEl>
+                                          </p:spTgt>
+                                        </p:tgtEl>
+                                      </p:cBhvr>
+                                    </p:animEffect>
+                                  </p:childTnLst>
+                                </p:cTn>
+                              </p:par>
+                            </p:childTnLst>
+                          </p:cTn>
+                        </p:par>
+                      </p:childTnLst>
+                    </p:cTn>
+                  </p:par>
+                  <p:par>
+                    <p:cTn id="8" fill="hold">
+                      <p:stCondLst>
+                        <p:cond delay="indefinite"/>
+                      </p:stCondLst>
+                      <p:childTnLst>
+                        <p:par>
+                          <p:cTn id="9" fill="hold">
+                            <p:stCondLst>
+                              <p:cond delay="0"/>
+                            </p:stCondLst>
+                            <p:childTnLst>
+                              <p:par>
+                                <p:cTn id="10" presetID="10" presetClass="entr" presetSubtype="0" fill="hold" nodeType="clickEffect">
+                                  <p:stCondLst>
+                                    <p:cond delay="0"/>
+                                  </p:stCondLst>
+                                  <p:childTnLst>
+                                    <p:set>
+                                      <p:cBhvr>
+                                        <p:cTn id="11" dur="1" fill="hold">
+                                          <p:stCondLst>
+                                            <p:cond delay="0"/>
+                                          </p:stCondLst>
+                                        </p:cTn>
+                                        <p:tgtEl>
+                                          <p:spTgt spid="3">
+                                            <p:txEl>
+                                              <p:pRg st="1" end="1"/>
+                                            </p:txEl>
+                                          </p:spTgt>
+                                        </p:tgtEl>
+                                        <p:attrNameLst>
+                                          <p:attrName>style.visibility</p:attrName>
+                                        </p:attrNameLst>
+                                      </p:cBhvr>
+                                      <p:to>
+                                        <p:strVal val="visible"/>
+                                      </p:to>
+                                    </p:set>
+                                    <p:animEffect transition="in" filter="fade">
+                                      <p:cBhvr>
+                                        <p:cTn id="12" dur="500"/>
+                                        <p:tgtEl>
+                                          <p:spTgt spid="3">
+                                            <p:txEl>
+                                              <p:pRg st="1" end="1"/>
+                                            </p:txEl>
+                                          </p:spTgt>
+                                        </p:tgtEl>
+                                      </p:cBhvr>
+                                    </p:animEffect>
+                                  </p:childTnLst>
+                                </p:cTn>
+                              </p:par>
+                            </p:childTnLst>
+                          </p:cTn>
+                        </p:par>
+                      </p:childTnLst>
+                    </p:cTn>
+                  </p:par>
+                  <p:par>
+                    <p:cTn id="13" fill="hold">
+                      <p:stCondLst>
+                        <p:cond delay="indefinite"/>
+                      </p:stCondLst>
+                      <p:childTnLst>
+                        <p:par>
+                          <p:cTn id="14" fill="hold">
+                            <p:stCondLst>
+                              <p:cond delay="0"/>
+                            </p:stCondLst>
+                            <p:childTnLst>
+                              <p:par>
+                                <p:cTn id="15" presetID="10" presetClass="entr" presetSubtype="0" fill="hold" nodeType="clickEffect">
+                                  <p:stCondLst>
+                                    <p:cond delay="0"/>
+                                  </p:stCondLst>
+                                  <p:childTnLst>
+                                    <p:set>
+                                      <p:cBhvr>
+                                        <p:cTn id="16" dur="1" fill="hold">
+                                          <p:stCondLst>
+                                            <p:cond delay="0"/>
+                                          </p:stCondLst>
+                                        </p:cTn>
+                                        <p:tgtEl>
+                                          <p:spTgt spid="3">
+                                            <p:txEl>
+                                              <p:pRg st="2" end="2"/>
+                                            </p:txEl>
+                                          </p:spTgt>
+                                        </p:tgtEl>
+                                        <p:attrNameLst>
+                                          <p:attrName>style.visibility</p:attrName>
+                                        </p:attrNameLst>
+                                      </p:cBhvr>
+                                      <p:to>
+                                        <p:strVal val="visible"/>
+                                      </p:to>
+                                    </p:set>
+                                    <p:animEffect transition="in" filter="fade">
+                                      <p:cBhvr>
+                                        <p:cTn id="17" dur="500"/>
+                                        <p:tgtEl>
+                                          <p:spTgt spid="3">
+                                            <p:txEl>
+                                              <p:pRg st="2" end="2"/>
+                                            </p:txEl>
+                                          </p:spTgt>
+                                        </p:tgtEl>
+                                      </p:cBhvr>
+                                    </p:animEffect>
+                                  </p:childTnLst>
+                                </p:cTn>
+                              </p:par>
+                            </p:childTnLst>
+                          </p:cTn>
+                        </p:par>
+                      </p:childTnLst>
+                    </p:cTn>
+                  </p:par>
+                  <p:par>
+                    <p:cTn id="18" fill="hold">
+                      <p:stCondLst>
+                        <p:cond delay="indefinite"/>
+                      </p:stCondLst>
+                      <p:childTnLst>
+                        <p:par>
+                          <p:cTn id="19" fill="hold">
+                            <p:stCondLst>
+                              <p:cond delay="0"/>
+                            </p:stCondLst>
+                            <p:childTnLst>
+                              <p:par>
+                                <p:cTn id="20" presetID="10" presetClass="entr" presetSubtype="0" fill="hold" nodeType="clickEffect">
+                                  <p:stCondLst>
+                                    <p:cond delay="0"/>
+                                  </p:stCondLst>
+                                  <p:childTnLst>
+                                    <p:set>
+                                      <p:cBhvr>
+                                        <p:cTn id="21" dur="1" fill="hold">
+                                          <p:stCondLst>
+                                            <p:cond delay="0"/>
+                                          </p:stCondLst>
+                                        </p:cTn>
+                                        <p:tgtEl>
+                                          <p:spTgt spid="3">
+                                            <p:txEl>
+                                              <p:pRg st="3" end="3"/>
+                                            </p:txEl>
+                                          </p:spTgt>
+                                        </p:tgtEl>
+                                        <p:attrNameLst>
+                                          <p:attrName>style.visibility</p:attrName>
+                                        </p:attrNameLst>
+                                      </p:cBhvr>
+                                      <p:to>
+                                        <p:strVal val="visible"/>
+                                      </p:to>
+                                    </p:set>
+                                    <p:animEffect transition="in" filter="fade">
+                                      <p:cBhvr>
+                                        <p:cTn id="22" dur="500"/>
+                                        <p:tgtEl>
+                                          <p:spTgt spid="3">
+                                            <p:txEl>
+                                              <p:pRg st="3" end="3"/>
+                                            </p:txEl>
+                                          </p:spTgt>
+                                        </p:tgtEl>
+                                      </p:cBhvr>
+                                    </p:animEffect>
+                                  </p:childTnLst>
+                                </p:cTn>
+                              </p:par>
+                            </p:childTnLst>
+                          </p:cTn>
+                        </p:par>
+                      </p:childTnLst>
+                    </p:cTn>
+                  </p:par>
+                </p:childTnLst>
+              </p:cTn>
+              <p:prevCondLst>
+                <p:cond evt="onPrev" delay="0">
+                  <p:tgtEl>
+                    <p:sldTgt/>
+                  </p:tgtEl>
+                </p:cond>
+              </p:prevCondLst>
+              <p:nextCondLst>
+                <p:cond evt="onNext" delay="0">
+                  <p:tgtEl>
+                    <p:sldTgt/>
+                  </p:tgtEl>
+                </p:cond>
+              </p:nextCondLst>
+            </p:seq>
+          </p:childTnLst>
+        </p:cTn>
+      </p:par>
+    </p:tnLst>
+  </p:timing>
+</p:sld>
+</file>
+
+<file path=ppt/slides/slide15.xml><?xml version="1.0" encoding="utf-8"?>
+<p:sld xmlns:a="http://schemas.openxmlformats.org/drawingml/2006/main" xmlns:r="http://schemas.openxmlformats.org/officeDocument/2006/relationships" xmlns:p="http://schemas.openxmlformats.org/presentationml/2006/main">
+  <p:cSld>
+    <p:spTree>
+      <p:nvGrpSpPr>
+        <p:cNvPr id="1" name=""/>
+        <p:cNvGrpSpPr/>
+        <p:nvPr/>
+      </p:nvGrpSpPr>
+      <p:grpSpPr>
+        <a:xfrm>
+          <a:off x="0" y="0"/>
+          <a:ext cx="0" cy="0"/>
+          <a:chOff x="0" y="0"/>
+          <a:chExt cx="0" cy="0"/>
+        </a:xfrm>
+      </p:grpSpPr>
+      <p:sp>
+        <p:nvSpPr>
+          <p:cNvPr id="4" name="TextBox 3"/>
+          <p:cNvSpPr txBox="1"/>
+          <p:nvPr/>
+        </p:nvSpPr>
+        <p:spPr>
+          <a:xfrm>
+            <a:off x="457200" y="533400"/>
+            <a:ext cx="7641836" cy="630942"/>
+          </a:xfrm>
+          <a:prstGeom prst="rect">
+            <a:avLst/>
+          </a:prstGeom>
+          <a:noFill/>
+        </p:spPr>
+        <p:txBody>
+          <a:bodyPr wrap="none" rtlCol="0">
+            <a:spAutoFit/>
+          </a:bodyPr>
+          <a:lstStyle/>
+          <a:p>
+            <a:r>
+              <a:rPr lang="en-US" sz="3500" dirty="0" smtClean="0">
+                <a:solidFill>
+                  <a:schemeClr val="tx1">
+                    <a:lumMod val="65000"/>
+                    <a:lumOff val="35000"/>
+                  </a:schemeClr>
+                </a:solidFill>
+                <a:effectLst>
+                  <a:outerShdw blurRad="38100" dist="38100" dir="2700000" algn="tl">
+                    <a:srgbClr val="000000">
+                      <a:alpha val="43137"/>
+                    </a:srgbClr>
+                  </a:outerShdw>
+                </a:effectLst>
+              </a:rPr>
+              <a:t>Software Architecture – </a:t>
+            </a:r>
+            <a:r>
+              <a:rPr lang="ru-RU" sz="3500" dirty="0" smtClean="0">
+                <a:solidFill>
+                  <a:schemeClr val="tx1">
+                    <a:lumMod val="65000"/>
+                    <a:lumOff val="35000"/>
+                  </a:schemeClr>
+                </a:solidFill>
+                <a:effectLst>
+                  <a:outerShdw blurRad="38100" dist="38100" dir="2700000" algn="tl">
+                    <a:srgbClr val="000000">
+                      <a:alpha val="43137"/>
+                    </a:srgbClr>
+                  </a:outerShdw>
+                </a:effectLst>
+              </a:rPr>
+              <a:t>Одноуровневая</a:t>
+            </a:r>
+            <a:endParaRPr lang="en-US" sz="3500" dirty="0">
+              <a:solidFill>
+                <a:schemeClr val="tx1">
+                  <a:lumMod val="65000"/>
+                  <a:lumOff val="35000"/>
+                </a:schemeClr>
+              </a:solidFill>
+              <a:effectLst>
+                <a:outerShdw blurRad="38100" dist="38100" dir="2700000" algn="tl">
+                  <a:srgbClr val="000000">
+                    <a:alpha val="43137"/>
+                  </a:srgbClr>
+                </a:outerShdw>
+              </a:effectLst>
+            </a:endParaRPr>
+          </a:p>
+        </p:txBody>
+      </p:sp>
+      <p:pic>
+        <p:nvPicPr>
+          <p:cNvPr id="14" name="Picture 2"/>
+          <p:cNvPicPr>
+            <a:picLocks noChangeAspect="1" noChangeArrowheads="1"/>
+          </p:cNvPicPr>
+          <p:nvPr/>
+        </p:nvPicPr>
+        <p:blipFill>
+          <a:blip r:embed="rId2" cstate="print">
+            <a:extLst>
+              <a:ext uri="{28A0092B-C50C-407E-A947-70E740481C1C}">
+                <a14:useLocalDpi xmlns:a14="http://schemas.microsoft.com/office/drawing/2010/main" val="0"/>
+              </a:ext>
+            </a:extLst>
+          </a:blip>
+          <a:srcRect/>
+          <a:stretch>
+            <a:fillRect/>
+          </a:stretch>
+        </p:blipFill>
+        <p:spPr bwMode="auto">
+          <a:xfrm>
+            <a:off x="3492500" y="2060848"/>
+            <a:ext cx="1590675" cy="2009775"/>
+          </a:xfrm>
+          <a:prstGeom prst="rect">
+            <a:avLst/>
+          </a:prstGeom>
+          <a:noFill/>
+          <a:ln>
+            <a:noFill/>
+          </a:ln>
+          <a:effectLst/>
+          <a:extLst>
+            <a:ext uri="{909E8E84-426E-40DD-AFC4-6F175D3DCCD1}">
+              <a14:hiddenFill xmlns:a14="http://schemas.microsoft.com/office/drawing/2010/main">
+                <a:solidFill>
+                  <a:schemeClr val="accent1"/>
+                </a:solidFill>
+              </a14:hiddenFill>
+            </a:ext>
+            <a:ext uri="{91240B29-F687-4F45-9708-019B960494DF}">
+              <a14:hiddenLine xmlns:a14="http://schemas.microsoft.com/office/drawing/2010/main" w="9525">
+                <a:solidFill>
+                  <a:schemeClr val="tx1"/>
+                </a:solidFill>
+                <a:miter lim="800000"/>
+                <a:headEnd/>
+                <a:tailEnd/>
+              </a14:hiddenLine>
+            </a:ext>
+            <a:ext uri="{AF507438-7753-43E0-B8FC-AC1667EBCBE1}">
+              <a14:hiddenEffects xmlns:a14="http://schemas.microsoft.com/office/drawing/2010/main">
+                <a:effectLst>
+                  <a:outerShdw dist="35921" dir="2700000" algn="ctr" rotWithShape="0">
+                    <a:schemeClr val="bg2"/>
+                  </a:outerShdw>
+                </a:effectLst>
+              </a14:hiddenEffects>
+            </a:ext>
+          </a:extLst>
+        </p:spPr>
+      </p:pic>
+      <p:sp>
+        <p:nvSpPr>
+          <p:cNvPr id="2" name="Rectangle 1"/>
+          <p:cNvSpPr/>
+          <p:nvPr/>
+        </p:nvSpPr>
+        <p:spPr>
+          <a:xfrm>
+            <a:off x="890374" y="4365104"/>
+            <a:ext cx="7363252" cy="1384995"/>
+          </a:xfrm>
+          <a:prstGeom prst="rect">
+            <a:avLst/>
+          </a:prstGeom>
+        </p:spPr>
+        <p:txBody>
+          <a:bodyPr>
+            <a:spAutoFit/>
+          </a:bodyPr>
+          <a:lstStyle/>
+          <a:p>
+            <a:r>
+              <a:rPr lang="ru-RU" sz="2800" b="1" dirty="0"/>
+              <a:t>Одно-ранговая архитектура</a:t>
+            </a:r>
+            <a:r>
+              <a:rPr lang="ru-RU" sz="2800" dirty="0"/>
+              <a:t> – приложение является вещью «само в себе»</a:t>
+            </a:r>
+            <a:endParaRPr lang="en-US" sz="2800" dirty="0"/>
+          </a:p>
+        </p:txBody>
+      </p:sp>
+    </p:spTree>
+    <p:extLst>
+      <p:ext uri="{BB962C8B-B14F-4D97-AF65-F5344CB8AC3E}">
+        <p14:creationId xmlns:p14="http://schemas.microsoft.com/office/powerpoint/2010/main" val="3428582928"/>
+      </p:ext>
+    </p:extLst>
+  </p:cSld>
+  <p:clrMapOvr>
+    <a:masterClrMapping/>
+  </p:clrMapOvr>
+  <p:timing>
+    <p:tnLst>
+      <p:par>
+        <p:cTn id="1" dur="indefinite" restart="never" nodeType="tmRoot"/>
+      </p:par>
+    </p:tnLst>
+  </p:timing>
+</p:sld>
+</file>
+
+<file path=ppt/slides/slide16.xml><?xml version="1.0" encoding="utf-8"?>
+<p:sld xmlns:a="http://schemas.openxmlformats.org/drawingml/2006/main" xmlns:r="http://schemas.openxmlformats.org/officeDocument/2006/relationships" xmlns:p="http://schemas.openxmlformats.org/presentationml/2006/main">
+  <p:cSld>
+    <p:spTree>
+      <p:nvGrpSpPr>
+        <p:cNvPr id="1" name=""/>
+        <p:cNvGrpSpPr/>
+        <p:nvPr/>
+      </p:nvGrpSpPr>
+      <p:grpSpPr>
+        <a:xfrm>
+          <a:off x="0" y="0"/>
+          <a:ext cx="0" cy="0"/>
+          <a:chOff x="0" y="0"/>
+          <a:chExt cx="0" cy="0"/>
+        </a:xfrm>
+      </p:grpSpPr>
+      <p:sp>
+        <p:nvSpPr>
+          <p:cNvPr id="4" name="TextBox 3"/>
+          <p:cNvSpPr txBox="1"/>
+          <p:nvPr/>
+        </p:nvSpPr>
+        <p:spPr>
+          <a:xfrm>
+            <a:off x="457200" y="533400"/>
+            <a:ext cx="7529818" cy="630942"/>
+          </a:xfrm>
+          <a:prstGeom prst="rect">
+            <a:avLst/>
+          </a:prstGeom>
+          <a:noFill/>
+        </p:spPr>
+        <p:txBody>
+          <a:bodyPr wrap="none" rtlCol="0">
+            <a:spAutoFit/>
+          </a:bodyPr>
+          <a:lstStyle/>
+          <a:p>
+            <a:r>
+              <a:rPr lang="en-US" sz="3500" dirty="0" smtClean="0">
+                <a:solidFill>
+                  <a:schemeClr val="tx1">
+                    <a:lumMod val="65000"/>
+                    <a:lumOff val="35000"/>
+                  </a:schemeClr>
+                </a:solidFill>
+                <a:effectLst>
+                  <a:outerShdw blurRad="38100" dist="38100" dir="2700000" algn="tl">
+                    <a:srgbClr val="000000">
+                      <a:alpha val="43137"/>
+                    </a:srgbClr>
+                  </a:outerShdw>
+                </a:effectLst>
+              </a:rPr>
+              <a:t>Software Architecture – </a:t>
+            </a:r>
+            <a:r>
+              <a:rPr lang="ru-RU" sz="3500" dirty="0" smtClean="0">
+                <a:solidFill>
+                  <a:schemeClr val="tx1">
+                    <a:lumMod val="65000"/>
+                    <a:lumOff val="35000"/>
+                  </a:schemeClr>
+                </a:solidFill>
+                <a:effectLst>
+                  <a:outerShdw blurRad="38100" dist="38100" dir="2700000" algn="tl">
+                    <a:srgbClr val="000000">
+                      <a:alpha val="43137"/>
+                    </a:srgbClr>
+                  </a:outerShdw>
+                </a:effectLst>
+              </a:rPr>
+              <a:t>Двухуровневая</a:t>
+            </a:r>
+            <a:endParaRPr lang="en-US" sz="3500" dirty="0">
+              <a:solidFill>
+                <a:schemeClr val="tx1">
+                  <a:lumMod val="65000"/>
+                  <a:lumOff val="35000"/>
+                </a:schemeClr>
+              </a:solidFill>
+              <a:effectLst>
+                <a:outerShdw blurRad="38100" dist="38100" dir="2700000" algn="tl">
+                  <a:srgbClr val="000000">
+                    <a:alpha val="43137"/>
+                  </a:srgbClr>
+                </a:outerShdw>
+              </a:effectLst>
+            </a:endParaRPr>
+          </a:p>
+        </p:txBody>
+      </p:sp>
+      <p:pic>
+        <p:nvPicPr>
+          <p:cNvPr id="6" name="Picture 4"/>
+          <p:cNvPicPr>
+            <a:picLocks noChangeAspect="1" noChangeArrowheads="1"/>
+          </p:cNvPicPr>
+          <p:nvPr/>
+        </p:nvPicPr>
+        <p:blipFill>
+          <a:blip r:embed="rId2" cstate="print">
+            <a:extLst>
+              <a:ext uri="{28A0092B-C50C-407E-A947-70E740481C1C}">
+                <a14:useLocalDpi xmlns:a14="http://schemas.microsoft.com/office/drawing/2010/main" val="0"/>
+              </a:ext>
+            </a:extLst>
+          </a:blip>
+          <a:srcRect/>
+          <a:stretch>
+            <a:fillRect/>
+          </a:stretch>
+        </p:blipFill>
+        <p:spPr bwMode="auto">
+          <a:xfrm>
+            <a:off x="2915816" y="1174626"/>
+            <a:ext cx="2809875" cy="2038350"/>
+          </a:xfrm>
+          <a:prstGeom prst="rect">
+            <a:avLst/>
+          </a:prstGeom>
+          <a:noFill/>
+          <a:ln>
+            <a:noFill/>
+          </a:ln>
+          <a:effectLst/>
+          <a:extLst>
+            <a:ext uri="{909E8E84-426E-40DD-AFC4-6F175D3DCCD1}">
+              <a14:hiddenFill xmlns:a14="http://schemas.microsoft.com/office/drawing/2010/main">
+                <a:solidFill>
+                  <a:schemeClr val="accent1"/>
+                </a:solidFill>
+              </a14:hiddenFill>
+            </a:ext>
+            <a:ext uri="{91240B29-F687-4F45-9708-019B960494DF}">
+              <a14:hiddenLine xmlns:a14="http://schemas.microsoft.com/office/drawing/2010/main" w="9525">
+                <a:solidFill>
+                  <a:schemeClr val="tx1"/>
+                </a:solidFill>
+                <a:miter lim="800000"/>
+                <a:headEnd/>
+                <a:tailEnd/>
+              </a14:hiddenLine>
+            </a:ext>
+            <a:ext uri="{AF507438-7753-43E0-B8FC-AC1667EBCBE1}">
+              <a14:hiddenEffects xmlns:a14="http://schemas.microsoft.com/office/drawing/2010/main">
+                <a:effectLst>
+                  <a:outerShdw dist="35921" dir="2700000" algn="ctr" rotWithShape="0">
+                    <a:schemeClr val="bg2"/>
+                  </a:outerShdw>
+                </a:effectLst>
+              </a14:hiddenEffects>
+            </a:ext>
+          </a:extLst>
+        </p:spPr>
+      </p:pic>
+      <p:sp>
+        <p:nvSpPr>
+          <p:cNvPr id="5" name="Rectangle 4"/>
+          <p:cNvSpPr/>
+          <p:nvPr/>
+        </p:nvSpPr>
+        <p:spPr>
+          <a:xfrm>
+            <a:off x="522212" y="3343632"/>
+            <a:ext cx="8099577" cy="2677656"/>
+          </a:xfrm>
+          <a:prstGeom prst="rect">
+            <a:avLst/>
+          </a:prstGeom>
+        </p:spPr>
+        <p:txBody>
+          <a:bodyPr>
+            <a:spAutoFit/>
+          </a:bodyPr>
+          <a:lstStyle/>
+          <a:p>
+            <a:r>
+              <a:rPr lang="ru-RU" sz="2400" b="1" dirty="0"/>
+              <a:t>Двухуровневая</a:t>
+            </a:r>
+            <a:r>
+              <a:rPr lang="ru-RU" sz="2400" dirty="0"/>
+              <a:t> архитектура предполагает взаимодействие 2-х программных модулей – клиентского и </a:t>
+            </a:r>
+            <a:r>
+              <a:rPr lang="ru-RU" sz="2400" dirty="0" smtClean="0"/>
+              <a:t>серверного</a:t>
+            </a:r>
+            <a:br>
+              <a:rPr lang="ru-RU" sz="2400" dirty="0" smtClean="0"/>
+            </a:br>
+            <a:r>
+              <a:rPr lang="ru-RU" sz="2400" b="1" dirty="0" smtClean="0"/>
+              <a:t>Клиент-серверная архитектура</a:t>
+            </a:r>
+            <a:r>
+              <a:rPr lang="en-US" sz="2400" b="1" dirty="0"/>
+              <a:t> </a:t>
+            </a:r>
+            <a:r>
+              <a:rPr lang="ru-RU" sz="2400" b="1" dirty="0"/>
+              <a:t>(</a:t>
+            </a:r>
+            <a:r>
+              <a:rPr lang="ru-RU" sz="2400" dirty="0"/>
+              <a:t>англ.</a:t>
+            </a:r>
+            <a:r>
+              <a:rPr lang="en-US" sz="2400" dirty="0"/>
+              <a:t> </a:t>
+            </a:r>
+            <a:r>
+              <a:rPr lang="ru-RU" sz="2400" b="1" dirty="0"/>
+              <a:t>Client-server)</a:t>
+            </a:r>
+            <a:r>
+              <a:rPr lang="ru-RU" sz="2400" dirty="0"/>
+              <a:t> — вычислительная или сетевая архитектура, в которой </a:t>
+            </a:r>
+            <a:r>
+              <a:rPr lang="ru-RU" sz="2400" dirty="0" smtClean="0"/>
+              <a:t>работа и нагрузка </a:t>
+            </a:r>
+            <a:r>
+              <a:rPr lang="ru-RU" sz="2400" dirty="0"/>
+              <a:t>распределены между поставщиками </a:t>
+            </a:r>
+            <a:r>
+              <a:rPr lang="ru-RU" sz="2400" dirty="0" smtClean="0"/>
+              <a:t>данных и / или услуг, </a:t>
+            </a:r>
+            <a:r>
+              <a:rPr lang="ru-RU" sz="2400" dirty="0"/>
+              <a:t>называемыми </a:t>
+            </a:r>
+            <a:r>
+              <a:rPr lang="ru-RU" sz="2400" b="1" dirty="0"/>
+              <a:t>серверами</a:t>
+            </a:r>
+            <a:r>
+              <a:rPr lang="ru-RU" sz="2400" dirty="0"/>
+              <a:t>, и заказчиками </a:t>
+            </a:r>
+            <a:r>
+              <a:rPr lang="ru-RU" sz="2400" dirty="0" smtClean="0"/>
+              <a:t>данных / услуг</a:t>
+            </a:r>
+            <a:r>
+              <a:rPr lang="ru-RU" sz="2400" dirty="0"/>
+              <a:t>, называемыми </a:t>
+            </a:r>
+            <a:r>
+              <a:rPr lang="ru-RU" sz="2400" b="1" dirty="0"/>
+              <a:t>клиентами</a:t>
+            </a:r>
+            <a:endParaRPr lang="en-US" sz="2400" dirty="0"/>
+          </a:p>
+        </p:txBody>
+      </p:sp>
+    </p:spTree>
+    <p:extLst>
+      <p:ext uri="{BB962C8B-B14F-4D97-AF65-F5344CB8AC3E}">
+        <p14:creationId xmlns:p14="http://schemas.microsoft.com/office/powerpoint/2010/main" val="2829754604"/>
+      </p:ext>
+    </p:extLst>
+  </p:cSld>
+  <p:clrMapOvr>
+    <a:masterClrMapping/>
+  </p:clrMapOvr>
+  <p:timing>
+    <p:tnLst>
+      <p:par>
+        <p:cTn id="1" dur="indefinite" restart="never" nodeType="tmRoot"/>
+      </p:par>
+    </p:tnLst>
+  </p:timing>
+</p:sld>
+</file>
+
+<file path=ppt/slides/slide17.xml><?xml version="1.0" encoding="utf-8"?>
+<p:sld xmlns:a="http://schemas.openxmlformats.org/drawingml/2006/main" xmlns:r="http://schemas.openxmlformats.org/officeDocument/2006/relationships" xmlns:p="http://schemas.openxmlformats.org/presentationml/2006/main">
+  <p:cSld>
+    <p:spTree>
+      <p:nvGrpSpPr>
+        <p:cNvPr id="1" name=""/>
+        <p:cNvGrpSpPr/>
+        <p:nvPr/>
+      </p:nvGrpSpPr>
+      <p:grpSpPr>
+        <a:xfrm>
+          <a:off x="0" y="0"/>
+          <a:ext cx="0" cy="0"/>
+          <a:chOff x="0" y="0"/>
+          <a:chExt cx="0" cy="0"/>
+        </a:xfrm>
+      </p:grpSpPr>
+      <p:sp>
+        <p:nvSpPr>
+          <p:cNvPr id="4" name="TextBox 3"/>
+          <p:cNvSpPr txBox="1"/>
+          <p:nvPr/>
+        </p:nvSpPr>
+        <p:spPr>
+          <a:xfrm>
+            <a:off x="457200" y="533400"/>
+            <a:ext cx="7466981" cy="630942"/>
+          </a:xfrm>
+          <a:prstGeom prst="rect">
+            <a:avLst/>
+          </a:prstGeom>
+          <a:noFill/>
+        </p:spPr>
+        <p:txBody>
+          <a:bodyPr wrap="none" rtlCol="0">
+            <a:spAutoFit/>
+          </a:bodyPr>
+          <a:lstStyle/>
+          <a:p>
+            <a:r>
+              <a:rPr lang="en-US" sz="3500" dirty="0" smtClean="0">
+                <a:solidFill>
+                  <a:schemeClr val="tx1">
+                    <a:lumMod val="65000"/>
+                    <a:lumOff val="35000"/>
+                  </a:schemeClr>
+                </a:solidFill>
+                <a:effectLst>
+                  <a:outerShdw blurRad="38100" dist="38100" dir="2700000" algn="tl">
+                    <a:srgbClr val="000000">
+                      <a:alpha val="43137"/>
+                    </a:srgbClr>
+                  </a:outerShdw>
+                </a:effectLst>
+              </a:rPr>
+              <a:t>Software Architecture – </a:t>
+            </a:r>
+            <a:r>
+              <a:rPr lang="ru-RU" sz="3500" dirty="0" smtClean="0">
+                <a:solidFill>
+                  <a:schemeClr val="tx1">
+                    <a:lumMod val="65000"/>
+                    <a:lumOff val="35000"/>
+                  </a:schemeClr>
+                </a:solidFill>
+                <a:effectLst>
+                  <a:outerShdw blurRad="38100" dist="38100" dir="2700000" algn="tl">
+                    <a:srgbClr val="000000">
+                      <a:alpha val="43137"/>
+                    </a:srgbClr>
+                  </a:outerShdw>
+                </a:effectLst>
+              </a:rPr>
+              <a:t>Трехуровневая</a:t>
+            </a:r>
+            <a:endParaRPr lang="en-US" sz="3500" dirty="0">
+              <a:solidFill>
+                <a:schemeClr val="tx1">
+                  <a:lumMod val="65000"/>
+                  <a:lumOff val="35000"/>
+                </a:schemeClr>
+              </a:solidFill>
+              <a:effectLst>
+                <a:outerShdw blurRad="38100" dist="38100" dir="2700000" algn="tl">
+                  <a:srgbClr val="000000">
+                    <a:alpha val="43137"/>
+                  </a:srgbClr>
+                </a:outerShdw>
+              </a:effectLst>
+            </a:endParaRPr>
+          </a:p>
+        </p:txBody>
+      </p:sp>
+      <p:pic>
+        <p:nvPicPr>
+          <p:cNvPr id="5" name="Picture 4"/>
+          <p:cNvPicPr>
+            <a:picLocks noChangeAspect="1" noChangeArrowheads="1"/>
+          </p:cNvPicPr>
+          <p:nvPr/>
+        </p:nvPicPr>
+        <p:blipFill>
+          <a:blip r:embed="rId2" cstate="print">
+            <a:extLst>
+              <a:ext uri="{28A0092B-C50C-407E-A947-70E740481C1C}">
+                <a14:useLocalDpi xmlns:a14="http://schemas.microsoft.com/office/drawing/2010/main" val="0"/>
+              </a:ext>
+            </a:extLst>
+          </a:blip>
+          <a:srcRect/>
+          <a:stretch>
+            <a:fillRect/>
+          </a:stretch>
+        </p:blipFill>
+        <p:spPr bwMode="auto">
+          <a:xfrm>
+            <a:off x="1835150" y="1268760"/>
+            <a:ext cx="5210175" cy="2047875"/>
+          </a:xfrm>
+          <a:prstGeom prst="rect">
+            <a:avLst/>
+          </a:prstGeom>
+          <a:noFill/>
+          <a:ln>
+            <a:noFill/>
+          </a:ln>
+          <a:effectLst/>
+          <a:extLst>
+            <a:ext uri="{909E8E84-426E-40DD-AFC4-6F175D3DCCD1}">
+              <a14:hiddenFill xmlns:a14="http://schemas.microsoft.com/office/drawing/2010/main">
+                <a:solidFill>
+                  <a:schemeClr val="accent1"/>
+                </a:solidFill>
+              </a14:hiddenFill>
+            </a:ext>
+            <a:ext uri="{91240B29-F687-4F45-9708-019B960494DF}">
+              <a14:hiddenLine xmlns:a14="http://schemas.microsoft.com/office/drawing/2010/main" w="9525">
+                <a:solidFill>
+                  <a:schemeClr val="tx1"/>
+                </a:solidFill>
+                <a:miter lim="800000"/>
+                <a:headEnd/>
+                <a:tailEnd/>
+              </a14:hiddenLine>
+            </a:ext>
+            <a:ext uri="{AF507438-7753-43E0-B8FC-AC1667EBCBE1}">
+              <a14:hiddenEffects xmlns:a14="http://schemas.microsoft.com/office/drawing/2010/main">
+                <a:effectLst>
+                  <a:outerShdw dist="35921" dir="2700000" algn="ctr" rotWithShape="0">
+                    <a:schemeClr val="bg2"/>
+                  </a:outerShdw>
+                </a:effectLst>
+              </a14:hiddenEffects>
+            </a:ext>
+          </a:extLst>
+        </p:spPr>
+      </p:pic>
+      <p:sp>
+        <p:nvSpPr>
+          <p:cNvPr id="6" name="Rectangle 5"/>
+          <p:cNvSpPr/>
+          <p:nvPr/>
+        </p:nvSpPr>
+        <p:spPr>
+          <a:xfrm>
+            <a:off x="522212" y="3356992"/>
+            <a:ext cx="8099577" cy="2923877"/>
+          </a:xfrm>
+          <a:prstGeom prst="rect">
+            <a:avLst/>
+          </a:prstGeom>
+        </p:spPr>
+        <p:txBody>
+          <a:bodyPr>
+            <a:spAutoFit/>
+          </a:bodyPr>
+          <a:lstStyle/>
+          <a:p>
+            <a:r>
+              <a:rPr lang="ru-RU" sz="2000" b="1" dirty="0"/>
+              <a:t>Трёхслойная архитектура. </a:t>
+            </a:r>
+            <a:r>
+              <a:rPr lang="ru-RU" sz="2000" dirty="0"/>
+              <a:t>предполагает наличие следующих компонентов приложения</a:t>
+            </a:r>
+            <a:r>
+              <a:rPr lang="ru-RU" sz="2000" dirty="0" smtClean="0"/>
+              <a:t>:</a:t>
+            </a:r>
+          </a:p>
+          <a:p>
+            <a:pPr marL="342900" indent="-342900">
+              <a:buFontTx/>
+              <a:buChar char="-"/>
+            </a:pPr>
+            <a:r>
+              <a:rPr lang="ru-RU" sz="2000" dirty="0" smtClean="0"/>
+              <a:t>уровень </a:t>
+            </a:r>
+            <a:r>
+              <a:rPr lang="ru-RU" sz="2000" dirty="0"/>
+              <a:t>представления данных – это по сути интерфейс </a:t>
+            </a:r>
+            <a:r>
+              <a:rPr lang="ru-RU" sz="2000" dirty="0" smtClean="0"/>
+              <a:t>пользователя в приложении</a:t>
+            </a:r>
+          </a:p>
+          <a:p>
+            <a:pPr marL="342900" indent="-342900">
+              <a:buFontTx/>
+              <a:buChar char="-"/>
+            </a:pPr>
+            <a:r>
+              <a:rPr lang="ru-RU" sz="2000" dirty="0" smtClean="0"/>
+              <a:t>прикладной </a:t>
+            </a:r>
+            <a:r>
+              <a:rPr lang="ru-RU" sz="2000" dirty="0"/>
+              <a:t>уровень – реализует основную логику использования, на котором осуществляется обработка </a:t>
+            </a:r>
+            <a:r>
+              <a:rPr lang="ru-RU" sz="2000" dirty="0" smtClean="0"/>
+              <a:t>информации</a:t>
+            </a:r>
+          </a:p>
+          <a:p>
+            <a:pPr marL="342900" indent="-342900">
+              <a:buFontTx/>
+              <a:buChar char="-"/>
+            </a:pPr>
+            <a:r>
+              <a:rPr lang="ru-RU" sz="2000" dirty="0" smtClean="0"/>
+              <a:t>уровень </a:t>
+            </a:r>
+            <a:r>
+              <a:rPr lang="ru-RU" sz="2000" dirty="0"/>
+              <a:t>управления данными, который обеспечивает хранение данных и доступ к </a:t>
+            </a:r>
+            <a:r>
+              <a:rPr lang="ru-RU" sz="2000" dirty="0" smtClean="0"/>
+              <a:t>ним</a:t>
+            </a:r>
+          </a:p>
+          <a:p>
+            <a:r>
+              <a:rPr lang="ru-RU" sz="2400" b="1" dirty="0" smtClean="0"/>
+              <a:t>Это клиент-серверная архитектура или нет?</a:t>
+            </a:r>
+            <a:endParaRPr lang="en-US" sz="2400" b="1" dirty="0"/>
+          </a:p>
+        </p:txBody>
+      </p:sp>
+    </p:spTree>
+    <p:extLst>
+      <p:ext uri="{BB962C8B-B14F-4D97-AF65-F5344CB8AC3E}">
+        <p14:creationId xmlns:p14="http://schemas.microsoft.com/office/powerpoint/2010/main" val="2829754604"/>
+      </p:ext>
+    </p:extLst>
+  </p:cSld>
+  <p:clrMapOvr>
+    <a:masterClrMapping/>
+  </p:clrMapOvr>
+  <p:timing>
+    <p:tnLst>
+      <p:par>
+        <p:cTn id="1" dur="indefinite" restart="never" nodeType="tmRoot">
+          <p:childTnLst>
+            <p:seq concurrent="1" nextAc="seek">
+              <p:cTn id="2" dur="indefinite" nodeType="mainSeq">
+                <p:childTnLst>
+                  <p:par>
+                    <p:cTn id="3" fill="hold">
+                      <p:stCondLst>
+                        <p:cond delay="indefinite"/>
+                      </p:stCondLst>
+                      <p:childTnLst>
+                        <p:par>
+                          <p:cTn id="4" fill="hold">
+                            <p:stCondLst>
+                              <p:cond delay="0"/>
+                            </p:stCondLst>
+                            <p:childTnLst>
+                              <p:par>
+                                <p:cTn id="5" presetID="10" presetClass="entr" presetSubtype="0" fill="hold" nodeType="clickEffect">
+                                  <p:stCondLst>
+                                    <p:cond delay="0"/>
+                                  </p:stCondLst>
+                                  <p:childTnLst>
+                                    <p:set>
+                                      <p:cBhvr>
+                                        <p:cTn id="6" dur="1" fill="hold">
+                                          <p:stCondLst>
+                                            <p:cond delay="0"/>
+                                          </p:stCondLst>
+                                        </p:cTn>
+                                        <p:tgtEl>
+                                          <p:spTgt spid="6">
+                                            <p:txEl>
+                                              <p:pRg st="4" end="4"/>
+                                            </p:txEl>
+                                          </p:spTgt>
+                                        </p:tgtEl>
+                                        <p:attrNameLst>
+                                          <p:attrName>style.visibility</p:attrName>
+                                        </p:attrNameLst>
+                                      </p:cBhvr>
+                                      <p:to>
+                                        <p:strVal val="visible"/>
+                                      </p:to>
+                                    </p:set>
+                                    <p:animEffect transition="in" filter="fade">
+                                      <p:cBhvr>
+                                        <p:cTn id="7" dur="500"/>
+                                        <p:tgtEl>
+                                          <p:spTgt spid="6">
+                                            <p:txEl>
+                                              <p:pRg st="4" end="4"/>
+                                            </p:txEl>
+                                          </p:spTgt>
+                                        </p:tgtEl>
+                                      </p:cBhvr>
+                                    </p:animEffect>
+                                  </p:childTnLst>
+                                </p:cTn>
+                              </p:par>
+                            </p:childTnLst>
+                          </p:cTn>
+                        </p:par>
+                      </p:childTnLst>
+                    </p:cTn>
+                  </p:par>
+                </p:childTnLst>
+              </p:cTn>
+              <p:prevCondLst>
+                <p:cond evt="onPrev" delay="0">
+                  <p:tgtEl>
+                    <p:sldTgt/>
+                  </p:tgtEl>
+                </p:cond>
+              </p:prevCondLst>
+              <p:nextCondLst>
+                <p:cond evt="onNext" delay="0">
+                  <p:tgtEl>
+                    <p:sldTgt/>
+                  </p:tgtEl>
+                </p:cond>
+              </p:nextCondLst>
+            </p:seq>
+          </p:childTnLst>
+        </p:cTn>
+      </p:par>
+    </p:tnLst>
+  </p:timing>
+</p:sld>
+</file>
+
+<file path=ppt/slides/slide18.xml><?xml version="1.0" encoding="utf-8"?>
 <p:sld xmlns:a="http://schemas.openxmlformats.org/drawingml/2006/main" xmlns:r="http://schemas.openxmlformats.org/officeDocument/2006/relationships" xmlns:p="http://schemas.openxmlformats.org/presentationml/2006/main">
   <p:cSld>
     <p:spTree>
@@ -5564,7 +7088,7 @@
 </p:sld>
 </file>
 
-<file path=ppt/slides/slide13.xml><?xml version="1.0" encoding="utf-8"?>
+<file path=ppt/slides/slide19.xml><?xml version="1.0" encoding="utf-8"?>
 <p:sld xmlns:a="http://schemas.openxmlformats.org/drawingml/2006/main" xmlns:r="http://schemas.openxmlformats.org/officeDocument/2006/relationships" xmlns:p="http://schemas.openxmlformats.org/presentationml/2006/main">
   <p:cSld>
     <p:spTree>
@@ -5590,7 +7114,7 @@
         <p:spPr>
           <a:xfrm>
             <a:off x="457200" y="533400"/>
-            <a:ext cx="7641836" cy="630942"/>
+            <a:ext cx="7012754" cy="630942"/>
           </a:xfrm>
           <a:prstGeom prst="rect">
             <a:avLst/>
@@ -5604,7 +7128,7 @@
           <a:lstStyle/>
           <a:p>
             <a:r>
-              <a:rPr lang="en-US" sz="3500" dirty="0" smtClean="0">
+              <a:rPr lang="ru-RU" sz="3500" dirty="0" smtClean="0">
                 <a:solidFill>
                   <a:schemeClr val="tx1">
                     <a:lumMod val="65000"/>
@@ -5619,25 +7143,7 @@
                   </a:outerShdw>
                 </a:effectLst>
               </a:rPr>
-              <a:t>Software Architecture – </a:t>
-            </a:r>
-            <a:r>
-              <a:rPr lang="ru-RU" sz="3500" dirty="0" smtClean="0">
-                <a:solidFill>
-                  <a:schemeClr val="tx1">
-                    <a:lumMod val="65000"/>
-                    <a:lumOff val="35000"/>
-                  </a:schemeClr>
-                </a:solidFill>
-                <a:effectLst>
-                  <a:outerShdw blurRad="38100" dist="38100" dir="2700000" algn="tl">
-                    <a:srgbClr val="000000">
-                      <a:alpha val="43137"/>
-                    </a:srgbClr>
-                  </a:outerShdw>
-                </a:effectLst>
-              </a:rPr>
-              <a:t>Одноуровневая</a:t>
+              <a:t>Системы контроля версий проектов</a:t>
             </a:r>
             <a:endParaRPr lang="en-US" sz="3500" dirty="0">
               <a:solidFill>
@@ -5657,80 +7163,146 @@
           </a:p>
         </p:txBody>
       </p:sp>
-      <p:pic>
-        <p:nvPicPr>
-          <p:cNvPr id="14" name="Picture 2"/>
-          <p:cNvPicPr>
-            <a:picLocks noChangeAspect="1" noChangeArrowheads="1"/>
-          </p:cNvPicPr>
+      <p:sp>
+        <p:nvSpPr>
+          <p:cNvPr id="2" name="Rectangle 1"/>
+          <p:cNvSpPr/>
           <p:nvPr/>
-        </p:nvPicPr>
-        <p:blipFill>
-          <a:blip r:embed="rId2" cstate="print">
-            <a:extLst>
-              <a:ext uri="{28A0092B-C50C-407E-A947-70E740481C1C}">
-                <a14:useLocalDpi xmlns:a14="http://schemas.microsoft.com/office/drawing/2010/main" val="0"/>
-              </a:ext>
-            </a:extLst>
-          </a:blip>
-          <a:srcRect/>
-          <a:stretch>
-            <a:fillRect/>
-          </a:stretch>
-        </p:blipFill>
-        <p:spPr bwMode="auto">
+        </p:nvSpPr>
+        <p:spPr>
           <a:xfrm>
-            <a:off x="3492500" y="2060848"/>
-            <a:ext cx="1590675" cy="2009775"/>
+            <a:off x="486952" y="2300679"/>
+            <a:ext cx="8170096" cy="1200329"/>
           </a:xfrm>
           <a:prstGeom prst="rect">
             <a:avLst/>
           </a:prstGeom>
-          <a:noFill/>
-          <a:ln>
-            <a:noFill/>
-          </a:ln>
-          <a:effectLst/>
-          <a:extLst>
-            <a:ext uri="{909E8E84-426E-40DD-AFC4-6F175D3DCCD1}">
-              <a14:hiddenFill xmlns:a14="http://schemas.microsoft.com/office/drawing/2010/main">
-                <a:solidFill>
-                  <a:schemeClr val="accent1"/>
-                </a:solidFill>
-              </a14:hiddenFill>
-            </a:ext>
-            <a:ext uri="{91240B29-F687-4F45-9708-019B960494DF}">
-              <a14:hiddenLine xmlns:a14="http://schemas.microsoft.com/office/drawing/2010/main" w="9525">
-                <a:solidFill>
-                  <a:schemeClr val="tx1"/>
-                </a:solidFill>
-                <a:miter lim="800000"/>
-                <a:headEnd/>
-                <a:tailEnd/>
-              </a14:hiddenLine>
-            </a:ext>
-            <a:ext uri="{AF507438-7753-43E0-B8FC-AC1667EBCBE1}">
-              <a14:hiddenEffects xmlns:a14="http://schemas.microsoft.com/office/drawing/2010/main">
-                <a:effectLst>
-                  <a:outerShdw dist="35921" dir="2700000" algn="ctr" rotWithShape="0">
-                    <a:schemeClr val="bg2"/>
-                  </a:outerShdw>
-                </a:effectLst>
-              </a14:hiddenEffects>
-            </a:ext>
-          </a:extLst>
         </p:spPr>
-      </p:pic>
+        <p:txBody>
+          <a:bodyPr wrap="square">
+            <a:spAutoFit/>
+          </a:bodyPr>
+          <a:lstStyle/>
+          <a:p>
+            <a:pPr algn="ctr"/>
+            <a:r>
+              <a:rPr lang="en-US" sz="2400" dirty="0"/>
+              <a:t>Software </a:t>
+            </a:r>
+            <a:r>
+              <a:rPr lang="en-US" sz="2400" dirty="0" smtClean="0"/>
+              <a:t>versioning</a:t>
+            </a:r>
+            <a:r>
+              <a:rPr lang="ru-RU" sz="2400" dirty="0" smtClean="0"/>
+              <a:t> - методология </a:t>
+            </a:r>
+            <a:r>
+              <a:rPr lang="ru-RU" sz="2400" dirty="0"/>
+              <a:t>изменения версий программного </a:t>
+            </a:r>
+            <a:r>
+              <a:rPr lang="ru-RU" sz="2400" dirty="0" smtClean="0"/>
+              <a:t>продукта:</a:t>
+            </a:r>
+            <a:r>
+              <a:rPr lang="ru-RU" sz="2400" u="sng" dirty="0" smtClean="0">
+                <a:hlinkClick r:id="rId2"/>
+              </a:rPr>
+              <a:t/>
+            </a:r>
+            <a:br>
+              <a:rPr lang="ru-RU" sz="2400" u="sng" dirty="0" smtClean="0">
+                <a:hlinkClick r:id="rId2"/>
+              </a:rPr>
+            </a:br>
+            <a:r>
+              <a:rPr lang="en-US" sz="2400" u="sng" dirty="0" smtClean="0">
+                <a:hlinkClick r:id="rId2"/>
+              </a:rPr>
+              <a:t>http</a:t>
+            </a:r>
+            <a:r>
+              <a:rPr lang="ru-RU" sz="2400" u="sng" dirty="0">
+                <a:hlinkClick r:id="rId2"/>
+              </a:rPr>
+              <a:t>://</a:t>
+            </a:r>
+            <a:r>
+              <a:rPr lang="en-US" sz="2400" u="sng" dirty="0" err="1">
+                <a:hlinkClick r:id="rId2"/>
+              </a:rPr>
+              <a:t>habrahabr</a:t>
+            </a:r>
+            <a:r>
+              <a:rPr lang="ru-RU" sz="2400" u="sng" dirty="0">
+                <a:hlinkClick r:id="rId2"/>
+              </a:rPr>
+              <a:t>.</a:t>
+            </a:r>
+            <a:r>
+              <a:rPr lang="en-US" sz="2400" u="sng" dirty="0" err="1">
+                <a:hlinkClick r:id="rId2"/>
+              </a:rPr>
+              <a:t>ru</a:t>
+            </a:r>
+            <a:r>
+              <a:rPr lang="ru-RU" sz="2400" u="sng" dirty="0">
+                <a:hlinkClick r:id="rId2"/>
+              </a:rPr>
+              <a:t>/</a:t>
+            </a:r>
+            <a:r>
+              <a:rPr lang="en-US" sz="2400" u="sng" dirty="0">
+                <a:hlinkClick r:id="rId2"/>
+              </a:rPr>
+              <a:t>blogs</a:t>
+            </a:r>
+            <a:r>
+              <a:rPr lang="ru-RU" sz="2400" u="sng" dirty="0">
+                <a:hlinkClick r:id="rId2"/>
+              </a:rPr>
+              <a:t>/</a:t>
+            </a:r>
+            <a:r>
+              <a:rPr lang="en-US" sz="2400" u="sng" dirty="0">
+                <a:hlinkClick r:id="rId2"/>
+              </a:rPr>
+              <a:t>development</a:t>
+            </a:r>
+            <a:r>
+              <a:rPr lang="ru-RU" sz="2400" u="sng" dirty="0">
+                <a:hlinkClick r:id="rId2"/>
+              </a:rPr>
+              <a:t>_</a:t>
+            </a:r>
+            <a:r>
+              <a:rPr lang="en-US" sz="2400" u="sng" dirty="0">
+                <a:hlinkClick r:id="rId2"/>
+              </a:rPr>
+              <a:t>tools</a:t>
+            </a:r>
+            <a:r>
+              <a:rPr lang="ru-RU" sz="2400" u="sng" dirty="0">
+                <a:hlinkClick r:id="rId2"/>
+              </a:rPr>
+              <a:t>/118756/</a:t>
+            </a:r>
+            <a:endParaRPr lang="en-US" sz="2400" dirty="0"/>
+          </a:p>
+        </p:txBody>
+      </p:sp>
     </p:spTree>
     <p:extLst>
       <p:ext uri="{BB962C8B-B14F-4D97-AF65-F5344CB8AC3E}">
-        <p14:creationId xmlns:p14="http://schemas.microsoft.com/office/powerpoint/2010/main" val="2008221659"/>
+        <p14:creationId xmlns:p14="http://schemas.microsoft.com/office/powerpoint/2010/main" val="4228785295"/>
       </p:ext>
     </p:extLst>
   </p:cSld>
   <p:clrMapOvr>
     <a:masterClrMapping/>
   </p:clrMapOvr>
+  <p:transition/>
   <p:timing>
     <p:tnLst>
       <p:par>
@@ -5741,7 +7313,7 @@
 </p:sld>
 </file>
 
-<file path=ppt/slides/slide14.xml><?xml version="1.0" encoding="utf-8"?>
+<file path=ppt/slides/slide2.xml><?xml version="1.0" encoding="utf-8"?>
 <p:sld xmlns:a="http://schemas.openxmlformats.org/drawingml/2006/main" xmlns:r="http://schemas.openxmlformats.org/officeDocument/2006/relationships" xmlns:p="http://schemas.openxmlformats.org/presentationml/2006/main">
   <p:cSld>
     <p:spTree>
@@ -5760,28 +7332,23 @@
       </p:grpSpPr>
       <p:sp>
         <p:nvSpPr>
-          <p:cNvPr id="4" name="TextBox 3"/>
-          <p:cNvSpPr txBox="1"/>
-          <p:nvPr/>
-        </p:nvSpPr>
-        <p:spPr>
-          <a:xfrm>
-            <a:off x="457200" y="533400"/>
-            <a:ext cx="7529818" cy="630942"/>
-          </a:xfrm>
-          <a:prstGeom prst="rect">
-            <a:avLst/>
-          </a:prstGeom>
-          <a:noFill/>
-        </p:spPr>
-        <p:txBody>
-          <a:bodyPr wrap="none" rtlCol="0">
-            <a:spAutoFit/>
+          <p:cNvPr id="2" name="Title 1"/>
+          <p:cNvSpPr>
+            <a:spLocks noGrp="1"/>
+          </p:cNvSpPr>
+          <p:nvPr>
+            <p:ph type="title"/>
+          </p:nvPr>
+        </p:nvSpPr>
+        <p:spPr/>
+        <p:txBody>
+          <a:bodyPr>
+            <a:normAutofit/>
           </a:bodyPr>
           <a:lstStyle/>
           <a:p>
             <a:r>
-              <a:rPr lang="en-US" sz="3500" dirty="0" smtClean="0">
+              <a:rPr lang="en-US" sz="3500" dirty="0">
                 <a:solidFill>
                   <a:schemeClr val="tx1">
                     <a:lumMod val="65000"/>
@@ -5795,11 +7362,14 @@
                     </a:srgbClr>
                   </a:outerShdw>
                 </a:effectLst>
+                <a:latin typeface="+mn-lt"/>
+                <a:ea typeface="+mn-ea"/>
+                <a:cs typeface="+mn-cs"/>
               </a:rPr>
-              <a:t>Software Architecture – </a:t>
-            </a:r>
-            <a:r>
-              <a:rPr lang="ru-RU" sz="3500" dirty="0" smtClean="0">
+              <a:t>What about </a:t>
+            </a:r>
+            <a:r>
+              <a:rPr lang="en-US" sz="3500" dirty="0" smtClean="0">
                 <a:solidFill>
                   <a:schemeClr val="tx1">
                     <a:lumMod val="65000"/>
@@ -5813,95 +7383,151 @@
                     </a:srgbClr>
                   </a:outerShdw>
                 </a:effectLst>
+                <a:latin typeface="+mn-lt"/>
+                <a:ea typeface="+mn-ea"/>
+                <a:cs typeface="+mn-cs"/>
               </a:rPr>
-              <a:t>Двухуровневая</a:t>
-            </a:r>
-            <a:endParaRPr lang="en-US" sz="3500" dirty="0">
-              <a:solidFill>
-                <a:schemeClr val="tx1">
-                  <a:lumMod val="65000"/>
-                  <a:lumOff val="35000"/>
-                </a:schemeClr>
-              </a:solidFill>
-              <a:effectLst>
-                <a:outerShdw blurRad="38100" dist="38100" dir="2700000" algn="tl">
-                  <a:srgbClr val="000000">
-                    <a:alpha val="43137"/>
-                  </a:srgbClr>
-                </a:outerShdw>
-              </a:effectLst>
-            </a:endParaRPr>
-          </a:p>
-        </p:txBody>
-      </p:sp>
-      <p:pic>
-        <p:nvPicPr>
-          <p:cNvPr id="6" name="Picture 4"/>
-          <p:cNvPicPr>
-            <a:picLocks noChangeAspect="1" noChangeArrowheads="1"/>
-          </p:cNvPicPr>
-          <p:nvPr/>
-        </p:nvPicPr>
-        <p:blipFill>
-          <a:blip r:embed="rId2" cstate="print">
-            <a:extLst>
-              <a:ext uri="{28A0092B-C50C-407E-A947-70E740481C1C}">
-                <a14:useLocalDpi xmlns:a14="http://schemas.microsoft.com/office/drawing/2010/main" val="0"/>
-              </a:ext>
-            </a:extLst>
-          </a:blip>
-          <a:srcRect/>
-          <a:stretch>
-            <a:fillRect/>
-          </a:stretch>
-        </p:blipFill>
-        <p:spPr bwMode="auto">
-          <a:xfrm>
-            <a:off x="2915816" y="2132856"/>
-            <a:ext cx="2809875" cy="2038350"/>
-          </a:xfrm>
-          <a:prstGeom prst="rect">
-            <a:avLst/>
-          </a:prstGeom>
-          <a:noFill/>
-          <a:ln>
-            <a:noFill/>
-          </a:ln>
-          <a:effectLst/>
-          <a:extLst>
-            <a:ext uri="{909E8E84-426E-40DD-AFC4-6F175D3DCCD1}">
-              <a14:hiddenFill xmlns:a14="http://schemas.microsoft.com/office/drawing/2010/main">
-                <a:solidFill>
-                  <a:schemeClr val="accent1"/>
-                </a:solidFill>
-              </a14:hiddenFill>
-            </a:ext>
-            <a:ext uri="{91240B29-F687-4F45-9708-019B960494DF}">
-              <a14:hiddenLine xmlns:a14="http://schemas.microsoft.com/office/drawing/2010/main" w="9525">
-                <a:solidFill>
-                  <a:schemeClr val="tx1"/>
-                </a:solidFill>
-                <a:miter lim="800000"/>
-                <a:headEnd/>
-                <a:tailEnd/>
-              </a14:hiddenLine>
-            </a:ext>
-            <a:ext uri="{AF507438-7753-43E0-B8FC-AC1667EBCBE1}">
-              <a14:hiddenEffects xmlns:a14="http://schemas.microsoft.com/office/drawing/2010/main">
+              <a:t>your home </a:t>
+            </a:r>
+            <a:r>
+              <a:rPr lang="en-US" sz="3500" dirty="0">
+                <a:solidFill>
+                  <a:schemeClr val="tx1">
+                    <a:lumMod val="65000"/>
+                    <a:lumOff val="35000"/>
+                  </a:schemeClr>
+                </a:solidFill>
                 <a:effectLst>
-                  <a:outerShdw dist="35921" dir="2700000" algn="ctr" rotWithShape="0">
-                    <a:schemeClr val="bg2"/>
+                  <a:outerShdw blurRad="38100" dist="38100" dir="2700000" algn="tl">
+                    <a:srgbClr val="000000">
+                      <a:alpha val="43137"/>
+                    </a:srgbClr>
                   </a:outerShdw>
                 </a:effectLst>
-              </a14:hiddenEffects>
-            </a:ext>
-          </a:extLst>
+                <a:latin typeface="+mn-lt"/>
+                <a:ea typeface="+mn-ea"/>
+                <a:cs typeface="+mn-cs"/>
+              </a:rPr>
+              <a:t>task?</a:t>
+            </a:r>
+          </a:p>
+        </p:txBody>
+      </p:sp>
+      <p:sp>
+        <p:nvSpPr>
+          <p:cNvPr id="3" name="Content Placeholder 2"/>
+          <p:cNvSpPr>
+            <a:spLocks noGrp="1"/>
+          </p:cNvSpPr>
+          <p:nvPr>
+            <p:ph idx="1"/>
+          </p:nvPr>
+        </p:nvSpPr>
+        <p:spPr>
+          <a:xfrm>
+            <a:off x="457200" y="1207293"/>
+            <a:ext cx="8229600" cy="4525963"/>
+          </a:xfrm>
         </p:spPr>
-      </p:pic>
+        <p:txBody>
+          <a:bodyPr>
+            <a:normAutofit fontScale="85000" lnSpcReduction="10000"/>
+          </a:bodyPr>
+          <a:lstStyle/>
+          <a:p>
+            <a:pPr marL="0" indent="0">
+              <a:buNone/>
+            </a:pPr>
+            <a:r>
+              <a:rPr lang="ru-RU" dirty="0" smtClean="0"/>
+              <a:t>Пять критериев определения истинной цели:</a:t>
+            </a:r>
+          </a:p>
+          <a:p>
+            <a:r>
+              <a:rPr lang="ru-RU" dirty="0" smtClean="0"/>
+              <a:t>Чего </a:t>
+            </a:r>
+            <a:r>
+              <a:rPr lang="ru-RU" dirty="0"/>
+              <a:t>ты хочешь?</a:t>
+            </a:r>
+          </a:p>
+          <a:p>
+            <a:r>
+              <a:rPr lang="ru-RU" dirty="0" smtClean="0"/>
+              <a:t>Почему </a:t>
+            </a:r>
+            <a:r>
+              <a:rPr lang="ru-RU" dirty="0"/>
+              <a:t>для тебя это ценно? </a:t>
+            </a:r>
+            <a:r>
+              <a:rPr lang="ru-RU" dirty="0" smtClean="0"/>
+              <a:t>“</a:t>
+            </a:r>
+            <a:r>
+              <a:rPr lang="ru-RU" dirty="0"/>
+              <a:t>Зачем?”</a:t>
+            </a:r>
+          </a:p>
+          <a:p>
+            <a:r>
+              <a:rPr lang="ru-RU" dirty="0" smtClean="0"/>
+              <a:t>От </a:t>
+            </a:r>
+            <a:r>
+              <a:rPr lang="ru-RU" dirty="0"/>
+              <a:t>чего ты готов отказаться?</a:t>
+            </a:r>
+          </a:p>
+          <a:p>
+            <a:r>
+              <a:rPr lang="ru-RU" dirty="0" smtClean="0"/>
+              <a:t>Что </a:t>
+            </a:r>
+            <a:r>
+              <a:rPr lang="ru-RU" dirty="0"/>
+              <a:t>ты сделаешь для этого завтра?</a:t>
+            </a:r>
+          </a:p>
+          <a:p>
+            <a:r>
+              <a:rPr lang="ru-RU" dirty="0" smtClean="0"/>
+              <a:t>Как ты поймешь, что ты этого достиг?</a:t>
+            </a:r>
+            <a:endParaRPr lang="en-US" dirty="0" smtClean="0"/>
+          </a:p>
+          <a:p>
+            <a:pPr lvl="1"/>
+            <a:r>
+              <a:rPr lang="ru-RU" dirty="0" smtClean="0"/>
+              <a:t>Люди </a:t>
+            </a:r>
+            <a:r>
+              <a:rPr lang="ru-RU" dirty="0"/>
+              <a:t>устроены достаточно простым образом. То, что для них ВАЖНО, они делают. То, что НЕ ВАЖНО, не делают. Иногда люди говорят, что это важно, но этого не делают. </a:t>
+            </a:r>
+            <a:r>
+              <a:rPr lang="ru-RU" dirty="0" smtClean="0"/>
+              <a:t>Тогда для них это </a:t>
+            </a:r>
+            <a:r>
+              <a:rPr lang="ru-RU" dirty="0"/>
+              <a:t>ТЕОРЕТИЧЕСКИ ВАЖНО. А люди делают то, что для них ВАЖНО ПРАКТИЧЕСКИ</a:t>
+            </a:r>
+            <a:r>
+              <a:rPr lang="ru-RU" dirty="0" smtClean="0"/>
+              <a:t>.</a:t>
+            </a:r>
+            <a:endParaRPr lang="ru-RU" dirty="0"/>
+          </a:p>
+        </p:txBody>
+      </p:sp>
     </p:spTree>
     <p:extLst>
       <p:ext uri="{BB962C8B-B14F-4D97-AF65-F5344CB8AC3E}">
-        <p14:creationId xmlns:p14="http://schemas.microsoft.com/office/powerpoint/2010/main" val="2829754604"/>
+        <p14:creationId xmlns:p14="http://schemas.microsoft.com/office/powerpoint/2010/main" val="1721037933"/>
       </p:ext>
     </p:extLst>
   </p:cSld>
@@ -5911,191 +7537,464 @@
   <p:timing>
     <p:tnLst>
       <p:par>
-        <p:cTn id="1" dur="indefinite" restart="never" nodeType="tmRoot"/>
+        <p:cTn id="1" dur="indefinite" restart="never" nodeType="tmRoot">
+          <p:childTnLst>
+            <p:seq concurrent="1" nextAc="seek">
+              <p:cTn id="2" dur="indefinite" nodeType="mainSeq">
+                <p:childTnLst>
+                  <p:par>
+                    <p:cTn id="3" fill="hold">
+                      <p:stCondLst>
+                        <p:cond delay="indefinite"/>
+                      </p:stCondLst>
+                      <p:childTnLst>
+                        <p:par>
+                          <p:cTn id="4" fill="hold">
+                            <p:stCondLst>
+                              <p:cond delay="0"/>
+                            </p:stCondLst>
+                            <p:childTnLst>
+                              <p:par>
+                                <p:cTn id="5" presetID="10" presetClass="entr" presetSubtype="0" fill="hold" nodeType="clickEffect">
+                                  <p:stCondLst>
+                                    <p:cond delay="0"/>
+                                  </p:stCondLst>
+                                  <p:childTnLst>
+                                    <p:set>
+                                      <p:cBhvr>
+                                        <p:cTn id="6" dur="1" fill="hold">
+                                          <p:stCondLst>
+                                            <p:cond delay="0"/>
+                                          </p:stCondLst>
+                                        </p:cTn>
+                                        <p:tgtEl>
+                                          <p:spTgt spid="3">
+                                            <p:txEl>
+                                              <p:pRg st="0" end="0"/>
+                                            </p:txEl>
+                                          </p:spTgt>
+                                        </p:tgtEl>
+                                        <p:attrNameLst>
+                                          <p:attrName>style.visibility</p:attrName>
+                                        </p:attrNameLst>
+                                      </p:cBhvr>
+                                      <p:to>
+                                        <p:strVal val="visible"/>
+                                      </p:to>
+                                    </p:set>
+                                    <p:animEffect transition="in" filter="fade">
+                                      <p:cBhvr>
+                                        <p:cTn id="7" dur="500"/>
+                                        <p:tgtEl>
+                                          <p:spTgt spid="3">
+                                            <p:txEl>
+                                              <p:pRg st="0" end="0"/>
+                                            </p:txEl>
+                                          </p:spTgt>
+                                        </p:tgtEl>
+                                      </p:cBhvr>
+                                    </p:animEffect>
+                                  </p:childTnLst>
+                                </p:cTn>
+                              </p:par>
+                            </p:childTnLst>
+                          </p:cTn>
+                        </p:par>
+                      </p:childTnLst>
+                    </p:cTn>
+                  </p:par>
+                  <p:par>
+                    <p:cTn id="8" fill="hold">
+                      <p:stCondLst>
+                        <p:cond delay="indefinite"/>
+                      </p:stCondLst>
+                      <p:childTnLst>
+                        <p:par>
+                          <p:cTn id="9" fill="hold">
+                            <p:stCondLst>
+                              <p:cond delay="0"/>
+                            </p:stCondLst>
+                            <p:childTnLst>
+                              <p:par>
+                                <p:cTn id="10" presetID="10" presetClass="entr" presetSubtype="0" fill="hold" nodeType="clickEffect">
+                                  <p:stCondLst>
+                                    <p:cond delay="0"/>
+                                  </p:stCondLst>
+                                  <p:childTnLst>
+                                    <p:set>
+                                      <p:cBhvr>
+                                        <p:cTn id="11" dur="1" fill="hold">
+                                          <p:stCondLst>
+                                            <p:cond delay="0"/>
+                                          </p:stCondLst>
+                                        </p:cTn>
+                                        <p:tgtEl>
+                                          <p:spTgt spid="3">
+                                            <p:txEl>
+                                              <p:pRg st="1" end="1"/>
+                                            </p:txEl>
+                                          </p:spTgt>
+                                        </p:tgtEl>
+                                        <p:attrNameLst>
+                                          <p:attrName>style.visibility</p:attrName>
+                                        </p:attrNameLst>
+                                      </p:cBhvr>
+                                      <p:to>
+                                        <p:strVal val="visible"/>
+                                      </p:to>
+                                    </p:set>
+                                    <p:animEffect transition="in" filter="fade">
+                                      <p:cBhvr>
+                                        <p:cTn id="12" dur="500"/>
+                                        <p:tgtEl>
+                                          <p:spTgt spid="3">
+                                            <p:txEl>
+                                              <p:pRg st="1" end="1"/>
+                                            </p:txEl>
+                                          </p:spTgt>
+                                        </p:tgtEl>
+                                      </p:cBhvr>
+                                    </p:animEffect>
+                                  </p:childTnLst>
+                                </p:cTn>
+                              </p:par>
+                            </p:childTnLst>
+                          </p:cTn>
+                        </p:par>
+                      </p:childTnLst>
+                    </p:cTn>
+                  </p:par>
+                  <p:par>
+                    <p:cTn id="13" fill="hold">
+                      <p:stCondLst>
+                        <p:cond delay="indefinite"/>
+                      </p:stCondLst>
+                      <p:childTnLst>
+                        <p:par>
+                          <p:cTn id="14" fill="hold">
+                            <p:stCondLst>
+                              <p:cond delay="0"/>
+                            </p:stCondLst>
+                            <p:childTnLst>
+                              <p:par>
+                                <p:cTn id="15" presetID="10" presetClass="entr" presetSubtype="0" fill="hold" nodeType="clickEffect">
+                                  <p:stCondLst>
+                                    <p:cond delay="0"/>
+                                  </p:stCondLst>
+                                  <p:childTnLst>
+                                    <p:set>
+                                      <p:cBhvr>
+                                        <p:cTn id="16" dur="1" fill="hold">
+                                          <p:stCondLst>
+                                            <p:cond delay="0"/>
+                                          </p:stCondLst>
+                                        </p:cTn>
+                                        <p:tgtEl>
+                                          <p:spTgt spid="3">
+                                            <p:txEl>
+                                              <p:pRg st="2" end="2"/>
+                                            </p:txEl>
+                                          </p:spTgt>
+                                        </p:tgtEl>
+                                        <p:attrNameLst>
+                                          <p:attrName>style.visibility</p:attrName>
+                                        </p:attrNameLst>
+                                      </p:cBhvr>
+                                      <p:to>
+                                        <p:strVal val="visible"/>
+                                      </p:to>
+                                    </p:set>
+                                    <p:animEffect transition="in" filter="fade">
+                                      <p:cBhvr>
+                                        <p:cTn id="17" dur="500"/>
+                                        <p:tgtEl>
+                                          <p:spTgt spid="3">
+                                            <p:txEl>
+                                              <p:pRg st="2" end="2"/>
+                                            </p:txEl>
+                                          </p:spTgt>
+                                        </p:tgtEl>
+                                      </p:cBhvr>
+                                    </p:animEffect>
+                                  </p:childTnLst>
+                                </p:cTn>
+                              </p:par>
+                            </p:childTnLst>
+                          </p:cTn>
+                        </p:par>
+                      </p:childTnLst>
+                    </p:cTn>
+                  </p:par>
+                  <p:par>
+                    <p:cTn id="18" fill="hold">
+                      <p:stCondLst>
+                        <p:cond delay="indefinite"/>
+                      </p:stCondLst>
+                      <p:childTnLst>
+                        <p:par>
+                          <p:cTn id="19" fill="hold">
+                            <p:stCondLst>
+                              <p:cond delay="0"/>
+                            </p:stCondLst>
+                            <p:childTnLst>
+                              <p:par>
+                                <p:cTn id="20" presetID="10" presetClass="entr" presetSubtype="0" fill="hold" nodeType="clickEffect">
+                                  <p:stCondLst>
+                                    <p:cond delay="0"/>
+                                  </p:stCondLst>
+                                  <p:childTnLst>
+                                    <p:set>
+                                      <p:cBhvr>
+                                        <p:cTn id="21" dur="1" fill="hold">
+                                          <p:stCondLst>
+                                            <p:cond delay="0"/>
+                                          </p:stCondLst>
+                                        </p:cTn>
+                                        <p:tgtEl>
+                                          <p:spTgt spid="3">
+                                            <p:txEl>
+                                              <p:pRg st="3" end="3"/>
+                                            </p:txEl>
+                                          </p:spTgt>
+                                        </p:tgtEl>
+                                        <p:attrNameLst>
+                                          <p:attrName>style.visibility</p:attrName>
+                                        </p:attrNameLst>
+                                      </p:cBhvr>
+                                      <p:to>
+                                        <p:strVal val="visible"/>
+                                      </p:to>
+                                    </p:set>
+                                    <p:animEffect transition="in" filter="fade">
+                                      <p:cBhvr>
+                                        <p:cTn id="22" dur="500"/>
+                                        <p:tgtEl>
+                                          <p:spTgt spid="3">
+                                            <p:txEl>
+                                              <p:pRg st="3" end="3"/>
+                                            </p:txEl>
+                                          </p:spTgt>
+                                        </p:tgtEl>
+                                      </p:cBhvr>
+                                    </p:animEffect>
+                                  </p:childTnLst>
+                                </p:cTn>
+                              </p:par>
+                            </p:childTnLst>
+                          </p:cTn>
+                        </p:par>
+                      </p:childTnLst>
+                    </p:cTn>
+                  </p:par>
+                  <p:par>
+                    <p:cTn id="23" fill="hold">
+                      <p:stCondLst>
+                        <p:cond delay="indefinite"/>
+                      </p:stCondLst>
+                      <p:childTnLst>
+                        <p:par>
+                          <p:cTn id="24" fill="hold">
+                            <p:stCondLst>
+                              <p:cond delay="0"/>
+                            </p:stCondLst>
+                            <p:childTnLst>
+                              <p:par>
+                                <p:cTn id="25" presetID="10" presetClass="entr" presetSubtype="0" fill="hold" nodeType="clickEffect">
+                                  <p:stCondLst>
+                                    <p:cond delay="0"/>
+                                  </p:stCondLst>
+                                  <p:childTnLst>
+                                    <p:set>
+                                      <p:cBhvr>
+                                        <p:cTn id="26" dur="1" fill="hold">
+                                          <p:stCondLst>
+                                            <p:cond delay="0"/>
+                                          </p:stCondLst>
+                                        </p:cTn>
+                                        <p:tgtEl>
+                                          <p:spTgt spid="3">
+                                            <p:txEl>
+                                              <p:pRg st="4" end="4"/>
+                                            </p:txEl>
+                                          </p:spTgt>
+                                        </p:tgtEl>
+                                        <p:attrNameLst>
+                                          <p:attrName>style.visibility</p:attrName>
+                                        </p:attrNameLst>
+                                      </p:cBhvr>
+                                      <p:to>
+                                        <p:strVal val="visible"/>
+                                      </p:to>
+                                    </p:set>
+                                    <p:animEffect transition="in" filter="fade">
+                                      <p:cBhvr>
+                                        <p:cTn id="27" dur="500"/>
+                                        <p:tgtEl>
+                                          <p:spTgt spid="3">
+                                            <p:txEl>
+                                              <p:pRg st="4" end="4"/>
+                                            </p:txEl>
+                                          </p:spTgt>
+                                        </p:tgtEl>
+                                      </p:cBhvr>
+                                    </p:animEffect>
+                                  </p:childTnLst>
+                                </p:cTn>
+                              </p:par>
+                            </p:childTnLst>
+                          </p:cTn>
+                        </p:par>
+                      </p:childTnLst>
+                    </p:cTn>
+                  </p:par>
+                  <p:par>
+                    <p:cTn id="28" fill="hold">
+                      <p:stCondLst>
+                        <p:cond delay="indefinite"/>
+                      </p:stCondLst>
+                      <p:childTnLst>
+                        <p:par>
+                          <p:cTn id="29" fill="hold">
+                            <p:stCondLst>
+                              <p:cond delay="0"/>
+                            </p:stCondLst>
+                            <p:childTnLst>
+                              <p:par>
+                                <p:cTn id="30" presetID="10" presetClass="entr" presetSubtype="0" fill="hold" nodeType="clickEffect">
+                                  <p:stCondLst>
+                                    <p:cond delay="0"/>
+                                  </p:stCondLst>
+                                  <p:childTnLst>
+                                    <p:set>
+                                      <p:cBhvr>
+                                        <p:cTn id="31" dur="1" fill="hold">
+                                          <p:stCondLst>
+                                            <p:cond delay="0"/>
+                                          </p:stCondLst>
+                                        </p:cTn>
+                                        <p:tgtEl>
+                                          <p:spTgt spid="3">
+                                            <p:txEl>
+                                              <p:pRg st="5" end="5"/>
+                                            </p:txEl>
+                                          </p:spTgt>
+                                        </p:tgtEl>
+                                        <p:attrNameLst>
+                                          <p:attrName>style.visibility</p:attrName>
+                                        </p:attrNameLst>
+                                      </p:cBhvr>
+                                      <p:to>
+                                        <p:strVal val="visible"/>
+                                      </p:to>
+                                    </p:set>
+                                    <p:animEffect transition="in" filter="fade">
+                                      <p:cBhvr>
+                                        <p:cTn id="32" dur="500"/>
+                                        <p:tgtEl>
+                                          <p:spTgt spid="3">
+                                            <p:txEl>
+                                              <p:pRg st="5" end="5"/>
+                                            </p:txEl>
+                                          </p:spTgt>
+                                        </p:tgtEl>
+                                      </p:cBhvr>
+                                    </p:animEffect>
+                                  </p:childTnLst>
+                                </p:cTn>
+                              </p:par>
+                            </p:childTnLst>
+                          </p:cTn>
+                        </p:par>
+                      </p:childTnLst>
+                    </p:cTn>
+                  </p:par>
+                  <p:par>
+                    <p:cTn id="33" fill="hold">
+                      <p:stCondLst>
+                        <p:cond delay="indefinite"/>
+                      </p:stCondLst>
+                      <p:childTnLst>
+                        <p:par>
+                          <p:cTn id="34" fill="hold">
+                            <p:stCondLst>
+                              <p:cond delay="0"/>
+                            </p:stCondLst>
+                            <p:childTnLst>
+                              <p:par>
+                                <p:cTn id="35" presetID="10" presetClass="entr" presetSubtype="0" fill="hold" nodeType="clickEffect">
+                                  <p:stCondLst>
+                                    <p:cond delay="0"/>
+                                  </p:stCondLst>
+                                  <p:childTnLst>
+                                    <p:set>
+                                      <p:cBhvr>
+                                        <p:cTn id="36" dur="1" fill="hold">
+                                          <p:stCondLst>
+                                            <p:cond delay="0"/>
+                                          </p:stCondLst>
+                                        </p:cTn>
+                                        <p:tgtEl>
+                                          <p:spTgt spid="3">
+                                            <p:txEl>
+                                              <p:pRg st="6" end="6"/>
+                                            </p:txEl>
+                                          </p:spTgt>
+                                        </p:tgtEl>
+                                        <p:attrNameLst>
+                                          <p:attrName>style.visibility</p:attrName>
+                                        </p:attrNameLst>
+                                      </p:cBhvr>
+                                      <p:to>
+                                        <p:strVal val="visible"/>
+                                      </p:to>
+                                    </p:set>
+                                    <p:animEffect transition="in" filter="fade">
+                                      <p:cBhvr>
+                                        <p:cTn id="37" dur="500"/>
+                                        <p:tgtEl>
+                                          <p:spTgt spid="3">
+                                            <p:txEl>
+                                              <p:pRg st="6" end="6"/>
+                                            </p:txEl>
+                                          </p:spTgt>
+                                        </p:tgtEl>
+                                      </p:cBhvr>
+                                    </p:animEffect>
+                                  </p:childTnLst>
+                                </p:cTn>
+                              </p:par>
+                            </p:childTnLst>
+                          </p:cTn>
+                        </p:par>
+                      </p:childTnLst>
+                    </p:cTn>
+                  </p:par>
+                </p:childTnLst>
+              </p:cTn>
+              <p:prevCondLst>
+                <p:cond evt="onPrev" delay="0">
+                  <p:tgtEl>
+                    <p:sldTgt/>
+                  </p:tgtEl>
+                </p:cond>
+              </p:prevCondLst>
+              <p:nextCondLst>
+                <p:cond evt="onNext" delay="0">
+                  <p:tgtEl>
+                    <p:sldTgt/>
+                  </p:tgtEl>
+                </p:cond>
+              </p:nextCondLst>
+            </p:seq>
+          </p:childTnLst>
+        </p:cTn>
       </p:par>
     </p:tnLst>
   </p:timing>
 </p:sld>
 </file>
 
-<file path=ppt/slides/slide15.xml><?xml version="1.0" encoding="utf-8"?>
-<p:sld xmlns:a="http://schemas.openxmlformats.org/drawingml/2006/main" xmlns:r="http://schemas.openxmlformats.org/officeDocument/2006/relationships" xmlns:p="http://schemas.openxmlformats.org/presentationml/2006/main">
-  <p:cSld>
-    <p:spTree>
-      <p:nvGrpSpPr>
-        <p:cNvPr id="1" name=""/>
-        <p:cNvGrpSpPr/>
-        <p:nvPr/>
-      </p:nvGrpSpPr>
-      <p:grpSpPr>
-        <a:xfrm>
-          <a:off x="0" y="0"/>
-          <a:ext cx="0" cy="0"/>
-          <a:chOff x="0" y="0"/>
-          <a:chExt cx="0" cy="0"/>
-        </a:xfrm>
-      </p:grpSpPr>
-      <p:sp>
-        <p:nvSpPr>
-          <p:cNvPr id="4" name="TextBox 3"/>
-          <p:cNvSpPr txBox="1"/>
-          <p:nvPr/>
-        </p:nvSpPr>
-        <p:spPr>
-          <a:xfrm>
-            <a:off x="457200" y="533400"/>
-            <a:ext cx="7466981" cy="630942"/>
-          </a:xfrm>
-          <a:prstGeom prst="rect">
-            <a:avLst/>
-          </a:prstGeom>
-          <a:noFill/>
-        </p:spPr>
-        <p:txBody>
-          <a:bodyPr wrap="none" rtlCol="0">
-            <a:spAutoFit/>
-          </a:bodyPr>
-          <a:lstStyle/>
-          <a:p>
-            <a:r>
-              <a:rPr lang="en-US" sz="3500" dirty="0" smtClean="0">
-                <a:solidFill>
-                  <a:schemeClr val="tx1">
-                    <a:lumMod val="65000"/>
-                    <a:lumOff val="35000"/>
-                  </a:schemeClr>
-                </a:solidFill>
-                <a:effectLst>
-                  <a:outerShdw blurRad="38100" dist="38100" dir="2700000" algn="tl">
-                    <a:srgbClr val="000000">
-                      <a:alpha val="43137"/>
-                    </a:srgbClr>
-                  </a:outerShdw>
-                </a:effectLst>
-              </a:rPr>
-              <a:t>Software Architecture – </a:t>
-            </a:r>
-            <a:r>
-              <a:rPr lang="ru-RU" sz="3500" dirty="0" smtClean="0">
-                <a:solidFill>
-                  <a:schemeClr val="tx1">
-                    <a:lumMod val="65000"/>
-                    <a:lumOff val="35000"/>
-                  </a:schemeClr>
-                </a:solidFill>
-                <a:effectLst>
-                  <a:outerShdw blurRad="38100" dist="38100" dir="2700000" algn="tl">
-                    <a:srgbClr val="000000">
-                      <a:alpha val="43137"/>
-                    </a:srgbClr>
-                  </a:outerShdw>
-                </a:effectLst>
-              </a:rPr>
-              <a:t>Трехуровневая</a:t>
-            </a:r>
-            <a:endParaRPr lang="en-US" sz="3500" dirty="0">
-              <a:solidFill>
-                <a:schemeClr val="tx1">
-                  <a:lumMod val="65000"/>
-                  <a:lumOff val="35000"/>
-                </a:schemeClr>
-              </a:solidFill>
-              <a:effectLst>
-                <a:outerShdw blurRad="38100" dist="38100" dir="2700000" algn="tl">
-                  <a:srgbClr val="000000">
-                    <a:alpha val="43137"/>
-                  </a:srgbClr>
-                </a:outerShdw>
-              </a:effectLst>
-            </a:endParaRPr>
-          </a:p>
-        </p:txBody>
-      </p:sp>
-      <p:pic>
-        <p:nvPicPr>
-          <p:cNvPr id="5" name="Picture 4"/>
-          <p:cNvPicPr>
-            <a:picLocks noChangeAspect="1" noChangeArrowheads="1"/>
-          </p:cNvPicPr>
-          <p:nvPr/>
-        </p:nvPicPr>
-        <p:blipFill>
-          <a:blip r:embed="rId2" cstate="print">
-            <a:extLst>
-              <a:ext uri="{28A0092B-C50C-407E-A947-70E740481C1C}">
-                <a14:useLocalDpi xmlns:a14="http://schemas.microsoft.com/office/drawing/2010/main" val="0"/>
-              </a:ext>
-            </a:extLst>
-          </a:blip>
-          <a:srcRect/>
-          <a:stretch>
-            <a:fillRect/>
-          </a:stretch>
-        </p:blipFill>
-        <p:spPr bwMode="auto">
-          <a:xfrm>
-            <a:off x="1835150" y="2132856"/>
-            <a:ext cx="5210175" cy="2047875"/>
-          </a:xfrm>
-          <a:prstGeom prst="rect">
-            <a:avLst/>
-          </a:prstGeom>
-          <a:noFill/>
-          <a:ln>
-            <a:noFill/>
-          </a:ln>
-          <a:effectLst/>
-          <a:extLst>
-            <a:ext uri="{909E8E84-426E-40DD-AFC4-6F175D3DCCD1}">
-              <a14:hiddenFill xmlns:a14="http://schemas.microsoft.com/office/drawing/2010/main">
-                <a:solidFill>
-                  <a:schemeClr val="accent1"/>
-                </a:solidFill>
-              </a14:hiddenFill>
-            </a:ext>
-            <a:ext uri="{91240B29-F687-4F45-9708-019B960494DF}">
-              <a14:hiddenLine xmlns:a14="http://schemas.microsoft.com/office/drawing/2010/main" w="9525">
-                <a:solidFill>
-                  <a:schemeClr val="tx1"/>
-                </a:solidFill>
-                <a:miter lim="800000"/>
-                <a:headEnd/>
-                <a:tailEnd/>
-              </a14:hiddenLine>
-            </a:ext>
-            <a:ext uri="{AF507438-7753-43E0-B8FC-AC1667EBCBE1}">
-              <a14:hiddenEffects xmlns:a14="http://schemas.microsoft.com/office/drawing/2010/main">
-                <a:effectLst>
-                  <a:outerShdw dist="35921" dir="2700000" algn="ctr" rotWithShape="0">
-                    <a:schemeClr val="bg2"/>
-                  </a:outerShdw>
-                </a:effectLst>
-              </a14:hiddenEffects>
-            </a:ext>
-          </a:extLst>
-        </p:spPr>
-      </p:pic>
-    </p:spTree>
-    <p:extLst>
-      <p:ext uri="{BB962C8B-B14F-4D97-AF65-F5344CB8AC3E}">
-        <p14:creationId xmlns:p14="http://schemas.microsoft.com/office/powerpoint/2010/main" val="2829754604"/>
-      </p:ext>
-    </p:extLst>
-  </p:cSld>
-  <p:clrMapOvr>
-    <a:masterClrMapping/>
-  </p:clrMapOvr>
-  <p:timing>
-    <p:tnLst>
-      <p:par>
-        <p:cTn id="1" dur="indefinite" restart="never" nodeType="tmRoot"/>
-      </p:par>
-    </p:tnLst>
-  </p:timing>
-</p:sld>
-</file>
-
-<file path=ppt/slides/slide16.xml><?xml version="1.0" encoding="utf-8"?>
+<file path=ppt/slides/slide20.xml><?xml version="1.0" encoding="utf-8"?>
 <p:sld xmlns:a="http://schemas.openxmlformats.org/drawingml/2006/main" xmlns:r="http://schemas.openxmlformats.org/officeDocument/2006/relationships" xmlns:p="http://schemas.openxmlformats.org/presentationml/2006/main">
   <p:cSld>
     <p:spTree>
@@ -6232,7 +8131,7 @@
 </p:sld>
 </file>
 
-<file path=ppt/slides/slide17.xml><?xml version="1.0" encoding="utf-8"?>
+<file path=ppt/slides/slide21.xml><?xml version="1.0" encoding="utf-8"?>
 <p:sld xmlns:a="http://schemas.openxmlformats.org/drawingml/2006/main" xmlns:r="http://schemas.openxmlformats.org/officeDocument/2006/relationships" xmlns:p="http://schemas.openxmlformats.org/presentationml/2006/main">
   <p:cSld>
     <p:spTree>
@@ -6543,7 +8442,432 @@
 </p:sld>
 </file>
 
-<file path=ppt/slides/slide18.xml><?xml version="1.0" encoding="utf-8"?>
+<file path=ppt/slides/slide22.xml><?xml version="1.0" encoding="utf-8"?>
+<p:sld xmlns:a="http://schemas.openxmlformats.org/drawingml/2006/main" xmlns:r="http://schemas.openxmlformats.org/officeDocument/2006/relationships" xmlns:p="http://schemas.openxmlformats.org/presentationml/2006/main">
+  <p:cSld>
+    <p:spTree>
+      <p:nvGrpSpPr>
+        <p:cNvPr id="1" name=""/>
+        <p:cNvGrpSpPr/>
+        <p:nvPr/>
+      </p:nvGrpSpPr>
+      <p:grpSpPr>
+        <a:xfrm>
+          <a:off x="0" y="0"/>
+          <a:ext cx="0" cy="0"/>
+          <a:chOff x="0" y="0"/>
+          <a:chExt cx="0" cy="0"/>
+        </a:xfrm>
+      </p:grpSpPr>
+      <p:sp>
+        <p:nvSpPr>
+          <p:cNvPr id="4" name="TextBox 3"/>
+          <p:cNvSpPr txBox="1"/>
+          <p:nvPr/>
+        </p:nvSpPr>
+        <p:spPr>
+          <a:xfrm>
+            <a:off x="457200" y="457200"/>
+            <a:ext cx="8397042" cy="553998"/>
+          </a:xfrm>
+          <a:prstGeom prst="rect">
+            <a:avLst/>
+          </a:prstGeom>
+          <a:noFill/>
+        </p:spPr>
+        <p:txBody>
+          <a:bodyPr wrap="none" rtlCol="0">
+            <a:spAutoFit/>
+          </a:bodyPr>
+          <a:lstStyle/>
+          <a:p>
+            <a:r>
+              <a:rPr lang="en-US" sz="3000" dirty="0">
+                <a:solidFill>
+                  <a:schemeClr val="tx1">
+                    <a:lumMod val="65000"/>
+                    <a:lumOff val="35000"/>
+                  </a:schemeClr>
+                </a:solidFill>
+                <a:effectLst>
+                  <a:outerShdw blurRad="38100" dist="38100" dir="2700000" algn="tl">
+                    <a:srgbClr val="000000">
+                      <a:alpha val="43137"/>
+                    </a:srgbClr>
+                  </a:outerShdw>
+                </a:effectLst>
+              </a:rPr>
+              <a:t>Quality Assurance. Quality Control. Software Testing.</a:t>
+            </a:r>
+          </a:p>
+        </p:txBody>
+      </p:sp>
+      <p:sp>
+        <p:nvSpPr>
+          <p:cNvPr id="2" name="TextBox 1"/>
+          <p:cNvSpPr txBox="1"/>
+          <p:nvPr/>
+        </p:nvSpPr>
+        <p:spPr>
+          <a:xfrm>
+            <a:off x="2051720" y="2708920"/>
+            <a:ext cx="184731" cy="369332"/>
+          </a:xfrm>
+          <a:prstGeom prst="rect">
+            <a:avLst/>
+          </a:prstGeom>
+          <a:noFill/>
+        </p:spPr>
+        <p:txBody>
+          <a:bodyPr wrap="none" rtlCol="0">
+            <a:spAutoFit/>
+          </a:bodyPr>
+          <a:lstStyle/>
+          <a:p>
+            <a:endParaRPr lang="en-US" dirty="0"/>
+          </a:p>
+        </p:txBody>
+      </p:sp>
+      <p:sp>
+        <p:nvSpPr>
+          <p:cNvPr id="5" name="Content Placeholder 4"/>
+          <p:cNvSpPr>
+            <a:spLocks noGrp="1"/>
+          </p:cNvSpPr>
+          <p:nvPr>
+            <p:ph idx="1"/>
+          </p:nvPr>
+        </p:nvSpPr>
+        <p:spPr/>
+        <p:txBody>
+          <a:bodyPr>
+            <a:normAutofit fontScale="77500" lnSpcReduction="20000"/>
+          </a:bodyPr>
+          <a:lstStyle/>
+          <a:p>
+            <a:r>
+              <a:rPr lang="ru-RU" b="1" dirty="0"/>
+              <a:t>Testing</a:t>
+            </a:r>
+            <a:r>
+              <a:rPr lang="ru-RU" dirty="0"/>
+              <a:t> (тестирование) - это действия по проверке програмного продукта, прохождение </a:t>
+            </a:r>
+            <a:r>
+              <a:rPr lang="ru-RU" dirty="0" smtClean="0"/>
+              <a:t>тестовых сценариев </a:t>
+            </a:r>
+            <a:r>
+              <a:rPr lang="ru-RU" dirty="0"/>
+              <a:t>и локализация дефектов, минимальный необходимый уровень знаний и </a:t>
+            </a:r>
+            <a:r>
+              <a:rPr lang="ru-RU" dirty="0" smtClean="0"/>
+              <a:t>умений</a:t>
+            </a:r>
+          </a:p>
+          <a:p>
+            <a:r>
+              <a:rPr lang="ru-RU" b="1" dirty="0"/>
+              <a:t>QC</a:t>
+            </a:r>
+            <a:r>
+              <a:rPr lang="ru-RU" dirty="0"/>
+              <a:t> </a:t>
+            </a:r>
+            <a:r>
+              <a:rPr lang="ru-RU" dirty="0" smtClean="0"/>
+              <a:t>(</a:t>
+            </a:r>
+            <a:r>
+              <a:rPr lang="en-US" dirty="0" smtClean="0"/>
+              <a:t>Quality Control, </a:t>
+            </a:r>
+            <a:r>
+              <a:rPr lang="ru-RU" dirty="0" smtClean="0"/>
+              <a:t>контроль </a:t>
+            </a:r>
+            <a:r>
+              <a:rPr lang="ru-RU" dirty="0"/>
+              <a:t>качества </a:t>
+            </a:r>
+            <a:r>
+              <a:rPr lang="ru-RU" dirty="0" smtClean="0"/>
+              <a:t>продукта) – действия, направленные на анализ </a:t>
+            </a:r>
+            <a:r>
+              <a:rPr lang="ru-RU" dirty="0"/>
+              <a:t>результатов </a:t>
+            </a:r>
+            <a:r>
+              <a:rPr lang="ru-RU" dirty="0" smtClean="0"/>
+              <a:t>тестирования</a:t>
+            </a:r>
+          </a:p>
+          <a:p>
+            <a:r>
+              <a:rPr lang="ru-RU" b="1" dirty="0"/>
+              <a:t>QA</a:t>
+            </a:r>
+            <a:r>
+              <a:rPr lang="ru-RU" dirty="0"/>
+              <a:t> (Quality Assurance, </a:t>
+            </a:r>
+            <a:r>
+              <a:rPr lang="ru-RU" dirty="0" smtClean="0"/>
+              <a:t>обеспечение </a:t>
+            </a:r>
+            <a:r>
+              <a:rPr lang="ru-RU" dirty="0"/>
+              <a:t>качества) - совокупность мероприятий, охватывающих все технологические этапы разработки, выпуска и эксплуатации </a:t>
+            </a:r>
+            <a:r>
+              <a:rPr lang="ru-RU" dirty="0" smtClean="0"/>
+              <a:t>ПО, </a:t>
+            </a:r>
+            <a:r>
+              <a:rPr lang="ru-RU" dirty="0"/>
+              <a:t>предпринимаемых на разных стадиях жизненного </a:t>
+            </a:r>
+            <a:r>
+              <a:rPr lang="ru-RU" dirty="0" smtClean="0"/>
+              <a:t>цикла, и направленные на обеспечение качества </a:t>
+            </a:r>
+            <a:r>
+              <a:rPr lang="ru-RU" dirty="0"/>
+              <a:t>выпускаемого продукта</a:t>
+            </a:r>
+            <a:endParaRPr lang="en-US" dirty="0"/>
+          </a:p>
+        </p:txBody>
+      </p:sp>
+    </p:spTree>
+    <p:extLst>
+      <p:ext uri="{BB962C8B-B14F-4D97-AF65-F5344CB8AC3E}">
+        <p14:creationId xmlns:p14="http://schemas.microsoft.com/office/powerpoint/2010/main" val="1028838030"/>
+      </p:ext>
+    </p:extLst>
+  </p:cSld>
+  <p:clrMapOvr>
+    <a:masterClrMapping/>
+  </p:clrMapOvr>
+  <p:timing>
+    <p:tnLst>
+      <p:par>
+        <p:cTn id="1" dur="indefinite" restart="never" nodeType="tmRoot">
+          <p:childTnLst>
+            <p:seq concurrent="1" nextAc="seek">
+              <p:cTn id="2" dur="indefinite" nodeType="mainSeq">
+                <p:childTnLst>
+                  <p:par>
+                    <p:cTn id="3" fill="hold">
+                      <p:stCondLst>
+                        <p:cond delay="indefinite"/>
+                      </p:stCondLst>
+                      <p:childTnLst>
+                        <p:par>
+                          <p:cTn id="4" fill="hold">
+                            <p:stCondLst>
+                              <p:cond delay="0"/>
+                            </p:stCondLst>
+                            <p:childTnLst>
+                              <p:par>
+                                <p:cTn id="5" presetID="10" presetClass="entr" presetSubtype="0" fill="hold" nodeType="clickEffect">
+                                  <p:stCondLst>
+                                    <p:cond delay="0"/>
+                                  </p:stCondLst>
+                                  <p:childTnLst>
+                                    <p:set>
+                                      <p:cBhvr>
+                                        <p:cTn id="6" dur="1" fill="hold">
+                                          <p:stCondLst>
+                                            <p:cond delay="0"/>
+                                          </p:stCondLst>
+                                        </p:cTn>
+                                        <p:tgtEl>
+                                          <p:spTgt spid="5">
+                                            <p:txEl>
+                                              <p:pRg st="0" end="0"/>
+                                            </p:txEl>
+                                          </p:spTgt>
+                                        </p:tgtEl>
+                                        <p:attrNameLst>
+                                          <p:attrName>style.visibility</p:attrName>
+                                        </p:attrNameLst>
+                                      </p:cBhvr>
+                                      <p:to>
+                                        <p:strVal val="visible"/>
+                                      </p:to>
+                                    </p:set>
+                                    <p:animEffect transition="in" filter="fade">
+                                      <p:cBhvr>
+                                        <p:cTn id="7" dur="500"/>
+                                        <p:tgtEl>
+                                          <p:spTgt spid="5">
+                                            <p:txEl>
+                                              <p:pRg st="0" end="0"/>
+                                            </p:txEl>
+                                          </p:spTgt>
+                                        </p:tgtEl>
+                                      </p:cBhvr>
+                                    </p:animEffect>
+                                  </p:childTnLst>
+                                </p:cTn>
+                              </p:par>
+                            </p:childTnLst>
+                          </p:cTn>
+                        </p:par>
+                      </p:childTnLst>
+                    </p:cTn>
+                  </p:par>
+                  <p:par>
+                    <p:cTn id="8" fill="hold">
+                      <p:stCondLst>
+                        <p:cond delay="indefinite"/>
+                      </p:stCondLst>
+                      <p:childTnLst>
+                        <p:par>
+                          <p:cTn id="9" fill="hold">
+                            <p:stCondLst>
+                              <p:cond delay="0"/>
+                            </p:stCondLst>
+                            <p:childTnLst>
+                              <p:par>
+                                <p:cTn id="10" presetID="10" presetClass="entr" presetSubtype="0" fill="hold" nodeType="clickEffect">
+                                  <p:stCondLst>
+                                    <p:cond delay="0"/>
+                                  </p:stCondLst>
+                                  <p:childTnLst>
+                                    <p:set>
+                                      <p:cBhvr>
+                                        <p:cTn id="11" dur="1" fill="hold">
+                                          <p:stCondLst>
+                                            <p:cond delay="0"/>
+                                          </p:stCondLst>
+                                        </p:cTn>
+                                        <p:tgtEl>
+                                          <p:spTgt spid="5">
+                                            <p:txEl>
+                                              <p:pRg st="1" end="1"/>
+                                            </p:txEl>
+                                          </p:spTgt>
+                                        </p:tgtEl>
+                                        <p:attrNameLst>
+                                          <p:attrName>style.visibility</p:attrName>
+                                        </p:attrNameLst>
+                                      </p:cBhvr>
+                                      <p:to>
+                                        <p:strVal val="visible"/>
+                                      </p:to>
+                                    </p:set>
+                                    <p:animEffect transition="in" filter="fade">
+                                      <p:cBhvr>
+                                        <p:cTn id="12" dur="500"/>
+                                        <p:tgtEl>
+                                          <p:spTgt spid="5">
+                                            <p:txEl>
+                                              <p:pRg st="1" end="1"/>
+                                            </p:txEl>
+                                          </p:spTgt>
+                                        </p:tgtEl>
+                                      </p:cBhvr>
+                                    </p:animEffect>
+                                  </p:childTnLst>
+                                </p:cTn>
+                              </p:par>
+                            </p:childTnLst>
+                          </p:cTn>
+                        </p:par>
+                      </p:childTnLst>
+                    </p:cTn>
+                  </p:par>
+                  <p:par>
+                    <p:cTn id="13" fill="hold">
+                      <p:stCondLst>
+                        <p:cond delay="indefinite"/>
+                      </p:stCondLst>
+                      <p:childTnLst>
+                        <p:par>
+                          <p:cTn id="14" fill="hold">
+                            <p:stCondLst>
+                              <p:cond delay="0"/>
+                            </p:stCondLst>
+                            <p:childTnLst>
+                              <p:par>
+                                <p:cTn id="15" presetID="10" presetClass="entr" presetSubtype="0" fill="hold" nodeType="clickEffect">
+                                  <p:stCondLst>
+                                    <p:cond delay="0"/>
+                                  </p:stCondLst>
+                                  <p:childTnLst>
+                                    <p:set>
+                                      <p:cBhvr>
+                                        <p:cTn id="16" dur="1" fill="hold">
+                                          <p:stCondLst>
+                                            <p:cond delay="0"/>
+                                          </p:stCondLst>
+                                        </p:cTn>
+                                        <p:tgtEl>
+                                          <p:spTgt spid="5">
+                                            <p:txEl>
+                                              <p:pRg st="2" end="2"/>
+                                            </p:txEl>
+                                          </p:spTgt>
+                                        </p:tgtEl>
+                                        <p:attrNameLst>
+                                          <p:attrName>style.visibility</p:attrName>
+                                        </p:attrNameLst>
+                                      </p:cBhvr>
+                                      <p:to>
+                                        <p:strVal val="visible"/>
+                                      </p:to>
+                                    </p:set>
+                                    <p:animEffect transition="in" filter="fade">
+                                      <p:cBhvr>
+                                        <p:cTn id="17" dur="500"/>
+                                        <p:tgtEl>
+                                          <p:spTgt spid="5">
+                                            <p:txEl>
+                                              <p:pRg st="2" end="2"/>
+                                            </p:txEl>
+                                          </p:spTgt>
+                                        </p:tgtEl>
+                                      </p:cBhvr>
+                                    </p:animEffect>
+                                  </p:childTnLst>
+                                </p:cTn>
+                              </p:par>
+                            </p:childTnLst>
+                          </p:cTn>
+                        </p:par>
+                      </p:childTnLst>
+                    </p:cTn>
+                  </p:par>
+                </p:childTnLst>
+              </p:cTn>
+              <p:prevCondLst>
+                <p:cond evt="onPrev" delay="0">
+                  <p:tgtEl>
+                    <p:sldTgt/>
+                  </p:tgtEl>
+                </p:cond>
+              </p:prevCondLst>
+              <p:nextCondLst>
+                <p:cond evt="onNext" delay="0">
+                  <p:tgtEl>
+                    <p:sldTgt/>
+                  </p:tgtEl>
+                </p:cond>
+              </p:nextCondLst>
+            </p:seq>
+          </p:childTnLst>
+        </p:cTn>
+      </p:par>
+    </p:tnLst>
+  </p:timing>
+</p:sld>
+</file>
+
+<file path=ppt/slides/slide23.xml><?xml version="1.0" encoding="utf-8"?>
 <p:sld xmlns:a="http://schemas.openxmlformats.org/drawingml/2006/main" xmlns:r="http://schemas.openxmlformats.org/officeDocument/2006/relationships" xmlns:p="http://schemas.openxmlformats.org/presentationml/2006/main">
   <p:cSld>
     <p:spTree>
@@ -7233,7 +9557,7 @@
     </p:spTree>
     <p:extLst>
       <p:ext uri="{BB962C8B-B14F-4D97-AF65-F5344CB8AC3E}">
-        <p14:creationId xmlns:p14="http://schemas.microsoft.com/office/powerpoint/2010/main" val="1028838030"/>
+        <p14:creationId xmlns:p14="http://schemas.microsoft.com/office/powerpoint/2010/main" val="3120023218"/>
       </p:ext>
     </p:extLst>
   </p:cSld>
@@ -7250,7 +9574,7 @@
 </p:sld>
 </file>
 
-<file path=ppt/slides/slide19.xml><?xml version="1.0" encoding="utf-8"?>
+<file path=ppt/slides/slide24.xml><?xml version="1.0" encoding="utf-8"?>
 <p:sld xmlns:a="http://schemas.openxmlformats.org/drawingml/2006/main" xmlns:r="http://schemas.openxmlformats.org/officeDocument/2006/relationships" xmlns:p="http://schemas.openxmlformats.org/presentationml/2006/main">
   <p:cSld>
     <p:spTree>
@@ -7607,7 +9931,7 @@
         <p:spPr>
           <a:xfrm>
             <a:off x="1483081" y="2132856"/>
-            <a:ext cx="2406684" cy="506292"/>
+            <a:ext cx="4699300" cy="553998"/>
           </a:xfrm>
           <a:prstGeom prst="rect">
             <a:avLst/>
@@ -7633,7 +9957,51 @@
                   </a:schemeClr>
                 </a:solidFill>
               </a:rPr>
-              <a:t>Business Analyst (BA)</a:t>
+              <a:t>Business Analyst (BA</a:t>
+            </a:r>
+            <a:r>
+              <a:rPr lang="en-US" sz="2000" dirty="0" smtClean="0">
+                <a:solidFill>
+                  <a:schemeClr val="tx1">
+                    <a:lumMod val="95000"/>
+                    <a:lumOff val="5000"/>
+                  </a:schemeClr>
+                </a:solidFill>
+              </a:rPr>
+              <a:t>)</a:t>
+            </a:r>
+            <a:r>
+              <a:rPr lang="ru-RU" sz="2000" dirty="0" smtClean="0">
+                <a:solidFill>
+                  <a:schemeClr val="tx1">
+                    <a:lumMod val="95000"/>
+                    <a:lumOff val="5000"/>
+                  </a:schemeClr>
+                </a:solidFill>
+              </a:rPr>
+              <a:t> </a:t>
+            </a:r>
+            <a:r>
+              <a:rPr lang="en-US" sz="2000" dirty="0">
+                <a:solidFill>
+                  <a:schemeClr val="tx1">
+                    <a:lumMod val="95000"/>
+                    <a:lumOff val="5000"/>
+                  </a:schemeClr>
+                </a:solidFill>
+              </a:rPr>
+              <a:t>/ Marketing </a:t>
+            </a:r>
+            <a:r>
+              <a:rPr lang="en-US" sz="2000" dirty="0" err="1" smtClean="0">
+                <a:solidFill>
+                  <a:schemeClr val="tx1">
+                    <a:lumMod val="95000"/>
+                    <a:lumOff val="5000"/>
+                  </a:schemeClr>
+                </a:solidFill>
+              </a:rPr>
+              <a:t>spesialist</a:t>
             </a:r>
             <a:endParaRPr lang="ru-RU" sz="2000" dirty="0">
               <a:solidFill>
@@ -7697,7 +10065,7 @@
         <p:spPr>
           <a:xfrm>
             <a:off x="1475656" y="2780928"/>
-            <a:ext cx="4572000" cy="506292"/>
+            <a:ext cx="4572000" cy="553998"/>
           </a:xfrm>
           <a:prstGeom prst="rect">
             <a:avLst/>
@@ -7715,7 +10083,7 @@
               </a:lnSpc>
             </a:pPr>
             <a:r>
-              <a:rPr lang="en-US" sz="2000" dirty="0">
+              <a:rPr lang="en-US" sz="2000" dirty="0" smtClean="0">
                 <a:solidFill>
                   <a:schemeClr val="tx1">
                     <a:lumMod val="95000"/>
@@ -7723,7 +10091,18 @@
                   </a:schemeClr>
                 </a:solidFill>
               </a:rPr>
-              <a:t>Quality Control/Product Testers</a:t>
+              <a:t>QA Engineers / Product </a:t>
+            </a:r>
+            <a:r>
+              <a:rPr lang="en-US" sz="2000" dirty="0">
+                <a:solidFill>
+                  <a:schemeClr val="tx1">
+                    <a:lumMod val="95000"/>
+                    <a:lumOff val="5000"/>
+                  </a:schemeClr>
+                </a:solidFill>
+              </a:rPr>
+              <a:t>Testers</a:t>
             </a:r>
             <a:endParaRPr lang="ru-RU" sz="2000" dirty="0">
               <a:solidFill>
@@ -7763,7 +10142,15 @@
             </a:pPr>
             <a:r>
               <a:rPr lang="en-US" sz="1400" dirty="0"/>
-              <a:t>Designs and creates Test </a:t>
+              <a:t>Designs and creates </a:t>
+            </a:r>
+            <a:r>
+              <a:rPr lang="en-US" sz="1400" dirty="0" smtClean="0"/>
+              <a:t>Test</a:t>
+            </a:r>
+            <a:r>
+              <a:rPr lang="en-US" sz="1400" dirty="0"/>
+              <a:t>s</a:t>
             </a:r>
             <a:endParaRPr lang="en-US" sz="1400" dirty="0" smtClean="0"/>
           </a:p>
@@ -8194,376 +10581,7 @@
 </p:sld>
 </file>
 
-<file path=ppt/slides/slide2.xml><?xml version="1.0" encoding="utf-8"?>
-<p:sld xmlns:a="http://schemas.openxmlformats.org/drawingml/2006/main" xmlns:r="http://schemas.openxmlformats.org/officeDocument/2006/relationships" xmlns:p="http://schemas.openxmlformats.org/presentationml/2006/main">
-  <p:cSld>
-    <p:spTree>
-      <p:nvGrpSpPr>
-        <p:cNvPr id="1" name=""/>
-        <p:cNvGrpSpPr/>
-        <p:nvPr/>
-      </p:nvGrpSpPr>
-      <p:grpSpPr>
-        <a:xfrm>
-          <a:off x="0" y="0"/>
-          <a:ext cx="0" cy="0"/>
-          <a:chOff x="0" y="0"/>
-          <a:chExt cx="0" cy="0"/>
-        </a:xfrm>
-      </p:grpSpPr>
-      <p:sp>
-        <p:nvSpPr>
-          <p:cNvPr id="4" name="TextBox 3"/>
-          <p:cNvSpPr txBox="1"/>
-          <p:nvPr/>
-        </p:nvSpPr>
-        <p:spPr>
-          <a:xfrm>
-            <a:off x="457200" y="533400"/>
-            <a:ext cx="3701654" cy="630942"/>
-          </a:xfrm>
-          <a:prstGeom prst="rect">
-            <a:avLst/>
-          </a:prstGeom>
-          <a:noFill/>
-        </p:spPr>
-        <p:txBody>
-          <a:bodyPr wrap="none" rtlCol="0">
-            <a:spAutoFit/>
-          </a:bodyPr>
-          <a:lstStyle/>
-          <a:p>
-            <a:r>
-              <a:rPr lang="en-US" sz="3500" dirty="0">
-                <a:solidFill>
-                  <a:schemeClr val="tx1">
-                    <a:lumMod val="65000"/>
-                    <a:lumOff val="35000"/>
-                  </a:schemeClr>
-                </a:solidFill>
-                <a:effectLst>
-                  <a:outerShdw blurRad="38100" dist="38100" dir="2700000" algn="tl">
-                    <a:srgbClr val="000000">
-                      <a:alpha val="43137"/>
-                    </a:srgbClr>
-                  </a:outerShdw>
-                </a:effectLst>
-              </a:rPr>
-              <a:t>Inputs and Outputs</a:t>
-            </a:r>
-          </a:p>
-        </p:txBody>
-      </p:sp>
-      <p:sp>
-        <p:nvSpPr>
-          <p:cNvPr id="5" name="Right Arrow 4"/>
-          <p:cNvSpPr/>
-          <p:nvPr/>
-        </p:nvSpPr>
-        <p:spPr>
-          <a:xfrm>
-            <a:off x="1295400" y="2133600"/>
-            <a:ext cx="1123987" cy="242316"/>
-          </a:xfrm>
-          <a:prstGeom prst="rightArrow">
-            <a:avLst/>
-          </a:prstGeom>
-        </p:spPr>
-        <p:style>
-          <a:lnRef idx="1">
-            <a:schemeClr val="accent6"/>
-          </a:lnRef>
-          <a:fillRef idx="2">
-            <a:schemeClr val="accent6"/>
-          </a:fillRef>
-          <a:effectRef idx="1">
-            <a:schemeClr val="accent6"/>
-          </a:effectRef>
-          <a:fontRef idx="minor">
-            <a:schemeClr val="dk1"/>
-          </a:fontRef>
-        </p:style>
-        <p:txBody>
-          <a:bodyPr rtlCol="0" anchor="ctr"/>
-          <a:lstStyle/>
-          <a:p>
-            <a:pPr algn="ctr"/>
-            <a:endParaRPr lang="en-US"/>
-          </a:p>
-        </p:txBody>
-      </p:sp>
-      <p:sp>
-        <p:nvSpPr>
-          <p:cNvPr id="12" name="Right Arrow 11"/>
-          <p:cNvSpPr/>
-          <p:nvPr/>
-        </p:nvSpPr>
-        <p:spPr>
-          <a:xfrm>
-            <a:off x="1295400" y="3018408"/>
-            <a:ext cx="1123987" cy="242316"/>
-          </a:xfrm>
-          <a:prstGeom prst="rightArrow">
-            <a:avLst/>
-          </a:prstGeom>
-        </p:spPr>
-        <p:style>
-          <a:lnRef idx="1">
-            <a:schemeClr val="accent6"/>
-          </a:lnRef>
-          <a:fillRef idx="2">
-            <a:schemeClr val="accent6"/>
-          </a:fillRef>
-          <a:effectRef idx="1">
-            <a:schemeClr val="accent6"/>
-          </a:effectRef>
-          <a:fontRef idx="minor">
-            <a:schemeClr val="dk1"/>
-          </a:fontRef>
-        </p:style>
-        <p:txBody>
-          <a:bodyPr rtlCol="0" anchor="ctr"/>
-          <a:lstStyle/>
-          <a:p>
-            <a:pPr algn="ctr"/>
-            <a:endParaRPr lang="en-US"/>
-          </a:p>
-        </p:txBody>
-      </p:sp>
-      <p:sp>
-        <p:nvSpPr>
-          <p:cNvPr id="13" name="Right Arrow 12"/>
-          <p:cNvSpPr/>
-          <p:nvPr/>
-        </p:nvSpPr>
-        <p:spPr>
-          <a:xfrm>
-            <a:off x="1295400" y="3910058"/>
-            <a:ext cx="1123987" cy="248819"/>
-          </a:xfrm>
-          <a:prstGeom prst="rightArrow">
-            <a:avLst/>
-          </a:prstGeom>
-        </p:spPr>
-        <p:style>
-          <a:lnRef idx="1">
-            <a:schemeClr val="accent6"/>
-          </a:lnRef>
-          <a:fillRef idx="2">
-            <a:schemeClr val="accent6"/>
-          </a:fillRef>
-          <a:effectRef idx="1">
-            <a:schemeClr val="accent6"/>
-          </a:effectRef>
-          <a:fontRef idx="minor">
-            <a:schemeClr val="dk1"/>
-          </a:fontRef>
-        </p:style>
-        <p:txBody>
-          <a:bodyPr rtlCol="0" anchor="ctr"/>
-          <a:lstStyle/>
-          <a:p>
-            <a:pPr algn="ctr"/>
-            <a:endParaRPr lang="en-US"/>
-          </a:p>
-        </p:txBody>
-      </p:sp>
-      <p:sp>
-        <p:nvSpPr>
-          <p:cNvPr id="14" name="Right Arrow 13"/>
-          <p:cNvSpPr/>
-          <p:nvPr/>
-        </p:nvSpPr>
-        <p:spPr>
-          <a:xfrm>
-            <a:off x="6629400" y="2436495"/>
-            <a:ext cx="1283208" cy="363474"/>
-          </a:xfrm>
-          <a:prstGeom prst="rightArrow">
-            <a:avLst/>
-          </a:prstGeom>
-        </p:spPr>
-        <p:style>
-          <a:lnRef idx="1">
-            <a:schemeClr val="accent6"/>
-          </a:lnRef>
-          <a:fillRef idx="2">
-            <a:schemeClr val="accent6"/>
-          </a:fillRef>
-          <a:effectRef idx="1">
-            <a:schemeClr val="accent6"/>
-          </a:effectRef>
-          <a:fontRef idx="minor">
-            <a:schemeClr val="dk1"/>
-          </a:fontRef>
-        </p:style>
-        <p:txBody>
-          <a:bodyPr rtlCol="0" anchor="ctr"/>
-          <a:lstStyle/>
-          <a:p>
-            <a:pPr algn="ctr"/>
-            <a:endParaRPr lang="en-US"/>
-          </a:p>
-        </p:txBody>
-      </p:sp>
-      <p:sp>
-        <p:nvSpPr>
-          <p:cNvPr id="6" name="TextBox 5"/>
-          <p:cNvSpPr txBox="1"/>
-          <p:nvPr/>
-        </p:nvSpPr>
-        <p:spPr>
-          <a:xfrm>
-            <a:off x="1544715" y="1354130"/>
-            <a:ext cx="922047" cy="430887"/>
-          </a:xfrm>
-          <a:prstGeom prst="rect">
-            <a:avLst/>
-          </a:prstGeom>
-          <a:noFill/>
-        </p:spPr>
-        <p:txBody>
-          <a:bodyPr wrap="none" rtlCol="0">
-            <a:spAutoFit/>
-          </a:bodyPr>
-          <a:lstStyle/>
-          <a:p>
-            <a:r>
-              <a:rPr lang="en-US" sz="2200" b="1" dirty="0"/>
-              <a:t>Inputs</a:t>
-            </a:r>
-          </a:p>
-        </p:txBody>
-      </p:sp>
-      <p:sp>
-        <p:nvSpPr>
-          <p:cNvPr id="17" name="TextBox 16"/>
-          <p:cNvSpPr txBox="1"/>
-          <p:nvPr/>
-        </p:nvSpPr>
-        <p:spPr>
-          <a:xfrm>
-            <a:off x="6705600" y="1354130"/>
-            <a:ext cx="1135247" cy="430887"/>
-          </a:xfrm>
-          <a:prstGeom prst="rect">
-            <a:avLst/>
-          </a:prstGeom>
-          <a:noFill/>
-        </p:spPr>
-        <p:txBody>
-          <a:bodyPr wrap="none" rtlCol="0">
-            <a:spAutoFit/>
-          </a:bodyPr>
-          <a:lstStyle/>
-          <a:p>
-            <a:r>
-              <a:rPr lang="en-US" sz="2200" b="1" dirty="0"/>
-              <a:t>Outputs</a:t>
-            </a:r>
-          </a:p>
-        </p:txBody>
-      </p:sp>
-      <p:sp>
-        <p:nvSpPr>
-          <p:cNvPr id="18" name="Right Arrow 17"/>
-          <p:cNvSpPr/>
-          <p:nvPr/>
-        </p:nvSpPr>
-        <p:spPr>
-          <a:xfrm>
-            <a:off x="6629400" y="3795403"/>
-            <a:ext cx="1283208" cy="363474"/>
-          </a:xfrm>
-          <a:prstGeom prst="rightArrow">
-            <a:avLst/>
-          </a:prstGeom>
-        </p:spPr>
-        <p:style>
-          <a:lnRef idx="1">
-            <a:schemeClr val="accent6"/>
-          </a:lnRef>
-          <a:fillRef idx="2">
-            <a:schemeClr val="accent6"/>
-          </a:fillRef>
-          <a:effectRef idx="1">
-            <a:schemeClr val="accent6"/>
-          </a:effectRef>
-          <a:fontRef idx="minor">
-            <a:schemeClr val="dk1"/>
-          </a:fontRef>
-        </p:style>
-        <p:txBody>
-          <a:bodyPr rtlCol="0" anchor="ctr"/>
-          <a:lstStyle/>
-          <a:p>
-            <a:pPr algn="ctr"/>
-            <a:endParaRPr lang="en-US"/>
-          </a:p>
-        </p:txBody>
-      </p:sp>
-      <p:pic>
-        <p:nvPicPr>
-          <p:cNvPr id="1026" name="Picture 2" descr="C:\Users\jkad\Desktop\Trainings\Testing\pics\soft.png"/>
-          <p:cNvPicPr>
-            <a:picLocks noChangeAspect="1" noChangeArrowheads="1"/>
-          </p:cNvPicPr>
-          <p:nvPr/>
-        </p:nvPicPr>
-        <p:blipFill>
-          <a:blip r:embed="rId2">
-            <a:extLst>
-              <a:ext uri="{28A0092B-C50C-407E-A947-70E740481C1C}">
-                <a14:useLocalDpi xmlns:a14="http://schemas.microsoft.com/office/drawing/2010/main" val="0"/>
-              </a:ext>
-            </a:extLst>
-          </a:blip>
-          <a:srcRect/>
-          <a:stretch>
-            <a:fillRect/>
-          </a:stretch>
-        </p:blipFill>
-        <p:spPr bwMode="auto">
-          <a:xfrm>
-            <a:off x="3276600" y="1710053"/>
-            <a:ext cx="2754431" cy="2616709"/>
-          </a:xfrm>
-          <a:prstGeom prst="rect">
-            <a:avLst/>
-          </a:prstGeom>
-          <a:noFill/>
-          <a:extLst>
-            <a:ext uri="{909E8E84-426E-40DD-AFC4-6F175D3DCCD1}">
-              <a14:hiddenFill xmlns:a14="http://schemas.microsoft.com/office/drawing/2010/main">
-                <a:solidFill>
-                  <a:srgbClr val="FFFFFF"/>
-                </a:solidFill>
-              </a14:hiddenFill>
-            </a:ext>
-          </a:extLst>
-        </p:spPr>
-      </p:pic>
-    </p:spTree>
-    <p:extLst>
-      <p:ext uri="{BB962C8B-B14F-4D97-AF65-F5344CB8AC3E}">
-        <p14:creationId xmlns:p14="http://schemas.microsoft.com/office/powerpoint/2010/main" val="3182907598"/>
-      </p:ext>
-    </p:extLst>
-  </p:cSld>
-  <p:clrMapOvr>
-    <a:masterClrMapping/>
-  </p:clrMapOvr>
-  <p:timing>
-    <p:tnLst>
-      <p:par>
-        <p:cTn id="1" dur="indefinite" restart="never" nodeType="tmRoot"/>
-      </p:par>
-    </p:tnLst>
-  </p:timing>
-</p:sld>
-</file>
-
-<file path=ppt/slides/slide20.xml><?xml version="1.0" encoding="utf-8"?>
+<file path=ppt/slides/slide25.xml><?xml version="1.0" encoding="utf-8"?>
 <p:sld xmlns:a="http://schemas.openxmlformats.org/drawingml/2006/main" xmlns:r="http://schemas.openxmlformats.org/officeDocument/2006/relationships" xmlns:p="http://schemas.openxmlformats.org/presentationml/2006/main">
   <p:cSld>
     <p:spTree>
@@ -8804,7 +10822,7 @@
         <p:spPr>
           <a:xfrm>
             <a:off x="1483081" y="1703044"/>
-            <a:ext cx="6109704" cy="1815882"/>
+            <a:ext cx="6109704" cy="1600438"/>
           </a:xfrm>
           <a:prstGeom prst="rect">
             <a:avLst/>
@@ -8885,16 +10903,6 @@
               <a:t>testing activities</a:t>
             </a:r>
             <a:endParaRPr lang="en-US" sz="1400" i="1" dirty="0"/>
-          </a:p>
-          <a:p>
-            <a:pPr marL="285750" indent="-285750">
-              <a:buFont typeface="Arial" pitchFamily="34" charset="0"/>
-              <a:buChar char="•"/>
-            </a:pPr>
-            <a:r>
-              <a:rPr lang="en-US" sz="1400" dirty="0" smtClean="0"/>
-              <a:t>Reconciles Test Cases from Test Set with Change List </a:t>
-            </a:r>
           </a:p>
           <a:p>
             <a:pPr marL="285750" indent="-285750">
@@ -9325,7 +11333,7 @@
 </p:sld>
 </file>
 
-<file path=ppt/slides/slide21.xml><?xml version="1.0" encoding="utf-8"?>
+<file path=ppt/slides/slide26.xml><?xml version="1.0" encoding="utf-8"?>
 <p:sld xmlns:a="http://schemas.openxmlformats.org/drawingml/2006/main" xmlns:r="http://schemas.openxmlformats.org/officeDocument/2006/relationships" xmlns:p="http://schemas.openxmlformats.org/presentationml/2006/main">
   <p:cSld>
     <p:spTree>
@@ -9719,8 +11727,8 @@
         </p:nvSpPr>
         <p:spPr bwMode="auto">
           <a:xfrm>
-            <a:off x="3571873" y="3200677"/>
-            <a:ext cx="1685925" cy="457200"/>
+            <a:off x="3487576" y="3200677"/>
+            <a:ext cx="1854518" cy="457200"/>
           </a:xfrm>
           <a:prstGeom prst="rect">
             <a:avLst/>
@@ -9768,7 +11776,7 @@
           <a:p>
             <a:pPr algn="ctr"/>
             <a:r>
-              <a:rPr lang="en-US" sz="1400" dirty="0">
+              <a:rPr lang="en-US" sz="1400" dirty="0" smtClean="0">
                 <a:solidFill>
                   <a:schemeClr val="tx1">
                     <a:lumMod val="65000"/>
@@ -9778,7 +11786,20 @@
                 <a:latin typeface="Aharoni" pitchFamily="2" charset="-79"/>
                 <a:cs typeface="Aharoni" pitchFamily="2" charset="-79"/>
               </a:rPr>
-              <a:t>TC development</a:t>
+              <a:t>Tests </a:t>
+            </a:r>
+            <a:r>
+              <a:rPr lang="en-US" sz="1400" dirty="0">
+                <a:solidFill>
+                  <a:schemeClr val="tx1">
+                    <a:lumMod val="65000"/>
+                    <a:lumOff val="35000"/>
+                  </a:schemeClr>
+                </a:solidFill>
+                <a:latin typeface="Aharoni" pitchFamily="2" charset="-79"/>
+                <a:cs typeface="Aharoni" pitchFamily="2" charset="-79"/>
+              </a:rPr>
+              <a:t>development</a:t>
             </a:r>
           </a:p>
           <a:p>
@@ -9858,8 +11879,8 @@
         </p:nvSpPr>
         <p:spPr bwMode="auto">
           <a:xfrm>
-            <a:off x="3401347" y="3962400"/>
-            <a:ext cx="2026975" cy="633458"/>
+            <a:off x="3188514" y="3962400"/>
+            <a:ext cx="2452641" cy="633458"/>
           </a:xfrm>
           <a:prstGeom prst="flowChartDecision">
             <a:avLst/>
@@ -9907,7 +11928,7 @@
           <a:p>
             <a:pPr algn="ctr"/>
             <a:r>
-              <a:rPr lang="en-US" sz="1400" dirty="0">
+              <a:rPr lang="en-US" sz="1400" dirty="0" smtClean="0">
                 <a:solidFill>
                   <a:schemeClr val="tx1">
                     <a:lumMod val="65000"/>
@@ -9917,7 +11938,20 @@
                 <a:latin typeface="Aharoni" pitchFamily="2" charset="-79"/>
                 <a:cs typeface="Aharoni" pitchFamily="2" charset="-79"/>
               </a:rPr>
-              <a:t>TC review</a:t>
+              <a:t>Tests </a:t>
+            </a:r>
+            <a:r>
+              <a:rPr lang="en-US" sz="1400" dirty="0">
+                <a:solidFill>
+                  <a:schemeClr val="tx1">
+                    <a:lumMod val="65000"/>
+                    <a:lumOff val="35000"/>
+                  </a:schemeClr>
+                </a:solidFill>
+                <a:latin typeface="Aharoni" pitchFamily="2" charset="-79"/>
+                <a:cs typeface="Aharoni" pitchFamily="2" charset="-79"/>
+              </a:rPr>
+              <a:t>review</a:t>
             </a:r>
           </a:p>
           <a:p>
@@ -10151,7 +12185,7 @@
         </p:nvSpPr>
         <p:spPr bwMode="auto">
           <a:xfrm>
-            <a:off x="6858000" y="6115049"/>
+            <a:off x="6156176" y="6115049"/>
             <a:ext cx="1685925" cy="457200"/>
           </a:xfrm>
           <a:prstGeom prst="rect">
@@ -10352,8 +12386,8 @@
         </p:nvCxnSpPr>
         <p:spPr>
           <a:xfrm flipH="1">
-            <a:off x="4414836" y="2979660"/>
-            <a:ext cx="1" cy="221017"/>
+            <a:off x="4414835" y="2979660"/>
+            <a:ext cx="2" cy="221017"/>
           </a:xfrm>
           <a:prstGeom prst="straightConnector1">
             <a:avLst/>
@@ -10393,9 +12427,9 @@
           <p:nvPr/>
         </p:nvCxnSpPr>
         <p:spPr>
-          <a:xfrm flipH="1">
+          <a:xfrm>
             <a:off x="4414835" y="3657877"/>
-            <a:ext cx="1" cy="304523"/>
+            <a:ext cx="0" cy="304523"/>
           </a:xfrm>
           <a:prstGeom prst="straightConnector1">
             <a:avLst/>
@@ -10520,13 +12554,13 @@
         </p:nvCxnSpPr>
         <p:spPr>
           <a:xfrm rot="5400000" flipH="1" flipV="1">
-            <a:off x="5550693" y="5207792"/>
-            <a:ext cx="171450" cy="2443163"/>
+            <a:off x="5199781" y="5558704"/>
+            <a:ext cx="171450" cy="1741339"/>
           </a:xfrm>
           <a:prstGeom prst="bentConnector4">
             <a:avLst>
-              <a:gd name="adj1" fmla="val -133333"/>
-              <a:gd name="adj2" fmla="val 75827"/>
+              <a:gd name="adj1" fmla="val -47509"/>
+              <a:gd name="adj2" fmla="val 86237"/>
             </a:avLst>
           </a:prstGeom>
           <a:ln w="12700">
@@ -10565,12 +12599,12 @@
         </p:nvCxnSpPr>
         <p:spPr>
           <a:xfrm flipH="1" flipV="1">
-            <a:off x="5257798" y="3429277"/>
-            <a:ext cx="170524" cy="849852"/>
+            <a:off x="5342094" y="3429277"/>
+            <a:ext cx="299061" cy="849852"/>
           </a:xfrm>
           <a:prstGeom prst="bentConnector3">
             <a:avLst>
-              <a:gd name="adj1" fmla="val -134057"/>
+              <a:gd name="adj1" fmla="val -76439"/>
             </a:avLst>
           </a:prstGeom>
           <a:ln w="12700">
@@ -10706,7 +12740,7 @@
 </p:sld>
 </file>
 
-<file path=ppt/slides/slide22.xml><?xml version="1.0" encoding="utf-8"?>
+<file path=ppt/slides/slide27.xml><?xml version="1.0" encoding="utf-8"?>
 <p:sld xmlns:a="http://schemas.openxmlformats.org/drawingml/2006/main" xmlns:r="http://schemas.openxmlformats.org/officeDocument/2006/relationships" xmlns:p="http://schemas.openxmlformats.org/presentationml/2006/main">
   <p:cSld>
     <p:spTree>
@@ -12143,375 +14177,16 @@
       </p:sp>
       <p:sp>
         <p:nvSpPr>
-          <p:cNvPr id="11" name="Content Placeholder 2"/>
-          <p:cNvSpPr txBox="1">
-            <a:spLocks/>
-          </p:cNvSpPr>
+          <p:cNvPr id="5" name="Right Arrow 4"/>
+          <p:cNvSpPr/>
           <p:nvPr/>
         </p:nvSpPr>
         <p:spPr>
           <a:xfrm>
-            <a:off x="1232256" y="1371600"/>
-            <a:ext cx="4419600" cy="3505200"/>
+            <a:off x="1295400" y="2133600"/>
+            <a:ext cx="1123987" cy="242316"/>
           </a:xfrm>
-          <a:prstGeom prst="rect">
-            <a:avLst/>
-          </a:prstGeom>
-        </p:spPr>
-        <p:txBody>
-          <a:bodyPr vert="horz" lIns="91440" tIns="45720" rIns="91440" bIns="45720" rtlCol="0">
-            <a:normAutofit/>
-          </a:bodyPr>
-          <a:lstStyle>
-            <a:lvl1pPr marL="0" indent="0" algn="ctr" defTabSz="914400" rtl="0" eaLnBrk="1" latinLnBrk="0" hangingPunct="1">
-              <a:spcBef>
-                <a:spcPct val="20000"/>
-              </a:spcBef>
-              <a:buFont typeface="Arial" pitchFamily="34" charset="0"/>
-              <a:buNone/>
-              <a:defRPr sz="3200" kern="1200">
-                <a:solidFill>
-                  <a:schemeClr val="tx1">
-                    <a:tint val="75000"/>
-                  </a:schemeClr>
-                </a:solidFill>
-                <a:latin typeface="+mn-lt"/>
-                <a:ea typeface="+mn-ea"/>
-                <a:cs typeface="+mn-cs"/>
-              </a:defRPr>
-            </a:lvl1pPr>
-            <a:lvl2pPr marL="457200" indent="0" algn="ctr" defTabSz="914400" rtl="0" eaLnBrk="1" latinLnBrk="0" hangingPunct="1">
-              <a:spcBef>
-                <a:spcPct val="20000"/>
-              </a:spcBef>
-              <a:buFont typeface="Arial" pitchFamily="34" charset="0"/>
-              <a:buNone/>
-              <a:defRPr sz="2800" kern="1200">
-                <a:solidFill>
-                  <a:schemeClr val="tx1">
-                    <a:tint val="75000"/>
-                  </a:schemeClr>
-                </a:solidFill>
-                <a:latin typeface="+mn-lt"/>
-                <a:ea typeface="+mn-ea"/>
-                <a:cs typeface="+mn-cs"/>
-              </a:defRPr>
-            </a:lvl2pPr>
-            <a:lvl3pPr marL="914400" indent="0" algn="ctr" defTabSz="914400" rtl="0" eaLnBrk="1" latinLnBrk="0" hangingPunct="1">
-              <a:spcBef>
-                <a:spcPct val="20000"/>
-              </a:spcBef>
-              <a:buFont typeface="Arial" pitchFamily="34" charset="0"/>
-              <a:buNone/>
-              <a:defRPr sz="2400" kern="1200">
-                <a:solidFill>
-                  <a:schemeClr val="tx1">
-                    <a:tint val="75000"/>
-                  </a:schemeClr>
-                </a:solidFill>
-                <a:latin typeface="+mn-lt"/>
-                <a:ea typeface="+mn-ea"/>
-                <a:cs typeface="+mn-cs"/>
-              </a:defRPr>
-            </a:lvl3pPr>
-            <a:lvl4pPr marL="1371600" indent="0" algn="ctr" defTabSz="914400" rtl="0" eaLnBrk="1" latinLnBrk="0" hangingPunct="1">
-              <a:spcBef>
-                <a:spcPct val="20000"/>
-              </a:spcBef>
-              <a:buFont typeface="Arial" pitchFamily="34" charset="0"/>
-              <a:buNone/>
-              <a:defRPr sz="2000" kern="1200">
-                <a:solidFill>
-                  <a:schemeClr val="tx1">
-                    <a:tint val="75000"/>
-                  </a:schemeClr>
-                </a:solidFill>
-                <a:latin typeface="+mn-lt"/>
-                <a:ea typeface="+mn-ea"/>
-                <a:cs typeface="+mn-cs"/>
-              </a:defRPr>
-            </a:lvl4pPr>
-            <a:lvl5pPr marL="1828800" indent="0" algn="ctr" defTabSz="914400" rtl="0" eaLnBrk="1" latinLnBrk="0" hangingPunct="1">
-              <a:spcBef>
-                <a:spcPct val="20000"/>
-              </a:spcBef>
-              <a:buFont typeface="Arial" pitchFamily="34" charset="0"/>
-              <a:buNone/>
-              <a:defRPr sz="2000" kern="1200">
-                <a:solidFill>
-                  <a:schemeClr val="tx1">
-                    <a:tint val="75000"/>
-                  </a:schemeClr>
-                </a:solidFill>
-                <a:latin typeface="+mn-lt"/>
-                <a:ea typeface="+mn-ea"/>
-                <a:cs typeface="+mn-cs"/>
-              </a:defRPr>
-            </a:lvl5pPr>
-            <a:lvl6pPr marL="2286000" indent="0" algn="ctr" defTabSz="914400" rtl="0" eaLnBrk="1" latinLnBrk="0" hangingPunct="1">
-              <a:spcBef>
-                <a:spcPct val="20000"/>
-              </a:spcBef>
-              <a:buFont typeface="Arial" pitchFamily="34" charset="0"/>
-              <a:buNone/>
-              <a:defRPr sz="2000" kern="1200">
-                <a:solidFill>
-                  <a:schemeClr val="tx1">
-                    <a:tint val="75000"/>
-                  </a:schemeClr>
-                </a:solidFill>
-                <a:latin typeface="+mn-lt"/>
-                <a:ea typeface="+mn-ea"/>
-                <a:cs typeface="+mn-cs"/>
-              </a:defRPr>
-            </a:lvl6pPr>
-            <a:lvl7pPr marL="2743200" indent="0" algn="ctr" defTabSz="914400" rtl="0" eaLnBrk="1" latinLnBrk="0" hangingPunct="1">
-              <a:spcBef>
-                <a:spcPct val="20000"/>
-              </a:spcBef>
-              <a:buFont typeface="Arial" pitchFamily="34" charset="0"/>
-              <a:buNone/>
-              <a:defRPr sz="2000" kern="1200">
-                <a:solidFill>
-                  <a:schemeClr val="tx1">
-                    <a:tint val="75000"/>
-                  </a:schemeClr>
-                </a:solidFill>
-                <a:latin typeface="+mn-lt"/>
-                <a:ea typeface="+mn-ea"/>
-                <a:cs typeface="+mn-cs"/>
-              </a:defRPr>
-            </a:lvl7pPr>
-            <a:lvl8pPr marL="3200400" indent="0" algn="ctr" defTabSz="914400" rtl="0" eaLnBrk="1" latinLnBrk="0" hangingPunct="1">
-              <a:spcBef>
-                <a:spcPct val="20000"/>
-              </a:spcBef>
-              <a:buFont typeface="Arial" pitchFamily="34" charset="0"/>
-              <a:buNone/>
-              <a:defRPr sz="2000" kern="1200">
-                <a:solidFill>
-                  <a:schemeClr val="tx1">
-                    <a:tint val="75000"/>
-                  </a:schemeClr>
-                </a:solidFill>
-                <a:latin typeface="+mn-lt"/>
-                <a:ea typeface="+mn-ea"/>
-                <a:cs typeface="+mn-cs"/>
-              </a:defRPr>
-            </a:lvl8pPr>
-            <a:lvl9pPr marL="3657600" indent="0" algn="ctr" defTabSz="914400" rtl="0" eaLnBrk="1" latinLnBrk="0" hangingPunct="1">
-              <a:spcBef>
-                <a:spcPct val="20000"/>
-              </a:spcBef>
-              <a:buFont typeface="Arial" pitchFamily="34" charset="0"/>
-              <a:buNone/>
-              <a:defRPr sz="2000" kern="1200">
-                <a:solidFill>
-                  <a:schemeClr val="tx1">
-                    <a:tint val="75000"/>
-                  </a:schemeClr>
-                </a:solidFill>
-                <a:latin typeface="+mn-lt"/>
-                <a:ea typeface="+mn-ea"/>
-                <a:cs typeface="+mn-cs"/>
-              </a:defRPr>
-            </a:lvl9pPr>
-          </a:lstStyle>
-          <a:p>
-            <a:pPr algn="l">
-              <a:lnSpc>
-                <a:spcPct val="150000"/>
-              </a:lnSpc>
-            </a:pPr>
-            <a:r>
-              <a:rPr lang="en-US" sz="2000" dirty="0" smtClean="0">
-                <a:solidFill>
-                  <a:schemeClr val="tx1">
-                    <a:lumMod val="95000"/>
-                    <a:lumOff val="5000"/>
-                  </a:schemeClr>
-                </a:solidFill>
-              </a:rPr>
-              <a:t>User Interface (UI)</a:t>
-            </a:r>
-            <a:endParaRPr lang="ru-RU" sz="2000" dirty="0" smtClean="0">
-              <a:solidFill>
-                <a:schemeClr val="tx1">
-                  <a:lumMod val="95000"/>
-                  <a:lumOff val="5000"/>
-                </a:schemeClr>
-              </a:solidFill>
-            </a:endParaRPr>
-          </a:p>
-          <a:p>
-            <a:pPr algn="l">
-              <a:lnSpc>
-                <a:spcPct val="150000"/>
-              </a:lnSpc>
-            </a:pPr>
-            <a:r>
-              <a:rPr lang="en-US" sz="2000" dirty="0" smtClean="0">
-                <a:solidFill>
-                  <a:schemeClr val="tx1">
-                    <a:lumMod val="95000"/>
-                    <a:lumOff val="5000"/>
-                  </a:schemeClr>
-                </a:solidFill>
-              </a:rPr>
-              <a:t>Program Interface</a:t>
-            </a:r>
-            <a:r>
-              <a:rPr lang="ru-RU" sz="2000" dirty="0" smtClean="0">
-                <a:solidFill>
-                  <a:schemeClr val="tx1">
-                    <a:lumMod val="95000"/>
-                    <a:lumOff val="5000"/>
-                  </a:schemeClr>
-                </a:solidFill>
-              </a:rPr>
-              <a:t> (</a:t>
-            </a:r>
-            <a:r>
-              <a:rPr lang="en-US" sz="2000" dirty="0" smtClean="0">
-                <a:solidFill>
-                  <a:schemeClr val="tx1">
-                    <a:lumMod val="95000"/>
-                    <a:lumOff val="5000"/>
-                  </a:schemeClr>
-                </a:solidFill>
-              </a:rPr>
-              <a:t>API</a:t>
-            </a:r>
-            <a:r>
-              <a:rPr lang="ru-RU" sz="2000" dirty="0" smtClean="0">
-                <a:solidFill>
-                  <a:schemeClr val="tx1">
-                    <a:lumMod val="95000"/>
-                    <a:lumOff val="5000"/>
-                  </a:schemeClr>
-                </a:solidFill>
-              </a:rPr>
-              <a:t>)</a:t>
-            </a:r>
-          </a:p>
-          <a:p>
-            <a:pPr algn="l">
-              <a:lnSpc>
-                <a:spcPct val="150000"/>
-              </a:lnSpc>
-            </a:pPr>
-            <a:r>
-              <a:rPr lang="en-US" sz="2000" dirty="0" smtClean="0">
-                <a:solidFill>
-                  <a:schemeClr val="tx1">
-                    <a:lumMod val="95000"/>
-                    <a:lumOff val="5000"/>
-                  </a:schemeClr>
-                </a:solidFill>
-              </a:rPr>
-              <a:t>Net Protocol</a:t>
-            </a:r>
-            <a:endParaRPr lang="ru-RU" sz="2000" dirty="0" smtClean="0">
-              <a:solidFill>
-                <a:schemeClr val="tx1">
-                  <a:lumMod val="95000"/>
-                  <a:lumOff val="5000"/>
-                </a:schemeClr>
-              </a:solidFill>
-            </a:endParaRPr>
-          </a:p>
-          <a:p>
-            <a:pPr algn="l">
-              <a:lnSpc>
-                <a:spcPct val="150000"/>
-              </a:lnSpc>
-            </a:pPr>
-            <a:r>
-              <a:rPr lang="en-US" sz="2000" dirty="0" smtClean="0">
-                <a:solidFill>
-                  <a:schemeClr val="tx1">
-                    <a:lumMod val="95000"/>
-                    <a:lumOff val="5000"/>
-                  </a:schemeClr>
-                </a:solidFill>
-              </a:rPr>
-              <a:t>File System</a:t>
-            </a:r>
-            <a:endParaRPr lang="ru-RU" sz="2000" dirty="0" smtClean="0">
-              <a:solidFill>
-                <a:schemeClr val="tx1">
-                  <a:lumMod val="95000"/>
-                  <a:lumOff val="5000"/>
-                </a:schemeClr>
-              </a:solidFill>
-            </a:endParaRPr>
-          </a:p>
-          <a:p>
-            <a:pPr algn="l">
-              <a:lnSpc>
-                <a:spcPct val="150000"/>
-              </a:lnSpc>
-            </a:pPr>
-            <a:r>
-              <a:rPr lang="en-US" sz="2000" dirty="0" smtClean="0">
-                <a:solidFill>
-                  <a:schemeClr val="tx1">
-                    <a:lumMod val="95000"/>
-                    <a:lumOff val="5000"/>
-                  </a:schemeClr>
-                </a:solidFill>
-              </a:rPr>
-              <a:t>Environment State</a:t>
-            </a:r>
-            <a:endParaRPr lang="ru-RU" sz="2000" dirty="0" smtClean="0">
-              <a:solidFill>
-                <a:schemeClr val="tx1">
-                  <a:lumMod val="95000"/>
-                  <a:lumOff val="5000"/>
-                </a:schemeClr>
-              </a:solidFill>
-            </a:endParaRPr>
-          </a:p>
-          <a:p>
-            <a:pPr algn="l">
-              <a:lnSpc>
-                <a:spcPct val="150000"/>
-              </a:lnSpc>
-            </a:pPr>
-            <a:r>
-              <a:rPr lang="en-US" sz="2000" dirty="0" smtClean="0">
-                <a:solidFill>
-                  <a:schemeClr val="tx1">
-                    <a:lumMod val="95000"/>
-                    <a:lumOff val="5000"/>
-                  </a:schemeClr>
-                </a:solidFill>
-              </a:rPr>
-              <a:t>Events</a:t>
-            </a:r>
-            <a:endParaRPr lang="ru-RU" sz="2000" dirty="0" smtClean="0">
-              <a:solidFill>
-                <a:schemeClr val="tx1">
-                  <a:lumMod val="95000"/>
-                  <a:lumOff val="5000"/>
-                </a:schemeClr>
-              </a:solidFill>
-            </a:endParaRPr>
-          </a:p>
-        </p:txBody>
-      </p:sp>
-      <p:sp>
-        <p:nvSpPr>
-          <p:cNvPr id="5" name="Chevron 4"/>
-          <p:cNvSpPr/>
-          <p:nvPr/>
-        </p:nvSpPr>
-        <p:spPr>
-          <a:xfrm>
-            <a:off x="1057990" y="1600200"/>
-            <a:ext cx="152400" cy="191037"/>
-          </a:xfrm>
-          <a:prstGeom prst="chevron">
+          <a:prstGeom prst="rightArrow">
             <a:avLst/>
           </a:prstGeom>
         </p:spPr>
@@ -12519,14 +14194,14 @@
           <a:lnRef idx="1">
             <a:schemeClr val="accent6"/>
           </a:lnRef>
-          <a:fillRef idx="3">
+          <a:fillRef idx="2">
             <a:schemeClr val="accent6"/>
           </a:fillRef>
-          <a:effectRef idx="2">
+          <a:effectRef idx="1">
             <a:schemeClr val="accent6"/>
           </a:effectRef>
           <a:fontRef idx="minor">
-            <a:schemeClr val="lt1"/>
+            <a:schemeClr val="dk1"/>
           </a:fontRef>
         </p:style>
         <p:txBody>
@@ -12534,26 +14209,22 @@
           <a:lstStyle/>
           <a:p>
             <a:pPr algn="ctr"/>
-            <a:endParaRPr lang="en-US">
-              <a:solidFill>
-                <a:schemeClr val="tx1"/>
-              </a:solidFill>
-            </a:endParaRPr>
-          </a:p>
-        </p:txBody>
-      </p:sp>
-      <p:sp>
-        <p:nvSpPr>
-          <p:cNvPr id="6" name="Chevron 5"/>
+            <a:endParaRPr lang="en-US"/>
+          </a:p>
+        </p:txBody>
+      </p:sp>
+      <p:sp>
+        <p:nvSpPr>
+          <p:cNvPr id="12" name="Right Arrow 11"/>
           <p:cNvSpPr/>
           <p:nvPr/>
         </p:nvSpPr>
         <p:spPr>
           <a:xfrm>
-            <a:off x="1057990" y="2080590"/>
-            <a:ext cx="152400" cy="191037"/>
+            <a:off x="1295400" y="3018408"/>
+            <a:ext cx="1123987" cy="242316"/>
           </a:xfrm>
-          <a:prstGeom prst="chevron">
+          <a:prstGeom prst="rightArrow">
             <a:avLst/>
           </a:prstGeom>
         </p:spPr>
@@ -12561,14 +14232,14 @@
           <a:lnRef idx="1">
             <a:schemeClr val="accent6"/>
           </a:lnRef>
-          <a:fillRef idx="3">
+          <a:fillRef idx="2">
             <a:schemeClr val="accent6"/>
           </a:fillRef>
-          <a:effectRef idx="2">
+          <a:effectRef idx="1">
             <a:schemeClr val="accent6"/>
           </a:effectRef>
           <a:fontRef idx="minor">
-            <a:schemeClr val="lt1"/>
+            <a:schemeClr val="dk1"/>
           </a:fontRef>
         </p:style>
         <p:txBody>
@@ -12576,26 +14247,22 @@
           <a:lstStyle/>
           <a:p>
             <a:pPr algn="ctr"/>
-            <a:endParaRPr lang="en-US">
-              <a:solidFill>
-                <a:schemeClr val="tx1"/>
-              </a:solidFill>
-            </a:endParaRPr>
-          </a:p>
-        </p:txBody>
-      </p:sp>
-      <p:sp>
-        <p:nvSpPr>
-          <p:cNvPr id="7" name="Chevron 6"/>
+            <a:endParaRPr lang="en-US"/>
+          </a:p>
+        </p:txBody>
+      </p:sp>
+      <p:sp>
+        <p:nvSpPr>
+          <p:cNvPr id="13" name="Right Arrow 12"/>
           <p:cNvSpPr/>
           <p:nvPr/>
         </p:nvSpPr>
         <p:spPr>
           <a:xfrm>
-            <a:off x="1057990" y="2590800"/>
-            <a:ext cx="152400" cy="191037"/>
+            <a:off x="1295400" y="3910058"/>
+            <a:ext cx="1123987" cy="248819"/>
           </a:xfrm>
-          <a:prstGeom prst="chevron">
+          <a:prstGeom prst="rightArrow">
             <a:avLst/>
           </a:prstGeom>
         </p:spPr>
@@ -12603,14 +14270,14 @@
           <a:lnRef idx="1">
             <a:schemeClr val="accent6"/>
           </a:lnRef>
-          <a:fillRef idx="3">
+          <a:fillRef idx="2">
             <a:schemeClr val="accent6"/>
           </a:fillRef>
-          <a:effectRef idx="2">
+          <a:effectRef idx="1">
             <a:schemeClr val="accent6"/>
           </a:effectRef>
           <a:fontRef idx="minor">
-            <a:schemeClr val="lt1"/>
+            <a:schemeClr val="dk1"/>
           </a:fontRef>
         </p:style>
         <p:txBody>
@@ -12618,26 +14285,22 @@
           <a:lstStyle/>
           <a:p>
             <a:pPr algn="ctr"/>
-            <a:endParaRPr lang="en-US">
-              <a:solidFill>
-                <a:schemeClr val="tx1"/>
-              </a:solidFill>
-            </a:endParaRPr>
-          </a:p>
-        </p:txBody>
-      </p:sp>
-      <p:sp>
-        <p:nvSpPr>
-          <p:cNvPr id="8" name="Chevron 7"/>
+            <a:endParaRPr lang="en-US"/>
+          </a:p>
+        </p:txBody>
+      </p:sp>
+      <p:sp>
+        <p:nvSpPr>
+          <p:cNvPr id="14" name="Right Arrow 13"/>
           <p:cNvSpPr/>
           <p:nvPr/>
         </p:nvSpPr>
         <p:spPr>
           <a:xfrm>
-            <a:off x="1057794" y="3124200"/>
-            <a:ext cx="152400" cy="191037"/>
+            <a:off x="6629400" y="2436495"/>
+            <a:ext cx="1283208" cy="363474"/>
           </a:xfrm>
-          <a:prstGeom prst="chevron">
+          <a:prstGeom prst="rightArrow">
             <a:avLst/>
           </a:prstGeom>
         </p:spPr>
@@ -12645,14 +14308,14 @@
           <a:lnRef idx="1">
             <a:schemeClr val="accent6"/>
           </a:lnRef>
-          <a:fillRef idx="3">
+          <a:fillRef idx="2">
             <a:schemeClr val="accent6"/>
           </a:fillRef>
-          <a:effectRef idx="2">
+          <a:effectRef idx="1">
             <a:schemeClr val="accent6"/>
           </a:effectRef>
           <a:fontRef idx="minor">
-            <a:schemeClr val="lt1"/>
+            <a:schemeClr val="dk1"/>
           </a:fontRef>
         </p:style>
         <p:txBody>
@@ -12660,26 +14323,80 @@
           <a:lstStyle/>
           <a:p>
             <a:pPr algn="ctr"/>
-            <a:endParaRPr lang="en-US">
-              <a:solidFill>
-                <a:schemeClr val="tx1"/>
-              </a:solidFill>
-            </a:endParaRPr>
-          </a:p>
-        </p:txBody>
-      </p:sp>
-      <p:sp>
-        <p:nvSpPr>
-          <p:cNvPr id="9" name="Chevron 8"/>
+            <a:endParaRPr lang="en-US"/>
+          </a:p>
+        </p:txBody>
+      </p:sp>
+      <p:sp>
+        <p:nvSpPr>
+          <p:cNvPr id="6" name="TextBox 5"/>
+          <p:cNvSpPr txBox="1"/>
+          <p:nvPr/>
+        </p:nvSpPr>
+        <p:spPr>
+          <a:xfrm>
+            <a:off x="1544715" y="1354130"/>
+            <a:ext cx="922047" cy="430887"/>
+          </a:xfrm>
+          <a:prstGeom prst="rect">
+            <a:avLst/>
+          </a:prstGeom>
+          <a:noFill/>
+        </p:spPr>
+        <p:txBody>
+          <a:bodyPr wrap="none" rtlCol="0">
+            <a:spAutoFit/>
+          </a:bodyPr>
+          <a:lstStyle/>
+          <a:p>
+            <a:r>
+              <a:rPr lang="en-US" sz="2200" b="1" dirty="0"/>
+              <a:t>Inputs</a:t>
+            </a:r>
+          </a:p>
+        </p:txBody>
+      </p:sp>
+      <p:sp>
+        <p:nvSpPr>
+          <p:cNvPr id="17" name="TextBox 16"/>
+          <p:cNvSpPr txBox="1"/>
+          <p:nvPr/>
+        </p:nvSpPr>
+        <p:spPr>
+          <a:xfrm>
+            <a:off x="6705600" y="1354130"/>
+            <a:ext cx="1135247" cy="430887"/>
+          </a:xfrm>
+          <a:prstGeom prst="rect">
+            <a:avLst/>
+          </a:prstGeom>
+          <a:noFill/>
+        </p:spPr>
+        <p:txBody>
+          <a:bodyPr wrap="none" rtlCol="0">
+            <a:spAutoFit/>
+          </a:bodyPr>
+          <a:lstStyle/>
+          <a:p>
+            <a:r>
+              <a:rPr lang="en-US" sz="2200" b="1" dirty="0"/>
+              <a:t>Outputs</a:t>
+            </a:r>
+          </a:p>
+        </p:txBody>
+      </p:sp>
+      <p:sp>
+        <p:nvSpPr>
+          <p:cNvPr id="18" name="Right Arrow 17"/>
           <p:cNvSpPr/>
           <p:nvPr/>
         </p:nvSpPr>
         <p:spPr>
           <a:xfrm>
-            <a:off x="1057794" y="3680128"/>
-            <a:ext cx="152400" cy="191037"/>
+            <a:off x="6629400" y="3795403"/>
+            <a:ext cx="1283208" cy="363474"/>
           </a:xfrm>
-          <a:prstGeom prst="chevron">
+          <a:prstGeom prst="rightArrow">
             <a:avLst/>
           </a:prstGeom>
         </p:spPr>
@@ -12687,14 +14404,14 @@
           <a:lnRef idx="1">
             <a:schemeClr val="accent6"/>
           </a:lnRef>
-          <a:fillRef idx="3">
+          <a:fillRef idx="2">
             <a:schemeClr val="accent6"/>
           </a:fillRef>
-          <a:effectRef idx="2">
+          <a:effectRef idx="1">
             <a:schemeClr val="accent6"/>
           </a:effectRef>
           <a:fontRef idx="minor">
-            <a:schemeClr val="lt1"/>
+            <a:schemeClr val="dk1"/>
           </a:fontRef>
         </p:style>
         <p:txBody>
@@ -12702,67 +14419,61 @@
           <a:lstStyle/>
           <a:p>
             <a:pPr algn="ctr"/>
-            <a:endParaRPr lang="en-US">
-              <a:solidFill>
-                <a:schemeClr val="tx1"/>
-              </a:solidFill>
-            </a:endParaRPr>
-          </a:p>
-        </p:txBody>
-      </p:sp>
-      <p:sp>
-        <p:nvSpPr>
-          <p:cNvPr id="10" name="Chevron 9"/>
-          <p:cNvSpPr/>
+            <a:endParaRPr lang="en-US"/>
+          </a:p>
+        </p:txBody>
+      </p:sp>
+      <p:pic>
+        <p:nvPicPr>
+          <p:cNvPr id="1026" name="Picture 2" descr="C:\Users\jkad\Desktop\Trainings\Testing\pics\soft.png"/>
+          <p:cNvPicPr>
+            <a:picLocks noChangeAspect="1" noChangeArrowheads="1"/>
+          </p:cNvPicPr>
           <p:nvPr/>
-        </p:nvSpPr>
-        <p:spPr>
+        </p:nvPicPr>
+        <p:blipFill>
+          <a:blip r:embed="rId2">
+            <a:extLst>
+              <a:ext uri="{28A0092B-C50C-407E-A947-70E740481C1C}">
+                <a14:useLocalDpi xmlns:a14="http://schemas.microsoft.com/office/drawing/2010/main" val="0"/>
+              </a:ext>
+            </a:extLst>
+          </a:blip>
+          <a:srcRect/>
+          <a:stretch>
+            <a:fillRect/>
+          </a:stretch>
+        </p:blipFill>
+        <p:spPr bwMode="auto">
           <a:xfrm>
-            <a:off x="1057794" y="4158736"/>
-            <a:ext cx="152400" cy="191037"/>
+            <a:off x="3276600" y="1710053"/>
+            <a:ext cx="2754431" cy="2616709"/>
           </a:xfrm>
-          <a:prstGeom prst="chevron">
+          <a:prstGeom prst="rect">
             <a:avLst/>
           </a:prstGeom>
+          <a:noFill/>
+          <a:extLst>
+            <a:ext uri="{909E8E84-426E-40DD-AFC4-6F175D3DCCD1}">
+              <a14:hiddenFill xmlns:a14="http://schemas.microsoft.com/office/drawing/2010/main">
+                <a:solidFill>
+                  <a:srgbClr val="FFFFFF"/>
+                </a:solidFill>
+              </a14:hiddenFill>
+            </a:ext>
+          </a:extLst>
         </p:spPr>
-        <p:style>
-          <a:lnRef idx="1">
-            <a:schemeClr val="accent6"/>
-          </a:lnRef>
-          <a:fillRef idx="3">
-            <a:schemeClr val="accent6"/>
-          </a:fillRef>
-          <a:effectRef idx="2">
-            <a:schemeClr val="accent6"/>
-          </a:effectRef>
-          <a:fontRef idx="minor">
-            <a:schemeClr val="lt1"/>
-          </a:fontRef>
-        </p:style>
-        <p:txBody>
-          <a:bodyPr rtlCol="0" anchor="ctr"/>
-          <a:lstStyle/>
-          <a:p>
-            <a:pPr algn="ctr"/>
-            <a:endParaRPr lang="en-US">
-              <a:solidFill>
-                <a:schemeClr val="tx1"/>
-              </a:solidFill>
-            </a:endParaRPr>
-          </a:p>
-        </p:txBody>
-      </p:sp>
+      </p:pic>
     </p:spTree>
     <p:extLst>
       <p:ext uri="{BB962C8B-B14F-4D97-AF65-F5344CB8AC3E}">
-        <p14:creationId xmlns:p14="http://schemas.microsoft.com/office/powerpoint/2010/main" val="2846439420"/>
+        <p14:creationId xmlns:p14="http://schemas.microsoft.com/office/powerpoint/2010/main" val="3182907598"/>
       </p:ext>
     </p:extLst>
   </p:cSld>
   <p:clrMapOvr>
     <a:masterClrMapping/>
   </p:clrMapOvr>
-  <p:transition/>
   <p:timing>
     <p:tnLst>
       <p:par>
@@ -12799,6 +14510,698 @@
         <p:spPr>
           <a:xfrm>
             <a:off x="457200" y="533400"/>
+            <a:ext cx="3701654" cy="630942"/>
+          </a:xfrm>
+          <a:prstGeom prst="rect">
+            <a:avLst/>
+          </a:prstGeom>
+          <a:noFill/>
+        </p:spPr>
+        <p:txBody>
+          <a:bodyPr wrap="none" rtlCol="0">
+            <a:spAutoFit/>
+          </a:bodyPr>
+          <a:lstStyle/>
+          <a:p>
+            <a:r>
+              <a:rPr lang="en-US" sz="3500" dirty="0">
+                <a:solidFill>
+                  <a:schemeClr val="tx1">
+                    <a:lumMod val="65000"/>
+                    <a:lumOff val="35000"/>
+                  </a:schemeClr>
+                </a:solidFill>
+                <a:effectLst>
+                  <a:outerShdw blurRad="38100" dist="38100" dir="2700000" algn="tl">
+                    <a:srgbClr val="000000">
+                      <a:alpha val="43137"/>
+                    </a:srgbClr>
+                  </a:outerShdw>
+                </a:effectLst>
+              </a:rPr>
+              <a:t>Inputs and Outputs</a:t>
+            </a:r>
+          </a:p>
+        </p:txBody>
+      </p:sp>
+      <p:sp>
+        <p:nvSpPr>
+          <p:cNvPr id="11" name="Content Placeholder 2"/>
+          <p:cNvSpPr txBox="1">
+            <a:spLocks/>
+          </p:cNvSpPr>
+          <p:nvPr/>
+        </p:nvSpPr>
+        <p:spPr>
+          <a:xfrm>
+            <a:off x="1232256" y="1371600"/>
+            <a:ext cx="4419600" cy="3505200"/>
+          </a:xfrm>
+          <a:prstGeom prst="rect">
+            <a:avLst/>
+          </a:prstGeom>
+        </p:spPr>
+        <p:txBody>
+          <a:bodyPr vert="horz" lIns="91440" tIns="45720" rIns="91440" bIns="45720" rtlCol="0">
+            <a:normAutofit/>
+          </a:bodyPr>
+          <a:lstStyle>
+            <a:lvl1pPr marL="0" indent="0" algn="ctr" defTabSz="914400" rtl="0" eaLnBrk="1" latinLnBrk="0" hangingPunct="1">
+              <a:spcBef>
+                <a:spcPct val="20000"/>
+              </a:spcBef>
+              <a:buFont typeface="Arial" pitchFamily="34" charset="0"/>
+              <a:buNone/>
+              <a:defRPr sz="3200" kern="1200">
+                <a:solidFill>
+                  <a:schemeClr val="tx1">
+                    <a:tint val="75000"/>
+                  </a:schemeClr>
+                </a:solidFill>
+                <a:latin typeface="+mn-lt"/>
+                <a:ea typeface="+mn-ea"/>
+                <a:cs typeface="+mn-cs"/>
+              </a:defRPr>
+            </a:lvl1pPr>
+            <a:lvl2pPr marL="457200" indent="0" algn="ctr" defTabSz="914400" rtl="0" eaLnBrk="1" latinLnBrk="0" hangingPunct="1">
+              <a:spcBef>
+                <a:spcPct val="20000"/>
+              </a:spcBef>
+              <a:buFont typeface="Arial" pitchFamily="34" charset="0"/>
+              <a:buNone/>
+              <a:defRPr sz="2800" kern="1200">
+                <a:solidFill>
+                  <a:schemeClr val="tx1">
+                    <a:tint val="75000"/>
+                  </a:schemeClr>
+                </a:solidFill>
+                <a:latin typeface="+mn-lt"/>
+                <a:ea typeface="+mn-ea"/>
+                <a:cs typeface="+mn-cs"/>
+              </a:defRPr>
+            </a:lvl2pPr>
+            <a:lvl3pPr marL="914400" indent="0" algn="ctr" defTabSz="914400" rtl="0" eaLnBrk="1" latinLnBrk="0" hangingPunct="1">
+              <a:spcBef>
+                <a:spcPct val="20000"/>
+              </a:spcBef>
+              <a:buFont typeface="Arial" pitchFamily="34" charset="0"/>
+              <a:buNone/>
+              <a:defRPr sz="2400" kern="1200">
+                <a:solidFill>
+                  <a:schemeClr val="tx1">
+                    <a:tint val="75000"/>
+                  </a:schemeClr>
+                </a:solidFill>
+                <a:latin typeface="+mn-lt"/>
+                <a:ea typeface="+mn-ea"/>
+                <a:cs typeface="+mn-cs"/>
+              </a:defRPr>
+            </a:lvl3pPr>
+            <a:lvl4pPr marL="1371600" indent="0" algn="ctr" defTabSz="914400" rtl="0" eaLnBrk="1" latinLnBrk="0" hangingPunct="1">
+              <a:spcBef>
+                <a:spcPct val="20000"/>
+              </a:spcBef>
+              <a:buFont typeface="Arial" pitchFamily="34" charset="0"/>
+              <a:buNone/>
+              <a:defRPr sz="2000" kern="1200">
+                <a:solidFill>
+                  <a:schemeClr val="tx1">
+                    <a:tint val="75000"/>
+                  </a:schemeClr>
+                </a:solidFill>
+                <a:latin typeface="+mn-lt"/>
+                <a:ea typeface="+mn-ea"/>
+                <a:cs typeface="+mn-cs"/>
+              </a:defRPr>
+            </a:lvl4pPr>
+            <a:lvl5pPr marL="1828800" indent="0" algn="ctr" defTabSz="914400" rtl="0" eaLnBrk="1" latinLnBrk="0" hangingPunct="1">
+              <a:spcBef>
+                <a:spcPct val="20000"/>
+              </a:spcBef>
+              <a:buFont typeface="Arial" pitchFamily="34" charset="0"/>
+              <a:buNone/>
+              <a:defRPr sz="2000" kern="1200">
+                <a:solidFill>
+                  <a:schemeClr val="tx1">
+                    <a:tint val="75000"/>
+                  </a:schemeClr>
+                </a:solidFill>
+                <a:latin typeface="+mn-lt"/>
+                <a:ea typeface="+mn-ea"/>
+                <a:cs typeface="+mn-cs"/>
+              </a:defRPr>
+            </a:lvl5pPr>
+            <a:lvl6pPr marL="2286000" indent="0" algn="ctr" defTabSz="914400" rtl="0" eaLnBrk="1" latinLnBrk="0" hangingPunct="1">
+              <a:spcBef>
+                <a:spcPct val="20000"/>
+              </a:spcBef>
+              <a:buFont typeface="Arial" pitchFamily="34" charset="0"/>
+              <a:buNone/>
+              <a:defRPr sz="2000" kern="1200">
+                <a:solidFill>
+                  <a:schemeClr val="tx1">
+                    <a:tint val="75000"/>
+                  </a:schemeClr>
+                </a:solidFill>
+                <a:latin typeface="+mn-lt"/>
+                <a:ea typeface="+mn-ea"/>
+                <a:cs typeface="+mn-cs"/>
+              </a:defRPr>
+            </a:lvl6pPr>
+            <a:lvl7pPr marL="2743200" indent="0" algn="ctr" defTabSz="914400" rtl="0" eaLnBrk="1" latinLnBrk="0" hangingPunct="1">
+              <a:spcBef>
+                <a:spcPct val="20000"/>
+              </a:spcBef>
+              <a:buFont typeface="Arial" pitchFamily="34" charset="0"/>
+              <a:buNone/>
+              <a:defRPr sz="2000" kern="1200">
+                <a:solidFill>
+                  <a:schemeClr val="tx1">
+                    <a:tint val="75000"/>
+                  </a:schemeClr>
+                </a:solidFill>
+                <a:latin typeface="+mn-lt"/>
+                <a:ea typeface="+mn-ea"/>
+                <a:cs typeface="+mn-cs"/>
+              </a:defRPr>
+            </a:lvl7pPr>
+            <a:lvl8pPr marL="3200400" indent="0" algn="ctr" defTabSz="914400" rtl="0" eaLnBrk="1" latinLnBrk="0" hangingPunct="1">
+              <a:spcBef>
+                <a:spcPct val="20000"/>
+              </a:spcBef>
+              <a:buFont typeface="Arial" pitchFamily="34" charset="0"/>
+              <a:buNone/>
+              <a:defRPr sz="2000" kern="1200">
+                <a:solidFill>
+                  <a:schemeClr val="tx1">
+                    <a:tint val="75000"/>
+                  </a:schemeClr>
+                </a:solidFill>
+                <a:latin typeface="+mn-lt"/>
+                <a:ea typeface="+mn-ea"/>
+                <a:cs typeface="+mn-cs"/>
+              </a:defRPr>
+            </a:lvl8pPr>
+            <a:lvl9pPr marL="3657600" indent="0" algn="ctr" defTabSz="914400" rtl="0" eaLnBrk="1" latinLnBrk="0" hangingPunct="1">
+              <a:spcBef>
+                <a:spcPct val="20000"/>
+              </a:spcBef>
+              <a:buFont typeface="Arial" pitchFamily="34" charset="0"/>
+              <a:buNone/>
+              <a:defRPr sz="2000" kern="1200">
+                <a:solidFill>
+                  <a:schemeClr val="tx1">
+                    <a:tint val="75000"/>
+                  </a:schemeClr>
+                </a:solidFill>
+                <a:latin typeface="+mn-lt"/>
+                <a:ea typeface="+mn-ea"/>
+                <a:cs typeface="+mn-cs"/>
+              </a:defRPr>
+            </a:lvl9pPr>
+          </a:lstStyle>
+          <a:p>
+            <a:pPr algn="l">
+              <a:lnSpc>
+                <a:spcPct val="150000"/>
+              </a:lnSpc>
+            </a:pPr>
+            <a:r>
+              <a:rPr lang="en-US" sz="2000" dirty="0" smtClean="0">
+                <a:solidFill>
+                  <a:schemeClr val="tx1">
+                    <a:lumMod val="95000"/>
+                    <a:lumOff val="5000"/>
+                  </a:schemeClr>
+                </a:solidFill>
+              </a:rPr>
+              <a:t>User Interface (UI)</a:t>
+            </a:r>
+            <a:endParaRPr lang="ru-RU" sz="2000" dirty="0" smtClean="0">
+              <a:solidFill>
+                <a:schemeClr val="tx1">
+                  <a:lumMod val="95000"/>
+                  <a:lumOff val="5000"/>
+                </a:schemeClr>
+              </a:solidFill>
+            </a:endParaRPr>
+          </a:p>
+          <a:p>
+            <a:pPr algn="l">
+              <a:lnSpc>
+                <a:spcPct val="150000"/>
+              </a:lnSpc>
+            </a:pPr>
+            <a:r>
+              <a:rPr lang="en-US" sz="2000" dirty="0" smtClean="0">
+                <a:solidFill>
+                  <a:schemeClr val="tx1">
+                    <a:lumMod val="95000"/>
+                    <a:lumOff val="5000"/>
+                  </a:schemeClr>
+                </a:solidFill>
+              </a:rPr>
+              <a:t>Program Interface</a:t>
+            </a:r>
+            <a:r>
+              <a:rPr lang="ru-RU" sz="2000" dirty="0" smtClean="0">
+                <a:solidFill>
+                  <a:schemeClr val="tx1">
+                    <a:lumMod val="95000"/>
+                    <a:lumOff val="5000"/>
+                  </a:schemeClr>
+                </a:solidFill>
+              </a:rPr>
+              <a:t> (</a:t>
+            </a:r>
+            <a:r>
+              <a:rPr lang="en-US" sz="2000" dirty="0" smtClean="0">
+                <a:solidFill>
+                  <a:schemeClr val="tx1">
+                    <a:lumMod val="95000"/>
+                    <a:lumOff val="5000"/>
+                  </a:schemeClr>
+                </a:solidFill>
+              </a:rPr>
+              <a:t>API</a:t>
+            </a:r>
+            <a:r>
+              <a:rPr lang="ru-RU" sz="2000" dirty="0" smtClean="0">
+                <a:solidFill>
+                  <a:schemeClr val="tx1">
+                    <a:lumMod val="95000"/>
+                    <a:lumOff val="5000"/>
+                  </a:schemeClr>
+                </a:solidFill>
+              </a:rPr>
+              <a:t>)</a:t>
+            </a:r>
+          </a:p>
+          <a:p>
+            <a:pPr algn="l">
+              <a:lnSpc>
+                <a:spcPct val="150000"/>
+              </a:lnSpc>
+            </a:pPr>
+            <a:r>
+              <a:rPr lang="en-US" sz="2000" dirty="0" smtClean="0">
+                <a:solidFill>
+                  <a:schemeClr val="tx1">
+                    <a:lumMod val="95000"/>
+                    <a:lumOff val="5000"/>
+                  </a:schemeClr>
+                </a:solidFill>
+              </a:rPr>
+              <a:t>Net Protocol</a:t>
+            </a:r>
+            <a:endParaRPr lang="ru-RU" sz="2000" dirty="0" smtClean="0">
+              <a:solidFill>
+                <a:schemeClr val="tx1">
+                  <a:lumMod val="95000"/>
+                  <a:lumOff val="5000"/>
+                </a:schemeClr>
+              </a:solidFill>
+            </a:endParaRPr>
+          </a:p>
+          <a:p>
+            <a:pPr algn="l">
+              <a:lnSpc>
+                <a:spcPct val="150000"/>
+              </a:lnSpc>
+            </a:pPr>
+            <a:r>
+              <a:rPr lang="en-US" sz="2000" dirty="0" smtClean="0">
+                <a:solidFill>
+                  <a:schemeClr val="tx1">
+                    <a:lumMod val="95000"/>
+                    <a:lumOff val="5000"/>
+                  </a:schemeClr>
+                </a:solidFill>
+              </a:rPr>
+              <a:t>File System</a:t>
+            </a:r>
+            <a:endParaRPr lang="ru-RU" sz="2000" dirty="0" smtClean="0">
+              <a:solidFill>
+                <a:schemeClr val="tx1">
+                  <a:lumMod val="95000"/>
+                  <a:lumOff val="5000"/>
+                </a:schemeClr>
+              </a:solidFill>
+            </a:endParaRPr>
+          </a:p>
+          <a:p>
+            <a:pPr algn="l">
+              <a:lnSpc>
+                <a:spcPct val="150000"/>
+              </a:lnSpc>
+            </a:pPr>
+            <a:r>
+              <a:rPr lang="en-US" sz="2000" dirty="0" smtClean="0">
+                <a:solidFill>
+                  <a:schemeClr val="tx1">
+                    <a:lumMod val="95000"/>
+                    <a:lumOff val="5000"/>
+                  </a:schemeClr>
+                </a:solidFill>
+              </a:rPr>
+              <a:t>Environment State</a:t>
+            </a:r>
+            <a:endParaRPr lang="ru-RU" sz="2000" dirty="0" smtClean="0">
+              <a:solidFill>
+                <a:schemeClr val="tx1">
+                  <a:lumMod val="95000"/>
+                  <a:lumOff val="5000"/>
+                </a:schemeClr>
+              </a:solidFill>
+            </a:endParaRPr>
+          </a:p>
+          <a:p>
+            <a:pPr algn="l">
+              <a:lnSpc>
+                <a:spcPct val="150000"/>
+              </a:lnSpc>
+            </a:pPr>
+            <a:r>
+              <a:rPr lang="en-US" sz="2000" dirty="0" smtClean="0">
+                <a:solidFill>
+                  <a:schemeClr val="tx1">
+                    <a:lumMod val="95000"/>
+                    <a:lumOff val="5000"/>
+                  </a:schemeClr>
+                </a:solidFill>
+              </a:rPr>
+              <a:t>Events</a:t>
+            </a:r>
+            <a:endParaRPr lang="ru-RU" sz="2000" dirty="0" smtClean="0">
+              <a:solidFill>
+                <a:schemeClr val="tx1">
+                  <a:lumMod val="95000"/>
+                  <a:lumOff val="5000"/>
+                </a:schemeClr>
+              </a:solidFill>
+            </a:endParaRPr>
+          </a:p>
+        </p:txBody>
+      </p:sp>
+      <p:sp>
+        <p:nvSpPr>
+          <p:cNvPr id="5" name="Chevron 4"/>
+          <p:cNvSpPr/>
+          <p:nvPr/>
+        </p:nvSpPr>
+        <p:spPr>
+          <a:xfrm>
+            <a:off x="1057990" y="1600200"/>
+            <a:ext cx="152400" cy="191037"/>
+          </a:xfrm>
+          <a:prstGeom prst="chevron">
+            <a:avLst/>
+          </a:prstGeom>
+        </p:spPr>
+        <p:style>
+          <a:lnRef idx="1">
+            <a:schemeClr val="accent6"/>
+          </a:lnRef>
+          <a:fillRef idx="3">
+            <a:schemeClr val="accent6"/>
+          </a:fillRef>
+          <a:effectRef idx="2">
+            <a:schemeClr val="accent6"/>
+          </a:effectRef>
+          <a:fontRef idx="minor">
+            <a:schemeClr val="lt1"/>
+          </a:fontRef>
+        </p:style>
+        <p:txBody>
+          <a:bodyPr rtlCol="0" anchor="ctr"/>
+          <a:lstStyle/>
+          <a:p>
+            <a:pPr algn="ctr"/>
+            <a:endParaRPr lang="en-US">
+              <a:solidFill>
+                <a:schemeClr val="tx1"/>
+              </a:solidFill>
+            </a:endParaRPr>
+          </a:p>
+        </p:txBody>
+      </p:sp>
+      <p:sp>
+        <p:nvSpPr>
+          <p:cNvPr id="6" name="Chevron 5"/>
+          <p:cNvSpPr/>
+          <p:nvPr/>
+        </p:nvSpPr>
+        <p:spPr>
+          <a:xfrm>
+            <a:off x="1057990" y="2080590"/>
+            <a:ext cx="152400" cy="191037"/>
+          </a:xfrm>
+          <a:prstGeom prst="chevron">
+            <a:avLst/>
+          </a:prstGeom>
+        </p:spPr>
+        <p:style>
+          <a:lnRef idx="1">
+            <a:schemeClr val="accent6"/>
+          </a:lnRef>
+          <a:fillRef idx="3">
+            <a:schemeClr val="accent6"/>
+          </a:fillRef>
+          <a:effectRef idx="2">
+            <a:schemeClr val="accent6"/>
+          </a:effectRef>
+          <a:fontRef idx="minor">
+            <a:schemeClr val="lt1"/>
+          </a:fontRef>
+        </p:style>
+        <p:txBody>
+          <a:bodyPr rtlCol="0" anchor="ctr"/>
+          <a:lstStyle/>
+          <a:p>
+            <a:pPr algn="ctr"/>
+            <a:endParaRPr lang="en-US">
+              <a:solidFill>
+                <a:schemeClr val="tx1"/>
+              </a:solidFill>
+            </a:endParaRPr>
+          </a:p>
+        </p:txBody>
+      </p:sp>
+      <p:sp>
+        <p:nvSpPr>
+          <p:cNvPr id="7" name="Chevron 6"/>
+          <p:cNvSpPr/>
+          <p:nvPr/>
+        </p:nvSpPr>
+        <p:spPr>
+          <a:xfrm>
+            <a:off x="1057990" y="2590800"/>
+            <a:ext cx="152400" cy="191037"/>
+          </a:xfrm>
+          <a:prstGeom prst="chevron">
+            <a:avLst/>
+          </a:prstGeom>
+        </p:spPr>
+        <p:style>
+          <a:lnRef idx="1">
+            <a:schemeClr val="accent6"/>
+          </a:lnRef>
+          <a:fillRef idx="3">
+            <a:schemeClr val="accent6"/>
+          </a:fillRef>
+          <a:effectRef idx="2">
+            <a:schemeClr val="accent6"/>
+          </a:effectRef>
+          <a:fontRef idx="minor">
+            <a:schemeClr val="lt1"/>
+          </a:fontRef>
+        </p:style>
+        <p:txBody>
+          <a:bodyPr rtlCol="0" anchor="ctr"/>
+          <a:lstStyle/>
+          <a:p>
+            <a:pPr algn="ctr"/>
+            <a:endParaRPr lang="en-US">
+              <a:solidFill>
+                <a:schemeClr val="tx1"/>
+              </a:solidFill>
+            </a:endParaRPr>
+          </a:p>
+        </p:txBody>
+      </p:sp>
+      <p:sp>
+        <p:nvSpPr>
+          <p:cNvPr id="8" name="Chevron 7"/>
+          <p:cNvSpPr/>
+          <p:nvPr/>
+        </p:nvSpPr>
+        <p:spPr>
+          <a:xfrm>
+            <a:off x="1057794" y="3124200"/>
+            <a:ext cx="152400" cy="191037"/>
+          </a:xfrm>
+          <a:prstGeom prst="chevron">
+            <a:avLst/>
+          </a:prstGeom>
+        </p:spPr>
+        <p:style>
+          <a:lnRef idx="1">
+            <a:schemeClr val="accent6"/>
+          </a:lnRef>
+          <a:fillRef idx="3">
+            <a:schemeClr val="accent6"/>
+          </a:fillRef>
+          <a:effectRef idx="2">
+            <a:schemeClr val="accent6"/>
+          </a:effectRef>
+          <a:fontRef idx="minor">
+            <a:schemeClr val="lt1"/>
+          </a:fontRef>
+        </p:style>
+        <p:txBody>
+          <a:bodyPr rtlCol="0" anchor="ctr"/>
+          <a:lstStyle/>
+          <a:p>
+            <a:pPr algn="ctr"/>
+            <a:endParaRPr lang="en-US">
+              <a:solidFill>
+                <a:schemeClr val="tx1"/>
+              </a:solidFill>
+            </a:endParaRPr>
+          </a:p>
+        </p:txBody>
+      </p:sp>
+      <p:sp>
+        <p:nvSpPr>
+          <p:cNvPr id="9" name="Chevron 8"/>
+          <p:cNvSpPr/>
+          <p:nvPr/>
+        </p:nvSpPr>
+        <p:spPr>
+          <a:xfrm>
+            <a:off x="1057794" y="3680128"/>
+            <a:ext cx="152400" cy="191037"/>
+          </a:xfrm>
+          <a:prstGeom prst="chevron">
+            <a:avLst/>
+          </a:prstGeom>
+        </p:spPr>
+        <p:style>
+          <a:lnRef idx="1">
+            <a:schemeClr val="accent6"/>
+          </a:lnRef>
+          <a:fillRef idx="3">
+            <a:schemeClr val="accent6"/>
+          </a:fillRef>
+          <a:effectRef idx="2">
+            <a:schemeClr val="accent6"/>
+          </a:effectRef>
+          <a:fontRef idx="minor">
+            <a:schemeClr val="lt1"/>
+          </a:fontRef>
+        </p:style>
+        <p:txBody>
+          <a:bodyPr rtlCol="0" anchor="ctr"/>
+          <a:lstStyle/>
+          <a:p>
+            <a:pPr algn="ctr"/>
+            <a:endParaRPr lang="en-US">
+              <a:solidFill>
+                <a:schemeClr val="tx1"/>
+              </a:solidFill>
+            </a:endParaRPr>
+          </a:p>
+        </p:txBody>
+      </p:sp>
+      <p:sp>
+        <p:nvSpPr>
+          <p:cNvPr id="10" name="Chevron 9"/>
+          <p:cNvSpPr/>
+          <p:nvPr/>
+        </p:nvSpPr>
+        <p:spPr>
+          <a:xfrm>
+            <a:off x="1057794" y="4158736"/>
+            <a:ext cx="152400" cy="191037"/>
+          </a:xfrm>
+          <a:prstGeom prst="chevron">
+            <a:avLst/>
+          </a:prstGeom>
+        </p:spPr>
+        <p:style>
+          <a:lnRef idx="1">
+            <a:schemeClr val="accent6"/>
+          </a:lnRef>
+          <a:fillRef idx="3">
+            <a:schemeClr val="accent6"/>
+          </a:fillRef>
+          <a:effectRef idx="2">
+            <a:schemeClr val="accent6"/>
+          </a:effectRef>
+          <a:fontRef idx="minor">
+            <a:schemeClr val="lt1"/>
+          </a:fontRef>
+        </p:style>
+        <p:txBody>
+          <a:bodyPr rtlCol="0" anchor="ctr"/>
+          <a:lstStyle/>
+          <a:p>
+            <a:pPr algn="ctr"/>
+            <a:endParaRPr lang="en-US">
+              <a:solidFill>
+                <a:schemeClr val="tx1"/>
+              </a:solidFill>
+            </a:endParaRPr>
+          </a:p>
+        </p:txBody>
+      </p:sp>
+    </p:spTree>
+    <p:extLst>
+      <p:ext uri="{BB962C8B-B14F-4D97-AF65-F5344CB8AC3E}">
+        <p14:creationId xmlns:p14="http://schemas.microsoft.com/office/powerpoint/2010/main" val="2846439420"/>
+      </p:ext>
+    </p:extLst>
+  </p:cSld>
+  <p:clrMapOvr>
+    <a:masterClrMapping/>
+  </p:clrMapOvr>
+  <p:transition/>
+  <p:timing>
+    <p:tnLst>
+      <p:par>
+        <p:cTn id="1" dur="indefinite" restart="never" nodeType="tmRoot"/>
+      </p:par>
+    </p:tnLst>
+  </p:timing>
+</p:sld>
+</file>
+
+<file path=ppt/slides/slide5.xml><?xml version="1.0" encoding="utf-8"?>
+<p:sld xmlns:a="http://schemas.openxmlformats.org/drawingml/2006/main" xmlns:r="http://schemas.openxmlformats.org/officeDocument/2006/relationships" xmlns:p="http://schemas.openxmlformats.org/presentationml/2006/main">
+  <p:cSld>
+    <p:spTree>
+      <p:nvGrpSpPr>
+        <p:cNvPr id="1" name=""/>
+        <p:cNvGrpSpPr/>
+        <p:nvPr/>
+      </p:nvGrpSpPr>
+      <p:grpSpPr>
+        <a:xfrm>
+          <a:off x="0" y="0"/>
+          <a:ext cx="0" cy="0"/>
+          <a:chOff x="0" y="0"/>
+          <a:chExt cx="0" cy="0"/>
+        </a:xfrm>
+      </p:grpSpPr>
+      <p:sp>
+        <p:nvSpPr>
+          <p:cNvPr id="4" name="TextBox 3"/>
+          <p:cNvSpPr txBox="1"/>
+          <p:nvPr/>
+        </p:nvSpPr>
+        <p:spPr>
+          <a:xfrm>
+            <a:off x="457200" y="533400"/>
             <a:ext cx="5961697" cy="630942"/>
           </a:xfrm>
           <a:prstGeom prst="rect">
@@ -12899,7 +15302,7 @@
         <p:spPr>
           <a:xfrm>
             <a:off x="1259632" y="1556792"/>
-            <a:ext cx="6048672" cy="3108543"/>
+            <a:ext cx="6048672" cy="3539430"/>
           </a:xfrm>
           <a:prstGeom prst="rect">
             <a:avLst/>
@@ -12922,7 +15325,15 @@
             </a:r>
             <a:r>
               <a:rPr lang="ru-RU" sz="2800" dirty="0" smtClean="0"/>
-              <a:t>) с внешним миром (прикладные программы, пользователь и т.п.) посредством предоставляемых интерфейсов</a:t>
+              <a:t>) с внешним миром (прикладные программы</a:t>
+            </a:r>
+            <a:r>
+              <a:rPr lang="en-US" sz="2800" dirty="0" smtClean="0"/>
+              <a:t> (software)</a:t>
+            </a:r>
+            <a:r>
+              <a:rPr lang="ru-RU" sz="2800" dirty="0" smtClean="0"/>
+              <a:t>, пользователь и т.п.) посредством предоставляемых интерфейсов</a:t>
             </a:r>
           </a:p>
         </p:txBody>
@@ -13063,7 +15474,7 @@
 </p:sld>
 </file>
 
-<file path=ppt/slides/slide5.xml><?xml version="1.0" encoding="utf-8"?>
+<file path=ppt/slides/slide6.xml><?xml version="1.0" encoding="utf-8"?>
 <p:sld xmlns:a="http://schemas.openxmlformats.org/drawingml/2006/main" xmlns:r="http://schemas.openxmlformats.org/officeDocument/2006/relationships" xmlns:p="http://schemas.openxmlformats.org/presentationml/2006/main">
   <p:cSld>
     <p:spTree>
@@ -13914,7 +16325,7 @@
 </p:sld>
 </file>
 
-<file path=ppt/slides/slide6.xml><?xml version="1.0" encoding="utf-8"?>
+<file path=ppt/slides/slide7.xml><?xml version="1.0" encoding="utf-8"?>
 <p:sld xmlns:a="http://schemas.openxmlformats.org/drawingml/2006/main" xmlns:r="http://schemas.openxmlformats.org/officeDocument/2006/relationships" xmlns:p="http://schemas.openxmlformats.org/presentationml/2006/main">
   <p:cSld>
     <p:spTree>
@@ -14911,7 +17322,7 @@
 </p:sld>
 </file>
 
-<file path=ppt/slides/slide7.xml><?xml version="1.0" encoding="utf-8"?>
+<file path=ppt/slides/slide8.xml><?xml version="1.0" encoding="utf-8"?>
 <p:sld xmlns:a="http://schemas.openxmlformats.org/drawingml/2006/main" xmlns:r="http://schemas.openxmlformats.org/officeDocument/2006/relationships" xmlns:p="http://schemas.openxmlformats.org/presentationml/2006/main">
   <p:cSld>
     <p:spTree>
@@ -15800,7 +18211,7 @@
 </p:sld>
 </file>
 
-<file path=ppt/slides/slide8.xml><?xml version="1.0" encoding="utf-8"?>
+<file path=ppt/slides/slide9.xml><?xml version="1.0" encoding="utf-8"?>
 <p:sld xmlns:a="http://schemas.openxmlformats.org/drawingml/2006/main" xmlns:r="http://schemas.openxmlformats.org/officeDocument/2006/relationships" xmlns:p="http://schemas.openxmlformats.org/presentationml/2006/main">
   <p:cSld>
     <p:spTree>
@@ -15899,21 +18310,6 @@
               </a:rPr>
               <a:t>?</a:t>
             </a:r>
-            <a:endParaRPr lang="en-US" sz="3500" dirty="0">
-              <a:solidFill>
-                <a:schemeClr val="tx1">
-                  <a:lumMod val="65000"/>
-                  <a:lumOff val="35000"/>
-                </a:schemeClr>
-              </a:solidFill>
-              <a:effectLst>
-                <a:outerShdw blurRad="38100" dist="38100" dir="2700000" algn="tl">
-                  <a:srgbClr val="000000">
-                    <a:alpha val="43137"/>
-                  </a:srgbClr>
-                </a:outerShdw>
-              </a:effectLst>
-            </a:endParaRPr>
           </a:p>
         </p:txBody>
       </p:sp>
@@ -15945,144 +18341,6 @@
     <p:extLst>
       <p:ext uri="{BB962C8B-B14F-4D97-AF65-F5344CB8AC3E}">
         <p14:creationId xmlns:p14="http://schemas.microsoft.com/office/powerpoint/2010/main" val="3685982304"/>
-      </p:ext>
-    </p:extLst>
-  </p:cSld>
-  <p:clrMapOvr>
-    <a:masterClrMapping/>
-  </p:clrMapOvr>
-  <p:transition/>
-  <p:timing>
-    <p:tnLst>
-      <p:par>
-        <p:cTn id="1" dur="indefinite" restart="never" nodeType="tmRoot"/>
-      </p:par>
-    </p:tnLst>
-  </p:timing>
-</p:sld>
-</file>
-
-<file path=ppt/slides/slide9.xml><?xml version="1.0" encoding="utf-8"?>
-<p:sld xmlns:a="http://schemas.openxmlformats.org/drawingml/2006/main" xmlns:r="http://schemas.openxmlformats.org/officeDocument/2006/relationships" xmlns:p="http://schemas.openxmlformats.org/presentationml/2006/main">
-  <p:cSld>
-    <p:spTree>
-      <p:nvGrpSpPr>
-        <p:cNvPr id="1" name=""/>
-        <p:cNvGrpSpPr/>
-        <p:nvPr/>
-      </p:nvGrpSpPr>
-      <p:grpSpPr>
-        <a:xfrm>
-          <a:off x="0" y="0"/>
-          <a:ext cx="0" cy="0"/>
-          <a:chOff x="0" y="0"/>
-          <a:chExt cx="0" cy="0"/>
-        </a:xfrm>
-      </p:grpSpPr>
-      <p:sp>
-        <p:nvSpPr>
-          <p:cNvPr id="4" name="TextBox 3"/>
-          <p:cNvSpPr txBox="1"/>
-          <p:nvPr/>
-        </p:nvSpPr>
-        <p:spPr>
-          <a:xfrm>
-            <a:off x="457200" y="533400"/>
-            <a:ext cx="6621300" cy="630942"/>
-          </a:xfrm>
-          <a:prstGeom prst="rect">
-            <a:avLst/>
-          </a:prstGeom>
-          <a:noFill/>
-        </p:spPr>
-        <p:txBody>
-          <a:bodyPr wrap="none" rtlCol="0">
-            <a:spAutoFit/>
-          </a:bodyPr>
-          <a:lstStyle/>
-          <a:p>
-            <a:r>
-              <a:rPr lang="ru-RU" sz="3500" dirty="0">
-                <a:solidFill>
-                  <a:schemeClr val="tx1">
-                    <a:lumMod val="65000"/>
-                    <a:lumOff val="35000"/>
-                  </a:schemeClr>
-                </a:solidFill>
-                <a:effectLst>
-                  <a:outerShdw blurRad="38100" dist="38100" dir="2700000" algn="tl">
-                    <a:srgbClr val="000000">
-                      <a:alpha val="43137"/>
-                    </a:srgbClr>
-                  </a:outerShdw>
-                </a:effectLst>
-              </a:rPr>
-              <a:t>Какие виды программ вы знаете</a:t>
-            </a:r>
-            <a:r>
-              <a:rPr lang="en-US" sz="3500" dirty="0">
-                <a:solidFill>
-                  <a:schemeClr val="tx1">
-                    <a:lumMod val="65000"/>
-                    <a:lumOff val="35000"/>
-                  </a:schemeClr>
-                </a:solidFill>
-                <a:effectLst>
-                  <a:outerShdw blurRad="38100" dist="38100" dir="2700000" algn="tl">
-                    <a:srgbClr val="000000">
-                      <a:alpha val="43137"/>
-                    </a:srgbClr>
-                  </a:outerShdw>
-                </a:effectLst>
-              </a:rPr>
-              <a:t>?</a:t>
-            </a:r>
-            <a:endParaRPr lang="en-US" sz="3500" dirty="0">
-              <a:solidFill>
-                <a:schemeClr val="tx1">
-                  <a:lumMod val="65000"/>
-                  <a:lumOff val="35000"/>
-                </a:schemeClr>
-              </a:solidFill>
-              <a:effectLst>
-                <a:outerShdw blurRad="38100" dist="38100" dir="2700000" algn="tl">
-                  <a:srgbClr val="000000">
-                    <a:alpha val="43137"/>
-                  </a:srgbClr>
-                </a:outerShdw>
-              </a:effectLst>
-            </a:endParaRPr>
-          </a:p>
-        </p:txBody>
-      </p:sp>
-      <p:pic>
-        <p:nvPicPr>
-          <p:cNvPr id="5" name="Picture 4"/>
-          <p:cNvPicPr>
-            <a:picLocks noChangeAspect="1"/>
-          </p:cNvPicPr>
-          <p:nvPr/>
-        </p:nvPicPr>
-        <p:blipFill>
-          <a:blip r:embed="rId2"/>
-          <a:stretch>
-            <a:fillRect/>
-          </a:stretch>
-        </p:blipFill>
-        <p:spPr>
-          <a:xfrm>
-            <a:off x="1517872" y="1628800"/>
-            <a:ext cx="5810250" cy="4010025"/>
-          </a:xfrm>
-          <a:prstGeom prst="rect">
-            <a:avLst/>
-          </a:prstGeom>
-        </p:spPr>
-      </p:pic>
-    </p:spTree>
-    <p:extLst>
-      <p:ext uri="{BB962C8B-B14F-4D97-AF65-F5344CB8AC3E}">
-        <p14:creationId xmlns:p14="http://schemas.microsoft.com/office/powerpoint/2010/main" val="1217245984"/>
       </p:ext>
     </p:extLst>
   </p:cSld>
